--- a/Labs/Lab05-LCD/Lab05-LCD.pptx
+++ b/Labs/Lab05-LCD/Lab05-LCD.pptx
@@ -8,20 +8,17 @@
     <p:sldId id="256" r:id="rId2"/>
     <p:sldId id="257" r:id="rId3"/>
     <p:sldId id="258" r:id="rId4"/>
-    <p:sldId id="259" r:id="rId5"/>
-    <p:sldId id="260" r:id="rId6"/>
-    <p:sldId id="261" r:id="rId7"/>
-    <p:sldId id="262" r:id="rId8"/>
-    <p:sldId id="264" r:id="rId9"/>
-    <p:sldId id="265" r:id="rId10"/>
-    <p:sldId id="266" r:id="rId11"/>
-    <p:sldId id="273" r:id="rId12"/>
-    <p:sldId id="267" r:id="rId13"/>
-    <p:sldId id="268" r:id="rId14"/>
-    <p:sldId id="269" r:id="rId15"/>
-    <p:sldId id="270" r:id="rId16"/>
-    <p:sldId id="271" r:id="rId17"/>
-    <p:sldId id="272" r:id="rId18"/>
+    <p:sldId id="274" r:id="rId5"/>
+    <p:sldId id="259" r:id="rId6"/>
+    <p:sldId id="260" r:id="rId7"/>
+    <p:sldId id="261" r:id="rId8"/>
+    <p:sldId id="262" r:id="rId9"/>
+    <p:sldId id="264" r:id="rId10"/>
+    <p:sldId id="265" r:id="rId11"/>
+    <p:sldId id="266" r:id="rId12"/>
+    <p:sldId id="273" r:id="rId13"/>
+    <p:sldId id="267" r:id="rId14"/>
+    <p:sldId id="268" r:id="rId15"/>
   </p:sldIdLst>
   <p:sldSz cx="9144000" cy="6858000" type="screen4x3"/>
   <p:notesSz cx="6858000" cy="9144000"/>
@@ -120,6 +117,11 @@
       </a:defRPr>
     </a:lvl9pPr>
   </p:defaultTextStyle>
+  <p:extLst>
+    <p:ext uri="{EFAFB233-063F-42B5-8137-9DF3F51BA10A}">
+      <p15:sldGuideLst xmlns:p15="http://schemas.microsoft.com/office/powerpoint/2012/main"/>
+    </p:ext>
+  </p:extLst>
 </p:presentation>
 </file>
 
@@ -572,7 +574,7 @@
           <a:p>
             <a:fld id="{28320CCE-C547-4A70-B16F-104818F71F93}" type="datetimeFigureOut">
               <a:rPr lang="zh-TW" altLang="en-US" smtClean="0"/>
-              <a:t>2014/11/13</a:t>
+              <a:t>2015/10/29</a:t>
             </a:fld>
             <a:endParaRPr lang="zh-TW" altLang="en-US"/>
           </a:p>
@@ -776,7 +778,7 @@
           <a:p>
             <a:fld id="{28320CCE-C547-4A70-B16F-104818F71F93}" type="datetimeFigureOut">
               <a:rPr lang="zh-TW" altLang="en-US" smtClean="0"/>
-              <a:t>2014/11/13</a:t>
+              <a:t>2015/10/29</a:t>
             </a:fld>
             <a:endParaRPr lang="zh-TW" altLang="en-US"/>
           </a:p>
@@ -968,7 +970,7 @@
           <a:p>
             <a:fld id="{28320CCE-C547-4A70-B16F-104818F71F93}" type="datetimeFigureOut">
               <a:rPr lang="zh-TW" altLang="en-US" smtClean="0"/>
-              <a:t>2014/11/13</a:t>
+              <a:t>2015/10/29</a:t>
             </a:fld>
             <a:endParaRPr lang="zh-TW" altLang="en-US"/>
           </a:p>
@@ -1191,7 +1193,7 @@
           <a:p>
             <a:fld id="{28320CCE-C547-4A70-B16F-104818F71F93}" type="datetimeFigureOut">
               <a:rPr lang="zh-TW" altLang="en-US" smtClean="0"/>
-              <a:t>2014/11/13</a:t>
+              <a:t>2015/10/29</a:t>
             </a:fld>
             <a:endParaRPr lang="zh-TW" altLang="en-US"/>
           </a:p>
@@ -1401,7 +1403,7 @@
           <a:p>
             <a:fld id="{28320CCE-C547-4A70-B16F-104818F71F93}" type="datetimeFigureOut">
               <a:rPr lang="zh-TW" altLang="en-US" smtClean="0"/>
-              <a:t>2014/11/13</a:t>
+              <a:t>2015/10/29</a:t>
             </a:fld>
             <a:endParaRPr lang="zh-TW" altLang="en-US"/>
           </a:p>
@@ -1701,7 +1703,7 @@
           <a:p>
             <a:fld id="{28320CCE-C547-4A70-B16F-104818F71F93}" type="datetimeFigureOut">
               <a:rPr lang="zh-TW" altLang="en-US" smtClean="0"/>
-              <a:t>2014/11/13</a:t>
+              <a:t>2015/10/29</a:t>
             </a:fld>
             <a:endParaRPr lang="zh-TW" altLang="en-US"/>
           </a:p>
@@ -2140,7 +2142,7 @@
           <a:p>
             <a:fld id="{28320CCE-C547-4A70-B16F-104818F71F93}" type="datetimeFigureOut">
               <a:rPr lang="zh-TW" altLang="en-US" smtClean="0"/>
-              <a:t>2014/11/13</a:t>
+              <a:t>2015/10/29</a:t>
             </a:fld>
             <a:endParaRPr lang="zh-TW" altLang="en-US"/>
           </a:p>
@@ -2280,7 +2282,7 @@
           <a:p>
             <a:fld id="{28320CCE-C547-4A70-B16F-104818F71F93}" type="datetimeFigureOut">
               <a:rPr lang="zh-TW" altLang="en-US" smtClean="0"/>
-              <a:t>2014/11/13</a:t>
+              <a:t>2015/10/29</a:t>
             </a:fld>
             <a:endParaRPr lang="zh-TW" altLang="en-US"/>
           </a:p>
@@ -2393,7 +2395,7 @@
           <a:p>
             <a:fld id="{28320CCE-C547-4A70-B16F-104818F71F93}" type="datetimeFigureOut">
               <a:rPr lang="zh-TW" altLang="en-US" smtClean="0"/>
-              <a:t>2014/11/13</a:t>
+              <a:t>2015/10/29</a:t>
             </a:fld>
             <a:endParaRPr lang="zh-TW" altLang="en-US"/>
           </a:p>
@@ -2682,7 +2684,7 @@
           <a:p>
             <a:fld id="{28320CCE-C547-4A70-B16F-104818F71F93}" type="datetimeFigureOut">
               <a:rPr lang="zh-TW" altLang="en-US" smtClean="0"/>
-              <a:t>2014/11/13</a:t>
+              <a:t>2015/10/29</a:t>
             </a:fld>
             <a:endParaRPr lang="zh-TW" altLang="en-US"/>
           </a:p>
@@ -2951,7 +2953,7 @@
           <a:p>
             <a:fld id="{28320CCE-C547-4A70-B16F-104818F71F93}" type="datetimeFigureOut">
               <a:rPr lang="zh-TW" altLang="en-US" smtClean="0"/>
-              <a:t>2014/11/13</a:t>
+              <a:t>2015/10/29</a:t>
             </a:fld>
             <a:endParaRPr lang="zh-TW" altLang="en-US"/>
           </a:p>
@@ -3508,7 +3510,7 @@
           <a:p>
             <a:fld id="{28320CCE-C547-4A70-B16F-104818F71F93}" type="datetimeFigureOut">
               <a:rPr lang="zh-TW" altLang="en-US" smtClean="0"/>
-              <a:t>2014/11/13</a:t>
+              <a:t>2015/10/29</a:t>
             </a:fld>
             <a:endParaRPr lang="zh-TW" altLang="en-US"/>
           </a:p>
@@ -4170,6 +4172,1165 @@
       </p:grpSpPr>
       <p:sp>
         <p:nvSpPr>
+          <p:cNvPr id="2" name="標題 1"/>
+          <p:cNvSpPr>
+            <a:spLocks noGrp="1"/>
+          </p:cNvSpPr>
+          <p:nvPr>
+            <p:ph type="title"/>
+          </p:nvPr>
+        </p:nvSpPr>
+        <p:spPr/>
+        <p:txBody>
+          <a:bodyPr/>
+          <a:lstStyle/>
+          <a:p>
+            <a:r>
+              <a:rPr lang="en-US" altLang="zh-TW" dirty="0" smtClean="0"/>
+              <a:t>Timing diagram to send command/data</a:t>
+            </a:r>
+            <a:endParaRPr lang="zh-TW" altLang="en-US" dirty="0"/>
+          </a:p>
+        </p:txBody>
+      </p:sp>
+      <p:sp>
+        <p:nvSpPr>
+          <p:cNvPr id="3" name="內容版面配置區 2"/>
+          <p:cNvSpPr>
+            <a:spLocks noGrp="1"/>
+          </p:cNvSpPr>
+          <p:nvPr>
+            <p:ph idx="1"/>
+          </p:nvPr>
+        </p:nvSpPr>
+        <p:spPr>
+          <a:xfrm>
+            <a:off x="1051055" y="1991105"/>
+            <a:ext cx="5724211" cy="1150317"/>
+          </a:xfrm>
+        </p:spPr>
+        <p:txBody>
+          <a:bodyPr/>
+          <a:lstStyle/>
+          <a:p>
+            <a:r>
+              <a:rPr lang="en-US" altLang="zh-TW" sz="2400" dirty="0" smtClean="0"/>
+              <a:t>Example: to send command 0x01 </a:t>
+            </a:r>
+          </a:p>
+          <a:p>
+            <a:r>
+              <a:rPr lang="en-US" altLang="zh-TW" sz="2400" dirty="0" smtClean="0"/>
+              <a:t>clear screen, cursor home</a:t>
+            </a:r>
+          </a:p>
+        </p:txBody>
+      </p:sp>
+      <p:grpSp>
+        <p:nvGrpSpPr>
+          <p:cNvPr id="23" name="群組 22"/>
+          <p:cNvGrpSpPr/>
+          <p:nvPr/>
+        </p:nvGrpSpPr>
+        <p:grpSpPr>
+          <a:xfrm>
+            <a:off x="994116" y="3218926"/>
+            <a:ext cx="5458262" cy="3066801"/>
+            <a:chOff x="2518116" y="3036045"/>
+            <a:chExt cx="5458262" cy="3066801"/>
+          </a:xfrm>
+        </p:grpSpPr>
+        <p:grpSp>
+          <p:nvGrpSpPr>
+            <p:cNvPr id="32" name="群組 31"/>
+            <p:cNvGrpSpPr/>
+            <p:nvPr/>
+          </p:nvGrpSpPr>
+          <p:grpSpPr>
+            <a:xfrm>
+              <a:off x="2518116" y="3163836"/>
+              <a:ext cx="4839285" cy="1958462"/>
+              <a:chOff x="815926" y="2868415"/>
+              <a:chExt cx="4839285" cy="1958462"/>
+            </a:xfrm>
+          </p:grpSpPr>
+          <p:sp>
+            <p:nvSpPr>
+              <p:cNvPr id="4" name="文字方塊 3"/>
+              <p:cNvSpPr txBox="1"/>
+              <p:nvPr/>
+            </p:nvSpPr>
+            <p:spPr>
+              <a:xfrm>
+                <a:off x="815926" y="3368283"/>
+                <a:ext cx="309700" cy="338554"/>
+              </a:xfrm>
+              <a:prstGeom prst="rect">
+                <a:avLst/>
+              </a:prstGeom>
+              <a:noFill/>
+            </p:spPr>
+            <p:txBody>
+              <a:bodyPr wrap="none" rtlCol="0">
+                <a:spAutoFit/>
+              </a:bodyPr>
+              <a:lstStyle/>
+              <a:p>
+                <a:r>
+                  <a:rPr lang="en-US" altLang="zh-TW" sz="1600" dirty="0">
+                    <a:latin typeface="Times New Roman" panose="02020603050405020304" pitchFamily="18" charset="0"/>
+                  </a:rPr>
+                  <a:t>E</a:t>
+                </a:r>
+                <a:endParaRPr lang="zh-TW" altLang="en-US" sz="1600" dirty="0">
+                  <a:latin typeface="Times New Roman" panose="02020603050405020304" pitchFamily="18" charset="0"/>
+                </a:endParaRPr>
+              </a:p>
+            </p:txBody>
+          </p:sp>
+          <p:sp>
+            <p:nvSpPr>
+              <p:cNvPr id="5" name="文字方塊 4"/>
+              <p:cNvSpPr txBox="1"/>
+              <p:nvPr/>
+            </p:nvSpPr>
+            <p:spPr>
+              <a:xfrm>
+                <a:off x="815926" y="3927009"/>
+                <a:ext cx="434734" cy="338554"/>
+              </a:xfrm>
+              <a:prstGeom prst="rect">
+                <a:avLst/>
+              </a:prstGeom>
+              <a:noFill/>
+            </p:spPr>
+            <p:txBody>
+              <a:bodyPr wrap="none" rtlCol="0">
+                <a:spAutoFit/>
+              </a:bodyPr>
+              <a:lstStyle/>
+              <a:p>
+                <a:r>
+                  <a:rPr lang="en-US" altLang="zh-TW" sz="1600" dirty="0">
+                    <a:latin typeface="Times New Roman" panose="02020603050405020304" pitchFamily="18" charset="0"/>
+                  </a:rPr>
+                  <a:t>RS</a:t>
+                </a:r>
+                <a:endParaRPr lang="zh-TW" altLang="en-US" sz="1600" dirty="0">
+                  <a:latin typeface="Times New Roman" panose="02020603050405020304" pitchFamily="18" charset="0"/>
+                </a:endParaRPr>
+              </a:p>
+            </p:txBody>
+          </p:sp>
+          <p:sp>
+            <p:nvSpPr>
+              <p:cNvPr id="6" name="文字方塊 5"/>
+              <p:cNvSpPr txBox="1"/>
+              <p:nvPr/>
+            </p:nvSpPr>
+            <p:spPr>
+              <a:xfrm>
+                <a:off x="815926" y="4485735"/>
+                <a:ext cx="732893" cy="338554"/>
+              </a:xfrm>
+              <a:prstGeom prst="rect">
+                <a:avLst/>
+              </a:prstGeom>
+              <a:noFill/>
+            </p:spPr>
+            <p:txBody>
+              <a:bodyPr wrap="none" rtlCol="0">
+                <a:spAutoFit/>
+              </a:bodyPr>
+              <a:lstStyle/>
+              <a:p>
+                <a:r>
+                  <a:rPr lang="en-US" altLang="zh-TW" sz="1600" dirty="0">
+                    <a:latin typeface="Times New Roman" panose="02020603050405020304" pitchFamily="18" charset="0"/>
+                  </a:rPr>
+                  <a:t>D[3:0]</a:t>
+                </a:r>
+                <a:endParaRPr lang="zh-TW" altLang="en-US" sz="1600" dirty="0">
+                  <a:latin typeface="Times New Roman" panose="02020603050405020304" pitchFamily="18" charset="0"/>
+                </a:endParaRPr>
+              </a:p>
+            </p:txBody>
+          </p:sp>
+          <p:sp>
+            <p:nvSpPr>
+              <p:cNvPr id="7" name="圓角矩形 6"/>
+              <p:cNvSpPr/>
+              <p:nvPr/>
+            </p:nvSpPr>
+            <p:spPr bwMode="auto">
+              <a:xfrm>
+                <a:off x="1744393" y="3927009"/>
+                <a:ext cx="1941341" cy="338554"/>
+              </a:xfrm>
+              <a:prstGeom prst="roundRect">
+                <a:avLst/>
+              </a:prstGeom>
+              <a:noFill/>
+              <a:ln w="9525" cap="flat" cmpd="sng" algn="ctr">
+                <a:solidFill>
+                  <a:schemeClr val="tx1"/>
+                </a:solidFill>
+                <a:prstDash val="solid"/>
+                <a:round/>
+                <a:headEnd type="none" w="med" len="med"/>
+                <a:tailEnd type="none" w="med" len="med"/>
+              </a:ln>
+              <a:effectLst/>
+            </p:spPr>
+            <p:txBody>
+              <a:bodyPr rot="0" spcFirstLastPara="0" vertOverflow="overflow" horzOverflow="overflow" vert="horz" wrap="square" lIns="91440" tIns="45720" rIns="91440" bIns="45720" numCol="1" spcCol="0" rtlCol="0" fromWordArt="0" anchor="ctr" anchorCtr="0" forceAA="0" compatLnSpc="1">
+                <a:prstTxWarp prst="textNoShape">
+                  <a:avLst/>
+                </a:prstTxWarp>
+                <a:noAutofit/>
+              </a:bodyPr>
+              <a:lstStyle/>
+              <a:p>
+                <a:pPr algn="ctr" eaLnBrk="0" fontAlgn="base" hangingPunct="0">
+                  <a:spcBef>
+                    <a:spcPct val="0"/>
+                  </a:spcBef>
+                  <a:spcAft>
+                    <a:spcPct val="0"/>
+                  </a:spcAft>
+                </a:pPr>
+                <a:r>
+                  <a:rPr lang="en-US" altLang="zh-TW" dirty="0">
+                    <a:latin typeface="Times New Roman" panose="02020603050405020304" pitchFamily="18" charset="0"/>
+                    <a:cs typeface="Times New Roman" panose="02020603050405020304" pitchFamily="18" charset="0"/>
+                  </a:rPr>
+                  <a:t>0</a:t>
+                </a:r>
+                <a:endParaRPr lang="zh-TW" altLang="en-US" dirty="0">
+                  <a:latin typeface="Times New Roman" panose="02020603050405020304" pitchFamily="18" charset="0"/>
+                  <a:cs typeface="Times New Roman" panose="02020603050405020304" pitchFamily="18" charset="0"/>
+                </a:endParaRPr>
+              </a:p>
+            </p:txBody>
+          </p:sp>
+          <p:sp>
+            <p:nvSpPr>
+              <p:cNvPr id="8" name="圓角矩形 7"/>
+              <p:cNvSpPr/>
+              <p:nvPr/>
+            </p:nvSpPr>
+            <p:spPr bwMode="auto">
+              <a:xfrm>
+                <a:off x="1744394" y="4488323"/>
+                <a:ext cx="1941340" cy="338554"/>
+              </a:xfrm>
+              <a:prstGeom prst="roundRect">
+                <a:avLst/>
+              </a:prstGeom>
+              <a:noFill/>
+              <a:ln w="9525" cap="flat" cmpd="sng" algn="ctr">
+                <a:solidFill>
+                  <a:schemeClr val="tx1"/>
+                </a:solidFill>
+                <a:prstDash val="solid"/>
+                <a:round/>
+                <a:headEnd type="none" w="med" len="med"/>
+                <a:tailEnd type="none" w="med" len="med"/>
+              </a:ln>
+              <a:effectLst/>
+            </p:spPr>
+            <p:txBody>
+              <a:bodyPr rot="0" spcFirstLastPara="0" vertOverflow="overflow" horzOverflow="overflow" vert="horz" wrap="square" lIns="91440" tIns="45720" rIns="91440" bIns="45720" numCol="1" spcCol="0" rtlCol="0" fromWordArt="0" anchor="ctr" anchorCtr="0" forceAA="0" compatLnSpc="1">
+                <a:prstTxWarp prst="textNoShape">
+                  <a:avLst/>
+                </a:prstTxWarp>
+                <a:noAutofit/>
+              </a:bodyPr>
+              <a:lstStyle/>
+              <a:p>
+                <a:pPr algn="ctr" eaLnBrk="0" fontAlgn="base" hangingPunct="0">
+                  <a:spcBef>
+                    <a:spcPct val="0"/>
+                  </a:spcBef>
+                  <a:spcAft>
+                    <a:spcPct val="0"/>
+                  </a:spcAft>
+                </a:pPr>
+                <a:r>
+                  <a:rPr lang="en-US" altLang="zh-TW" dirty="0">
+                    <a:latin typeface="Times New Roman" panose="02020603050405020304" pitchFamily="18" charset="0"/>
+                    <a:cs typeface="Times New Roman" panose="02020603050405020304" pitchFamily="18" charset="0"/>
+                  </a:rPr>
+                  <a:t>0</a:t>
+                </a:r>
+                <a:endParaRPr lang="zh-TW" altLang="en-US" dirty="0">
+                  <a:latin typeface="Times New Roman" panose="02020603050405020304" pitchFamily="18" charset="0"/>
+                  <a:cs typeface="Times New Roman" panose="02020603050405020304" pitchFamily="18" charset="0"/>
+                </a:endParaRPr>
+              </a:p>
+            </p:txBody>
+          </p:sp>
+          <p:cxnSp>
+            <p:nvCxnSpPr>
+              <p:cNvPr id="12" name="直線接點 11"/>
+              <p:cNvCxnSpPr/>
+              <p:nvPr/>
+            </p:nvCxnSpPr>
+            <p:spPr bwMode="auto">
+              <a:xfrm>
+                <a:off x="2461846" y="3368283"/>
+                <a:ext cx="56271" cy="338554"/>
+              </a:xfrm>
+              <a:prstGeom prst="line">
+                <a:avLst/>
+              </a:prstGeom>
+              <a:solidFill>
+                <a:schemeClr val="accent1"/>
+              </a:solidFill>
+              <a:ln w="9525" cap="flat" cmpd="sng" algn="ctr">
+                <a:solidFill>
+                  <a:schemeClr val="tx1"/>
+                </a:solidFill>
+                <a:prstDash val="solid"/>
+                <a:round/>
+                <a:headEnd type="none" w="med" len="med"/>
+                <a:tailEnd type="none" w="med" len="med"/>
+              </a:ln>
+              <a:effectLst/>
+            </p:spPr>
+          </p:cxnSp>
+          <p:cxnSp>
+            <p:nvCxnSpPr>
+              <p:cNvPr id="14" name="直線接點 13"/>
+              <p:cNvCxnSpPr/>
+              <p:nvPr/>
+            </p:nvCxnSpPr>
+            <p:spPr bwMode="auto">
+              <a:xfrm>
+                <a:off x="2518117" y="3706837"/>
+                <a:ext cx="1167617" cy="0"/>
+              </a:xfrm>
+              <a:prstGeom prst="line">
+                <a:avLst/>
+              </a:prstGeom>
+              <a:solidFill>
+                <a:schemeClr val="accent1"/>
+              </a:solidFill>
+              <a:ln w="9525" cap="flat" cmpd="sng" algn="ctr">
+                <a:solidFill>
+                  <a:schemeClr val="tx1"/>
+                </a:solidFill>
+                <a:prstDash val="solid"/>
+                <a:round/>
+                <a:headEnd type="none" w="med" len="med"/>
+                <a:tailEnd type="none" w="med" len="med"/>
+              </a:ln>
+              <a:effectLst/>
+            </p:spPr>
+          </p:cxnSp>
+          <p:sp>
+            <p:nvSpPr>
+              <p:cNvPr id="16" name="圓角矩形 15"/>
+              <p:cNvSpPr/>
+              <p:nvPr/>
+            </p:nvSpPr>
+            <p:spPr bwMode="auto">
+              <a:xfrm>
+                <a:off x="3685734" y="3927009"/>
+                <a:ext cx="1941341" cy="338554"/>
+              </a:xfrm>
+              <a:prstGeom prst="roundRect">
+                <a:avLst/>
+              </a:prstGeom>
+              <a:noFill/>
+              <a:ln w="9525" cap="flat" cmpd="sng" algn="ctr">
+                <a:solidFill>
+                  <a:schemeClr val="tx1"/>
+                </a:solidFill>
+                <a:prstDash val="solid"/>
+                <a:round/>
+                <a:headEnd type="none" w="med" len="med"/>
+                <a:tailEnd type="none" w="med" len="med"/>
+              </a:ln>
+              <a:effectLst/>
+            </p:spPr>
+            <p:txBody>
+              <a:bodyPr rot="0" spcFirstLastPara="0" vertOverflow="overflow" horzOverflow="overflow" vert="horz" wrap="square" lIns="91440" tIns="45720" rIns="91440" bIns="45720" numCol="1" spcCol="0" rtlCol="0" fromWordArt="0" anchor="ctr" anchorCtr="0" forceAA="0" compatLnSpc="1">
+                <a:prstTxWarp prst="textNoShape">
+                  <a:avLst/>
+                </a:prstTxWarp>
+                <a:noAutofit/>
+              </a:bodyPr>
+              <a:lstStyle/>
+              <a:p>
+                <a:pPr algn="ctr" eaLnBrk="0" fontAlgn="base" hangingPunct="0">
+                  <a:spcBef>
+                    <a:spcPct val="0"/>
+                  </a:spcBef>
+                  <a:spcAft>
+                    <a:spcPct val="0"/>
+                  </a:spcAft>
+                </a:pPr>
+                <a:r>
+                  <a:rPr lang="en-US" altLang="zh-TW" dirty="0">
+                    <a:latin typeface="Times New Roman" panose="02020603050405020304" pitchFamily="18" charset="0"/>
+                    <a:cs typeface="Times New Roman" panose="02020603050405020304" pitchFamily="18" charset="0"/>
+                  </a:rPr>
+                  <a:t>0</a:t>
+                </a:r>
+                <a:endParaRPr lang="zh-TW" altLang="en-US" dirty="0">
+                  <a:latin typeface="Times New Roman" panose="02020603050405020304" pitchFamily="18" charset="0"/>
+                  <a:cs typeface="Times New Roman" panose="02020603050405020304" pitchFamily="18" charset="0"/>
+                </a:endParaRPr>
+              </a:p>
+            </p:txBody>
+          </p:sp>
+          <p:sp>
+            <p:nvSpPr>
+              <p:cNvPr id="17" name="圓角矩形 16"/>
+              <p:cNvSpPr/>
+              <p:nvPr/>
+            </p:nvSpPr>
+            <p:spPr bwMode="auto">
+              <a:xfrm>
+                <a:off x="3685734" y="4485735"/>
+                <a:ext cx="1941341" cy="338554"/>
+              </a:xfrm>
+              <a:prstGeom prst="roundRect">
+                <a:avLst/>
+              </a:prstGeom>
+              <a:noFill/>
+              <a:ln w="9525" cap="flat" cmpd="sng" algn="ctr">
+                <a:solidFill>
+                  <a:schemeClr val="tx1"/>
+                </a:solidFill>
+                <a:prstDash val="solid"/>
+                <a:round/>
+                <a:headEnd type="none" w="med" len="med"/>
+                <a:tailEnd type="none" w="med" len="med"/>
+              </a:ln>
+              <a:effectLst/>
+            </p:spPr>
+            <p:txBody>
+              <a:bodyPr rot="0" spcFirstLastPara="0" vertOverflow="overflow" horzOverflow="overflow" vert="horz" wrap="square" lIns="91440" tIns="45720" rIns="91440" bIns="45720" numCol="1" spcCol="0" rtlCol="0" fromWordArt="0" anchor="ctr" anchorCtr="0" forceAA="0" compatLnSpc="1">
+                <a:prstTxWarp prst="textNoShape">
+                  <a:avLst/>
+                </a:prstTxWarp>
+                <a:noAutofit/>
+              </a:bodyPr>
+              <a:lstStyle/>
+              <a:p>
+                <a:pPr algn="ctr" eaLnBrk="0" fontAlgn="base" hangingPunct="0">
+                  <a:spcBef>
+                    <a:spcPct val="0"/>
+                  </a:spcBef>
+                  <a:spcAft>
+                    <a:spcPct val="0"/>
+                  </a:spcAft>
+                </a:pPr>
+                <a:r>
+                  <a:rPr lang="en-US" altLang="zh-TW" dirty="0">
+                    <a:latin typeface="Times New Roman" panose="02020603050405020304" pitchFamily="18" charset="0"/>
+                    <a:cs typeface="Times New Roman" panose="02020603050405020304" pitchFamily="18" charset="0"/>
+                  </a:rPr>
+                  <a:t>1</a:t>
+                </a:r>
+                <a:endParaRPr lang="zh-TW" altLang="en-US" dirty="0">
+                  <a:latin typeface="Times New Roman" panose="02020603050405020304" pitchFamily="18" charset="0"/>
+                  <a:cs typeface="Times New Roman" panose="02020603050405020304" pitchFamily="18" charset="0"/>
+                </a:endParaRPr>
+              </a:p>
+            </p:txBody>
+          </p:sp>
+          <p:cxnSp>
+            <p:nvCxnSpPr>
+              <p:cNvPr id="19" name="直線接點 18"/>
+              <p:cNvCxnSpPr/>
+              <p:nvPr/>
+            </p:nvCxnSpPr>
+            <p:spPr bwMode="auto">
+              <a:xfrm flipV="1">
+                <a:off x="3685734" y="3376246"/>
+                <a:ext cx="98475" cy="328003"/>
+              </a:xfrm>
+              <a:prstGeom prst="line">
+                <a:avLst/>
+              </a:prstGeom>
+              <a:solidFill>
+                <a:schemeClr val="accent1"/>
+              </a:solidFill>
+              <a:ln w="9525" cap="flat" cmpd="sng" algn="ctr">
+                <a:solidFill>
+                  <a:schemeClr val="tx1"/>
+                </a:solidFill>
+                <a:prstDash val="solid"/>
+                <a:round/>
+                <a:headEnd type="none" w="med" len="med"/>
+                <a:tailEnd type="none" w="med" len="med"/>
+              </a:ln>
+              <a:effectLst/>
+            </p:spPr>
+          </p:cxnSp>
+          <p:cxnSp>
+            <p:nvCxnSpPr>
+              <p:cNvPr id="25" name="直線接點 24"/>
+              <p:cNvCxnSpPr/>
+              <p:nvPr/>
+            </p:nvCxnSpPr>
+            <p:spPr bwMode="auto">
+              <a:xfrm>
+                <a:off x="4656404" y="3376246"/>
+                <a:ext cx="126611" cy="328003"/>
+              </a:xfrm>
+              <a:prstGeom prst="line">
+                <a:avLst/>
+              </a:prstGeom>
+              <a:solidFill>
+                <a:schemeClr val="accent1"/>
+              </a:solidFill>
+              <a:ln w="9525" cap="flat" cmpd="sng" algn="ctr">
+                <a:solidFill>
+                  <a:schemeClr val="tx1"/>
+                </a:solidFill>
+                <a:prstDash val="solid"/>
+                <a:round/>
+                <a:headEnd type="none" w="med" len="med"/>
+                <a:tailEnd type="none" w="med" len="med"/>
+              </a:ln>
+              <a:effectLst/>
+            </p:spPr>
+          </p:cxnSp>
+          <p:cxnSp>
+            <p:nvCxnSpPr>
+              <p:cNvPr id="27" name="直線接點 26"/>
+              <p:cNvCxnSpPr/>
+              <p:nvPr/>
+            </p:nvCxnSpPr>
+            <p:spPr bwMode="auto">
+              <a:xfrm>
+                <a:off x="4783015" y="3708695"/>
+                <a:ext cx="872196" cy="0"/>
+              </a:xfrm>
+              <a:prstGeom prst="line">
+                <a:avLst/>
+              </a:prstGeom>
+              <a:solidFill>
+                <a:schemeClr val="accent1"/>
+              </a:solidFill>
+              <a:ln w="9525" cap="flat" cmpd="sng" algn="ctr">
+                <a:solidFill>
+                  <a:schemeClr val="tx1"/>
+                </a:solidFill>
+                <a:prstDash val="solid"/>
+                <a:round/>
+                <a:headEnd type="none" w="med" len="med"/>
+                <a:tailEnd type="none" w="med" len="med"/>
+              </a:ln>
+              <a:effectLst/>
+            </p:spPr>
+          </p:cxnSp>
+          <p:grpSp>
+            <p:nvGrpSpPr>
+              <p:cNvPr id="31" name="群組 30"/>
+              <p:cNvGrpSpPr/>
+              <p:nvPr/>
+            </p:nvGrpSpPr>
+            <p:grpSpPr>
+              <a:xfrm>
+                <a:off x="1744393" y="2868415"/>
+                <a:ext cx="2912011" cy="507831"/>
+                <a:chOff x="1744393" y="2868415"/>
+                <a:chExt cx="2912011" cy="507831"/>
+              </a:xfrm>
+            </p:grpSpPr>
+            <p:cxnSp>
+              <p:nvCxnSpPr>
+                <p:cNvPr id="10" name="直線接點 9"/>
+                <p:cNvCxnSpPr/>
+                <p:nvPr/>
+              </p:nvCxnSpPr>
+              <p:spPr bwMode="auto">
+                <a:xfrm>
+                  <a:off x="1744393" y="3368283"/>
+                  <a:ext cx="717453" cy="0"/>
+                </a:xfrm>
+                <a:prstGeom prst="line">
+                  <a:avLst/>
+                </a:prstGeom>
+                <a:solidFill>
+                  <a:schemeClr val="accent1"/>
+                </a:solidFill>
+                <a:ln w="9525" cap="flat" cmpd="sng" algn="ctr">
+                  <a:solidFill>
+                    <a:schemeClr val="tx1"/>
+                  </a:solidFill>
+                  <a:prstDash val="solid"/>
+                  <a:round/>
+                  <a:headEnd type="none" w="med" len="med"/>
+                  <a:tailEnd type="none" w="med" len="med"/>
+                </a:ln>
+                <a:effectLst/>
+              </p:spPr>
+            </p:cxnSp>
+            <p:cxnSp>
+              <p:nvCxnSpPr>
+                <p:cNvPr id="21" name="直線接點 20"/>
+                <p:cNvCxnSpPr/>
+                <p:nvPr/>
+              </p:nvCxnSpPr>
+              <p:spPr bwMode="auto">
+                <a:xfrm>
+                  <a:off x="3784209" y="3376246"/>
+                  <a:ext cx="872195" cy="0"/>
+                </a:xfrm>
+                <a:prstGeom prst="line">
+                  <a:avLst/>
+                </a:prstGeom>
+                <a:solidFill>
+                  <a:schemeClr val="accent1"/>
+                </a:solidFill>
+                <a:ln w="9525" cap="flat" cmpd="sng" algn="ctr">
+                  <a:solidFill>
+                    <a:schemeClr val="tx1"/>
+                  </a:solidFill>
+                  <a:prstDash val="solid"/>
+                  <a:round/>
+                  <a:headEnd type="none" w="med" len="med"/>
+                  <a:tailEnd type="none" w="med" len="med"/>
+                </a:ln>
+                <a:effectLst/>
+              </p:spPr>
+            </p:cxnSp>
+            <p:cxnSp>
+              <p:nvCxnSpPr>
+                <p:cNvPr id="29" name="直線單箭頭接點 28"/>
+                <p:cNvCxnSpPr/>
+                <p:nvPr/>
+              </p:nvCxnSpPr>
+              <p:spPr bwMode="auto">
+                <a:xfrm>
+                  <a:off x="2912012" y="3010486"/>
+                  <a:ext cx="633046" cy="0"/>
+                </a:xfrm>
+                <a:prstGeom prst="straightConnector1">
+                  <a:avLst/>
+                </a:prstGeom>
+                <a:solidFill>
+                  <a:schemeClr val="accent1"/>
+                </a:solidFill>
+                <a:ln w="9525" cap="flat" cmpd="sng" algn="ctr">
+                  <a:solidFill>
+                    <a:schemeClr val="tx1"/>
+                  </a:solidFill>
+                  <a:prstDash val="solid"/>
+                  <a:round/>
+                  <a:headEnd type="none" w="med" len="med"/>
+                  <a:tailEnd type="triangle"/>
+                </a:ln>
+                <a:effectLst/>
+              </p:spPr>
+            </p:cxnSp>
+            <p:sp>
+              <p:nvSpPr>
+                <p:cNvPr id="30" name="文字方塊 29"/>
+                <p:cNvSpPr txBox="1"/>
+                <p:nvPr/>
+              </p:nvSpPr>
+              <p:spPr>
+                <a:xfrm>
+                  <a:off x="3545058" y="2868415"/>
+                  <a:ext cx="551754" cy="338554"/>
+                </a:xfrm>
+                <a:prstGeom prst="rect">
+                  <a:avLst/>
+                </a:prstGeom>
+                <a:noFill/>
+              </p:spPr>
+              <p:txBody>
+                <a:bodyPr wrap="none" rtlCol="0">
+                  <a:spAutoFit/>
+                </a:bodyPr>
+                <a:lstStyle/>
+                <a:p>
+                  <a:r>
+                    <a:rPr lang="en-US" altLang="zh-TW" sz="1600" dirty="0">
+                      <a:latin typeface="Times New Roman" panose="02020603050405020304" pitchFamily="18" charset="0"/>
+                    </a:rPr>
+                    <a:t>time</a:t>
+                  </a:r>
+                  <a:endParaRPr lang="zh-TW" altLang="en-US" sz="1600" dirty="0">
+                    <a:latin typeface="Times New Roman" panose="02020603050405020304" pitchFamily="18" charset="0"/>
+                  </a:endParaRPr>
+                </a:p>
+              </p:txBody>
+            </p:sp>
+          </p:grpSp>
+        </p:grpSp>
+        <p:sp>
+          <p:nvSpPr>
+            <p:cNvPr id="9" name="圓角矩形 8"/>
+            <p:cNvSpPr/>
+            <p:nvPr/>
+          </p:nvSpPr>
+          <p:spPr bwMode="auto">
+            <a:xfrm>
+              <a:off x="6260123" y="3436155"/>
+              <a:ext cx="323557" cy="720040"/>
+            </a:xfrm>
+            <a:prstGeom prst="roundRect">
+              <a:avLst/>
+            </a:prstGeom>
+            <a:noFill/>
+            <a:ln w="38100" cap="flat" cmpd="sng" algn="ctr">
+              <a:solidFill>
+                <a:srgbClr val="FF0000"/>
+              </a:solidFill>
+              <a:prstDash val="dash"/>
+              <a:round/>
+              <a:headEnd type="none" w="med" len="med"/>
+              <a:tailEnd type="none" w="med" len="med"/>
+            </a:ln>
+            <a:effectLst/>
+          </p:spPr>
+          <p:txBody>
+            <a:bodyPr rot="0" spcFirstLastPara="0" vertOverflow="overflow" horzOverflow="overflow" vert="horz" wrap="square" lIns="91440" tIns="45720" rIns="91440" bIns="45720" numCol="1" spcCol="0" rtlCol="0" fromWordArt="0" anchor="t" anchorCtr="0" forceAA="0" compatLnSpc="1">
+              <a:prstTxWarp prst="textNoShape">
+                <a:avLst/>
+              </a:prstTxWarp>
+              <a:noAutofit/>
+            </a:bodyPr>
+            <a:lstStyle/>
+            <a:p>
+              <a:pPr eaLnBrk="0" fontAlgn="base" hangingPunct="0">
+                <a:spcBef>
+                  <a:spcPct val="0"/>
+                </a:spcBef>
+                <a:spcAft>
+                  <a:spcPct val="0"/>
+                </a:spcAft>
+              </a:pPr>
+              <a:endParaRPr lang="zh-TW" altLang="en-US">
+                <a:latin typeface="Arial" charset="0"/>
+              </a:endParaRPr>
+            </a:p>
+          </p:txBody>
+        </p:sp>
+        <p:sp>
+          <p:nvSpPr>
+            <p:cNvPr id="11" name="文字方塊 10"/>
+            <p:cNvSpPr txBox="1"/>
+            <p:nvPr/>
+          </p:nvSpPr>
+          <p:spPr>
+            <a:xfrm>
+              <a:off x="3202936" y="3036045"/>
+              <a:ext cx="1755609" cy="400110"/>
+            </a:xfrm>
+            <a:prstGeom prst="rect">
+              <a:avLst/>
+            </a:prstGeom>
+            <a:noFill/>
+          </p:spPr>
+          <p:txBody>
+            <a:bodyPr wrap="none" rtlCol="0">
+              <a:spAutoFit/>
+            </a:bodyPr>
+            <a:lstStyle/>
+            <a:p>
+              <a:r>
+                <a:rPr lang="en-US" altLang="zh-TW" sz="2000" dirty="0">
+                  <a:solidFill>
+                    <a:srgbClr val="FF0000"/>
+                  </a:solidFill>
+                  <a:latin typeface="Times New Roman" panose="02020603050405020304" pitchFamily="18" charset="0"/>
+                </a:rPr>
+                <a:t>latch command</a:t>
+              </a:r>
+              <a:endParaRPr lang="zh-TW" altLang="en-US" sz="2000" dirty="0">
+                <a:solidFill>
+                  <a:srgbClr val="FF0000"/>
+                </a:solidFill>
+                <a:latin typeface="Times New Roman" panose="02020603050405020304" pitchFamily="18" charset="0"/>
+              </a:endParaRPr>
+            </a:p>
+          </p:txBody>
+        </p:sp>
+        <p:cxnSp>
+          <p:nvCxnSpPr>
+            <p:cNvPr id="15" name="直線接點 14"/>
+            <p:cNvCxnSpPr/>
+            <p:nvPr/>
+          </p:nvCxnSpPr>
+          <p:spPr bwMode="auto">
+            <a:xfrm>
+              <a:off x="3446583" y="5227320"/>
+              <a:ext cx="0" cy="335280"/>
+            </a:xfrm>
+            <a:prstGeom prst="line">
+              <a:avLst/>
+            </a:prstGeom>
+            <a:solidFill>
+              <a:schemeClr val="accent1"/>
+            </a:solidFill>
+            <a:ln w="9525" cap="flat" cmpd="sng" algn="ctr">
+              <a:solidFill>
+                <a:srgbClr val="FF0000"/>
+              </a:solidFill>
+              <a:prstDash val="solid"/>
+              <a:round/>
+              <a:headEnd type="none" w="med" len="med"/>
+              <a:tailEnd type="none" w="med" len="med"/>
+            </a:ln>
+            <a:effectLst/>
+          </p:spPr>
+        </p:cxnSp>
+        <p:cxnSp>
+          <p:nvCxnSpPr>
+            <p:cNvPr id="20" name="直線接點 19"/>
+            <p:cNvCxnSpPr/>
+            <p:nvPr/>
+          </p:nvCxnSpPr>
+          <p:spPr bwMode="auto">
+            <a:xfrm>
+              <a:off x="3446583" y="5379720"/>
+              <a:ext cx="1941341" cy="0"/>
+            </a:xfrm>
+            <a:prstGeom prst="line">
+              <a:avLst/>
+            </a:prstGeom>
+            <a:solidFill>
+              <a:schemeClr val="accent1"/>
+            </a:solidFill>
+            <a:ln w="9525" cap="flat" cmpd="sng" algn="ctr">
+              <a:solidFill>
+                <a:srgbClr val="FF0000"/>
+              </a:solidFill>
+              <a:prstDash val="solid"/>
+              <a:round/>
+              <a:headEnd type="triangle" w="med" len="med"/>
+              <a:tailEnd type="triangle" w="med" len="med"/>
+            </a:ln>
+            <a:effectLst/>
+          </p:spPr>
+        </p:cxnSp>
+        <p:cxnSp>
+          <p:nvCxnSpPr>
+            <p:cNvPr id="28" name="直線接點 27"/>
+            <p:cNvCxnSpPr/>
+            <p:nvPr/>
+          </p:nvCxnSpPr>
+          <p:spPr bwMode="auto">
+            <a:xfrm>
+              <a:off x="5387924" y="5227320"/>
+              <a:ext cx="0" cy="335280"/>
+            </a:xfrm>
+            <a:prstGeom prst="line">
+              <a:avLst/>
+            </a:prstGeom>
+            <a:solidFill>
+              <a:schemeClr val="accent1"/>
+            </a:solidFill>
+            <a:ln w="9525" cap="flat" cmpd="sng" algn="ctr">
+              <a:solidFill>
+                <a:srgbClr val="FF0000"/>
+              </a:solidFill>
+              <a:prstDash val="solid"/>
+              <a:round/>
+              <a:headEnd type="none" w="med" len="med"/>
+              <a:tailEnd type="none" w="med" len="med"/>
+            </a:ln>
+            <a:effectLst/>
+          </p:spPr>
+        </p:cxnSp>
+        <p:cxnSp>
+          <p:nvCxnSpPr>
+            <p:cNvPr id="33" name="直線接點 32"/>
+            <p:cNvCxnSpPr/>
+            <p:nvPr/>
+          </p:nvCxnSpPr>
+          <p:spPr bwMode="auto">
+            <a:xfrm>
+              <a:off x="7301128" y="5227320"/>
+              <a:ext cx="0" cy="335280"/>
+            </a:xfrm>
+            <a:prstGeom prst="line">
+              <a:avLst/>
+            </a:prstGeom>
+            <a:solidFill>
+              <a:schemeClr val="accent1"/>
+            </a:solidFill>
+            <a:ln w="9525" cap="flat" cmpd="sng" algn="ctr">
+              <a:solidFill>
+                <a:srgbClr val="FF0000"/>
+              </a:solidFill>
+              <a:prstDash val="solid"/>
+              <a:round/>
+              <a:headEnd type="none" w="med" len="med"/>
+              <a:tailEnd type="none" w="med" len="med"/>
+            </a:ln>
+            <a:effectLst/>
+          </p:spPr>
+        </p:cxnSp>
+        <p:cxnSp>
+          <p:nvCxnSpPr>
+            <p:cNvPr id="34" name="直線接點 33"/>
+            <p:cNvCxnSpPr/>
+            <p:nvPr/>
+          </p:nvCxnSpPr>
+          <p:spPr bwMode="auto">
+            <a:xfrm>
+              <a:off x="5359787" y="5379720"/>
+              <a:ext cx="1941341" cy="0"/>
+            </a:xfrm>
+            <a:prstGeom prst="line">
+              <a:avLst/>
+            </a:prstGeom>
+            <a:solidFill>
+              <a:schemeClr val="accent1"/>
+            </a:solidFill>
+            <a:ln w="9525" cap="flat" cmpd="sng" algn="ctr">
+              <a:solidFill>
+                <a:srgbClr val="FF0000"/>
+              </a:solidFill>
+              <a:prstDash val="solid"/>
+              <a:round/>
+              <a:headEnd type="triangle" w="med" len="med"/>
+              <a:tailEnd type="triangle" w="med" len="med"/>
+            </a:ln>
+            <a:effectLst/>
+          </p:spPr>
+        </p:cxnSp>
+        <p:sp>
+          <p:nvSpPr>
+            <p:cNvPr id="22" name="文字方塊 21"/>
+            <p:cNvSpPr txBox="1"/>
+            <p:nvPr/>
+          </p:nvSpPr>
+          <p:spPr>
+            <a:xfrm>
+              <a:off x="3549505" y="5394960"/>
+              <a:ext cx="1651093" cy="707886"/>
+            </a:xfrm>
+            <a:prstGeom prst="rect">
+              <a:avLst/>
+            </a:prstGeom>
+            <a:noFill/>
+          </p:spPr>
+          <p:txBody>
+            <a:bodyPr wrap="none" rtlCol="0">
+              <a:spAutoFit/>
+            </a:bodyPr>
+            <a:lstStyle/>
+            <a:p>
+              <a:r>
+                <a:rPr lang="en-US" altLang="zh-TW" sz="2000" dirty="0">
+                  <a:solidFill>
+                    <a:srgbClr val="FF0000"/>
+                  </a:solidFill>
+                  <a:latin typeface="Times New Roman" panose="02020603050405020304" pitchFamily="18" charset="0"/>
+                </a:rPr>
+                <a:t>Higher-half of</a:t>
+              </a:r>
+            </a:p>
+            <a:p>
+              <a:r>
+                <a:rPr lang="en-US" altLang="zh-TW" sz="2000" dirty="0">
+                  <a:solidFill>
+                    <a:srgbClr val="FF0000"/>
+                  </a:solidFill>
+                  <a:latin typeface="Times New Roman" panose="02020603050405020304" pitchFamily="18" charset="0"/>
+                </a:rPr>
+                <a:t>the command</a:t>
+              </a:r>
+              <a:endParaRPr lang="zh-TW" altLang="en-US" sz="2000" dirty="0">
+                <a:solidFill>
+                  <a:srgbClr val="FF0000"/>
+                </a:solidFill>
+                <a:latin typeface="Times New Roman" panose="02020603050405020304" pitchFamily="18" charset="0"/>
+              </a:endParaRPr>
+            </a:p>
+          </p:txBody>
+        </p:sp>
+        <p:sp>
+          <p:nvSpPr>
+            <p:cNvPr id="35" name="文字方塊 34"/>
+            <p:cNvSpPr txBox="1"/>
+            <p:nvPr/>
+          </p:nvSpPr>
+          <p:spPr>
+            <a:xfrm>
+              <a:off x="5416062" y="5394960"/>
+              <a:ext cx="1609415" cy="707886"/>
+            </a:xfrm>
+            <a:prstGeom prst="rect">
+              <a:avLst/>
+            </a:prstGeom>
+            <a:noFill/>
+          </p:spPr>
+          <p:txBody>
+            <a:bodyPr wrap="none" rtlCol="0">
+              <a:spAutoFit/>
+            </a:bodyPr>
+            <a:lstStyle/>
+            <a:p>
+              <a:r>
+                <a:rPr lang="en-US" altLang="zh-TW" sz="2000" dirty="0">
+                  <a:solidFill>
+                    <a:srgbClr val="FF0000"/>
+                  </a:solidFill>
+                  <a:latin typeface="Times New Roman" panose="02020603050405020304" pitchFamily="18" charset="0"/>
+                </a:rPr>
+                <a:t>Lower-half of</a:t>
+              </a:r>
+            </a:p>
+            <a:p>
+              <a:r>
+                <a:rPr lang="en-US" altLang="zh-TW" sz="2000" dirty="0">
+                  <a:solidFill>
+                    <a:srgbClr val="FF0000"/>
+                  </a:solidFill>
+                  <a:latin typeface="Times New Roman" panose="02020603050405020304" pitchFamily="18" charset="0"/>
+                </a:rPr>
+                <a:t>the command</a:t>
+              </a:r>
+              <a:endParaRPr lang="zh-TW" altLang="en-US" sz="2000" dirty="0">
+                <a:solidFill>
+                  <a:srgbClr val="FF0000"/>
+                </a:solidFill>
+                <a:latin typeface="Times New Roman" panose="02020603050405020304" pitchFamily="18" charset="0"/>
+              </a:endParaRPr>
+            </a:p>
+          </p:txBody>
+        </p:sp>
+        <p:sp>
+          <p:nvSpPr>
+            <p:cNvPr id="36" name="圓角矩形 35"/>
+            <p:cNvSpPr/>
+            <p:nvPr/>
+          </p:nvSpPr>
+          <p:spPr bwMode="auto">
+            <a:xfrm>
+              <a:off x="4009291" y="3502390"/>
+              <a:ext cx="323557" cy="720040"/>
+            </a:xfrm>
+            <a:prstGeom prst="roundRect">
+              <a:avLst/>
+            </a:prstGeom>
+            <a:noFill/>
+            <a:ln w="38100" cap="flat" cmpd="sng" algn="ctr">
+              <a:solidFill>
+                <a:srgbClr val="FF0000"/>
+              </a:solidFill>
+              <a:prstDash val="dash"/>
+              <a:round/>
+              <a:headEnd type="none" w="med" len="med"/>
+              <a:tailEnd type="none" w="med" len="med"/>
+            </a:ln>
+            <a:effectLst/>
+          </p:spPr>
+          <p:txBody>
+            <a:bodyPr rot="0" spcFirstLastPara="0" vertOverflow="overflow" horzOverflow="overflow" vert="horz" wrap="square" lIns="91440" tIns="45720" rIns="91440" bIns="45720" numCol="1" spcCol="0" rtlCol="0" fromWordArt="0" anchor="t" anchorCtr="0" forceAA="0" compatLnSpc="1">
+              <a:prstTxWarp prst="textNoShape">
+                <a:avLst/>
+              </a:prstTxWarp>
+              <a:noAutofit/>
+            </a:bodyPr>
+            <a:lstStyle/>
+            <a:p>
+              <a:pPr eaLnBrk="0" fontAlgn="base" hangingPunct="0">
+                <a:spcBef>
+                  <a:spcPct val="0"/>
+                </a:spcBef>
+                <a:spcAft>
+                  <a:spcPct val="0"/>
+                </a:spcAft>
+              </a:pPr>
+              <a:endParaRPr lang="zh-TW" altLang="en-US">
+                <a:latin typeface="Arial" charset="0"/>
+              </a:endParaRPr>
+            </a:p>
+          </p:txBody>
+        </p:sp>
+        <p:sp>
+          <p:nvSpPr>
+            <p:cNvPr id="37" name="文字方塊 36"/>
+            <p:cNvSpPr txBox="1"/>
+            <p:nvPr/>
+          </p:nvSpPr>
+          <p:spPr>
+            <a:xfrm>
+              <a:off x="6220769" y="3051385"/>
+              <a:ext cx="1755609" cy="400110"/>
+            </a:xfrm>
+            <a:prstGeom prst="rect">
+              <a:avLst/>
+            </a:prstGeom>
+            <a:noFill/>
+          </p:spPr>
+          <p:txBody>
+            <a:bodyPr wrap="none" rtlCol="0">
+              <a:spAutoFit/>
+            </a:bodyPr>
+            <a:lstStyle/>
+            <a:p>
+              <a:r>
+                <a:rPr lang="en-US" altLang="zh-TW" sz="2000" dirty="0">
+                  <a:solidFill>
+                    <a:srgbClr val="FF0000"/>
+                  </a:solidFill>
+                  <a:latin typeface="Times New Roman" panose="02020603050405020304" pitchFamily="18" charset="0"/>
+                </a:rPr>
+                <a:t>latch command</a:t>
+              </a:r>
+              <a:endParaRPr lang="zh-TW" altLang="en-US" sz="2000" dirty="0">
+                <a:solidFill>
+                  <a:srgbClr val="FF0000"/>
+                </a:solidFill>
+                <a:latin typeface="Times New Roman" panose="02020603050405020304" pitchFamily="18" charset="0"/>
+              </a:endParaRPr>
+            </a:p>
+          </p:txBody>
+        </p:sp>
+      </p:grpSp>
+    </p:spTree>
+    <p:extLst>
+      <p:ext uri="{BB962C8B-B14F-4D97-AF65-F5344CB8AC3E}">
+        <p14:creationId xmlns:p14="http://schemas.microsoft.com/office/powerpoint/2010/main" val="3426710873"/>
+      </p:ext>
+    </p:extLst>
+  </p:cSld>
+  <p:clrMapOvr>
+    <a:masterClrMapping/>
+  </p:clrMapOvr>
+  <p:timing>
+    <p:tnLst>
+      <p:par>
+        <p:cTn id="1" dur="indefinite" restart="never" nodeType="tmRoot"/>
+      </p:par>
+    </p:tnLst>
+  </p:timing>
+</p:sld>
+</file>
+
+<file path=ppt/slides/slide11.xml><?xml version="1.0" encoding="utf-8"?>
+<p:sld xmlns:a="http://schemas.openxmlformats.org/drawingml/2006/main" xmlns:r="http://schemas.openxmlformats.org/officeDocument/2006/relationships" xmlns:p="http://schemas.openxmlformats.org/presentationml/2006/main">
+  <p:cSld>
+    <p:spTree>
+      <p:nvGrpSpPr>
+        <p:cNvPr id="1" name=""/>
+        <p:cNvGrpSpPr/>
+        <p:nvPr/>
+      </p:nvGrpSpPr>
+      <p:grpSpPr>
+        <a:xfrm>
+          <a:off x="0" y="0"/>
+          <a:ext cx="0" cy="0"/>
+          <a:chOff x="0" y="0"/>
+          <a:chExt cx="0" cy="0"/>
+        </a:xfrm>
+      </p:grpSpPr>
+      <p:sp>
+        <p:nvSpPr>
           <p:cNvPr id="4" name="標題 3"/>
           <p:cNvSpPr>
             <a:spLocks noGrp="1"/>
@@ -4228,10 +5389,17 @@
   <p:clrMapOvr>
     <a:masterClrMapping/>
   </p:clrMapOvr>
+  <p:timing>
+    <p:tnLst>
+      <p:par>
+        <p:cTn id="1" dur="indefinite" restart="never" nodeType="tmRoot"/>
+      </p:par>
+    </p:tnLst>
+  </p:timing>
 </p:sld>
 </file>
 
-<file path=ppt/slides/slide11.xml><?xml version="1.0" encoding="utf-8"?>
+<file path=ppt/slides/slide12.xml><?xml version="1.0" encoding="utf-8"?>
 <p:sld xmlns:a="http://schemas.openxmlformats.org/drawingml/2006/main" xmlns:r="http://schemas.openxmlformats.org/officeDocument/2006/relationships" xmlns:p="http://schemas.openxmlformats.org/presentationml/2006/main">
   <p:cSld>
     <p:spTree>
@@ -4305,10 +5473,17 @@
   <p:clrMapOvr>
     <a:masterClrMapping/>
   </p:clrMapOvr>
+  <p:timing>
+    <p:tnLst>
+      <p:par>
+        <p:cTn id="1" dur="indefinite" restart="never" nodeType="tmRoot"/>
+      </p:par>
+    </p:tnLst>
+  </p:timing>
 </p:sld>
 </file>
 
-<file path=ppt/slides/slide12.xml><?xml version="1.0" encoding="utf-8"?>
+<file path=ppt/slides/slide13.xml><?xml version="1.0" encoding="utf-8"?>
 <p:sld xmlns:a="http://schemas.openxmlformats.org/drawingml/2006/main" xmlns:r="http://schemas.openxmlformats.org/officeDocument/2006/relationships" xmlns:p="http://schemas.openxmlformats.org/presentationml/2006/main">
   <p:cSld>
     <p:spTree>
@@ -5571,10 +6746,17 @@
   <p:clrMapOvr>
     <a:masterClrMapping/>
   </p:clrMapOvr>
+  <p:timing>
+    <p:tnLst>
+      <p:par>
+        <p:cTn id="1" dur="indefinite" restart="never" nodeType="tmRoot"/>
+      </p:par>
+    </p:tnLst>
+  </p:timing>
 </p:sld>
 </file>
 
-<file path=ppt/slides/slide13.xml><?xml version="1.0" encoding="utf-8"?>
+<file path=ppt/slides/slide14.xml><?xml version="1.0" encoding="utf-8"?>
 <p:sld xmlns:a="http://schemas.openxmlformats.org/drawingml/2006/main" xmlns:r="http://schemas.openxmlformats.org/officeDocument/2006/relationships" xmlns:p="http://schemas.openxmlformats.org/presentationml/2006/main">
   <p:cSld>
     <p:spTree>
@@ -6837,3945 +8019,6 @@
   <p:clrMapOvr>
     <a:masterClrMapping/>
   </p:clrMapOvr>
-</p:sld>
-</file>
-
-<file path=ppt/slides/slide14.xml><?xml version="1.0" encoding="utf-8"?>
-<p:sld xmlns:a="http://schemas.openxmlformats.org/drawingml/2006/main" xmlns:r="http://schemas.openxmlformats.org/officeDocument/2006/relationships" xmlns:p="http://schemas.openxmlformats.org/presentationml/2006/main">
-  <p:cSld>
-    <p:spTree>
-      <p:nvGrpSpPr>
-        <p:cNvPr id="1" name=""/>
-        <p:cNvGrpSpPr/>
-        <p:nvPr/>
-      </p:nvGrpSpPr>
-      <p:grpSpPr>
-        <a:xfrm>
-          <a:off x="0" y="0"/>
-          <a:ext cx="0" cy="0"/>
-          <a:chOff x="0" y="0"/>
-          <a:chExt cx="0" cy="0"/>
-        </a:xfrm>
-      </p:grpSpPr>
-      <p:sp>
-        <p:nvSpPr>
-          <p:cNvPr id="48130" name="Rectangle 4"/>
-          <p:cNvSpPr>
-            <a:spLocks noGrp="1" noChangeArrowheads="1"/>
-          </p:cNvSpPr>
-          <p:nvPr>
-            <p:ph type="ctrTitle"/>
-          </p:nvPr>
-        </p:nvSpPr>
-        <p:spPr/>
-        <p:txBody>
-          <a:bodyPr/>
-          <a:lstStyle/>
-          <a:p>
-            <a:pPr eaLnBrk="1" hangingPunct="1"/>
-            <a:r>
-              <a:rPr lang="en-US" altLang="zh-TW" smtClean="0"/>
-              <a:t>Your Mid-Term Project</a:t>
-            </a:r>
-          </a:p>
-        </p:txBody>
-      </p:sp>
-      <p:sp>
-        <p:nvSpPr>
-          <p:cNvPr id="48131" name="Rectangle 5"/>
-          <p:cNvSpPr>
-            <a:spLocks noGrp="1" noChangeArrowheads="1"/>
-          </p:cNvSpPr>
-          <p:nvPr>
-            <p:ph type="subTitle" idx="1"/>
-          </p:nvPr>
-        </p:nvSpPr>
-        <p:spPr/>
-        <p:txBody>
-          <a:bodyPr/>
-          <a:lstStyle/>
-          <a:p>
-            <a:pPr eaLnBrk="1" hangingPunct="1"/>
-            <a:endParaRPr lang="zh-TW" altLang="zh-TW" smtClean="0"/>
-          </a:p>
-        </p:txBody>
-      </p:sp>
-    </p:spTree>
-    <p:extLst>
-      <p:ext uri="{BB962C8B-B14F-4D97-AF65-F5344CB8AC3E}">
-        <p14:creationId xmlns:p14="http://schemas.microsoft.com/office/powerpoint/2010/main" val="1373567060"/>
-      </p:ext>
-    </p:extLst>
-  </p:cSld>
-  <p:clrMapOvr>
-    <a:masterClrMapping/>
-  </p:clrMapOvr>
-  <p:timing>
-    <p:tnLst>
-      <p:par>
-        <p:cTn id="1" dur="indefinite" restart="never" nodeType="tmRoot"/>
-      </p:par>
-    </p:tnLst>
-  </p:timing>
-</p:sld>
-</file>
-
-<file path=ppt/slides/slide15.xml><?xml version="1.0" encoding="utf-8"?>
-<p:sld xmlns:a="http://schemas.openxmlformats.org/drawingml/2006/main" xmlns:r="http://schemas.openxmlformats.org/officeDocument/2006/relationships" xmlns:p="http://schemas.openxmlformats.org/presentationml/2006/main">
-  <p:cSld>
-    <p:spTree>
-      <p:nvGrpSpPr>
-        <p:cNvPr id="1" name=""/>
-        <p:cNvGrpSpPr/>
-        <p:nvPr/>
-      </p:nvGrpSpPr>
-      <p:grpSpPr>
-        <a:xfrm>
-          <a:off x="0" y="0"/>
-          <a:ext cx="0" cy="0"/>
-          <a:chOff x="0" y="0"/>
-          <a:chExt cx="0" cy="0"/>
-        </a:xfrm>
-      </p:grpSpPr>
-      <p:sp>
-        <p:nvSpPr>
-          <p:cNvPr id="49154" name="Rectangle 2"/>
-          <p:cNvSpPr>
-            <a:spLocks noGrp="1" noChangeArrowheads="1"/>
-          </p:cNvSpPr>
-          <p:nvPr>
-            <p:ph type="title"/>
-          </p:nvPr>
-        </p:nvSpPr>
-        <p:spPr/>
-        <p:txBody>
-          <a:bodyPr/>
-          <a:lstStyle/>
-          <a:p>
-            <a:pPr eaLnBrk="1" hangingPunct="1"/>
-            <a:r>
-              <a:rPr lang="en-US" altLang="zh-TW" smtClean="0"/>
-              <a:t>Project: Count-Down Bomb</a:t>
-            </a:r>
-          </a:p>
-        </p:txBody>
-      </p:sp>
-      <p:sp>
-        <p:nvSpPr>
-          <p:cNvPr id="49155" name="Rectangle 3"/>
-          <p:cNvSpPr>
-            <a:spLocks noGrp="1" noChangeArrowheads="1"/>
-          </p:cNvSpPr>
-          <p:nvPr>
-            <p:ph type="body" idx="1"/>
-          </p:nvPr>
-        </p:nvSpPr>
-        <p:spPr>
-          <a:xfrm>
-            <a:off x="1182688" y="2017715"/>
-            <a:ext cx="7772400" cy="1411287"/>
-          </a:xfrm>
-        </p:spPr>
-        <p:txBody>
-          <a:bodyPr/>
-          <a:lstStyle/>
-          <a:p>
-            <a:pPr eaLnBrk="1" hangingPunct="1">
-              <a:lnSpc>
-                <a:spcPct val="80000"/>
-              </a:lnSpc>
-            </a:pPr>
-            <a:r>
-              <a:rPr lang="en-US" altLang="zh-TW" sz="2000" dirty="0"/>
-              <a:t>setup count-down timer by buttons</a:t>
-            </a:r>
-          </a:p>
-          <a:p>
-            <a:pPr eaLnBrk="1" hangingPunct="1">
-              <a:lnSpc>
-                <a:spcPct val="80000"/>
-              </a:lnSpc>
-            </a:pPr>
-            <a:r>
-              <a:rPr lang="en-US" altLang="zh-TW" sz="2000" dirty="0"/>
-              <a:t>display residual time on the LCD</a:t>
-            </a:r>
-          </a:p>
-          <a:p>
-            <a:pPr eaLnBrk="1" hangingPunct="1">
-              <a:lnSpc>
-                <a:spcPct val="80000"/>
-              </a:lnSpc>
-            </a:pPr>
-            <a:r>
-              <a:rPr lang="en-US" altLang="zh-TW" sz="2000" dirty="0"/>
-              <a:t>input password from buttons to stop count-down</a:t>
-            </a:r>
-          </a:p>
-          <a:p>
-            <a:pPr eaLnBrk="1" hangingPunct="1">
-              <a:lnSpc>
-                <a:spcPct val="80000"/>
-              </a:lnSpc>
-            </a:pPr>
-            <a:r>
-              <a:rPr lang="en-US" altLang="zh-TW" sz="2000" dirty="0"/>
-              <a:t>explode the bomb when (1) time up (2) press the wrong password</a:t>
-            </a:r>
-          </a:p>
-        </p:txBody>
-      </p:sp>
-      <p:grpSp>
-        <p:nvGrpSpPr>
-          <p:cNvPr id="49156" name="Group 71"/>
-          <p:cNvGrpSpPr>
-            <a:grpSpLocks/>
-          </p:cNvGrpSpPr>
-          <p:nvPr/>
-        </p:nvGrpSpPr>
-        <p:grpSpPr bwMode="auto">
-          <a:xfrm>
-            <a:off x="2438400" y="3733800"/>
-            <a:ext cx="4572000" cy="2667000"/>
-            <a:chOff x="2544" y="1776"/>
-            <a:chExt cx="2880" cy="1680"/>
-          </a:xfrm>
-        </p:grpSpPr>
-        <p:grpSp>
-          <p:nvGrpSpPr>
-            <p:cNvPr id="49157" name="Group 23"/>
-            <p:cNvGrpSpPr>
-              <a:grpSpLocks/>
-            </p:cNvGrpSpPr>
-            <p:nvPr/>
-          </p:nvGrpSpPr>
-          <p:grpSpPr bwMode="auto">
-            <a:xfrm>
-              <a:off x="3888" y="2496"/>
-              <a:ext cx="318" cy="453"/>
-              <a:chOff x="1519" y="1480"/>
-              <a:chExt cx="318" cy="453"/>
-            </a:xfrm>
-          </p:grpSpPr>
-          <p:sp>
-            <p:nvSpPr>
-              <p:cNvPr id="49197" name="Line 24"/>
-              <p:cNvSpPr>
-                <a:spLocks noChangeShapeType="1"/>
-              </p:cNvSpPr>
-              <p:nvPr/>
-            </p:nvSpPr>
-            <p:spPr bwMode="auto">
-              <a:xfrm>
-                <a:off x="1565" y="1480"/>
-                <a:ext cx="226" cy="0"/>
-              </a:xfrm>
-              <a:prstGeom prst="line">
-                <a:avLst/>
-              </a:prstGeom>
-              <a:noFill/>
-              <a:ln w="9525">
-                <a:solidFill>
-                  <a:schemeClr val="tx1"/>
-                </a:solidFill>
-                <a:round/>
-                <a:headEnd/>
-                <a:tailEnd/>
-              </a:ln>
-              <a:extLst>
-                <a:ext uri="{909E8E84-426E-40DD-AFC4-6F175D3DCCD1}">
-                  <a14:hiddenFill xmlns:a14="http://schemas.microsoft.com/office/drawing/2010/main">
-                    <a:noFill/>
-                  </a14:hiddenFill>
-                </a:ext>
-              </a:extLst>
-            </p:spPr>
-            <p:txBody>
-              <a:bodyPr/>
-              <a:lstStyle/>
-              <a:p>
-                <a:endParaRPr lang="zh-TW" altLang="en-US"/>
-              </a:p>
-            </p:txBody>
-          </p:sp>
-          <p:sp>
-            <p:nvSpPr>
-              <p:cNvPr id="49198" name="Line 25"/>
-              <p:cNvSpPr>
-                <a:spLocks noChangeShapeType="1"/>
-              </p:cNvSpPr>
-              <p:nvPr/>
-            </p:nvSpPr>
-            <p:spPr bwMode="auto">
-              <a:xfrm>
-                <a:off x="1519" y="1480"/>
-                <a:ext cx="0" cy="181"/>
-              </a:xfrm>
-              <a:prstGeom prst="line">
-                <a:avLst/>
-              </a:prstGeom>
-              <a:noFill/>
-              <a:ln w="9525">
-                <a:solidFill>
-                  <a:schemeClr val="tx1"/>
-                </a:solidFill>
-                <a:round/>
-                <a:headEnd/>
-                <a:tailEnd/>
-              </a:ln>
-              <a:extLst>
-                <a:ext uri="{909E8E84-426E-40DD-AFC4-6F175D3DCCD1}">
-                  <a14:hiddenFill xmlns:a14="http://schemas.microsoft.com/office/drawing/2010/main">
-                    <a:noFill/>
-                  </a14:hiddenFill>
-                </a:ext>
-              </a:extLst>
-            </p:spPr>
-            <p:txBody>
-              <a:bodyPr/>
-              <a:lstStyle/>
-              <a:p>
-                <a:endParaRPr lang="zh-TW" altLang="en-US"/>
-              </a:p>
-            </p:txBody>
-          </p:sp>
-          <p:sp>
-            <p:nvSpPr>
-              <p:cNvPr id="49199" name="Line 26"/>
-              <p:cNvSpPr>
-                <a:spLocks noChangeShapeType="1"/>
-              </p:cNvSpPr>
-              <p:nvPr/>
-            </p:nvSpPr>
-            <p:spPr bwMode="auto">
-              <a:xfrm>
-                <a:off x="1837" y="1480"/>
-                <a:ext cx="0" cy="181"/>
-              </a:xfrm>
-              <a:prstGeom prst="line">
-                <a:avLst/>
-              </a:prstGeom>
-              <a:noFill/>
-              <a:ln w="9525">
-                <a:solidFill>
-                  <a:schemeClr val="tx1"/>
-                </a:solidFill>
-                <a:round/>
-                <a:headEnd/>
-                <a:tailEnd/>
-              </a:ln>
-              <a:extLst>
-                <a:ext uri="{909E8E84-426E-40DD-AFC4-6F175D3DCCD1}">
-                  <a14:hiddenFill xmlns:a14="http://schemas.microsoft.com/office/drawing/2010/main">
-                    <a:noFill/>
-                  </a14:hiddenFill>
-                </a:ext>
-              </a:extLst>
-            </p:spPr>
-            <p:txBody>
-              <a:bodyPr/>
-              <a:lstStyle/>
-              <a:p>
-                <a:endParaRPr lang="zh-TW" altLang="en-US"/>
-              </a:p>
-            </p:txBody>
-          </p:sp>
-          <p:sp>
-            <p:nvSpPr>
-              <p:cNvPr id="49200" name="Line 27"/>
-              <p:cNvSpPr>
-                <a:spLocks noChangeShapeType="1"/>
-              </p:cNvSpPr>
-              <p:nvPr/>
-            </p:nvSpPr>
-            <p:spPr bwMode="auto">
-              <a:xfrm>
-                <a:off x="1565" y="1706"/>
-                <a:ext cx="226" cy="0"/>
-              </a:xfrm>
-              <a:prstGeom prst="line">
-                <a:avLst/>
-              </a:prstGeom>
-              <a:noFill/>
-              <a:ln w="9525">
-                <a:solidFill>
-                  <a:schemeClr val="tx1"/>
-                </a:solidFill>
-                <a:round/>
-                <a:headEnd/>
-                <a:tailEnd/>
-              </a:ln>
-              <a:extLst>
-                <a:ext uri="{909E8E84-426E-40DD-AFC4-6F175D3DCCD1}">
-                  <a14:hiddenFill xmlns:a14="http://schemas.microsoft.com/office/drawing/2010/main">
-                    <a:noFill/>
-                  </a14:hiddenFill>
-                </a:ext>
-              </a:extLst>
-            </p:spPr>
-            <p:txBody>
-              <a:bodyPr/>
-              <a:lstStyle/>
-              <a:p>
-                <a:endParaRPr lang="zh-TW" altLang="en-US"/>
-              </a:p>
-            </p:txBody>
-          </p:sp>
-          <p:sp>
-            <p:nvSpPr>
-              <p:cNvPr id="49201" name="Line 28"/>
-              <p:cNvSpPr>
-                <a:spLocks noChangeShapeType="1"/>
-              </p:cNvSpPr>
-              <p:nvPr/>
-            </p:nvSpPr>
-            <p:spPr bwMode="auto">
-              <a:xfrm>
-                <a:off x="1565" y="1933"/>
-                <a:ext cx="226" cy="0"/>
-              </a:xfrm>
-              <a:prstGeom prst="line">
-                <a:avLst/>
-              </a:prstGeom>
-              <a:noFill/>
-              <a:ln w="9525">
-                <a:solidFill>
-                  <a:schemeClr val="tx1"/>
-                </a:solidFill>
-                <a:round/>
-                <a:headEnd/>
-                <a:tailEnd/>
-              </a:ln>
-              <a:extLst>
-                <a:ext uri="{909E8E84-426E-40DD-AFC4-6F175D3DCCD1}">
-                  <a14:hiddenFill xmlns:a14="http://schemas.microsoft.com/office/drawing/2010/main">
-                    <a:noFill/>
-                  </a14:hiddenFill>
-                </a:ext>
-              </a:extLst>
-            </p:spPr>
-            <p:txBody>
-              <a:bodyPr/>
-              <a:lstStyle/>
-              <a:p>
-                <a:endParaRPr lang="zh-TW" altLang="en-US"/>
-              </a:p>
-            </p:txBody>
-          </p:sp>
-          <p:sp>
-            <p:nvSpPr>
-              <p:cNvPr id="49202" name="Line 29"/>
-              <p:cNvSpPr>
-                <a:spLocks noChangeShapeType="1"/>
-              </p:cNvSpPr>
-              <p:nvPr/>
-            </p:nvSpPr>
-            <p:spPr bwMode="auto">
-              <a:xfrm>
-                <a:off x="1519" y="1706"/>
-                <a:ext cx="0" cy="181"/>
-              </a:xfrm>
-              <a:prstGeom prst="line">
-                <a:avLst/>
-              </a:prstGeom>
-              <a:noFill/>
-              <a:ln w="9525">
-                <a:solidFill>
-                  <a:schemeClr val="tx1"/>
-                </a:solidFill>
-                <a:round/>
-                <a:headEnd/>
-                <a:tailEnd/>
-              </a:ln>
-              <a:extLst>
-                <a:ext uri="{909E8E84-426E-40DD-AFC4-6F175D3DCCD1}">
-                  <a14:hiddenFill xmlns:a14="http://schemas.microsoft.com/office/drawing/2010/main">
-                    <a:noFill/>
-                  </a14:hiddenFill>
-                </a:ext>
-              </a:extLst>
-            </p:spPr>
-            <p:txBody>
-              <a:bodyPr/>
-              <a:lstStyle/>
-              <a:p>
-                <a:endParaRPr lang="zh-TW" altLang="en-US"/>
-              </a:p>
-            </p:txBody>
-          </p:sp>
-          <p:sp>
-            <p:nvSpPr>
-              <p:cNvPr id="49203" name="Line 30"/>
-              <p:cNvSpPr>
-                <a:spLocks noChangeShapeType="1"/>
-              </p:cNvSpPr>
-              <p:nvPr/>
-            </p:nvSpPr>
-            <p:spPr bwMode="auto">
-              <a:xfrm>
-                <a:off x="1837" y="1706"/>
-                <a:ext cx="0" cy="181"/>
-              </a:xfrm>
-              <a:prstGeom prst="line">
-                <a:avLst/>
-              </a:prstGeom>
-              <a:noFill/>
-              <a:ln w="9525">
-                <a:solidFill>
-                  <a:schemeClr val="tx1"/>
-                </a:solidFill>
-                <a:round/>
-                <a:headEnd/>
-                <a:tailEnd/>
-              </a:ln>
-              <a:extLst>
-                <a:ext uri="{909E8E84-426E-40DD-AFC4-6F175D3DCCD1}">
-                  <a14:hiddenFill xmlns:a14="http://schemas.microsoft.com/office/drawing/2010/main">
-                    <a:noFill/>
-                  </a14:hiddenFill>
-                </a:ext>
-              </a:extLst>
-            </p:spPr>
-            <p:txBody>
-              <a:bodyPr/>
-              <a:lstStyle/>
-              <a:p>
-                <a:endParaRPr lang="zh-TW" altLang="en-US"/>
-              </a:p>
-            </p:txBody>
-          </p:sp>
-        </p:grpSp>
-        <p:grpSp>
-          <p:nvGrpSpPr>
-            <p:cNvPr id="49158" name="Group 31"/>
-            <p:cNvGrpSpPr>
-              <a:grpSpLocks/>
-            </p:cNvGrpSpPr>
-            <p:nvPr/>
-          </p:nvGrpSpPr>
-          <p:grpSpPr bwMode="auto">
-            <a:xfrm>
-              <a:off x="4320" y="2496"/>
-              <a:ext cx="318" cy="453"/>
-              <a:chOff x="1519" y="1480"/>
-              <a:chExt cx="318" cy="453"/>
-            </a:xfrm>
-          </p:grpSpPr>
-          <p:sp>
-            <p:nvSpPr>
-              <p:cNvPr id="49190" name="Line 32"/>
-              <p:cNvSpPr>
-                <a:spLocks noChangeShapeType="1"/>
-              </p:cNvSpPr>
-              <p:nvPr/>
-            </p:nvSpPr>
-            <p:spPr bwMode="auto">
-              <a:xfrm>
-                <a:off x="1565" y="1480"/>
-                <a:ext cx="226" cy="0"/>
-              </a:xfrm>
-              <a:prstGeom prst="line">
-                <a:avLst/>
-              </a:prstGeom>
-              <a:noFill/>
-              <a:ln w="9525">
-                <a:solidFill>
-                  <a:schemeClr val="tx1"/>
-                </a:solidFill>
-                <a:round/>
-                <a:headEnd/>
-                <a:tailEnd/>
-              </a:ln>
-              <a:extLst>
-                <a:ext uri="{909E8E84-426E-40DD-AFC4-6F175D3DCCD1}">
-                  <a14:hiddenFill xmlns:a14="http://schemas.microsoft.com/office/drawing/2010/main">
-                    <a:noFill/>
-                  </a14:hiddenFill>
-                </a:ext>
-              </a:extLst>
-            </p:spPr>
-            <p:txBody>
-              <a:bodyPr/>
-              <a:lstStyle/>
-              <a:p>
-                <a:endParaRPr lang="zh-TW" altLang="en-US"/>
-              </a:p>
-            </p:txBody>
-          </p:sp>
-          <p:sp>
-            <p:nvSpPr>
-              <p:cNvPr id="49191" name="Line 33"/>
-              <p:cNvSpPr>
-                <a:spLocks noChangeShapeType="1"/>
-              </p:cNvSpPr>
-              <p:nvPr/>
-            </p:nvSpPr>
-            <p:spPr bwMode="auto">
-              <a:xfrm>
-                <a:off x="1519" y="1480"/>
-                <a:ext cx="0" cy="181"/>
-              </a:xfrm>
-              <a:prstGeom prst="line">
-                <a:avLst/>
-              </a:prstGeom>
-              <a:noFill/>
-              <a:ln w="9525">
-                <a:solidFill>
-                  <a:schemeClr val="tx1"/>
-                </a:solidFill>
-                <a:round/>
-                <a:headEnd/>
-                <a:tailEnd/>
-              </a:ln>
-              <a:extLst>
-                <a:ext uri="{909E8E84-426E-40DD-AFC4-6F175D3DCCD1}">
-                  <a14:hiddenFill xmlns:a14="http://schemas.microsoft.com/office/drawing/2010/main">
-                    <a:noFill/>
-                  </a14:hiddenFill>
-                </a:ext>
-              </a:extLst>
-            </p:spPr>
-            <p:txBody>
-              <a:bodyPr/>
-              <a:lstStyle/>
-              <a:p>
-                <a:endParaRPr lang="zh-TW" altLang="en-US"/>
-              </a:p>
-            </p:txBody>
-          </p:sp>
-          <p:sp>
-            <p:nvSpPr>
-              <p:cNvPr id="49192" name="Line 34"/>
-              <p:cNvSpPr>
-                <a:spLocks noChangeShapeType="1"/>
-              </p:cNvSpPr>
-              <p:nvPr/>
-            </p:nvSpPr>
-            <p:spPr bwMode="auto">
-              <a:xfrm>
-                <a:off x="1837" y="1480"/>
-                <a:ext cx="0" cy="181"/>
-              </a:xfrm>
-              <a:prstGeom prst="line">
-                <a:avLst/>
-              </a:prstGeom>
-              <a:noFill/>
-              <a:ln w="9525">
-                <a:solidFill>
-                  <a:schemeClr val="tx1"/>
-                </a:solidFill>
-                <a:round/>
-                <a:headEnd/>
-                <a:tailEnd/>
-              </a:ln>
-              <a:extLst>
-                <a:ext uri="{909E8E84-426E-40DD-AFC4-6F175D3DCCD1}">
-                  <a14:hiddenFill xmlns:a14="http://schemas.microsoft.com/office/drawing/2010/main">
-                    <a:noFill/>
-                  </a14:hiddenFill>
-                </a:ext>
-              </a:extLst>
-            </p:spPr>
-            <p:txBody>
-              <a:bodyPr/>
-              <a:lstStyle/>
-              <a:p>
-                <a:endParaRPr lang="zh-TW" altLang="en-US"/>
-              </a:p>
-            </p:txBody>
-          </p:sp>
-          <p:sp>
-            <p:nvSpPr>
-              <p:cNvPr id="49193" name="Line 35"/>
-              <p:cNvSpPr>
-                <a:spLocks noChangeShapeType="1"/>
-              </p:cNvSpPr>
-              <p:nvPr/>
-            </p:nvSpPr>
-            <p:spPr bwMode="auto">
-              <a:xfrm>
-                <a:off x="1565" y="1706"/>
-                <a:ext cx="226" cy="0"/>
-              </a:xfrm>
-              <a:prstGeom prst="line">
-                <a:avLst/>
-              </a:prstGeom>
-              <a:noFill/>
-              <a:ln w="9525">
-                <a:solidFill>
-                  <a:schemeClr val="tx1"/>
-                </a:solidFill>
-                <a:round/>
-                <a:headEnd/>
-                <a:tailEnd/>
-              </a:ln>
-              <a:extLst>
-                <a:ext uri="{909E8E84-426E-40DD-AFC4-6F175D3DCCD1}">
-                  <a14:hiddenFill xmlns:a14="http://schemas.microsoft.com/office/drawing/2010/main">
-                    <a:noFill/>
-                  </a14:hiddenFill>
-                </a:ext>
-              </a:extLst>
-            </p:spPr>
-            <p:txBody>
-              <a:bodyPr/>
-              <a:lstStyle/>
-              <a:p>
-                <a:endParaRPr lang="zh-TW" altLang="en-US"/>
-              </a:p>
-            </p:txBody>
-          </p:sp>
-          <p:sp>
-            <p:nvSpPr>
-              <p:cNvPr id="49194" name="Line 36"/>
-              <p:cNvSpPr>
-                <a:spLocks noChangeShapeType="1"/>
-              </p:cNvSpPr>
-              <p:nvPr/>
-            </p:nvSpPr>
-            <p:spPr bwMode="auto">
-              <a:xfrm>
-                <a:off x="1565" y="1933"/>
-                <a:ext cx="226" cy="0"/>
-              </a:xfrm>
-              <a:prstGeom prst="line">
-                <a:avLst/>
-              </a:prstGeom>
-              <a:noFill/>
-              <a:ln w="9525">
-                <a:solidFill>
-                  <a:schemeClr val="tx1"/>
-                </a:solidFill>
-                <a:round/>
-                <a:headEnd/>
-                <a:tailEnd/>
-              </a:ln>
-              <a:extLst>
-                <a:ext uri="{909E8E84-426E-40DD-AFC4-6F175D3DCCD1}">
-                  <a14:hiddenFill xmlns:a14="http://schemas.microsoft.com/office/drawing/2010/main">
-                    <a:noFill/>
-                  </a14:hiddenFill>
-                </a:ext>
-              </a:extLst>
-            </p:spPr>
-            <p:txBody>
-              <a:bodyPr/>
-              <a:lstStyle/>
-              <a:p>
-                <a:endParaRPr lang="zh-TW" altLang="en-US"/>
-              </a:p>
-            </p:txBody>
-          </p:sp>
-          <p:sp>
-            <p:nvSpPr>
-              <p:cNvPr id="49195" name="Line 37"/>
-              <p:cNvSpPr>
-                <a:spLocks noChangeShapeType="1"/>
-              </p:cNvSpPr>
-              <p:nvPr/>
-            </p:nvSpPr>
-            <p:spPr bwMode="auto">
-              <a:xfrm>
-                <a:off x="1519" y="1706"/>
-                <a:ext cx="0" cy="181"/>
-              </a:xfrm>
-              <a:prstGeom prst="line">
-                <a:avLst/>
-              </a:prstGeom>
-              <a:noFill/>
-              <a:ln w="9525">
-                <a:solidFill>
-                  <a:schemeClr val="tx1"/>
-                </a:solidFill>
-                <a:round/>
-                <a:headEnd/>
-                <a:tailEnd/>
-              </a:ln>
-              <a:extLst>
-                <a:ext uri="{909E8E84-426E-40DD-AFC4-6F175D3DCCD1}">
-                  <a14:hiddenFill xmlns:a14="http://schemas.microsoft.com/office/drawing/2010/main">
-                    <a:noFill/>
-                  </a14:hiddenFill>
-                </a:ext>
-              </a:extLst>
-            </p:spPr>
-            <p:txBody>
-              <a:bodyPr/>
-              <a:lstStyle/>
-              <a:p>
-                <a:endParaRPr lang="zh-TW" altLang="en-US"/>
-              </a:p>
-            </p:txBody>
-          </p:sp>
-          <p:sp>
-            <p:nvSpPr>
-              <p:cNvPr id="49196" name="Line 38"/>
-              <p:cNvSpPr>
-                <a:spLocks noChangeShapeType="1"/>
-              </p:cNvSpPr>
-              <p:nvPr/>
-            </p:nvSpPr>
-            <p:spPr bwMode="auto">
-              <a:xfrm>
-                <a:off x="1837" y="1706"/>
-                <a:ext cx="0" cy="181"/>
-              </a:xfrm>
-              <a:prstGeom prst="line">
-                <a:avLst/>
-              </a:prstGeom>
-              <a:noFill/>
-              <a:ln w="9525">
-                <a:solidFill>
-                  <a:schemeClr val="tx1"/>
-                </a:solidFill>
-                <a:round/>
-                <a:headEnd/>
-                <a:tailEnd/>
-              </a:ln>
-              <a:extLst>
-                <a:ext uri="{909E8E84-426E-40DD-AFC4-6F175D3DCCD1}">
-                  <a14:hiddenFill xmlns:a14="http://schemas.microsoft.com/office/drawing/2010/main">
-                    <a:noFill/>
-                  </a14:hiddenFill>
-                </a:ext>
-              </a:extLst>
-            </p:spPr>
-            <p:txBody>
-              <a:bodyPr/>
-              <a:lstStyle/>
-              <a:p>
-                <a:endParaRPr lang="zh-TW" altLang="en-US"/>
-              </a:p>
-            </p:txBody>
-          </p:sp>
-        </p:grpSp>
-        <p:grpSp>
-          <p:nvGrpSpPr>
-            <p:cNvPr id="49159" name="Group 39"/>
-            <p:cNvGrpSpPr>
-              <a:grpSpLocks/>
-            </p:cNvGrpSpPr>
-            <p:nvPr/>
-          </p:nvGrpSpPr>
-          <p:grpSpPr bwMode="auto">
-            <a:xfrm>
-              <a:off x="3456" y="2496"/>
-              <a:ext cx="318" cy="453"/>
-              <a:chOff x="1519" y="1480"/>
-              <a:chExt cx="318" cy="453"/>
-            </a:xfrm>
-          </p:grpSpPr>
-          <p:sp>
-            <p:nvSpPr>
-              <p:cNvPr id="49183" name="Line 40"/>
-              <p:cNvSpPr>
-                <a:spLocks noChangeShapeType="1"/>
-              </p:cNvSpPr>
-              <p:nvPr/>
-            </p:nvSpPr>
-            <p:spPr bwMode="auto">
-              <a:xfrm>
-                <a:off x="1565" y="1480"/>
-                <a:ext cx="226" cy="0"/>
-              </a:xfrm>
-              <a:prstGeom prst="line">
-                <a:avLst/>
-              </a:prstGeom>
-              <a:noFill/>
-              <a:ln w="9525">
-                <a:solidFill>
-                  <a:schemeClr val="tx1"/>
-                </a:solidFill>
-                <a:round/>
-                <a:headEnd/>
-                <a:tailEnd/>
-              </a:ln>
-              <a:extLst>
-                <a:ext uri="{909E8E84-426E-40DD-AFC4-6F175D3DCCD1}">
-                  <a14:hiddenFill xmlns:a14="http://schemas.microsoft.com/office/drawing/2010/main">
-                    <a:noFill/>
-                  </a14:hiddenFill>
-                </a:ext>
-              </a:extLst>
-            </p:spPr>
-            <p:txBody>
-              <a:bodyPr/>
-              <a:lstStyle/>
-              <a:p>
-                <a:endParaRPr lang="zh-TW" altLang="en-US"/>
-              </a:p>
-            </p:txBody>
-          </p:sp>
-          <p:sp>
-            <p:nvSpPr>
-              <p:cNvPr id="49184" name="Line 41"/>
-              <p:cNvSpPr>
-                <a:spLocks noChangeShapeType="1"/>
-              </p:cNvSpPr>
-              <p:nvPr/>
-            </p:nvSpPr>
-            <p:spPr bwMode="auto">
-              <a:xfrm>
-                <a:off x="1519" y="1480"/>
-                <a:ext cx="0" cy="181"/>
-              </a:xfrm>
-              <a:prstGeom prst="line">
-                <a:avLst/>
-              </a:prstGeom>
-              <a:noFill/>
-              <a:ln w="9525">
-                <a:solidFill>
-                  <a:schemeClr val="tx1"/>
-                </a:solidFill>
-                <a:round/>
-                <a:headEnd/>
-                <a:tailEnd/>
-              </a:ln>
-              <a:extLst>
-                <a:ext uri="{909E8E84-426E-40DD-AFC4-6F175D3DCCD1}">
-                  <a14:hiddenFill xmlns:a14="http://schemas.microsoft.com/office/drawing/2010/main">
-                    <a:noFill/>
-                  </a14:hiddenFill>
-                </a:ext>
-              </a:extLst>
-            </p:spPr>
-            <p:txBody>
-              <a:bodyPr/>
-              <a:lstStyle/>
-              <a:p>
-                <a:endParaRPr lang="zh-TW" altLang="en-US"/>
-              </a:p>
-            </p:txBody>
-          </p:sp>
-          <p:sp>
-            <p:nvSpPr>
-              <p:cNvPr id="49185" name="Line 42"/>
-              <p:cNvSpPr>
-                <a:spLocks noChangeShapeType="1"/>
-              </p:cNvSpPr>
-              <p:nvPr/>
-            </p:nvSpPr>
-            <p:spPr bwMode="auto">
-              <a:xfrm>
-                <a:off x="1837" y="1480"/>
-                <a:ext cx="0" cy="181"/>
-              </a:xfrm>
-              <a:prstGeom prst="line">
-                <a:avLst/>
-              </a:prstGeom>
-              <a:noFill/>
-              <a:ln w="9525">
-                <a:solidFill>
-                  <a:schemeClr val="tx1"/>
-                </a:solidFill>
-                <a:round/>
-                <a:headEnd/>
-                <a:tailEnd/>
-              </a:ln>
-              <a:extLst>
-                <a:ext uri="{909E8E84-426E-40DD-AFC4-6F175D3DCCD1}">
-                  <a14:hiddenFill xmlns:a14="http://schemas.microsoft.com/office/drawing/2010/main">
-                    <a:noFill/>
-                  </a14:hiddenFill>
-                </a:ext>
-              </a:extLst>
-            </p:spPr>
-            <p:txBody>
-              <a:bodyPr/>
-              <a:lstStyle/>
-              <a:p>
-                <a:endParaRPr lang="zh-TW" altLang="en-US"/>
-              </a:p>
-            </p:txBody>
-          </p:sp>
-          <p:sp>
-            <p:nvSpPr>
-              <p:cNvPr id="49186" name="Line 43"/>
-              <p:cNvSpPr>
-                <a:spLocks noChangeShapeType="1"/>
-              </p:cNvSpPr>
-              <p:nvPr/>
-            </p:nvSpPr>
-            <p:spPr bwMode="auto">
-              <a:xfrm>
-                <a:off x="1565" y="1706"/>
-                <a:ext cx="226" cy="0"/>
-              </a:xfrm>
-              <a:prstGeom prst="line">
-                <a:avLst/>
-              </a:prstGeom>
-              <a:noFill/>
-              <a:ln w="9525">
-                <a:solidFill>
-                  <a:schemeClr val="tx1"/>
-                </a:solidFill>
-                <a:round/>
-                <a:headEnd/>
-                <a:tailEnd/>
-              </a:ln>
-              <a:extLst>
-                <a:ext uri="{909E8E84-426E-40DD-AFC4-6F175D3DCCD1}">
-                  <a14:hiddenFill xmlns:a14="http://schemas.microsoft.com/office/drawing/2010/main">
-                    <a:noFill/>
-                  </a14:hiddenFill>
-                </a:ext>
-              </a:extLst>
-            </p:spPr>
-            <p:txBody>
-              <a:bodyPr/>
-              <a:lstStyle/>
-              <a:p>
-                <a:endParaRPr lang="zh-TW" altLang="en-US"/>
-              </a:p>
-            </p:txBody>
-          </p:sp>
-          <p:sp>
-            <p:nvSpPr>
-              <p:cNvPr id="49187" name="Line 44"/>
-              <p:cNvSpPr>
-                <a:spLocks noChangeShapeType="1"/>
-              </p:cNvSpPr>
-              <p:nvPr/>
-            </p:nvSpPr>
-            <p:spPr bwMode="auto">
-              <a:xfrm>
-                <a:off x="1565" y="1933"/>
-                <a:ext cx="226" cy="0"/>
-              </a:xfrm>
-              <a:prstGeom prst="line">
-                <a:avLst/>
-              </a:prstGeom>
-              <a:noFill/>
-              <a:ln w="9525">
-                <a:solidFill>
-                  <a:schemeClr val="tx1"/>
-                </a:solidFill>
-                <a:round/>
-                <a:headEnd/>
-                <a:tailEnd/>
-              </a:ln>
-              <a:extLst>
-                <a:ext uri="{909E8E84-426E-40DD-AFC4-6F175D3DCCD1}">
-                  <a14:hiddenFill xmlns:a14="http://schemas.microsoft.com/office/drawing/2010/main">
-                    <a:noFill/>
-                  </a14:hiddenFill>
-                </a:ext>
-              </a:extLst>
-            </p:spPr>
-            <p:txBody>
-              <a:bodyPr/>
-              <a:lstStyle/>
-              <a:p>
-                <a:endParaRPr lang="zh-TW" altLang="en-US"/>
-              </a:p>
-            </p:txBody>
-          </p:sp>
-          <p:sp>
-            <p:nvSpPr>
-              <p:cNvPr id="49188" name="Line 45"/>
-              <p:cNvSpPr>
-                <a:spLocks noChangeShapeType="1"/>
-              </p:cNvSpPr>
-              <p:nvPr/>
-            </p:nvSpPr>
-            <p:spPr bwMode="auto">
-              <a:xfrm>
-                <a:off x="1519" y="1706"/>
-                <a:ext cx="0" cy="181"/>
-              </a:xfrm>
-              <a:prstGeom prst="line">
-                <a:avLst/>
-              </a:prstGeom>
-              <a:noFill/>
-              <a:ln w="9525">
-                <a:solidFill>
-                  <a:schemeClr val="tx1"/>
-                </a:solidFill>
-                <a:round/>
-                <a:headEnd/>
-                <a:tailEnd/>
-              </a:ln>
-              <a:extLst>
-                <a:ext uri="{909E8E84-426E-40DD-AFC4-6F175D3DCCD1}">
-                  <a14:hiddenFill xmlns:a14="http://schemas.microsoft.com/office/drawing/2010/main">
-                    <a:noFill/>
-                  </a14:hiddenFill>
-                </a:ext>
-              </a:extLst>
-            </p:spPr>
-            <p:txBody>
-              <a:bodyPr/>
-              <a:lstStyle/>
-              <a:p>
-                <a:endParaRPr lang="zh-TW" altLang="en-US"/>
-              </a:p>
-            </p:txBody>
-          </p:sp>
-          <p:sp>
-            <p:nvSpPr>
-              <p:cNvPr id="49189" name="Line 46"/>
-              <p:cNvSpPr>
-                <a:spLocks noChangeShapeType="1"/>
-              </p:cNvSpPr>
-              <p:nvPr/>
-            </p:nvSpPr>
-            <p:spPr bwMode="auto">
-              <a:xfrm>
-                <a:off x="1837" y="1706"/>
-                <a:ext cx="0" cy="181"/>
-              </a:xfrm>
-              <a:prstGeom prst="line">
-                <a:avLst/>
-              </a:prstGeom>
-              <a:noFill/>
-              <a:ln w="9525">
-                <a:solidFill>
-                  <a:schemeClr val="tx1"/>
-                </a:solidFill>
-                <a:round/>
-                <a:headEnd/>
-                <a:tailEnd/>
-              </a:ln>
-              <a:extLst>
-                <a:ext uri="{909E8E84-426E-40DD-AFC4-6F175D3DCCD1}">
-                  <a14:hiddenFill xmlns:a14="http://schemas.microsoft.com/office/drawing/2010/main">
-                    <a:noFill/>
-                  </a14:hiddenFill>
-                </a:ext>
-              </a:extLst>
-            </p:spPr>
-            <p:txBody>
-              <a:bodyPr/>
-              <a:lstStyle/>
-              <a:p>
-                <a:endParaRPr lang="zh-TW" altLang="en-US"/>
-              </a:p>
-            </p:txBody>
-          </p:sp>
-        </p:grpSp>
-        <p:sp>
-          <p:nvSpPr>
-            <p:cNvPr id="49160" name="AutoShape 47"/>
-            <p:cNvSpPr>
-              <a:spLocks noChangeArrowheads="1"/>
-            </p:cNvSpPr>
-            <p:nvPr/>
-          </p:nvSpPr>
-          <p:spPr bwMode="auto">
-            <a:xfrm>
-              <a:off x="3312" y="2304"/>
-              <a:ext cx="1872" cy="771"/>
-            </a:xfrm>
-            <a:prstGeom prst="roundRect">
-              <a:avLst>
-                <a:gd name="adj" fmla="val 16667"/>
-              </a:avLst>
-            </a:prstGeom>
-            <a:noFill/>
-            <a:ln w="9525">
-              <a:solidFill>
-                <a:schemeClr val="tx1"/>
-              </a:solidFill>
-              <a:round/>
-              <a:headEnd/>
-              <a:tailEnd/>
-            </a:ln>
-            <a:extLst>
-              <a:ext uri="{909E8E84-426E-40DD-AFC4-6F175D3DCCD1}">
-                <a14:hiddenFill xmlns:a14="http://schemas.microsoft.com/office/drawing/2010/main">
-                  <a:solidFill>
-                    <a:srgbClr val="FFFFFF"/>
-                  </a:solidFill>
-                </a14:hiddenFill>
-              </a:ext>
-            </a:extLst>
-          </p:spPr>
-          <p:txBody>
-            <a:bodyPr wrap="none" anchor="ctr"/>
-            <a:lstStyle>
-              <a:lvl1pPr eaLnBrk="0" hangingPunct="0">
-                <a:defRPr kumimoji="1" sz="1600">
-                  <a:solidFill>
-                    <a:schemeClr val="tx1"/>
-                  </a:solidFill>
-                  <a:latin typeface="Times New Roman" panose="02020603050405020304" pitchFamily="18" charset="0"/>
-                  <a:ea typeface="標楷體" panose="03000509000000000000" pitchFamily="65" charset="-120"/>
-                </a:defRPr>
-              </a:lvl1pPr>
-              <a:lvl2pPr marL="742950" indent="-285750" eaLnBrk="0" hangingPunct="0">
-                <a:defRPr kumimoji="1" sz="1600">
-                  <a:solidFill>
-                    <a:schemeClr val="tx1"/>
-                  </a:solidFill>
-                  <a:latin typeface="Times New Roman" panose="02020603050405020304" pitchFamily="18" charset="0"/>
-                  <a:ea typeface="標楷體" panose="03000509000000000000" pitchFamily="65" charset="-120"/>
-                </a:defRPr>
-              </a:lvl2pPr>
-              <a:lvl3pPr marL="1143000" indent="-228600" eaLnBrk="0" hangingPunct="0">
-                <a:defRPr kumimoji="1" sz="1600">
-                  <a:solidFill>
-                    <a:schemeClr val="tx1"/>
-                  </a:solidFill>
-                  <a:latin typeface="Times New Roman" panose="02020603050405020304" pitchFamily="18" charset="0"/>
-                  <a:ea typeface="標楷體" panose="03000509000000000000" pitchFamily="65" charset="-120"/>
-                </a:defRPr>
-              </a:lvl3pPr>
-              <a:lvl4pPr marL="1600200" indent="-228600" eaLnBrk="0" hangingPunct="0">
-                <a:defRPr kumimoji="1" sz="1600">
-                  <a:solidFill>
-                    <a:schemeClr val="tx1"/>
-                  </a:solidFill>
-                  <a:latin typeface="Times New Roman" panose="02020603050405020304" pitchFamily="18" charset="0"/>
-                  <a:ea typeface="標楷體" panose="03000509000000000000" pitchFamily="65" charset="-120"/>
-                </a:defRPr>
-              </a:lvl4pPr>
-              <a:lvl5pPr marL="2057400" indent="-228600" eaLnBrk="0" hangingPunct="0">
-                <a:defRPr kumimoji="1" sz="1600">
-                  <a:solidFill>
-                    <a:schemeClr val="tx1"/>
-                  </a:solidFill>
-                  <a:latin typeface="Times New Roman" panose="02020603050405020304" pitchFamily="18" charset="0"/>
-                  <a:ea typeface="標楷體" panose="03000509000000000000" pitchFamily="65" charset="-120"/>
-                </a:defRPr>
-              </a:lvl5pPr>
-              <a:lvl6pPr marL="2514600" indent="-228600" eaLnBrk="0" fontAlgn="base" hangingPunct="0">
-                <a:spcBef>
-                  <a:spcPct val="0"/>
-                </a:spcBef>
-                <a:spcAft>
-                  <a:spcPct val="0"/>
-                </a:spcAft>
-                <a:defRPr kumimoji="1" sz="1600">
-                  <a:solidFill>
-                    <a:schemeClr val="tx1"/>
-                  </a:solidFill>
-                  <a:latin typeface="Times New Roman" panose="02020603050405020304" pitchFamily="18" charset="0"/>
-                  <a:ea typeface="標楷體" panose="03000509000000000000" pitchFamily="65" charset="-120"/>
-                </a:defRPr>
-              </a:lvl6pPr>
-              <a:lvl7pPr marL="2971800" indent="-228600" eaLnBrk="0" fontAlgn="base" hangingPunct="0">
-                <a:spcBef>
-                  <a:spcPct val="0"/>
-                </a:spcBef>
-                <a:spcAft>
-                  <a:spcPct val="0"/>
-                </a:spcAft>
-                <a:defRPr kumimoji="1" sz="1600">
-                  <a:solidFill>
-                    <a:schemeClr val="tx1"/>
-                  </a:solidFill>
-                  <a:latin typeface="Times New Roman" panose="02020603050405020304" pitchFamily="18" charset="0"/>
-                  <a:ea typeface="標楷體" panose="03000509000000000000" pitchFamily="65" charset="-120"/>
-                </a:defRPr>
-              </a:lvl7pPr>
-              <a:lvl8pPr marL="3429000" indent="-228600" eaLnBrk="0" fontAlgn="base" hangingPunct="0">
-                <a:spcBef>
-                  <a:spcPct val="0"/>
-                </a:spcBef>
-                <a:spcAft>
-                  <a:spcPct val="0"/>
-                </a:spcAft>
-                <a:defRPr kumimoji="1" sz="1600">
-                  <a:solidFill>
-                    <a:schemeClr val="tx1"/>
-                  </a:solidFill>
-                  <a:latin typeface="Times New Roman" panose="02020603050405020304" pitchFamily="18" charset="0"/>
-                  <a:ea typeface="標楷體" panose="03000509000000000000" pitchFamily="65" charset="-120"/>
-                </a:defRPr>
-              </a:lvl8pPr>
-              <a:lvl9pPr marL="3886200" indent="-228600" eaLnBrk="0" fontAlgn="base" hangingPunct="0">
-                <a:spcBef>
-                  <a:spcPct val="0"/>
-                </a:spcBef>
-                <a:spcAft>
-                  <a:spcPct val="0"/>
-                </a:spcAft>
-                <a:defRPr kumimoji="1" sz="1600">
-                  <a:solidFill>
-                    <a:schemeClr val="tx1"/>
-                  </a:solidFill>
-                  <a:latin typeface="Times New Roman" panose="02020603050405020304" pitchFamily="18" charset="0"/>
-                  <a:ea typeface="標楷體" panose="03000509000000000000" pitchFamily="65" charset="-120"/>
-                </a:defRPr>
-              </a:lvl9pPr>
-            </a:lstStyle>
-            <a:p>
-              <a:pPr eaLnBrk="1" hangingPunct="1"/>
-              <a:endParaRPr lang="zh-TW" altLang="en-US"/>
-            </a:p>
-          </p:txBody>
-        </p:sp>
-        <p:grpSp>
-          <p:nvGrpSpPr>
-            <p:cNvPr id="49161" name="Group 49"/>
-            <p:cNvGrpSpPr>
-              <a:grpSpLocks/>
-            </p:cNvGrpSpPr>
-            <p:nvPr/>
-          </p:nvGrpSpPr>
-          <p:grpSpPr bwMode="auto">
-            <a:xfrm>
-              <a:off x="4752" y="2496"/>
-              <a:ext cx="318" cy="453"/>
-              <a:chOff x="1519" y="1480"/>
-              <a:chExt cx="318" cy="453"/>
-            </a:xfrm>
-          </p:grpSpPr>
-          <p:sp>
-            <p:nvSpPr>
-              <p:cNvPr id="49176" name="Line 50"/>
-              <p:cNvSpPr>
-                <a:spLocks noChangeShapeType="1"/>
-              </p:cNvSpPr>
-              <p:nvPr/>
-            </p:nvSpPr>
-            <p:spPr bwMode="auto">
-              <a:xfrm>
-                <a:off x="1565" y="1480"/>
-                <a:ext cx="226" cy="0"/>
-              </a:xfrm>
-              <a:prstGeom prst="line">
-                <a:avLst/>
-              </a:prstGeom>
-              <a:noFill/>
-              <a:ln w="9525">
-                <a:solidFill>
-                  <a:schemeClr val="tx1"/>
-                </a:solidFill>
-                <a:round/>
-                <a:headEnd/>
-                <a:tailEnd/>
-              </a:ln>
-              <a:extLst>
-                <a:ext uri="{909E8E84-426E-40DD-AFC4-6F175D3DCCD1}">
-                  <a14:hiddenFill xmlns:a14="http://schemas.microsoft.com/office/drawing/2010/main">
-                    <a:noFill/>
-                  </a14:hiddenFill>
-                </a:ext>
-              </a:extLst>
-            </p:spPr>
-            <p:txBody>
-              <a:bodyPr/>
-              <a:lstStyle/>
-              <a:p>
-                <a:endParaRPr lang="zh-TW" altLang="en-US"/>
-              </a:p>
-            </p:txBody>
-          </p:sp>
-          <p:sp>
-            <p:nvSpPr>
-              <p:cNvPr id="49177" name="Line 51"/>
-              <p:cNvSpPr>
-                <a:spLocks noChangeShapeType="1"/>
-              </p:cNvSpPr>
-              <p:nvPr/>
-            </p:nvSpPr>
-            <p:spPr bwMode="auto">
-              <a:xfrm>
-                <a:off x="1519" y="1480"/>
-                <a:ext cx="0" cy="181"/>
-              </a:xfrm>
-              <a:prstGeom prst="line">
-                <a:avLst/>
-              </a:prstGeom>
-              <a:noFill/>
-              <a:ln w="9525">
-                <a:solidFill>
-                  <a:schemeClr val="tx1"/>
-                </a:solidFill>
-                <a:round/>
-                <a:headEnd/>
-                <a:tailEnd/>
-              </a:ln>
-              <a:extLst>
-                <a:ext uri="{909E8E84-426E-40DD-AFC4-6F175D3DCCD1}">
-                  <a14:hiddenFill xmlns:a14="http://schemas.microsoft.com/office/drawing/2010/main">
-                    <a:noFill/>
-                  </a14:hiddenFill>
-                </a:ext>
-              </a:extLst>
-            </p:spPr>
-            <p:txBody>
-              <a:bodyPr/>
-              <a:lstStyle/>
-              <a:p>
-                <a:endParaRPr lang="zh-TW" altLang="en-US"/>
-              </a:p>
-            </p:txBody>
-          </p:sp>
-          <p:sp>
-            <p:nvSpPr>
-              <p:cNvPr id="49178" name="Line 52"/>
-              <p:cNvSpPr>
-                <a:spLocks noChangeShapeType="1"/>
-              </p:cNvSpPr>
-              <p:nvPr/>
-            </p:nvSpPr>
-            <p:spPr bwMode="auto">
-              <a:xfrm>
-                <a:off x="1837" y="1480"/>
-                <a:ext cx="0" cy="181"/>
-              </a:xfrm>
-              <a:prstGeom prst="line">
-                <a:avLst/>
-              </a:prstGeom>
-              <a:noFill/>
-              <a:ln w="9525">
-                <a:solidFill>
-                  <a:schemeClr val="tx1"/>
-                </a:solidFill>
-                <a:round/>
-                <a:headEnd/>
-                <a:tailEnd/>
-              </a:ln>
-              <a:extLst>
-                <a:ext uri="{909E8E84-426E-40DD-AFC4-6F175D3DCCD1}">
-                  <a14:hiddenFill xmlns:a14="http://schemas.microsoft.com/office/drawing/2010/main">
-                    <a:noFill/>
-                  </a14:hiddenFill>
-                </a:ext>
-              </a:extLst>
-            </p:spPr>
-            <p:txBody>
-              <a:bodyPr/>
-              <a:lstStyle/>
-              <a:p>
-                <a:endParaRPr lang="zh-TW" altLang="en-US"/>
-              </a:p>
-            </p:txBody>
-          </p:sp>
-          <p:sp>
-            <p:nvSpPr>
-              <p:cNvPr id="49179" name="Line 53"/>
-              <p:cNvSpPr>
-                <a:spLocks noChangeShapeType="1"/>
-              </p:cNvSpPr>
-              <p:nvPr/>
-            </p:nvSpPr>
-            <p:spPr bwMode="auto">
-              <a:xfrm>
-                <a:off x="1565" y="1706"/>
-                <a:ext cx="226" cy="0"/>
-              </a:xfrm>
-              <a:prstGeom prst="line">
-                <a:avLst/>
-              </a:prstGeom>
-              <a:noFill/>
-              <a:ln w="9525">
-                <a:solidFill>
-                  <a:schemeClr val="tx1"/>
-                </a:solidFill>
-                <a:round/>
-                <a:headEnd/>
-                <a:tailEnd/>
-              </a:ln>
-              <a:extLst>
-                <a:ext uri="{909E8E84-426E-40DD-AFC4-6F175D3DCCD1}">
-                  <a14:hiddenFill xmlns:a14="http://schemas.microsoft.com/office/drawing/2010/main">
-                    <a:noFill/>
-                  </a14:hiddenFill>
-                </a:ext>
-              </a:extLst>
-            </p:spPr>
-            <p:txBody>
-              <a:bodyPr/>
-              <a:lstStyle/>
-              <a:p>
-                <a:endParaRPr lang="zh-TW" altLang="en-US"/>
-              </a:p>
-            </p:txBody>
-          </p:sp>
-          <p:sp>
-            <p:nvSpPr>
-              <p:cNvPr id="49180" name="Line 54"/>
-              <p:cNvSpPr>
-                <a:spLocks noChangeShapeType="1"/>
-              </p:cNvSpPr>
-              <p:nvPr/>
-            </p:nvSpPr>
-            <p:spPr bwMode="auto">
-              <a:xfrm>
-                <a:off x="1565" y="1933"/>
-                <a:ext cx="226" cy="0"/>
-              </a:xfrm>
-              <a:prstGeom prst="line">
-                <a:avLst/>
-              </a:prstGeom>
-              <a:noFill/>
-              <a:ln w="9525">
-                <a:solidFill>
-                  <a:schemeClr val="tx1"/>
-                </a:solidFill>
-                <a:round/>
-                <a:headEnd/>
-                <a:tailEnd/>
-              </a:ln>
-              <a:extLst>
-                <a:ext uri="{909E8E84-426E-40DD-AFC4-6F175D3DCCD1}">
-                  <a14:hiddenFill xmlns:a14="http://schemas.microsoft.com/office/drawing/2010/main">
-                    <a:noFill/>
-                  </a14:hiddenFill>
-                </a:ext>
-              </a:extLst>
-            </p:spPr>
-            <p:txBody>
-              <a:bodyPr/>
-              <a:lstStyle/>
-              <a:p>
-                <a:endParaRPr lang="zh-TW" altLang="en-US"/>
-              </a:p>
-            </p:txBody>
-          </p:sp>
-          <p:sp>
-            <p:nvSpPr>
-              <p:cNvPr id="49181" name="Line 55"/>
-              <p:cNvSpPr>
-                <a:spLocks noChangeShapeType="1"/>
-              </p:cNvSpPr>
-              <p:nvPr/>
-            </p:nvSpPr>
-            <p:spPr bwMode="auto">
-              <a:xfrm>
-                <a:off x="1519" y="1706"/>
-                <a:ext cx="0" cy="181"/>
-              </a:xfrm>
-              <a:prstGeom prst="line">
-                <a:avLst/>
-              </a:prstGeom>
-              <a:noFill/>
-              <a:ln w="9525">
-                <a:solidFill>
-                  <a:schemeClr val="tx1"/>
-                </a:solidFill>
-                <a:round/>
-                <a:headEnd/>
-                <a:tailEnd/>
-              </a:ln>
-              <a:extLst>
-                <a:ext uri="{909E8E84-426E-40DD-AFC4-6F175D3DCCD1}">
-                  <a14:hiddenFill xmlns:a14="http://schemas.microsoft.com/office/drawing/2010/main">
-                    <a:noFill/>
-                  </a14:hiddenFill>
-                </a:ext>
-              </a:extLst>
-            </p:spPr>
-            <p:txBody>
-              <a:bodyPr/>
-              <a:lstStyle/>
-              <a:p>
-                <a:endParaRPr lang="zh-TW" altLang="en-US"/>
-              </a:p>
-            </p:txBody>
-          </p:sp>
-          <p:sp>
-            <p:nvSpPr>
-              <p:cNvPr id="49182" name="Line 56"/>
-              <p:cNvSpPr>
-                <a:spLocks noChangeShapeType="1"/>
-              </p:cNvSpPr>
-              <p:nvPr/>
-            </p:nvSpPr>
-            <p:spPr bwMode="auto">
-              <a:xfrm>
-                <a:off x="1837" y="1706"/>
-                <a:ext cx="0" cy="181"/>
-              </a:xfrm>
-              <a:prstGeom prst="line">
-                <a:avLst/>
-              </a:prstGeom>
-              <a:noFill/>
-              <a:ln w="9525">
-                <a:solidFill>
-                  <a:schemeClr val="tx1"/>
-                </a:solidFill>
-                <a:round/>
-                <a:headEnd/>
-                <a:tailEnd/>
-              </a:ln>
-              <a:extLst>
-                <a:ext uri="{909E8E84-426E-40DD-AFC4-6F175D3DCCD1}">
-                  <a14:hiddenFill xmlns:a14="http://schemas.microsoft.com/office/drawing/2010/main">
-                    <a:noFill/>
-                  </a14:hiddenFill>
-                </a:ext>
-              </a:extLst>
-            </p:spPr>
-            <p:txBody>
-              <a:bodyPr/>
-              <a:lstStyle/>
-              <a:p>
-                <a:endParaRPr lang="zh-TW" altLang="en-US"/>
-              </a:p>
-            </p:txBody>
-          </p:sp>
-        </p:grpSp>
-        <p:grpSp>
-          <p:nvGrpSpPr>
-            <p:cNvPr id="49162" name="Group 65"/>
-            <p:cNvGrpSpPr>
-              <a:grpSpLocks/>
-            </p:cNvGrpSpPr>
-            <p:nvPr/>
-          </p:nvGrpSpPr>
-          <p:grpSpPr bwMode="auto">
-            <a:xfrm>
-              <a:off x="3456" y="2064"/>
-              <a:ext cx="1440" cy="96"/>
-              <a:chOff x="3456" y="2064"/>
-              <a:chExt cx="1440" cy="96"/>
-            </a:xfrm>
-          </p:grpSpPr>
-          <p:sp>
-            <p:nvSpPr>
-              <p:cNvPr id="49168" name="Oval 57"/>
-              <p:cNvSpPr>
-                <a:spLocks noChangeArrowheads="1"/>
-              </p:cNvSpPr>
-              <p:nvPr/>
-            </p:nvSpPr>
-            <p:spPr bwMode="auto">
-              <a:xfrm>
-                <a:off x="3456" y="2064"/>
-                <a:ext cx="96" cy="96"/>
-              </a:xfrm>
-              <a:prstGeom prst="ellipse">
-                <a:avLst/>
-              </a:prstGeom>
-              <a:noFill/>
-              <a:ln w="9525">
-                <a:solidFill>
-                  <a:schemeClr val="tx1"/>
-                </a:solidFill>
-                <a:round/>
-                <a:headEnd/>
-                <a:tailEnd/>
-              </a:ln>
-              <a:extLst>
-                <a:ext uri="{909E8E84-426E-40DD-AFC4-6F175D3DCCD1}">
-                  <a14:hiddenFill xmlns:a14="http://schemas.microsoft.com/office/drawing/2010/main">
-                    <a:solidFill>
-                      <a:srgbClr val="FFFFFF"/>
-                    </a:solidFill>
-                  </a14:hiddenFill>
-                </a:ext>
-              </a:extLst>
-            </p:spPr>
-            <p:txBody>
-              <a:bodyPr wrap="none" anchor="ctr"/>
-              <a:lstStyle>
-                <a:lvl1pPr eaLnBrk="0" hangingPunct="0">
-                  <a:defRPr kumimoji="1" sz="1600">
-                    <a:solidFill>
-                      <a:schemeClr val="tx1"/>
-                    </a:solidFill>
-                    <a:latin typeface="Times New Roman" panose="02020603050405020304" pitchFamily="18" charset="0"/>
-                    <a:ea typeface="標楷體" panose="03000509000000000000" pitchFamily="65" charset="-120"/>
-                  </a:defRPr>
-                </a:lvl1pPr>
-                <a:lvl2pPr marL="742950" indent="-285750" eaLnBrk="0" hangingPunct="0">
-                  <a:defRPr kumimoji="1" sz="1600">
-                    <a:solidFill>
-                      <a:schemeClr val="tx1"/>
-                    </a:solidFill>
-                    <a:latin typeface="Times New Roman" panose="02020603050405020304" pitchFamily="18" charset="0"/>
-                    <a:ea typeface="標楷體" panose="03000509000000000000" pitchFamily="65" charset="-120"/>
-                  </a:defRPr>
-                </a:lvl2pPr>
-                <a:lvl3pPr marL="1143000" indent="-228600" eaLnBrk="0" hangingPunct="0">
-                  <a:defRPr kumimoji="1" sz="1600">
-                    <a:solidFill>
-                      <a:schemeClr val="tx1"/>
-                    </a:solidFill>
-                    <a:latin typeface="Times New Roman" panose="02020603050405020304" pitchFamily="18" charset="0"/>
-                    <a:ea typeface="標楷體" panose="03000509000000000000" pitchFamily="65" charset="-120"/>
-                  </a:defRPr>
-                </a:lvl3pPr>
-                <a:lvl4pPr marL="1600200" indent="-228600" eaLnBrk="0" hangingPunct="0">
-                  <a:defRPr kumimoji="1" sz="1600">
-                    <a:solidFill>
-                      <a:schemeClr val="tx1"/>
-                    </a:solidFill>
-                    <a:latin typeface="Times New Roman" panose="02020603050405020304" pitchFamily="18" charset="0"/>
-                    <a:ea typeface="標楷體" panose="03000509000000000000" pitchFamily="65" charset="-120"/>
-                  </a:defRPr>
-                </a:lvl4pPr>
-                <a:lvl5pPr marL="2057400" indent="-228600" eaLnBrk="0" hangingPunct="0">
-                  <a:defRPr kumimoji="1" sz="1600">
-                    <a:solidFill>
-                      <a:schemeClr val="tx1"/>
-                    </a:solidFill>
-                    <a:latin typeface="Times New Roman" panose="02020603050405020304" pitchFamily="18" charset="0"/>
-                    <a:ea typeface="標楷體" panose="03000509000000000000" pitchFamily="65" charset="-120"/>
-                  </a:defRPr>
-                </a:lvl5pPr>
-                <a:lvl6pPr marL="2514600" indent="-228600" eaLnBrk="0" fontAlgn="base" hangingPunct="0">
-                  <a:spcBef>
-                    <a:spcPct val="0"/>
-                  </a:spcBef>
-                  <a:spcAft>
-                    <a:spcPct val="0"/>
-                  </a:spcAft>
-                  <a:defRPr kumimoji="1" sz="1600">
-                    <a:solidFill>
-                      <a:schemeClr val="tx1"/>
-                    </a:solidFill>
-                    <a:latin typeface="Times New Roman" panose="02020603050405020304" pitchFamily="18" charset="0"/>
-                    <a:ea typeface="標楷體" panose="03000509000000000000" pitchFamily="65" charset="-120"/>
-                  </a:defRPr>
-                </a:lvl6pPr>
-                <a:lvl7pPr marL="2971800" indent="-228600" eaLnBrk="0" fontAlgn="base" hangingPunct="0">
-                  <a:spcBef>
-                    <a:spcPct val="0"/>
-                  </a:spcBef>
-                  <a:spcAft>
-                    <a:spcPct val="0"/>
-                  </a:spcAft>
-                  <a:defRPr kumimoji="1" sz="1600">
-                    <a:solidFill>
-                      <a:schemeClr val="tx1"/>
-                    </a:solidFill>
-                    <a:latin typeface="Times New Roman" panose="02020603050405020304" pitchFamily="18" charset="0"/>
-                    <a:ea typeface="標楷體" panose="03000509000000000000" pitchFamily="65" charset="-120"/>
-                  </a:defRPr>
-                </a:lvl7pPr>
-                <a:lvl8pPr marL="3429000" indent="-228600" eaLnBrk="0" fontAlgn="base" hangingPunct="0">
-                  <a:spcBef>
-                    <a:spcPct val="0"/>
-                  </a:spcBef>
-                  <a:spcAft>
-                    <a:spcPct val="0"/>
-                  </a:spcAft>
-                  <a:defRPr kumimoji="1" sz="1600">
-                    <a:solidFill>
-                      <a:schemeClr val="tx1"/>
-                    </a:solidFill>
-                    <a:latin typeface="Times New Roman" panose="02020603050405020304" pitchFamily="18" charset="0"/>
-                    <a:ea typeface="標楷體" panose="03000509000000000000" pitchFamily="65" charset="-120"/>
-                  </a:defRPr>
-                </a:lvl8pPr>
-                <a:lvl9pPr marL="3886200" indent="-228600" eaLnBrk="0" fontAlgn="base" hangingPunct="0">
-                  <a:spcBef>
-                    <a:spcPct val="0"/>
-                  </a:spcBef>
-                  <a:spcAft>
-                    <a:spcPct val="0"/>
-                  </a:spcAft>
-                  <a:defRPr kumimoji="1" sz="1600">
-                    <a:solidFill>
-                      <a:schemeClr val="tx1"/>
-                    </a:solidFill>
-                    <a:latin typeface="Times New Roman" panose="02020603050405020304" pitchFamily="18" charset="0"/>
-                    <a:ea typeface="標楷體" panose="03000509000000000000" pitchFamily="65" charset="-120"/>
-                  </a:defRPr>
-                </a:lvl9pPr>
-              </a:lstStyle>
-              <a:p>
-                <a:pPr eaLnBrk="1" hangingPunct="1"/>
-                <a:endParaRPr lang="zh-TW" altLang="en-US"/>
-              </a:p>
-            </p:txBody>
-          </p:sp>
-          <p:sp>
-            <p:nvSpPr>
-              <p:cNvPr id="49169" name="Oval 58"/>
-              <p:cNvSpPr>
-                <a:spLocks noChangeArrowheads="1"/>
-              </p:cNvSpPr>
-              <p:nvPr/>
-            </p:nvSpPr>
-            <p:spPr bwMode="auto">
-              <a:xfrm>
-                <a:off x="3648" y="2064"/>
-                <a:ext cx="96" cy="96"/>
-              </a:xfrm>
-              <a:prstGeom prst="ellipse">
-                <a:avLst/>
-              </a:prstGeom>
-              <a:noFill/>
-              <a:ln w="9525">
-                <a:solidFill>
-                  <a:schemeClr val="tx1"/>
-                </a:solidFill>
-                <a:round/>
-                <a:headEnd/>
-                <a:tailEnd/>
-              </a:ln>
-              <a:extLst>
-                <a:ext uri="{909E8E84-426E-40DD-AFC4-6F175D3DCCD1}">
-                  <a14:hiddenFill xmlns:a14="http://schemas.microsoft.com/office/drawing/2010/main">
-                    <a:solidFill>
-                      <a:srgbClr val="FFFFFF"/>
-                    </a:solidFill>
-                  </a14:hiddenFill>
-                </a:ext>
-              </a:extLst>
-            </p:spPr>
-            <p:txBody>
-              <a:bodyPr wrap="none" anchor="ctr"/>
-              <a:lstStyle>
-                <a:lvl1pPr eaLnBrk="0" hangingPunct="0">
-                  <a:defRPr kumimoji="1" sz="1600">
-                    <a:solidFill>
-                      <a:schemeClr val="tx1"/>
-                    </a:solidFill>
-                    <a:latin typeface="Times New Roman" panose="02020603050405020304" pitchFamily="18" charset="0"/>
-                    <a:ea typeface="標楷體" panose="03000509000000000000" pitchFamily="65" charset="-120"/>
-                  </a:defRPr>
-                </a:lvl1pPr>
-                <a:lvl2pPr marL="742950" indent="-285750" eaLnBrk="0" hangingPunct="0">
-                  <a:defRPr kumimoji="1" sz="1600">
-                    <a:solidFill>
-                      <a:schemeClr val="tx1"/>
-                    </a:solidFill>
-                    <a:latin typeface="Times New Roman" panose="02020603050405020304" pitchFamily="18" charset="0"/>
-                    <a:ea typeface="標楷體" panose="03000509000000000000" pitchFamily="65" charset="-120"/>
-                  </a:defRPr>
-                </a:lvl2pPr>
-                <a:lvl3pPr marL="1143000" indent="-228600" eaLnBrk="0" hangingPunct="0">
-                  <a:defRPr kumimoji="1" sz="1600">
-                    <a:solidFill>
-                      <a:schemeClr val="tx1"/>
-                    </a:solidFill>
-                    <a:latin typeface="Times New Roman" panose="02020603050405020304" pitchFamily="18" charset="0"/>
-                    <a:ea typeface="標楷體" panose="03000509000000000000" pitchFamily="65" charset="-120"/>
-                  </a:defRPr>
-                </a:lvl3pPr>
-                <a:lvl4pPr marL="1600200" indent="-228600" eaLnBrk="0" hangingPunct="0">
-                  <a:defRPr kumimoji="1" sz="1600">
-                    <a:solidFill>
-                      <a:schemeClr val="tx1"/>
-                    </a:solidFill>
-                    <a:latin typeface="Times New Roman" panose="02020603050405020304" pitchFamily="18" charset="0"/>
-                    <a:ea typeface="標楷體" panose="03000509000000000000" pitchFamily="65" charset="-120"/>
-                  </a:defRPr>
-                </a:lvl4pPr>
-                <a:lvl5pPr marL="2057400" indent="-228600" eaLnBrk="0" hangingPunct="0">
-                  <a:defRPr kumimoji="1" sz="1600">
-                    <a:solidFill>
-                      <a:schemeClr val="tx1"/>
-                    </a:solidFill>
-                    <a:latin typeface="Times New Roman" panose="02020603050405020304" pitchFamily="18" charset="0"/>
-                    <a:ea typeface="標楷體" panose="03000509000000000000" pitchFamily="65" charset="-120"/>
-                  </a:defRPr>
-                </a:lvl5pPr>
-                <a:lvl6pPr marL="2514600" indent="-228600" eaLnBrk="0" fontAlgn="base" hangingPunct="0">
-                  <a:spcBef>
-                    <a:spcPct val="0"/>
-                  </a:spcBef>
-                  <a:spcAft>
-                    <a:spcPct val="0"/>
-                  </a:spcAft>
-                  <a:defRPr kumimoji="1" sz="1600">
-                    <a:solidFill>
-                      <a:schemeClr val="tx1"/>
-                    </a:solidFill>
-                    <a:latin typeface="Times New Roman" panose="02020603050405020304" pitchFamily="18" charset="0"/>
-                    <a:ea typeface="標楷體" panose="03000509000000000000" pitchFamily="65" charset="-120"/>
-                  </a:defRPr>
-                </a:lvl6pPr>
-                <a:lvl7pPr marL="2971800" indent="-228600" eaLnBrk="0" fontAlgn="base" hangingPunct="0">
-                  <a:spcBef>
-                    <a:spcPct val="0"/>
-                  </a:spcBef>
-                  <a:spcAft>
-                    <a:spcPct val="0"/>
-                  </a:spcAft>
-                  <a:defRPr kumimoji="1" sz="1600">
-                    <a:solidFill>
-                      <a:schemeClr val="tx1"/>
-                    </a:solidFill>
-                    <a:latin typeface="Times New Roman" panose="02020603050405020304" pitchFamily="18" charset="0"/>
-                    <a:ea typeface="標楷體" panose="03000509000000000000" pitchFamily="65" charset="-120"/>
-                  </a:defRPr>
-                </a:lvl7pPr>
-                <a:lvl8pPr marL="3429000" indent="-228600" eaLnBrk="0" fontAlgn="base" hangingPunct="0">
-                  <a:spcBef>
-                    <a:spcPct val="0"/>
-                  </a:spcBef>
-                  <a:spcAft>
-                    <a:spcPct val="0"/>
-                  </a:spcAft>
-                  <a:defRPr kumimoji="1" sz="1600">
-                    <a:solidFill>
-                      <a:schemeClr val="tx1"/>
-                    </a:solidFill>
-                    <a:latin typeface="Times New Roman" panose="02020603050405020304" pitchFamily="18" charset="0"/>
-                    <a:ea typeface="標楷體" panose="03000509000000000000" pitchFamily="65" charset="-120"/>
-                  </a:defRPr>
-                </a:lvl8pPr>
-                <a:lvl9pPr marL="3886200" indent="-228600" eaLnBrk="0" fontAlgn="base" hangingPunct="0">
-                  <a:spcBef>
-                    <a:spcPct val="0"/>
-                  </a:spcBef>
-                  <a:spcAft>
-                    <a:spcPct val="0"/>
-                  </a:spcAft>
-                  <a:defRPr kumimoji="1" sz="1600">
-                    <a:solidFill>
-                      <a:schemeClr val="tx1"/>
-                    </a:solidFill>
-                    <a:latin typeface="Times New Roman" panose="02020603050405020304" pitchFamily="18" charset="0"/>
-                    <a:ea typeface="標楷體" panose="03000509000000000000" pitchFamily="65" charset="-120"/>
-                  </a:defRPr>
-                </a:lvl9pPr>
-              </a:lstStyle>
-              <a:p>
-                <a:pPr eaLnBrk="1" hangingPunct="1"/>
-                <a:endParaRPr lang="zh-TW" altLang="en-US"/>
-              </a:p>
-            </p:txBody>
-          </p:sp>
-          <p:sp>
-            <p:nvSpPr>
-              <p:cNvPr id="49170" name="Oval 59"/>
-              <p:cNvSpPr>
-                <a:spLocks noChangeArrowheads="1"/>
-              </p:cNvSpPr>
-              <p:nvPr/>
-            </p:nvSpPr>
-            <p:spPr bwMode="auto">
-              <a:xfrm>
-                <a:off x="3840" y="2064"/>
-                <a:ext cx="96" cy="96"/>
-              </a:xfrm>
-              <a:prstGeom prst="ellipse">
-                <a:avLst/>
-              </a:prstGeom>
-              <a:noFill/>
-              <a:ln w="9525">
-                <a:solidFill>
-                  <a:schemeClr val="tx1"/>
-                </a:solidFill>
-                <a:round/>
-                <a:headEnd/>
-                <a:tailEnd/>
-              </a:ln>
-              <a:extLst>
-                <a:ext uri="{909E8E84-426E-40DD-AFC4-6F175D3DCCD1}">
-                  <a14:hiddenFill xmlns:a14="http://schemas.microsoft.com/office/drawing/2010/main">
-                    <a:solidFill>
-                      <a:srgbClr val="FFFFFF"/>
-                    </a:solidFill>
-                  </a14:hiddenFill>
-                </a:ext>
-              </a:extLst>
-            </p:spPr>
-            <p:txBody>
-              <a:bodyPr wrap="none" anchor="ctr"/>
-              <a:lstStyle>
-                <a:lvl1pPr eaLnBrk="0" hangingPunct="0">
-                  <a:defRPr kumimoji="1" sz="1600">
-                    <a:solidFill>
-                      <a:schemeClr val="tx1"/>
-                    </a:solidFill>
-                    <a:latin typeface="Times New Roman" panose="02020603050405020304" pitchFamily="18" charset="0"/>
-                    <a:ea typeface="標楷體" panose="03000509000000000000" pitchFamily="65" charset="-120"/>
-                  </a:defRPr>
-                </a:lvl1pPr>
-                <a:lvl2pPr marL="742950" indent="-285750" eaLnBrk="0" hangingPunct="0">
-                  <a:defRPr kumimoji="1" sz="1600">
-                    <a:solidFill>
-                      <a:schemeClr val="tx1"/>
-                    </a:solidFill>
-                    <a:latin typeface="Times New Roman" panose="02020603050405020304" pitchFamily="18" charset="0"/>
-                    <a:ea typeface="標楷體" panose="03000509000000000000" pitchFamily="65" charset="-120"/>
-                  </a:defRPr>
-                </a:lvl2pPr>
-                <a:lvl3pPr marL="1143000" indent="-228600" eaLnBrk="0" hangingPunct="0">
-                  <a:defRPr kumimoji="1" sz="1600">
-                    <a:solidFill>
-                      <a:schemeClr val="tx1"/>
-                    </a:solidFill>
-                    <a:latin typeface="Times New Roman" panose="02020603050405020304" pitchFamily="18" charset="0"/>
-                    <a:ea typeface="標楷體" panose="03000509000000000000" pitchFamily="65" charset="-120"/>
-                  </a:defRPr>
-                </a:lvl3pPr>
-                <a:lvl4pPr marL="1600200" indent="-228600" eaLnBrk="0" hangingPunct="0">
-                  <a:defRPr kumimoji="1" sz="1600">
-                    <a:solidFill>
-                      <a:schemeClr val="tx1"/>
-                    </a:solidFill>
-                    <a:latin typeface="Times New Roman" panose="02020603050405020304" pitchFamily="18" charset="0"/>
-                    <a:ea typeface="標楷體" panose="03000509000000000000" pitchFamily="65" charset="-120"/>
-                  </a:defRPr>
-                </a:lvl4pPr>
-                <a:lvl5pPr marL="2057400" indent="-228600" eaLnBrk="0" hangingPunct="0">
-                  <a:defRPr kumimoji="1" sz="1600">
-                    <a:solidFill>
-                      <a:schemeClr val="tx1"/>
-                    </a:solidFill>
-                    <a:latin typeface="Times New Roman" panose="02020603050405020304" pitchFamily="18" charset="0"/>
-                    <a:ea typeface="標楷體" panose="03000509000000000000" pitchFamily="65" charset="-120"/>
-                  </a:defRPr>
-                </a:lvl5pPr>
-                <a:lvl6pPr marL="2514600" indent="-228600" eaLnBrk="0" fontAlgn="base" hangingPunct="0">
-                  <a:spcBef>
-                    <a:spcPct val="0"/>
-                  </a:spcBef>
-                  <a:spcAft>
-                    <a:spcPct val="0"/>
-                  </a:spcAft>
-                  <a:defRPr kumimoji="1" sz="1600">
-                    <a:solidFill>
-                      <a:schemeClr val="tx1"/>
-                    </a:solidFill>
-                    <a:latin typeface="Times New Roman" panose="02020603050405020304" pitchFamily="18" charset="0"/>
-                    <a:ea typeface="標楷體" panose="03000509000000000000" pitchFamily="65" charset="-120"/>
-                  </a:defRPr>
-                </a:lvl6pPr>
-                <a:lvl7pPr marL="2971800" indent="-228600" eaLnBrk="0" fontAlgn="base" hangingPunct="0">
-                  <a:spcBef>
-                    <a:spcPct val="0"/>
-                  </a:spcBef>
-                  <a:spcAft>
-                    <a:spcPct val="0"/>
-                  </a:spcAft>
-                  <a:defRPr kumimoji="1" sz="1600">
-                    <a:solidFill>
-                      <a:schemeClr val="tx1"/>
-                    </a:solidFill>
-                    <a:latin typeface="Times New Roman" panose="02020603050405020304" pitchFamily="18" charset="0"/>
-                    <a:ea typeface="標楷體" panose="03000509000000000000" pitchFamily="65" charset="-120"/>
-                  </a:defRPr>
-                </a:lvl7pPr>
-                <a:lvl8pPr marL="3429000" indent="-228600" eaLnBrk="0" fontAlgn="base" hangingPunct="0">
-                  <a:spcBef>
-                    <a:spcPct val="0"/>
-                  </a:spcBef>
-                  <a:spcAft>
-                    <a:spcPct val="0"/>
-                  </a:spcAft>
-                  <a:defRPr kumimoji="1" sz="1600">
-                    <a:solidFill>
-                      <a:schemeClr val="tx1"/>
-                    </a:solidFill>
-                    <a:latin typeface="Times New Roman" panose="02020603050405020304" pitchFamily="18" charset="0"/>
-                    <a:ea typeface="標楷體" panose="03000509000000000000" pitchFamily="65" charset="-120"/>
-                  </a:defRPr>
-                </a:lvl8pPr>
-                <a:lvl9pPr marL="3886200" indent="-228600" eaLnBrk="0" fontAlgn="base" hangingPunct="0">
-                  <a:spcBef>
-                    <a:spcPct val="0"/>
-                  </a:spcBef>
-                  <a:spcAft>
-                    <a:spcPct val="0"/>
-                  </a:spcAft>
-                  <a:defRPr kumimoji="1" sz="1600">
-                    <a:solidFill>
-                      <a:schemeClr val="tx1"/>
-                    </a:solidFill>
-                    <a:latin typeface="Times New Roman" panose="02020603050405020304" pitchFamily="18" charset="0"/>
-                    <a:ea typeface="標楷體" panose="03000509000000000000" pitchFamily="65" charset="-120"/>
-                  </a:defRPr>
-                </a:lvl9pPr>
-              </a:lstStyle>
-              <a:p>
-                <a:pPr eaLnBrk="1" hangingPunct="1"/>
-                <a:endParaRPr lang="zh-TW" altLang="en-US"/>
-              </a:p>
-            </p:txBody>
-          </p:sp>
-          <p:sp>
-            <p:nvSpPr>
-              <p:cNvPr id="49171" name="Oval 60"/>
-              <p:cNvSpPr>
-                <a:spLocks noChangeArrowheads="1"/>
-              </p:cNvSpPr>
-              <p:nvPr/>
-            </p:nvSpPr>
-            <p:spPr bwMode="auto">
-              <a:xfrm>
-                <a:off x="4032" y="2064"/>
-                <a:ext cx="96" cy="96"/>
-              </a:xfrm>
-              <a:prstGeom prst="ellipse">
-                <a:avLst/>
-              </a:prstGeom>
-              <a:noFill/>
-              <a:ln w="9525">
-                <a:solidFill>
-                  <a:schemeClr val="tx1"/>
-                </a:solidFill>
-                <a:round/>
-                <a:headEnd/>
-                <a:tailEnd/>
-              </a:ln>
-              <a:extLst>
-                <a:ext uri="{909E8E84-426E-40DD-AFC4-6F175D3DCCD1}">
-                  <a14:hiddenFill xmlns:a14="http://schemas.microsoft.com/office/drawing/2010/main">
-                    <a:solidFill>
-                      <a:srgbClr val="FFFFFF"/>
-                    </a:solidFill>
-                  </a14:hiddenFill>
-                </a:ext>
-              </a:extLst>
-            </p:spPr>
-            <p:txBody>
-              <a:bodyPr wrap="none" anchor="ctr"/>
-              <a:lstStyle>
-                <a:lvl1pPr eaLnBrk="0" hangingPunct="0">
-                  <a:defRPr kumimoji="1" sz="1600">
-                    <a:solidFill>
-                      <a:schemeClr val="tx1"/>
-                    </a:solidFill>
-                    <a:latin typeface="Times New Roman" panose="02020603050405020304" pitchFamily="18" charset="0"/>
-                    <a:ea typeface="標楷體" panose="03000509000000000000" pitchFamily="65" charset="-120"/>
-                  </a:defRPr>
-                </a:lvl1pPr>
-                <a:lvl2pPr marL="742950" indent="-285750" eaLnBrk="0" hangingPunct="0">
-                  <a:defRPr kumimoji="1" sz="1600">
-                    <a:solidFill>
-                      <a:schemeClr val="tx1"/>
-                    </a:solidFill>
-                    <a:latin typeface="Times New Roman" panose="02020603050405020304" pitchFamily="18" charset="0"/>
-                    <a:ea typeface="標楷體" panose="03000509000000000000" pitchFamily="65" charset="-120"/>
-                  </a:defRPr>
-                </a:lvl2pPr>
-                <a:lvl3pPr marL="1143000" indent="-228600" eaLnBrk="0" hangingPunct="0">
-                  <a:defRPr kumimoji="1" sz="1600">
-                    <a:solidFill>
-                      <a:schemeClr val="tx1"/>
-                    </a:solidFill>
-                    <a:latin typeface="Times New Roman" panose="02020603050405020304" pitchFamily="18" charset="0"/>
-                    <a:ea typeface="標楷體" panose="03000509000000000000" pitchFamily="65" charset="-120"/>
-                  </a:defRPr>
-                </a:lvl3pPr>
-                <a:lvl4pPr marL="1600200" indent="-228600" eaLnBrk="0" hangingPunct="0">
-                  <a:defRPr kumimoji="1" sz="1600">
-                    <a:solidFill>
-                      <a:schemeClr val="tx1"/>
-                    </a:solidFill>
-                    <a:latin typeface="Times New Roman" panose="02020603050405020304" pitchFamily="18" charset="0"/>
-                    <a:ea typeface="標楷體" panose="03000509000000000000" pitchFamily="65" charset="-120"/>
-                  </a:defRPr>
-                </a:lvl4pPr>
-                <a:lvl5pPr marL="2057400" indent="-228600" eaLnBrk="0" hangingPunct="0">
-                  <a:defRPr kumimoji="1" sz="1600">
-                    <a:solidFill>
-                      <a:schemeClr val="tx1"/>
-                    </a:solidFill>
-                    <a:latin typeface="Times New Roman" panose="02020603050405020304" pitchFamily="18" charset="0"/>
-                    <a:ea typeface="標楷體" panose="03000509000000000000" pitchFamily="65" charset="-120"/>
-                  </a:defRPr>
-                </a:lvl5pPr>
-                <a:lvl6pPr marL="2514600" indent="-228600" eaLnBrk="0" fontAlgn="base" hangingPunct="0">
-                  <a:spcBef>
-                    <a:spcPct val="0"/>
-                  </a:spcBef>
-                  <a:spcAft>
-                    <a:spcPct val="0"/>
-                  </a:spcAft>
-                  <a:defRPr kumimoji="1" sz="1600">
-                    <a:solidFill>
-                      <a:schemeClr val="tx1"/>
-                    </a:solidFill>
-                    <a:latin typeface="Times New Roman" panose="02020603050405020304" pitchFamily="18" charset="0"/>
-                    <a:ea typeface="標楷體" panose="03000509000000000000" pitchFamily="65" charset="-120"/>
-                  </a:defRPr>
-                </a:lvl6pPr>
-                <a:lvl7pPr marL="2971800" indent="-228600" eaLnBrk="0" fontAlgn="base" hangingPunct="0">
-                  <a:spcBef>
-                    <a:spcPct val="0"/>
-                  </a:spcBef>
-                  <a:spcAft>
-                    <a:spcPct val="0"/>
-                  </a:spcAft>
-                  <a:defRPr kumimoji="1" sz="1600">
-                    <a:solidFill>
-                      <a:schemeClr val="tx1"/>
-                    </a:solidFill>
-                    <a:latin typeface="Times New Roman" panose="02020603050405020304" pitchFamily="18" charset="0"/>
-                    <a:ea typeface="標楷體" panose="03000509000000000000" pitchFamily="65" charset="-120"/>
-                  </a:defRPr>
-                </a:lvl7pPr>
-                <a:lvl8pPr marL="3429000" indent="-228600" eaLnBrk="0" fontAlgn="base" hangingPunct="0">
-                  <a:spcBef>
-                    <a:spcPct val="0"/>
-                  </a:spcBef>
-                  <a:spcAft>
-                    <a:spcPct val="0"/>
-                  </a:spcAft>
-                  <a:defRPr kumimoji="1" sz="1600">
-                    <a:solidFill>
-                      <a:schemeClr val="tx1"/>
-                    </a:solidFill>
-                    <a:latin typeface="Times New Roman" panose="02020603050405020304" pitchFamily="18" charset="0"/>
-                    <a:ea typeface="標楷體" panose="03000509000000000000" pitchFamily="65" charset="-120"/>
-                  </a:defRPr>
-                </a:lvl8pPr>
-                <a:lvl9pPr marL="3886200" indent="-228600" eaLnBrk="0" fontAlgn="base" hangingPunct="0">
-                  <a:spcBef>
-                    <a:spcPct val="0"/>
-                  </a:spcBef>
-                  <a:spcAft>
-                    <a:spcPct val="0"/>
-                  </a:spcAft>
-                  <a:defRPr kumimoji="1" sz="1600">
-                    <a:solidFill>
-                      <a:schemeClr val="tx1"/>
-                    </a:solidFill>
-                    <a:latin typeface="Times New Roman" panose="02020603050405020304" pitchFamily="18" charset="0"/>
-                    <a:ea typeface="標楷體" panose="03000509000000000000" pitchFamily="65" charset="-120"/>
-                  </a:defRPr>
-                </a:lvl9pPr>
-              </a:lstStyle>
-              <a:p>
-                <a:pPr eaLnBrk="1" hangingPunct="1"/>
-                <a:endParaRPr lang="zh-TW" altLang="en-US"/>
-              </a:p>
-            </p:txBody>
-          </p:sp>
-          <p:sp>
-            <p:nvSpPr>
-              <p:cNvPr id="49172" name="Oval 61"/>
-              <p:cNvSpPr>
-                <a:spLocks noChangeArrowheads="1"/>
-              </p:cNvSpPr>
-              <p:nvPr/>
-            </p:nvSpPr>
-            <p:spPr bwMode="auto">
-              <a:xfrm>
-                <a:off x="4224" y="2064"/>
-                <a:ext cx="96" cy="96"/>
-              </a:xfrm>
-              <a:prstGeom prst="ellipse">
-                <a:avLst/>
-              </a:prstGeom>
-              <a:noFill/>
-              <a:ln w="9525">
-                <a:solidFill>
-                  <a:schemeClr val="tx1"/>
-                </a:solidFill>
-                <a:round/>
-                <a:headEnd/>
-                <a:tailEnd/>
-              </a:ln>
-              <a:extLst>
-                <a:ext uri="{909E8E84-426E-40DD-AFC4-6F175D3DCCD1}">
-                  <a14:hiddenFill xmlns:a14="http://schemas.microsoft.com/office/drawing/2010/main">
-                    <a:solidFill>
-                      <a:srgbClr val="FFFFFF"/>
-                    </a:solidFill>
-                  </a14:hiddenFill>
-                </a:ext>
-              </a:extLst>
-            </p:spPr>
-            <p:txBody>
-              <a:bodyPr wrap="none" anchor="ctr"/>
-              <a:lstStyle>
-                <a:lvl1pPr eaLnBrk="0" hangingPunct="0">
-                  <a:defRPr kumimoji="1" sz="1600">
-                    <a:solidFill>
-                      <a:schemeClr val="tx1"/>
-                    </a:solidFill>
-                    <a:latin typeface="Times New Roman" panose="02020603050405020304" pitchFamily="18" charset="0"/>
-                    <a:ea typeface="標楷體" panose="03000509000000000000" pitchFamily="65" charset="-120"/>
-                  </a:defRPr>
-                </a:lvl1pPr>
-                <a:lvl2pPr marL="742950" indent="-285750" eaLnBrk="0" hangingPunct="0">
-                  <a:defRPr kumimoji="1" sz="1600">
-                    <a:solidFill>
-                      <a:schemeClr val="tx1"/>
-                    </a:solidFill>
-                    <a:latin typeface="Times New Roman" panose="02020603050405020304" pitchFamily="18" charset="0"/>
-                    <a:ea typeface="標楷體" panose="03000509000000000000" pitchFamily="65" charset="-120"/>
-                  </a:defRPr>
-                </a:lvl2pPr>
-                <a:lvl3pPr marL="1143000" indent="-228600" eaLnBrk="0" hangingPunct="0">
-                  <a:defRPr kumimoji="1" sz="1600">
-                    <a:solidFill>
-                      <a:schemeClr val="tx1"/>
-                    </a:solidFill>
-                    <a:latin typeface="Times New Roman" panose="02020603050405020304" pitchFamily="18" charset="0"/>
-                    <a:ea typeface="標楷體" panose="03000509000000000000" pitchFamily="65" charset="-120"/>
-                  </a:defRPr>
-                </a:lvl3pPr>
-                <a:lvl4pPr marL="1600200" indent="-228600" eaLnBrk="0" hangingPunct="0">
-                  <a:defRPr kumimoji="1" sz="1600">
-                    <a:solidFill>
-                      <a:schemeClr val="tx1"/>
-                    </a:solidFill>
-                    <a:latin typeface="Times New Roman" panose="02020603050405020304" pitchFamily="18" charset="0"/>
-                    <a:ea typeface="標楷體" panose="03000509000000000000" pitchFamily="65" charset="-120"/>
-                  </a:defRPr>
-                </a:lvl4pPr>
-                <a:lvl5pPr marL="2057400" indent="-228600" eaLnBrk="0" hangingPunct="0">
-                  <a:defRPr kumimoji="1" sz="1600">
-                    <a:solidFill>
-                      <a:schemeClr val="tx1"/>
-                    </a:solidFill>
-                    <a:latin typeface="Times New Roman" panose="02020603050405020304" pitchFamily="18" charset="0"/>
-                    <a:ea typeface="標楷體" panose="03000509000000000000" pitchFamily="65" charset="-120"/>
-                  </a:defRPr>
-                </a:lvl5pPr>
-                <a:lvl6pPr marL="2514600" indent="-228600" eaLnBrk="0" fontAlgn="base" hangingPunct="0">
-                  <a:spcBef>
-                    <a:spcPct val="0"/>
-                  </a:spcBef>
-                  <a:spcAft>
-                    <a:spcPct val="0"/>
-                  </a:spcAft>
-                  <a:defRPr kumimoji="1" sz="1600">
-                    <a:solidFill>
-                      <a:schemeClr val="tx1"/>
-                    </a:solidFill>
-                    <a:latin typeface="Times New Roman" panose="02020603050405020304" pitchFamily="18" charset="0"/>
-                    <a:ea typeface="標楷體" panose="03000509000000000000" pitchFamily="65" charset="-120"/>
-                  </a:defRPr>
-                </a:lvl6pPr>
-                <a:lvl7pPr marL="2971800" indent="-228600" eaLnBrk="0" fontAlgn="base" hangingPunct="0">
-                  <a:spcBef>
-                    <a:spcPct val="0"/>
-                  </a:spcBef>
-                  <a:spcAft>
-                    <a:spcPct val="0"/>
-                  </a:spcAft>
-                  <a:defRPr kumimoji="1" sz="1600">
-                    <a:solidFill>
-                      <a:schemeClr val="tx1"/>
-                    </a:solidFill>
-                    <a:latin typeface="Times New Roman" panose="02020603050405020304" pitchFamily="18" charset="0"/>
-                    <a:ea typeface="標楷體" panose="03000509000000000000" pitchFamily="65" charset="-120"/>
-                  </a:defRPr>
-                </a:lvl7pPr>
-                <a:lvl8pPr marL="3429000" indent="-228600" eaLnBrk="0" fontAlgn="base" hangingPunct="0">
-                  <a:spcBef>
-                    <a:spcPct val="0"/>
-                  </a:spcBef>
-                  <a:spcAft>
-                    <a:spcPct val="0"/>
-                  </a:spcAft>
-                  <a:defRPr kumimoji="1" sz="1600">
-                    <a:solidFill>
-                      <a:schemeClr val="tx1"/>
-                    </a:solidFill>
-                    <a:latin typeface="Times New Roman" panose="02020603050405020304" pitchFamily="18" charset="0"/>
-                    <a:ea typeface="標楷體" panose="03000509000000000000" pitchFamily="65" charset="-120"/>
-                  </a:defRPr>
-                </a:lvl8pPr>
-                <a:lvl9pPr marL="3886200" indent="-228600" eaLnBrk="0" fontAlgn="base" hangingPunct="0">
-                  <a:spcBef>
-                    <a:spcPct val="0"/>
-                  </a:spcBef>
-                  <a:spcAft>
-                    <a:spcPct val="0"/>
-                  </a:spcAft>
-                  <a:defRPr kumimoji="1" sz="1600">
-                    <a:solidFill>
-                      <a:schemeClr val="tx1"/>
-                    </a:solidFill>
-                    <a:latin typeface="Times New Roman" panose="02020603050405020304" pitchFamily="18" charset="0"/>
-                    <a:ea typeface="標楷體" panose="03000509000000000000" pitchFamily="65" charset="-120"/>
-                  </a:defRPr>
-                </a:lvl9pPr>
-              </a:lstStyle>
-              <a:p>
-                <a:pPr eaLnBrk="1" hangingPunct="1"/>
-                <a:endParaRPr lang="zh-TW" altLang="en-US"/>
-              </a:p>
-            </p:txBody>
-          </p:sp>
-          <p:sp>
-            <p:nvSpPr>
-              <p:cNvPr id="49173" name="Oval 62"/>
-              <p:cNvSpPr>
-                <a:spLocks noChangeArrowheads="1"/>
-              </p:cNvSpPr>
-              <p:nvPr/>
-            </p:nvSpPr>
-            <p:spPr bwMode="auto">
-              <a:xfrm>
-                <a:off x="4416" y="2064"/>
-                <a:ext cx="96" cy="96"/>
-              </a:xfrm>
-              <a:prstGeom prst="ellipse">
-                <a:avLst/>
-              </a:prstGeom>
-              <a:noFill/>
-              <a:ln w="9525">
-                <a:solidFill>
-                  <a:schemeClr val="tx1"/>
-                </a:solidFill>
-                <a:round/>
-                <a:headEnd/>
-                <a:tailEnd/>
-              </a:ln>
-              <a:extLst>
-                <a:ext uri="{909E8E84-426E-40DD-AFC4-6F175D3DCCD1}">
-                  <a14:hiddenFill xmlns:a14="http://schemas.microsoft.com/office/drawing/2010/main">
-                    <a:solidFill>
-                      <a:srgbClr val="FFFFFF"/>
-                    </a:solidFill>
-                  </a14:hiddenFill>
-                </a:ext>
-              </a:extLst>
-            </p:spPr>
-            <p:txBody>
-              <a:bodyPr wrap="none" anchor="ctr"/>
-              <a:lstStyle>
-                <a:lvl1pPr eaLnBrk="0" hangingPunct="0">
-                  <a:defRPr kumimoji="1" sz="1600">
-                    <a:solidFill>
-                      <a:schemeClr val="tx1"/>
-                    </a:solidFill>
-                    <a:latin typeface="Times New Roman" panose="02020603050405020304" pitchFamily="18" charset="0"/>
-                    <a:ea typeface="標楷體" panose="03000509000000000000" pitchFamily="65" charset="-120"/>
-                  </a:defRPr>
-                </a:lvl1pPr>
-                <a:lvl2pPr marL="742950" indent="-285750" eaLnBrk="0" hangingPunct="0">
-                  <a:defRPr kumimoji="1" sz="1600">
-                    <a:solidFill>
-                      <a:schemeClr val="tx1"/>
-                    </a:solidFill>
-                    <a:latin typeface="Times New Roman" panose="02020603050405020304" pitchFamily="18" charset="0"/>
-                    <a:ea typeface="標楷體" panose="03000509000000000000" pitchFamily="65" charset="-120"/>
-                  </a:defRPr>
-                </a:lvl2pPr>
-                <a:lvl3pPr marL="1143000" indent="-228600" eaLnBrk="0" hangingPunct="0">
-                  <a:defRPr kumimoji="1" sz="1600">
-                    <a:solidFill>
-                      <a:schemeClr val="tx1"/>
-                    </a:solidFill>
-                    <a:latin typeface="Times New Roman" panose="02020603050405020304" pitchFamily="18" charset="0"/>
-                    <a:ea typeface="標楷體" panose="03000509000000000000" pitchFamily="65" charset="-120"/>
-                  </a:defRPr>
-                </a:lvl3pPr>
-                <a:lvl4pPr marL="1600200" indent="-228600" eaLnBrk="0" hangingPunct="0">
-                  <a:defRPr kumimoji="1" sz="1600">
-                    <a:solidFill>
-                      <a:schemeClr val="tx1"/>
-                    </a:solidFill>
-                    <a:latin typeface="Times New Roman" panose="02020603050405020304" pitchFamily="18" charset="0"/>
-                    <a:ea typeface="標楷體" panose="03000509000000000000" pitchFamily="65" charset="-120"/>
-                  </a:defRPr>
-                </a:lvl4pPr>
-                <a:lvl5pPr marL="2057400" indent="-228600" eaLnBrk="0" hangingPunct="0">
-                  <a:defRPr kumimoji="1" sz="1600">
-                    <a:solidFill>
-                      <a:schemeClr val="tx1"/>
-                    </a:solidFill>
-                    <a:latin typeface="Times New Roman" panose="02020603050405020304" pitchFamily="18" charset="0"/>
-                    <a:ea typeface="標楷體" panose="03000509000000000000" pitchFamily="65" charset="-120"/>
-                  </a:defRPr>
-                </a:lvl5pPr>
-                <a:lvl6pPr marL="2514600" indent="-228600" eaLnBrk="0" fontAlgn="base" hangingPunct="0">
-                  <a:spcBef>
-                    <a:spcPct val="0"/>
-                  </a:spcBef>
-                  <a:spcAft>
-                    <a:spcPct val="0"/>
-                  </a:spcAft>
-                  <a:defRPr kumimoji="1" sz="1600">
-                    <a:solidFill>
-                      <a:schemeClr val="tx1"/>
-                    </a:solidFill>
-                    <a:latin typeface="Times New Roman" panose="02020603050405020304" pitchFamily="18" charset="0"/>
-                    <a:ea typeface="標楷體" panose="03000509000000000000" pitchFamily="65" charset="-120"/>
-                  </a:defRPr>
-                </a:lvl6pPr>
-                <a:lvl7pPr marL="2971800" indent="-228600" eaLnBrk="0" fontAlgn="base" hangingPunct="0">
-                  <a:spcBef>
-                    <a:spcPct val="0"/>
-                  </a:spcBef>
-                  <a:spcAft>
-                    <a:spcPct val="0"/>
-                  </a:spcAft>
-                  <a:defRPr kumimoji="1" sz="1600">
-                    <a:solidFill>
-                      <a:schemeClr val="tx1"/>
-                    </a:solidFill>
-                    <a:latin typeface="Times New Roman" panose="02020603050405020304" pitchFamily="18" charset="0"/>
-                    <a:ea typeface="標楷體" panose="03000509000000000000" pitchFamily="65" charset="-120"/>
-                  </a:defRPr>
-                </a:lvl7pPr>
-                <a:lvl8pPr marL="3429000" indent="-228600" eaLnBrk="0" fontAlgn="base" hangingPunct="0">
-                  <a:spcBef>
-                    <a:spcPct val="0"/>
-                  </a:spcBef>
-                  <a:spcAft>
-                    <a:spcPct val="0"/>
-                  </a:spcAft>
-                  <a:defRPr kumimoji="1" sz="1600">
-                    <a:solidFill>
-                      <a:schemeClr val="tx1"/>
-                    </a:solidFill>
-                    <a:latin typeface="Times New Roman" panose="02020603050405020304" pitchFamily="18" charset="0"/>
-                    <a:ea typeface="標楷體" panose="03000509000000000000" pitchFamily="65" charset="-120"/>
-                  </a:defRPr>
-                </a:lvl8pPr>
-                <a:lvl9pPr marL="3886200" indent="-228600" eaLnBrk="0" fontAlgn="base" hangingPunct="0">
-                  <a:spcBef>
-                    <a:spcPct val="0"/>
-                  </a:spcBef>
-                  <a:spcAft>
-                    <a:spcPct val="0"/>
-                  </a:spcAft>
-                  <a:defRPr kumimoji="1" sz="1600">
-                    <a:solidFill>
-                      <a:schemeClr val="tx1"/>
-                    </a:solidFill>
-                    <a:latin typeface="Times New Roman" panose="02020603050405020304" pitchFamily="18" charset="0"/>
-                    <a:ea typeface="標楷體" panose="03000509000000000000" pitchFamily="65" charset="-120"/>
-                  </a:defRPr>
-                </a:lvl9pPr>
-              </a:lstStyle>
-              <a:p>
-                <a:pPr eaLnBrk="1" hangingPunct="1"/>
-                <a:endParaRPr lang="zh-TW" altLang="en-US"/>
-              </a:p>
-            </p:txBody>
-          </p:sp>
-          <p:sp>
-            <p:nvSpPr>
-              <p:cNvPr id="49174" name="Oval 63"/>
-              <p:cNvSpPr>
-                <a:spLocks noChangeArrowheads="1"/>
-              </p:cNvSpPr>
-              <p:nvPr/>
-            </p:nvSpPr>
-            <p:spPr bwMode="auto">
-              <a:xfrm>
-                <a:off x="4608" y="2064"/>
-                <a:ext cx="96" cy="96"/>
-              </a:xfrm>
-              <a:prstGeom prst="ellipse">
-                <a:avLst/>
-              </a:prstGeom>
-              <a:noFill/>
-              <a:ln w="9525">
-                <a:solidFill>
-                  <a:schemeClr val="tx1"/>
-                </a:solidFill>
-                <a:round/>
-                <a:headEnd/>
-                <a:tailEnd/>
-              </a:ln>
-              <a:extLst>
-                <a:ext uri="{909E8E84-426E-40DD-AFC4-6F175D3DCCD1}">
-                  <a14:hiddenFill xmlns:a14="http://schemas.microsoft.com/office/drawing/2010/main">
-                    <a:solidFill>
-                      <a:srgbClr val="FFFFFF"/>
-                    </a:solidFill>
-                  </a14:hiddenFill>
-                </a:ext>
-              </a:extLst>
-            </p:spPr>
-            <p:txBody>
-              <a:bodyPr wrap="none" anchor="ctr"/>
-              <a:lstStyle>
-                <a:lvl1pPr eaLnBrk="0" hangingPunct="0">
-                  <a:defRPr kumimoji="1" sz="1600">
-                    <a:solidFill>
-                      <a:schemeClr val="tx1"/>
-                    </a:solidFill>
-                    <a:latin typeface="Times New Roman" panose="02020603050405020304" pitchFamily="18" charset="0"/>
-                    <a:ea typeface="標楷體" panose="03000509000000000000" pitchFamily="65" charset="-120"/>
-                  </a:defRPr>
-                </a:lvl1pPr>
-                <a:lvl2pPr marL="742950" indent="-285750" eaLnBrk="0" hangingPunct="0">
-                  <a:defRPr kumimoji="1" sz="1600">
-                    <a:solidFill>
-                      <a:schemeClr val="tx1"/>
-                    </a:solidFill>
-                    <a:latin typeface="Times New Roman" panose="02020603050405020304" pitchFamily="18" charset="0"/>
-                    <a:ea typeface="標楷體" panose="03000509000000000000" pitchFamily="65" charset="-120"/>
-                  </a:defRPr>
-                </a:lvl2pPr>
-                <a:lvl3pPr marL="1143000" indent="-228600" eaLnBrk="0" hangingPunct="0">
-                  <a:defRPr kumimoji="1" sz="1600">
-                    <a:solidFill>
-                      <a:schemeClr val="tx1"/>
-                    </a:solidFill>
-                    <a:latin typeface="Times New Roman" panose="02020603050405020304" pitchFamily="18" charset="0"/>
-                    <a:ea typeface="標楷體" panose="03000509000000000000" pitchFamily="65" charset="-120"/>
-                  </a:defRPr>
-                </a:lvl3pPr>
-                <a:lvl4pPr marL="1600200" indent="-228600" eaLnBrk="0" hangingPunct="0">
-                  <a:defRPr kumimoji="1" sz="1600">
-                    <a:solidFill>
-                      <a:schemeClr val="tx1"/>
-                    </a:solidFill>
-                    <a:latin typeface="Times New Roman" panose="02020603050405020304" pitchFamily="18" charset="0"/>
-                    <a:ea typeface="標楷體" panose="03000509000000000000" pitchFamily="65" charset="-120"/>
-                  </a:defRPr>
-                </a:lvl4pPr>
-                <a:lvl5pPr marL="2057400" indent="-228600" eaLnBrk="0" hangingPunct="0">
-                  <a:defRPr kumimoji="1" sz="1600">
-                    <a:solidFill>
-                      <a:schemeClr val="tx1"/>
-                    </a:solidFill>
-                    <a:latin typeface="Times New Roman" panose="02020603050405020304" pitchFamily="18" charset="0"/>
-                    <a:ea typeface="標楷體" panose="03000509000000000000" pitchFamily="65" charset="-120"/>
-                  </a:defRPr>
-                </a:lvl5pPr>
-                <a:lvl6pPr marL="2514600" indent="-228600" eaLnBrk="0" fontAlgn="base" hangingPunct="0">
-                  <a:spcBef>
-                    <a:spcPct val="0"/>
-                  </a:spcBef>
-                  <a:spcAft>
-                    <a:spcPct val="0"/>
-                  </a:spcAft>
-                  <a:defRPr kumimoji="1" sz="1600">
-                    <a:solidFill>
-                      <a:schemeClr val="tx1"/>
-                    </a:solidFill>
-                    <a:latin typeface="Times New Roman" panose="02020603050405020304" pitchFamily="18" charset="0"/>
-                    <a:ea typeface="標楷體" panose="03000509000000000000" pitchFamily="65" charset="-120"/>
-                  </a:defRPr>
-                </a:lvl6pPr>
-                <a:lvl7pPr marL="2971800" indent="-228600" eaLnBrk="0" fontAlgn="base" hangingPunct="0">
-                  <a:spcBef>
-                    <a:spcPct val="0"/>
-                  </a:spcBef>
-                  <a:spcAft>
-                    <a:spcPct val="0"/>
-                  </a:spcAft>
-                  <a:defRPr kumimoji="1" sz="1600">
-                    <a:solidFill>
-                      <a:schemeClr val="tx1"/>
-                    </a:solidFill>
-                    <a:latin typeface="Times New Roman" panose="02020603050405020304" pitchFamily="18" charset="0"/>
-                    <a:ea typeface="標楷體" panose="03000509000000000000" pitchFamily="65" charset="-120"/>
-                  </a:defRPr>
-                </a:lvl7pPr>
-                <a:lvl8pPr marL="3429000" indent="-228600" eaLnBrk="0" fontAlgn="base" hangingPunct="0">
-                  <a:spcBef>
-                    <a:spcPct val="0"/>
-                  </a:spcBef>
-                  <a:spcAft>
-                    <a:spcPct val="0"/>
-                  </a:spcAft>
-                  <a:defRPr kumimoji="1" sz="1600">
-                    <a:solidFill>
-                      <a:schemeClr val="tx1"/>
-                    </a:solidFill>
-                    <a:latin typeface="Times New Roman" panose="02020603050405020304" pitchFamily="18" charset="0"/>
-                    <a:ea typeface="標楷體" panose="03000509000000000000" pitchFamily="65" charset="-120"/>
-                  </a:defRPr>
-                </a:lvl8pPr>
-                <a:lvl9pPr marL="3886200" indent="-228600" eaLnBrk="0" fontAlgn="base" hangingPunct="0">
-                  <a:spcBef>
-                    <a:spcPct val="0"/>
-                  </a:spcBef>
-                  <a:spcAft>
-                    <a:spcPct val="0"/>
-                  </a:spcAft>
-                  <a:defRPr kumimoji="1" sz="1600">
-                    <a:solidFill>
-                      <a:schemeClr val="tx1"/>
-                    </a:solidFill>
-                    <a:latin typeface="Times New Roman" panose="02020603050405020304" pitchFamily="18" charset="0"/>
-                    <a:ea typeface="標楷體" panose="03000509000000000000" pitchFamily="65" charset="-120"/>
-                  </a:defRPr>
-                </a:lvl9pPr>
-              </a:lstStyle>
-              <a:p>
-                <a:pPr eaLnBrk="1" hangingPunct="1"/>
-                <a:endParaRPr lang="zh-TW" altLang="en-US"/>
-              </a:p>
-            </p:txBody>
-          </p:sp>
-          <p:sp>
-            <p:nvSpPr>
-              <p:cNvPr id="49175" name="Oval 64"/>
-              <p:cNvSpPr>
-                <a:spLocks noChangeArrowheads="1"/>
-              </p:cNvSpPr>
-              <p:nvPr/>
-            </p:nvSpPr>
-            <p:spPr bwMode="auto">
-              <a:xfrm>
-                <a:off x="4800" y="2064"/>
-                <a:ext cx="96" cy="96"/>
-              </a:xfrm>
-              <a:prstGeom prst="ellipse">
-                <a:avLst/>
-              </a:prstGeom>
-              <a:noFill/>
-              <a:ln w="9525">
-                <a:solidFill>
-                  <a:schemeClr val="tx1"/>
-                </a:solidFill>
-                <a:round/>
-                <a:headEnd/>
-                <a:tailEnd/>
-              </a:ln>
-              <a:extLst>
-                <a:ext uri="{909E8E84-426E-40DD-AFC4-6F175D3DCCD1}">
-                  <a14:hiddenFill xmlns:a14="http://schemas.microsoft.com/office/drawing/2010/main">
-                    <a:solidFill>
-                      <a:srgbClr val="FFFFFF"/>
-                    </a:solidFill>
-                  </a14:hiddenFill>
-                </a:ext>
-              </a:extLst>
-            </p:spPr>
-            <p:txBody>
-              <a:bodyPr wrap="none" anchor="ctr"/>
-              <a:lstStyle>
-                <a:lvl1pPr eaLnBrk="0" hangingPunct="0">
-                  <a:defRPr kumimoji="1" sz="1600">
-                    <a:solidFill>
-                      <a:schemeClr val="tx1"/>
-                    </a:solidFill>
-                    <a:latin typeface="Times New Roman" panose="02020603050405020304" pitchFamily="18" charset="0"/>
-                    <a:ea typeface="標楷體" panose="03000509000000000000" pitchFamily="65" charset="-120"/>
-                  </a:defRPr>
-                </a:lvl1pPr>
-                <a:lvl2pPr marL="742950" indent="-285750" eaLnBrk="0" hangingPunct="0">
-                  <a:defRPr kumimoji="1" sz="1600">
-                    <a:solidFill>
-                      <a:schemeClr val="tx1"/>
-                    </a:solidFill>
-                    <a:latin typeface="Times New Roman" panose="02020603050405020304" pitchFamily="18" charset="0"/>
-                    <a:ea typeface="標楷體" panose="03000509000000000000" pitchFamily="65" charset="-120"/>
-                  </a:defRPr>
-                </a:lvl2pPr>
-                <a:lvl3pPr marL="1143000" indent="-228600" eaLnBrk="0" hangingPunct="0">
-                  <a:defRPr kumimoji="1" sz="1600">
-                    <a:solidFill>
-                      <a:schemeClr val="tx1"/>
-                    </a:solidFill>
-                    <a:latin typeface="Times New Roman" panose="02020603050405020304" pitchFamily="18" charset="0"/>
-                    <a:ea typeface="標楷體" panose="03000509000000000000" pitchFamily="65" charset="-120"/>
-                  </a:defRPr>
-                </a:lvl3pPr>
-                <a:lvl4pPr marL="1600200" indent="-228600" eaLnBrk="0" hangingPunct="0">
-                  <a:defRPr kumimoji="1" sz="1600">
-                    <a:solidFill>
-                      <a:schemeClr val="tx1"/>
-                    </a:solidFill>
-                    <a:latin typeface="Times New Roman" panose="02020603050405020304" pitchFamily="18" charset="0"/>
-                    <a:ea typeface="標楷體" panose="03000509000000000000" pitchFamily="65" charset="-120"/>
-                  </a:defRPr>
-                </a:lvl4pPr>
-                <a:lvl5pPr marL="2057400" indent="-228600" eaLnBrk="0" hangingPunct="0">
-                  <a:defRPr kumimoji="1" sz="1600">
-                    <a:solidFill>
-                      <a:schemeClr val="tx1"/>
-                    </a:solidFill>
-                    <a:latin typeface="Times New Roman" panose="02020603050405020304" pitchFamily="18" charset="0"/>
-                    <a:ea typeface="標楷體" panose="03000509000000000000" pitchFamily="65" charset="-120"/>
-                  </a:defRPr>
-                </a:lvl5pPr>
-                <a:lvl6pPr marL="2514600" indent="-228600" eaLnBrk="0" fontAlgn="base" hangingPunct="0">
-                  <a:spcBef>
-                    <a:spcPct val="0"/>
-                  </a:spcBef>
-                  <a:spcAft>
-                    <a:spcPct val="0"/>
-                  </a:spcAft>
-                  <a:defRPr kumimoji="1" sz="1600">
-                    <a:solidFill>
-                      <a:schemeClr val="tx1"/>
-                    </a:solidFill>
-                    <a:latin typeface="Times New Roman" panose="02020603050405020304" pitchFamily="18" charset="0"/>
-                    <a:ea typeface="標楷體" panose="03000509000000000000" pitchFamily="65" charset="-120"/>
-                  </a:defRPr>
-                </a:lvl6pPr>
-                <a:lvl7pPr marL="2971800" indent="-228600" eaLnBrk="0" fontAlgn="base" hangingPunct="0">
-                  <a:spcBef>
-                    <a:spcPct val="0"/>
-                  </a:spcBef>
-                  <a:spcAft>
-                    <a:spcPct val="0"/>
-                  </a:spcAft>
-                  <a:defRPr kumimoji="1" sz="1600">
-                    <a:solidFill>
-                      <a:schemeClr val="tx1"/>
-                    </a:solidFill>
-                    <a:latin typeface="Times New Roman" panose="02020603050405020304" pitchFamily="18" charset="0"/>
-                    <a:ea typeface="標楷體" panose="03000509000000000000" pitchFamily="65" charset="-120"/>
-                  </a:defRPr>
-                </a:lvl7pPr>
-                <a:lvl8pPr marL="3429000" indent="-228600" eaLnBrk="0" fontAlgn="base" hangingPunct="0">
-                  <a:spcBef>
-                    <a:spcPct val="0"/>
-                  </a:spcBef>
-                  <a:spcAft>
-                    <a:spcPct val="0"/>
-                  </a:spcAft>
-                  <a:defRPr kumimoji="1" sz="1600">
-                    <a:solidFill>
-                      <a:schemeClr val="tx1"/>
-                    </a:solidFill>
-                    <a:latin typeface="Times New Roman" panose="02020603050405020304" pitchFamily="18" charset="0"/>
-                    <a:ea typeface="標楷體" panose="03000509000000000000" pitchFamily="65" charset="-120"/>
-                  </a:defRPr>
-                </a:lvl8pPr>
-                <a:lvl9pPr marL="3886200" indent="-228600" eaLnBrk="0" fontAlgn="base" hangingPunct="0">
-                  <a:spcBef>
-                    <a:spcPct val="0"/>
-                  </a:spcBef>
-                  <a:spcAft>
-                    <a:spcPct val="0"/>
-                  </a:spcAft>
-                  <a:defRPr kumimoji="1" sz="1600">
-                    <a:solidFill>
-                      <a:schemeClr val="tx1"/>
-                    </a:solidFill>
-                    <a:latin typeface="Times New Roman" panose="02020603050405020304" pitchFamily="18" charset="0"/>
-                    <a:ea typeface="標楷體" panose="03000509000000000000" pitchFamily="65" charset="-120"/>
-                  </a:defRPr>
-                </a:lvl9pPr>
-              </a:lstStyle>
-              <a:p>
-                <a:pPr eaLnBrk="1" hangingPunct="1"/>
-                <a:endParaRPr lang="zh-TW" altLang="en-US"/>
-              </a:p>
-            </p:txBody>
-          </p:sp>
-        </p:grpSp>
-        <p:sp>
-          <p:nvSpPr>
-            <p:cNvPr id="49163" name="AutoShape 66"/>
-            <p:cNvSpPr>
-              <a:spLocks noChangeArrowheads="1"/>
-            </p:cNvSpPr>
-            <p:nvPr/>
-          </p:nvSpPr>
-          <p:spPr bwMode="auto">
-            <a:xfrm>
-              <a:off x="2928" y="1920"/>
-              <a:ext cx="240" cy="240"/>
-            </a:xfrm>
-            <a:prstGeom prst="roundRect">
-              <a:avLst>
-                <a:gd name="adj" fmla="val 16667"/>
-              </a:avLst>
-            </a:prstGeom>
-            <a:noFill/>
-            <a:ln w="9525">
-              <a:solidFill>
-                <a:schemeClr val="tx1"/>
-              </a:solidFill>
-              <a:round/>
-              <a:headEnd/>
-              <a:tailEnd/>
-            </a:ln>
-            <a:extLst>
-              <a:ext uri="{909E8E84-426E-40DD-AFC4-6F175D3DCCD1}">
-                <a14:hiddenFill xmlns:a14="http://schemas.microsoft.com/office/drawing/2010/main">
-                  <a:solidFill>
-                    <a:srgbClr val="FFFFFF"/>
-                  </a:solidFill>
-                </a14:hiddenFill>
-              </a:ext>
-            </a:extLst>
-          </p:spPr>
-          <p:txBody>
-            <a:bodyPr wrap="none" anchor="ctr"/>
-            <a:lstStyle>
-              <a:lvl1pPr eaLnBrk="0" hangingPunct="0">
-                <a:defRPr kumimoji="1" sz="1600">
-                  <a:solidFill>
-                    <a:schemeClr val="tx1"/>
-                  </a:solidFill>
-                  <a:latin typeface="Times New Roman" panose="02020603050405020304" pitchFamily="18" charset="0"/>
-                  <a:ea typeface="標楷體" panose="03000509000000000000" pitchFamily="65" charset="-120"/>
-                </a:defRPr>
-              </a:lvl1pPr>
-              <a:lvl2pPr marL="742950" indent="-285750" eaLnBrk="0" hangingPunct="0">
-                <a:defRPr kumimoji="1" sz="1600">
-                  <a:solidFill>
-                    <a:schemeClr val="tx1"/>
-                  </a:solidFill>
-                  <a:latin typeface="Times New Roman" panose="02020603050405020304" pitchFamily="18" charset="0"/>
-                  <a:ea typeface="標楷體" panose="03000509000000000000" pitchFamily="65" charset="-120"/>
-                </a:defRPr>
-              </a:lvl2pPr>
-              <a:lvl3pPr marL="1143000" indent="-228600" eaLnBrk="0" hangingPunct="0">
-                <a:defRPr kumimoji="1" sz="1600">
-                  <a:solidFill>
-                    <a:schemeClr val="tx1"/>
-                  </a:solidFill>
-                  <a:latin typeface="Times New Roman" panose="02020603050405020304" pitchFamily="18" charset="0"/>
-                  <a:ea typeface="標楷體" panose="03000509000000000000" pitchFamily="65" charset="-120"/>
-                </a:defRPr>
-              </a:lvl3pPr>
-              <a:lvl4pPr marL="1600200" indent="-228600" eaLnBrk="0" hangingPunct="0">
-                <a:defRPr kumimoji="1" sz="1600">
-                  <a:solidFill>
-                    <a:schemeClr val="tx1"/>
-                  </a:solidFill>
-                  <a:latin typeface="Times New Roman" panose="02020603050405020304" pitchFamily="18" charset="0"/>
-                  <a:ea typeface="標楷體" panose="03000509000000000000" pitchFamily="65" charset="-120"/>
-                </a:defRPr>
-              </a:lvl4pPr>
-              <a:lvl5pPr marL="2057400" indent="-228600" eaLnBrk="0" hangingPunct="0">
-                <a:defRPr kumimoji="1" sz="1600">
-                  <a:solidFill>
-                    <a:schemeClr val="tx1"/>
-                  </a:solidFill>
-                  <a:latin typeface="Times New Roman" panose="02020603050405020304" pitchFamily="18" charset="0"/>
-                  <a:ea typeface="標楷體" panose="03000509000000000000" pitchFamily="65" charset="-120"/>
-                </a:defRPr>
-              </a:lvl5pPr>
-              <a:lvl6pPr marL="2514600" indent="-228600" eaLnBrk="0" fontAlgn="base" hangingPunct="0">
-                <a:spcBef>
-                  <a:spcPct val="0"/>
-                </a:spcBef>
-                <a:spcAft>
-                  <a:spcPct val="0"/>
-                </a:spcAft>
-                <a:defRPr kumimoji="1" sz="1600">
-                  <a:solidFill>
-                    <a:schemeClr val="tx1"/>
-                  </a:solidFill>
-                  <a:latin typeface="Times New Roman" panose="02020603050405020304" pitchFamily="18" charset="0"/>
-                  <a:ea typeface="標楷體" panose="03000509000000000000" pitchFamily="65" charset="-120"/>
-                </a:defRPr>
-              </a:lvl6pPr>
-              <a:lvl7pPr marL="2971800" indent="-228600" eaLnBrk="0" fontAlgn="base" hangingPunct="0">
-                <a:spcBef>
-                  <a:spcPct val="0"/>
-                </a:spcBef>
-                <a:spcAft>
-                  <a:spcPct val="0"/>
-                </a:spcAft>
-                <a:defRPr kumimoji="1" sz="1600">
-                  <a:solidFill>
-                    <a:schemeClr val="tx1"/>
-                  </a:solidFill>
-                  <a:latin typeface="Times New Roman" panose="02020603050405020304" pitchFamily="18" charset="0"/>
-                  <a:ea typeface="標楷體" panose="03000509000000000000" pitchFamily="65" charset="-120"/>
-                </a:defRPr>
-              </a:lvl7pPr>
-              <a:lvl8pPr marL="3429000" indent="-228600" eaLnBrk="0" fontAlgn="base" hangingPunct="0">
-                <a:spcBef>
-                  <a:spcPct val="0"/>
-                </a:spcBef>
-                <a:spcAft>
-                  <a:spcPct val="0"/>
-                </a:spcAft>
-                <a:defRPr kumimoji="1" sz="1600">
-                  <a:solidFill>
-                    <a:schemeClr val="tx1"/>
-                  </a:solidFill>
-                  <a:latin typeface="Times New Roman" panose="02020603050405020304" pitchFamily="18" charset="0"/>
-                  <a:ea typeface="標楷體" panose="03000509000000000000" pitchFamily="65" charset="-120"/>
-                </a:defRPr>
-              </a:lvl8pPr>
-              <a:lvl9pPr marL="3886200" indent="-228600" eaLnBrk="0" fontAlgn="base" hangingPunct="0">
-                <a:spcBef>
-                  <a:spcPct val="0"/>
-                </a:spcBef>
-                <a:spcAft>
-                  <a:spcPct val="0"/>
-                </a:spcAft>
-                <a:defRPr kumimoji="1" sz="1600">
-                  <a:solidFill>
-                    <a:schemeClr val="tx1"/>
-                  </a:solidFill>
-                  <a:latin typeface="Times New Roman" panose="02020603050405020304" pitchFamily="18" charset="0"/>
-                  <a:ea typeface="標楷體" panose="03000509000000000000" pitchFamily="65" charset="-120"/>
-                </a:defRPr>
-              </a:lvl9pPr>
-            </a:lstStyle>
-            <a:p>
-              <a:pPr algn="ctr" eaLnBrk="1" hangingPunct="1"/>
-              <a:r>
-                <a:rPr lang="en-US" altLang="zh-TW"/>
-                <a:t>A</a:t>
-              </a:r>
-            </a:p>
-          </p:txBody>
-        </p:sp>
-        <p:sp>
-          <p:nvSpPr>
-            <p:cNvPr id="49164" name="AutoShape 67"/>
-            <p:cNvSpPr>
-              <a:spLocks noChangeArrowheads="1"/>
-            </p:cNvSpPr>
-            <p:nvPr/>
-          </p:nvSpPr>
-          <p:spPr bwMode="auto">
-            <a:xfrm>
-              <a:off x="2928" y="2256"/>
-              <a:ext cx="240" cy="240"/>
-            </a:xfrm>
-            <a:prstGeom prst="roundRect">
-              <a:avLst>
-                <a:gd name="adj" fmla="val 16667"/>
-              </a:avLst>
-            </a:prstGeom>
-            <a:noFill/>
-            <a:ln w="9525">
-              <a:solidFill>
-                <a:schemeClr val="tx1"/>
-              </a:solidFill>
-              <a:round/>
-              <a:headEnd/>
-              <a:tailEnd/>
-            </a:ln>
-            <a:extLst>
-              <a:ext uri="{909E8E84-426E-40DD-AFC4-6F175D3DCCD1}">
-                <a14:hiddenFill xmlns:a14="http://schemas.microsoft.com/office/drawing/2010/main">
-                  <a:solidFill>
-                    <a:srgbClr val="FFFFFF"/>
-                  </a:solidFill>
-                </a14:hiddenFill>
-              </a:ext>
-            </a:extLst>
-          </p:spPr>
-          <p:txBody>
-            <a:bodyPr wrap="none" anchor="ctr"/>
-            <a:lstStyle>
-              <a:lvl1pPr eaLnBrk="0" hangingPunct="0">
-                <a:defRPr kumimoji="1" sz="1600">
-                  <a:solidFill>
-                    <a:schemeClr val="tx1"/>
-                  </a:solidFill>
-                  <a:latin typeface="Times New Roman" panose="02020603050405020304" pitchFamily="18" charset="0"/>
-                  <a:ea typeface="標楷體" panose="03000509000000000000" pitchFamily="65" charset="-120"/>
-                </a:defRPr>
-              </a:lvl1pPr>
-              <a:lvl2pPr marL="742950" indent="-285750" eaLnBrk="0" hangingPunct="0">
-                <a:defRPr kumimoji="1" sz="1600">
-                  <a:solidFill>
-                    <a:schemeClr val="tx1"/>
-                  </a:solidFill>
-                  <a:latin typeface="Times New Roman" panose="02020603050405020304" pitchFamily="18" charset="0"/>
-                  <a:ea typeface="標楷體" panose="03000509000000000000" pitchFamily="65" charset="-120"/>
-                </a:defRPr>
-              </a:lvl2pPr>
-              <a:lvl3pPr marL="1143000" indent="-228600" eaLnBrk="0" hangingPunct="0">
-                <a:defRPr kumimoji="1" sz="1600">
-                  <a:solidFill>
-                    <a:schemeClr val="tx1"/>
-                  </a:solidFill>
-                  <a:latin typeface="Times New Roman" panose="02020603050405020304" pitchFamily="18" charset="0"/>
-                  <a:ea typeface="標楷體" panose="03000509000000000000" pitchFamily="65" charset="-120"/>
-                </a:defRPr>
-              </a:lvl3pPr>
-              <a:lvl4pPr marL="1600200" indent="-228600" eaLnBrk="0" hangingPunct="0">
-                <a:defRPr kumimoji="1" sz="1600">
-                  <a:solidFill>
-                    <a:schemeClr val="tx1"/>
-                  </a:solidFill>
-                  <a:latin typeface="Times New Roman" panose="02020603050405020304" pitchFamily="18" charset="0"/>
-                  <a:ea typeface="標楷體" panose="03000509000000000000" pitchFamily="65" charset="-120"/>
-                </a:defRPr>
-              </a:lvl4pPr>
-              <a:lvl5pPr marL="2057400" indent="-228600" eaLnBrk="0" hangingPunct="0">
-                <a:defRPr kumimoji="1" sz="1600">
-                  <a:solidFill>
-                    <a:schemeClr val="tx1"/>
-                  </a:solidFill>
-                  <a:latin typeface="Times New Roman" panose="02020603050405020304" pitchFamily="18" charset="0"/>
-                  <a:ea typeface="標楷體" panose="03000509000000000000" pitchFamily="65" charset="-120"/>
-                </a:defRPr>
-              </a:lvl5pPr>
-              <a:lvl6pPr marL="2514600" indent="-228600" eaLnBrk="0" fontAlgn="base" hangingPunct="0">
-                <a:spcBef>
-                  <a:spcPct val="0"/>
-                </a:spcBef>
-                <a:spcAft>
-                  <a:spcPct val="0"/>
-                </a:spcAft>
-                <a:defRPr kumimoji="1" sz="1600">
-                  <a:solidFill>
-                    <a:schemeClr val="tx1"/>
-                  </a:solidFill>
-                  <a:latin typeface="Times New Roman" panose="02020603050405020304" pitchFamily="18" charset="0"/>
-                  <a:ea typeface="標楷體" panose="03000509000000000000" pitchFamily="65" charset="-120"/>
-                </a:defRPr>
-              </a:lvl6pPr>
-              <a:lvl7pPr marL="2971800" indent="-228600" eaLnBrk="0" fontAlgn="base" hangingPunct="0">
-                <a:spcBef>
-                  <a:spcPct val="0"/>
-                </a:spcBef>
-                <a:spcAft>
-                  <a:spcPct val="0"/>
-                </a:spcAft>
-                <a:defRPr kumimoji="1" sz="1600">
-                  <a:solidFill>
-                    <a:schemeClr val="tx1"/>
-                  </a:solidFill>
-                  <a:latin typeface="Times New Roman" panose="02020603050405020304" pitchFamily="18" charset="0"/>
-                  <a:ea typeface="標楷體" panose="03000509000000000000" pitchFamily="65" charset="-120"/>
-                </a:defRPr>
-              </a:lvl7pPr>
-              <a:lvl8pPr marL="3429000" indent="-228600" eaLnBrk="0" fontAlgn="base" hangingPunct="0">
-                <a:spcBef>
-                  <a:spcPct val="0"/>
-                </a:spcBef>
-                <a:spcAft>
-                  <a:spcPct val="0"/>
-                </a:spcAft>
-                <a:defRPr kumimoji="1" sz="1600">
-                  <a:solidFill>
-                    <a:schemeClr val="tx1"/>
-                  </a:solidFill>
-                  <a:latin typeface="Times New Roman" panose="02020603050405020304" pitchFamily="18" charset="0"/>
-                  <a:ea typeface="標楷體" panose="03000509000000000000" pitchFamily="65" charset="-120"/>
-                </a:defRPr>
-              </a:lvl8pPr>
-              <a:lvl9pPr marL="3886200" indent="-228600" eaLnBrk="0" fontAlgn="base" hangingPunct="0">
-                <a:spcBef>
-                  <a:spcPct val="0"/>
-                </a:spcBef>
-                <a:spcAft>
-                  <a:spcPct val="0"/>
-                </a:spcAft>
-                <a:defRPr kumimoji="1" sz="1600">
-                  <a:solidFill>
-                    <a:schemeClr val="tx1"/>
-                  </a:solidFill>
-                  <a:latin typeface="Times New Roman" panose="02020603050405020304" pitchFamily="18" charset="0"/>
-                  <a:ea typeface="標楷體" panose="03000509000000000000" pitchFamily="65" charset="-120"/>
-                </a:defRPr>
-              </a:lvl9pPr>
-            </a:lstStyle>
-            <a:p>
-              <a:pPr algn="ctr" eaLnBrk="1" hangingPunct="1"/>
-              <a:r>
-                <a:rPr lang="en-US" altLang="zh-TW"/>
-                <a:t>B</a:t>
-              </a:r>
-            </a:p>
-          </p:txBody>
-        </p:sp>
-        <p:sp>
-          <p:nvSpPr>
-            <p:cNvPr id="49165" name="AutoShape 68"/>
-            <p:cNvSpPr>
-              <a:spLocks noChangeArrowheads="1"/>
-            </p:cNvSpPr>
-            <p:nvPr/>
-          </p:nvSpPr>
-          <p:spPr bwMode="auto">
-            <a:xfrm>
-              <a:off x="2928" y="2640"/>
-              <a:ext cx="240" cy="240"/>
-            </a:xfrm>
-            <a:prstGeom prst="roundRect">
-              <a:avLst>
-                <a:gd name="adj" fmla="val 16667"/>
-              </a:avLst>
-            </a:prstGeom>
-            <a:noFill/>
-            <a:ln w="9525">
-              <a:solidFill>
-                <a:schemeClr val="tx1"/>
-              </a:solidFill>
-              <a:round/>
-              <a:headEnd/>
-              <a:tailEnd/>
-            </a:ln>
-            <a:extLst>
-              <a:ext uri="{909E8E84-426E-40DD-AFC4-6F175D3DCCD1}">
-                <a14:hiddenFill xmlns:a14="http://schemas.microsoft.com/office/drawing/2010/main">
-                  <a:solidFill>
-                    <a:srgbClr val="FFFFFF"/>
-                  </a:solidFill>
-                </a14:hiddenFill>
-              </a:ext>
-            </a:extLst>
-          </p:spPr>
-          <p:txBody>
-            <a:bodyPr wrap="none" anchor="ctr"/>
-            <a:lstStyle>
-              <a:lvl1pPr eaLnBrk="0" hangingPunct="0">
-                <a:defRPr kumimoji="1" sz="1600">
-                  <a:solidFill>
-                    <a:schemeClr val="tx1"/>
-                  </a:solidFill>
-                  <a:latin typeface="Times New Roman" panose="02020603050405020304" pitchFamily="18" charset="0"/>
-                  <a:ea typeface="標楷體" panose="03000509000000000000" pitchFamily="65" charset="-120"/>
-                </a:defRPr>
-              </a:lvl1pPr>
-              <a:lvl2pPr marL="742950" indent="-285750" eaLnBrk="0" hangingPunct="0">
-                <a:defRPr kumimoji="1" sz="1600">
-                  <a:solidFill>
-                    <a:schemeClr val="tx1"/>
-                  </a:solidFill>
-                  <a:latin typeface="Times New Roman" panose="02020603050405020304" pitchFamily="18" charset="0"/>
-                  <a:ea typeface="標楷體" panose="03000509000000000000" pitchFamily="65" charset="-120"/>
-                </a:defRPr>
-              </a:lvl2pPr>
-              <a:lvl3pPr marL="1143000" indent="-228600" eaLnBrk="0" hangingPunct="0">
-                <a:defRPr kumimoji="1" sz="1600">
-                  <a:solidFill>
-                    <a:schemeClr val="tx1"/>
-                  </a:solidFill>
-                  <a:latin typeface="Times New Roman" panose="02020603050405020304" pitchFamily="18" charset="0"/>
-                  <a:ea typeface="標楷體" panose="03000509000000000000" pitchFamily="65" charset="-120"/>
-                </a:defRPr>
-              </a:lvl3pPr>
-              <a:lvl4pPr marL="1600200" indent="-228600" eaLnBrk="0" hangingPunct="0">
-                <a:defRPr kumimoji="1" sz="1600">
-                  <a:solidFill>
-                    <a:schemeClr val="tx1"/>
-                  </a:solidFill>
-                  <a:latin typeface="Times New Roman" panose="02020603050405020304" pitchFamily="18" charset="0"/>
-                  <a:ea typeface="標楷體" panose="03000509000000000000" pitchFamily="65" charset="-120"/>
-                </a:defRPr>
-              </a:lvl4pPr>
-              <a:lvl5pPr marL="2057400" indent="-228600" eaLnBrk="0" hangingPunct="0">
-                <a:defRPr kumimoji="1" sz="1600">
-                  <a:solidFill>
-                    <a:schemeClr val="tx1"/>
-                  </a:solidFill>
-                  <a:latin typeface="Times New Roman" panose="02020603050405020304" pitchFamily="18" charset="0"/>
-                  <a:ea typeface="標楷體" panose="03000509000000000000" pitchFamily="65" charset="-120"/>
-                </a:defRPr>
-              </a:lvl5pPr>
-              <a:lvl6pPr marL="2514600" indent="-228600" eaLnBrk="0" fontAlgn="base" hangingPunct="0">
-                <a:spcBef>
-                  <a:spcPct val="0"/>
-                </a:spcBef>
-                <a:spcAft>
-                  <a:spcPct val="0"/>
-                </a:spcAft>
-                <a:defRPr kumimoji="1" sz="1600">
-                  <a:solidFill>
-                    <a:schemeClr val="tx1"/>
-                  </a:solidFill>
-                  <a:latin typeface="Times New Roman" panose="02020603050405020304" pitchFamily="18" charset="0"/>
-                  <a:ea typeface="標楷體" panose="03000509000000000000" pitchFamily="65" charset="-120"/>
-                </a:defRPr>
-              </a:lvl6pPr>
-              <a:lvl7pPr marL="2971800" indent="-228600" eaLnBrk="0" fontAlgn="base" hangingPunct="0">
-                <a:spcBef>
-                  <a:spcPct val="0"/>
-                </a:spcBef>
-                <a:spcAft>
-                  <a:spcPct val="0"/>
-                </a:spcAft>
-                <a:defRPr kumimoji="1" sz="1600">
-                  <a:solidFill>
-                    <a:schemeClr val="tx1"/>
-                  </a:solidFill>
-                  <a:latin typeface="Times New Roman" panose="02020603050405020304" pitchFamily="18" charset="0"/>
-                  <a:ea typeface="標楷體" panose="03000509000000000000" pitchFamily="65" charset="-120"/>
-                </a:defRPr>
-              </a:lvl7pPr>
-              <a:lvl8pPr marL="3429000" indent="-228600" eaLnBrk="0" fontAlgn="base" hangingPunct="0">
-                <a:spcBef>
-                  <a:spcPct val="0"/>
-                </a:spcBef>
-                <a:spcAft>
-                  <a:spcPct val="0"/>
-                </a:spcAft>
-                <a:defRPr kumimoji="1" sz="1600">
-                  <a:solidFill>
-                    <a:schemeClr val="tx1"/>
-                  </a:solidFill>
-                  <a:latin typeface="Times New Roman" panose="02020603050405020304" pitchFamily="18" charset="0"/>
-                  <a:ea typeface="標楷體" panose="03000509000000000000" pitchFamily="65" charset="-120"/>
-                </a:defRPr>
-              </a:lvl8pPr>
-              <a:lvl9pPr marL="3886200" indent="-228600" eaLnBrk="0" fontAlgn="base" hangingPunct="0">
-                <a:spcBef>
-                  <a:spcPct val="0"/>
-                </a:spcBef>
-                <a:spcAft>
-                  <a:spcPct val="0"/>
-                </a:spcAft>
-                <a:defRPr kumimoji="1" sz="1600">
-                  <a:solidFill>
-                    <a:schemeClr val="tx1"/>
-                  </a:solidFill>
-                  <a:latin typeface="Times New Roman" panose="02020603050405020304" pitchFamily="18" charset="0"/>
-                  <a:ea typeface="標楷體" panose="03000509000000000000" pitchFamily="65" charset="-120"/>
-                </a:defRPr>
-              </a:lvl9pPr>
-            </a:lstStyle>
-            <a:p>
-              <a:pPr algn="ctr" eaLnBrk="1" hangingPunct="1"/>
-              <a:r>
-                <a:rPr lang="en-US" altLang="zh-TW"/>
-                <a:t>C</a:t>
-              </a:r>
-            </a:p>
-          </p:txBody>
-        </p:sp>
-        <p:sp>
-          <p:nvSpPr>
-            <p:cNvPr id="49166" name="AutoShape 69"/>
-            <p:cNvSpPr>
-              <a:spLocks noChangeArrowheads="1"/>
-            </p:cNvSpPr>
-            <p:nvPr/>
-          </p:nvSpPr>
-          <p:spPr bwMode="auto">
-            <a:xfrm>
-              <a:off x="2928" y="3024"/>
-              <a:ext cx="240" cy="240"/>
-            </a:xfrm>
-            <a:prstGeom prst="roundRect">
-              <a:avLst>
-                <a:gd name="adj" fmla="val 16667"/>
-              </a:avLst>
-            </a:prstGeom>
-            <a:noFill/>
-            <a:ln w="9525">
-              <a:solidFill>
-                <a:schemeClr val="tx1"/>
-              </a:solidFill>
-              <a:round/>
-              <a:headEnd/>
-              <a:tailEnd/>
-            </a:ln>
-            <a:extLst>
-              <a:ext uri="{909E8E84-426E-40DD-AFC4-6F175D3DCCD1}">
-                <a14:hiddenFill xmlns:a14="http://schemas.microsoft.com/office/drawing/2010/main">
-                  <a:solidFill>
-                    <a:srgbClr val="FFFFFF"/>
-                  </a:solidFill>
-                </a14:hiddenFill>
-              </a:ext>
-            </a:extLst>
-          </p:spPr>
-          <p:txBody>
-            <a:bodyPr wrap="none" anchor="ctr"/>
-            <a:lstStyle>
-              <a:lvl1pPr eaLnBrk="0" hangingPunct="0">
-                <a:defRPr kumimoji="1" sz="1600">
-                  <a:solidFill>
-                    <a:schemeClr val="tx1"/>
-                  </a:solidFill>
-                  <a:latin typeface="Times New Roman" panose="02020603050405020304" pitchFamily="18" charset="0"/>
-                  <a:ea typeface="標楷體" panose="03000509000000000000" pitchFamily="65" charset="-120"/>
-                </a:defRPr>
-              </a:lvl1pPr>
-              <a:lvl2pPr marL="742950" indent="-285750" eaLnBrk="0" hangingPunct="0">
-                <a:defRPr kumimoji="1" sz="1600">
-                  <a:solidFill>
-                    <a:schemeClr val="tx1"/>
-                  </a:solidFill>
-                  <a:latin typeface="Times New Roman" panose="02020603050405020304" pitchFamily="18" charset="0"/>
-                  <a:ea typeface="標楷體" panose="03000509000000000000" pitchFamily="65" charset="-120"/>
-                </a:defRPr>
-              </a:lvl2pPr>
-              <a:lvl3pPr marL="1143000" indent="-228600" eaLnBrk="0" hangingPunct="0">
-                <a:defRPr kumimoji="1" sz="1600">
-                  <a:solidFill>
-                    <a:schemeClr val="tx1"/>
-                  </a:solidFill>
-                  <a:latin typeface="Times New Roman" panose="02020603050405020304" pitchFamily="18" charset="0"/>
-                  <a:ea typeface="標楷體" panose="03000509000000000000" pitchFamily="65" charset="-120"/>
-                </a:defRPr>
-              </a:lvl3pPr>
-              <a:lvl4pPr marL="1600200" indent="-228600" eaLnBrk="0" hangingPunct="0">
-                <a:defRPr kumimoji="1" sz="1600">
-                  <a:solidFill>
-                    <a:schemeClr val="tx1"/>
-                  </a:solidFill>
-                  <a:latin typeface="Times New Roman" panose="02020603050405020304" pitchFamily="18" charset="0"/>
-                  <a:ea typeface="標楷體" panose="03000509000000000000" pitchFamily="65" charset="-120"/>
-                </a:defRPr>
-              </a:lvl4pPr>
-              <a:lvl5pPr marL="2057400" indent="-228600" eaLnBrk="0" hangingPunct="0">
-                <a:defRPr kumimoji="1" sz="1600">
-                  <a:solidFill>
-                    <a:schemeClr val="tx1"/>
-                  </a:solidFill>
-                  <a:latin typeface="Times New Roman" panose="02020603050405020304" pitchFamily="18" charset="0"/>
-                  <a:ea typeface="標楷體" panose="03000509000000000000" pitchFamily="65" charset="-120"/>
-                </a:defRPr>
-              </a:lvl5pPr>
-              <a:lvl6pPr marL="2514600" indent="-228600" eaLnBrk="0" fontAlgn="base" hangingPunct="0">
-                <a:spcBef>
-                  <a:spcPct val="0"/>
-                </a:spcBef>
-                <a:spcAft>
-                  <a:spcPct val="0"/>
-                </a:spcAft>
-                <a:defRPr kumimoji="1" sz="1600">
-                  <a:solidFill>
-                    <a:schemeClr val="tx1"/>
-                  </a:solidFill>
-                  <a:latin typeface="Times New Roman" panose="02020603050405020304" pitchFamily="18" charset="0"/>
-                  <a:ea typeface="標楷體" panose="03000509000000000000" pitchFamily="65" charset="-120"/>
-                </a:defRPr>
-              </a:lvl6pPr>
-              <a:lvl7pPr marL="2971800" indent="-228600" eaLnBrk="0" fontAlgn="base" hangingPunct="0">
-                <a:spcBef>
-                  <a:spcPct val="0"/>
-                </a:spcBef>
-                <a:spcAft>
-                  <a:spcPct val="0"/>
-                </a:spcAft>
-                <a:defRPr kumimoji="1" sz="1600">
-                  <a:solidFill>
-                    <a:schemeClr val="tx1"/>
-                  </a:solidFill>
-                  <a:latin typeface="Times New Roman" panose="02020603050405020304" pitchFamily="18" charset="0"/>
-                  <a:ea typeface="標楷體" panose="03000509000000000000" pitchFamily="65" charset="-120"/>
-                </a:defRPr>
-              </a:lvl7pPr>
-              <a:lvl8pPr marL="3429000" indent="-228600" eaLnBrk="0" fontAlgn="base" hangingPunct="0">
-                <a:spcBef>
-                  <a:spcPct val="0"/>
-                </a:spcBef>
-                <a:spcAft>
-                  <a:spcPct val="0"/>
-                </a:spcAft>
-                <a:defRPr kumimoji="1" sz="1600">
-                  <a:solidFill>
-                    <a:schemeClr val="tx1"/>
-                  </a:solidFill>
-                  <a:latin typeface="Times New Roman" panose="02020603050405020304" pitchFamily="18" charset="0"/>
-                  <a:ea typeface="標楷體" panose="03000509000000000000" pitchFamily="65" charset="-120"/>
-                </a:defRPr>
-              </a:lvl8pPr>
-              <a:lvl9pPr marL="3886200" indent="-228600" eaLnBrk="0" fontAlgn="base" hangingPunct="0">
-                <a:spcBef>
-                  <a:spcPct val="0"/>
-                </a:spcBef>
-                <a:spcAft>
-                  <a:spcPct val="0"/>
-                </a:spcAft>
-                <a:defRPr kumimoji="1" sz="1600">
-                  <a:solidFill>
-                    <a:schemeClr val="tx1"/>
-                  </a:solidFill>
-                  <a:latin typeface="Times New Roman" panose="02020603050405020304" pitchFamily="18" charset="0"/>
-                  <a:ea typeface="標楷體" panose="03000509000000000000" pitchFamily="65" charset="-120"/>
-                </a:defRPr>
-              </a:lvl9pPr>
-            </a:lstStyle>
-            <a:p>
-              <a:pPr algn="ctr" eaLnBrk="1" hangingPunct="1"/>
-              <a:r>
-                <a:rPr lang="en-US" altLang="zh-TW"/>
-                <a:t>D</a:t>
-              </a:r>
-            </a:p>
-          </p:txBody>
-        </p:sp>
-        <p:sp>
-          <p:nvSpPr>
-            <p:cNvPr id="49167" name="AutoShape 70"/>
-            <p:cNvSpPr>
-              <a:spLocks noChangeArrowheads="1"/>
-            </p:cNvSpPr>
-            <p:nvPr/>
-          </p:nvSpPr>
-          <p:spPr bwMode="auto">
-            <a:xfrm>
-              <a:off x="2544" y="1776"/>
-              <a:ext cx="2880" cy="1680"/>
-            </a:xfrm>
-            <a:prstGeom prst="roundRect">
-              <a:avLst>
-                <a:gd name="adj" fmla="val 16667"/>
-              </a:avLst>
-            </a:prstGeom>
-            <a:noFill/>
-            <a:ln w="9525">
-              <a:solidFill>
-                <a:schemeClr val="tx1"/>
-              </a:solidFill>
-              <a:round/>
-              <a:headEnd/>
-              <a:tailEnd/>
-            </a:ln>
-            <a:extLst>
-              <a:ext uri="{909E8E84-426E-40DD-AFC4-6F175D3DCCD1}">
-                <a14:hiddenFill xmlns:a14="http://schemas.microsoft.com/office/drawing/2010/main">
-                  <a:solidFill>
-                    <a:srgbClr val="FFFFFF"/>
-                  </a:solidFill>
-                </a14:hiddenFill>
-              </a:ext>
-            </a:extLst>
-          </p:spPr>
-          <p:txBody>
-            <a:bodyPr wrap="none" anchor="ctr"/>
-            <a:lstStyle>
-              <a:lvl1pPr eaLnBrk="0" hangingPunct="0">
-                <a:defRPr kumimoji="1" sz="1600">
-                  <a:solidFill>
-                    <a:schemeClr val="tx1"/>
-                  </a:solidFill>
-                  <a:latin typeface="Times New Roman" panose="02020603050405020304" pitchFamily="18" charset="0"/>
-                  <a:ea typeface="標楷體" panose="03000509000000000000" pitchFamily="65" charset="-120"/>
-                </a:defRPr>
-              </a:lvl1pPr>
-              <a:lvl2pPr marL="742950" indent="-285750" eaLnBrk="0" hangingPunct="0">
-                <a:defRPr kumimoji="1" sz="1600">
-                  <a:solidFill>
-                    <a:schemeClr val="tx1"/>
-                  </a:solidFill>
-                  <a:latin typeface="Times New Roman" panose="02020603050405020304" pitchFamily="18" charset="0"/>
-                  <a:ea typeface="標楷體" panose="03000509000000000000" pitchFamily="65" charset="-120"/>
-                </a:defRPr>
-              </a:lvl2pPr>
-              <a:lvl3pPr marL="1143000" indent="-228600" eaLnBrk="0" hangingPunct="0">
-                <a:defRPr kumimoji="1" sz="1600">
-                  <a:solidFill>
-                    <a:schemeClr val="tx1"/>
-                  </a:solidFill>
-                  <a:latin typeface="Times New Roman" panose="02020603050405020304" pitchFamily="18" charset="0"/>
-                  <a:ea typeface="標楷體" panose="03000509000000000000" pitchFamily="65" charset="-120"/>
-                </a:defRPr>
-              </a:lvl3pPr>
-              <a:lvl4pPr marL="1600200" indent="-228600" eaLnBrk="0" hangingPunct="0">
-                <a:defRPr kumimoji="1" sz="1600">
-                  <a:solidFill>
-                    <a:schemeClr val="tx1"/>
-                  </a:solidFill>
-                  <a:latin typeface="Times New Roman" panose="02020603050405020304" pitchFamily="18" charset="0"/>
-                  <a:ea typeface="標楷體" panose="03000509000000000000" pitchFamily="65" charset="-120"/>
-                </a:defRPr>
-              </a:lvl4pPr>
-              <a:lvl5pPr marL="2057400" indent="-228600" eaLnBrk="0" hangingPunct="0">
-                <a:defRPr kumimoji="1" sz="1600">
-                  <a:solidFill>
-                    <a:schemeClr val="tx1"/>
-                  </a:solidFill>
-                  <a:latin typeface="Times New Roman" panose="02020603050405020304" pitchFamily="18" charset="0"/>
-                  <a:ea typeface="標楷體" panose="03000509000000000000" pitchFamily="65" charset="-120"/>
-                </a:defRPr>
-              </a:lvl5pPr>
-              <a:lvl6pPr marL="2514600" indent="-228600" eaLnBrk="0" fontAlgn="base" hangingPunct="0">
-                <a:spcBef>
-                  <a:spcPct val="0"/>
-                </a:spcBef>
-                <a:spcAft>
-                  <a:spcPct val="0"/>
-                </a:spcAft>
-                <a:defRPr kumimoji="1" sz="1600">
-                  <a:solidFill>
-                    <a:schemeClr val="tx1"/>
-                  </a:solidFill>
-                  <a:latin typeface="Times New Roman" panose="02020603050405020304" pitchFamily="18" charset="0"/>
-                  <a:ea typeface="標楷體" panose="03000509000000000000" pitchFamily="65" charset="-120"/>
-                </a:defRPr>
-              </a:lvl6pPr>
-              <a:lvl7pPr marL="2971800" indent="-228600" eaLnBrk="0" fontAlgn="base" hangingPunct="0">
-                <a:spcBef>
-                  <a:spcPct val="0"/>
-                </a:spcBef>
-                <a:spcAft>
-                  <a:spcPct val="0"/>
-                </a:spcAft>
-                <a:defRPr kumimoji="1" sz="1600">
-                  <a:solidFill>
-                    <a:schemeClr val="tx1"/>
-                  </a:solidFill>
-                  <a:latin typeface="Times New Roman" panose="02020603050405020304" pitchFamily="18" charset="0"/>
-                  <a:ea typeface="標楷體" panose="03000509000000000000" pitchFamily="65" charset="-120"/>
-                </a:defRPr>
-              </a:lvl7pPr>
-              <a:lvl8pPr marL="3429000" indent="-228600" eaLnBrk="0" fontAlgn="base" hangingPunct="0">
-                <a:spcBef>
-                  <a:spcPct val="0"/>
-                </a:spcBef>
-                <a:spcAft>
-                  <a:spcPct val="0"/>
-                </a:spcAft>
-                <a:defRPr kumimoji="1" sz="1600">
-                  <a:solidFill>
-                    <a:schemeClr val="tx1"/>
-                  </a:solidFill>
-                  <a:latin typeface="Times New Roman" panose="02020603050405020304" pitchFamily="18" charset="0"/>
-                  <a:ea typeface="標楷體" panose="03000509000000000000" pitchFamily="65" charset="-120"/>
-                </a:defRPr>
-              </a:lvl8pPr>
-              <a:lvl9pPr marL="3886200" indent="-228600" eaLnBrk="0" fontAlgn="base" hangingPunct="0">
-                <a:spcBef>
-                  <a:spcPct val="0"/>
-                </a:spcBef>
-                <a:spcAft>
-                  <a:spcPct val="0"/>
-                </a:spcAft>
-                <a:defRPr kumimoji="1" sz="1600">
-                  <a:solidFill>
-                    <a:schemeClr val="tx1"/>
-                  </a:solidFill>
-                  <a:latin typeface="Times New Roman" panose="02020603050405020304" pitchFamily="18" charset="0"/>
-                  <a:ea typeface="標楷體" panose="03000509000000000000" pitchFamily="65" charset="-120"/>
-                </a:defRPr>
-              </a:lvl9pPr>
-            </a:lstStyle>
-            <a:p>
-              <a:pPr eaLnBrk="1" hangingPunct="1"/>
-              <a:endParaRPr lang="zh-TW" altLang="en-US"/>
-            </a:p>
-          </p:txBody>
-        </p:sp>
-      </p:grpSp>
-    </p:spTree>
-    <p:extLst>
-      <p:ext uri="{BB962C8B-B14F-4D97-AF65-F5344CB8AC3E}">
-        <p14:creationId xmlns:p14="http://schemas.microsoft.com/office/powerpoint/2010/main" val="2847649005"/>
-      </p:ext>
-    </p:extLst>
-  </p:cSld>
-  <p:clrMapOvr>
-    <a:masterClrMapping/>
-  </p:clrMapOvr>
-  <p:timing>
-    <p:tnLst>
-      <p:par>
-        <p:cTn id="1" dur="indefinite" restart="never" nodeType="tmRoot"/>
-      </p:par>
-    </p:tnLst>
-  </p:timing>
-</p:sld>
-</file>
-
-<file path=ppt/slides/slide16.xml><?xml version="1.0" encoding="utf-8"?>
-<p:sld xmlns:a="http://schemas.openxmlformats.org/drawingml/2006/main" xmlns:r="http://schemas.openxmlformats.org/officeDocument/2006/relationships" xmlns:p="http://schemas.openxmlformats.org/presentationml/2006/main">
-  <p:cSld>
-    <p:spTree>
-      <p:nvGrpSpPr>
-        <p:cNvPr id="1" name=""/>
-        <p:cNvGrpSpPr/>
-        <p:nvPr/>
-      </p:nvGrpSpPr>
-      <p:grpSpPr>
-        <a:xfrm>
-          <a:off x="0" y="0"/>
-          <a:ext cx="0" cy="0"/>
-          <a:chOff x="0" y="0"/>
-          <a:chExt cx="0" cy="0"/>
-        </a:xfrm>
-      </p:grpSpPr>
-      <p:sp>
-        <p:nvSpPr>
-          <p:cNvPr id="50178" name="Rectangle 2"/>
-          <p:cNvSpPr>
-            <a:spLocks noGrp="1" noChangeArrowheads="1"/>
-          </p:cNvSpPr>
-          <p:nvPr>
-            <p:ph type="title"/>
-          </p:nvPr>
-        </p:nvSpPr>
-        <p:spPr/>
-        <p:txBody>
-          <a:bodyPr/>
-          <a:lstStyle/>
-          <a:p>
-            <a:pPr eaLnBrk="1" hangingPunct="1"/>
-            <a:r>
-              <a:rPr lang="en-US" altLang="zh-TW" smtClean="0"/>
-              <a:t>Grading</a:t>
-            </a:r>
-          </a:p>
-        </p:txBody>
-      </p:sp>
-      <p:sp>
-        <p:nvSpPr>
-          <p:cNvPr id="50179" name="Rectangle 3"/>
-          <p:cNvSpPr>
-            <a:spLocks noGrp="1" noChangeArrowheads="1"/>
-          </p:cNvSpPr>
-          <p:nvPr>
-            <p:ph type="body" idx="1"/>
-          </p:nvPr>
-        </p:nvSpPr>
-        <p:spPr/>
-        <p:txBody>
-          <a:bodyPr/>
-          <a:lstStyle/>
-          <a:p>
-            <a:pPr eaLnBrk="1" hangingPunct="1">
-              <a:lnSpc>
-                <a:spcPct val="80000"/>
-              </a:lnSpc>
-            </a:pPr>
-            <a:r>
-              <a:rPr lang="en-US" altLang="zh-TW" sz="2000" dirty="0"/>
-              <a:t>Basic: count-down timer (60%)</a:t>
-            </a:r>
-          </a:p>
-          <a:p>
-            <a:pPr lvl="1" eaLnBrk="1" hangingPunct="1">
-              <a:lnSpc>
-                <a:spcPct val="80000"/>
-              </a:lnSpc>
-            </a:pPr>
-            <a:r>
-              <a:rPr lang="en-US" altLang="zh-TW" sz="1800" dirty="0"/>
-              <a:t>display time </a:t>
-            </a:r>
-            <a:r>
-              <a:rPr lang="en-US" altLang="zh-TW" sz="1800" dirty="0" err="1"/>
-              <a:t>mm:ss</a:t>
-            </a:r>
-            <a:r>
-              <a:rPr lang="en-US" altLang="zh-TW" sz="1800" dirty="0"/>
-              <a:t> and refresh every second</a:t>
-            </a:r>
-          </a:p>
-          <a:p>
-            <a:pPr lvl="1" eaLnBrk="1" hangingPunct="1">
-              <a:lnSpc>
-                <a:spcPct val="80000"/>
-              </a:lnSpc>
-            </a:pPr>
-            <a:r>
-              <a:rPr lang="en-US" altLang="zh-TW" sz="1800" dirty="0"/>
-              <a:t>count-down from 59:59</a:t>
-            </a:r>
-          </a:p>
-          <a:p>
-            <a:pPr eaLnBrk="1" hangingPunct="1">
-              <a:lnSpc>
-                <a:spcPct val="80000"/>
-              </a:lnSpc>
-            </a:pPr>
-            <a:r>
-              <a:rPr lang="en-US" altLang="zh-TW" sz="2000" dirty="0"/>
-              <a:t>Additional function at setup stage:</a:t>
-            </a:r>
-          </a:p>
-          <a:p>
-            <a:pPr lvl="1" eaLnBrk="1" hangingPunct="1">
-              <a:lnSpc>
-                <a:spcPct val="80000"/>
-              </a:lnSpc>
-            </a:pPr>
-            <a:r>
-              <a:rPr lang="en-US" altLang="zh-TW" sz="1800" dirty="0"/>
-              <a:t>setup the timer by buttons (5%)</a:t>
-            </a:r>
-          </a:p>
-          <a:p>
-            <a:pPr lvl="1" eaLnBrk="1" hangingPunct="1">
-              <a:lnSpc>
-                <a:spcPct val="80000"/>
-              </a:lnSpc>
-            </a:pPr>
-            <a:r>
-              <a:rPr lang="en-US" altLang="zh-TW" sz="1800" dirty="0"/>
-              <a:t>blink the cursor on the digit to be set when you are setting up the time: 10%</a:t>
-            </a:r>
-          </a:p>
-          <a:p>
-            <a:pPr eaLnBrk="1" hangingPunct="1">
-              <a:lnSpc>
-                <a:spcPct val="80000"/>
-              </a:lnSpc>
-            </a:pPr>
-            <a:r>
-              <a:rPr lang="en-US" altLang="zh-TW" sz="2000" dirty="0"/>
-              <a:t>Additional function at count-down stage:</a:t>
-            </a:r>
-          </a:p>
-          <a:p>
-            <a:pPr lvl="1" eaLnBrk="1" hangingPunct="1">
-              <a:lnSpc>
-                <a:spcPct val="80000"/>
-              </a:lnSpc>
-            </a:pPr>
-            <a:r>
-              <a:rPr lang="en-US" altLang="zh-TW" sz="1800" dirty="0"/>
-              <a:t>speed-up counting when someone is trying to input the password (10%)</a:t>
-            </a:r>
-          </a:p>
-          <a:p>
-            <a:pPr lvl="2" eaLnBrk="1" hangingPunct="1">
-              <a:lnSpc>
-                <a:spcPct val="80000"/>
-              </a:lnSpc>
-            </a:pPr>
-            <a:r>
-              <a:rPr lang="en-US" altLang="zh-TW" sz="1600" dirty="0"/>
-              <a:t>refresh every 0.1 second</a:t>
-            </a:r>
-          </a:p>
-          <a:p>
-            <a:pPr lvl="1" eaLnBrk="1" hangingPunct="1">
-              <a:lnSpc>
-                <a:spcPct val="80000"/>
-              </a:lnSpc>
-            </a:pPr>
-            <a:r>
-              <a:rPr lang="en-US" altLang="zh-TW" sz="1800" dirty="0"/>
-              <a:t>make all digits blink when time-up/wrong password: 10%</a:t>
-            </a:r>
-          </a:p>
-          <a:p>
-            <a:pPr eaLnBrk="1" hangingPunct="1">
-              <a:lnSpc>
-                <a:spcPct val="80000"/>
-              </a:lnSpc>
-            </a:pPr>
-            <a:r>
-              <a:rPr lang="en-US" altLang="zh-TW" sz="2000" dirty="0"/>
-              <a:t>Still bonus for additional functions you defined</a:t>
-            </a:r>
-          </a:p>
-          <a:p>
-            <a:pPr eaLnBrk="1" hangingPunct="1">
-              <a:lnSpc>
-                <a:spcPct val="80000"/>
-              </a:lnSpc>
-            </a:pPr>
-            <a:r>
-              <a:rPr lang="en-US" altLang="zh-TW" sz="2000" dirty="0"/>
-              <a:t>your report: 10%</a:t>
-            </a:r>
-          </a:p>
-        </p:txBody>
-      </p:sp>
-    </p:spTree>
-    <p:extLst>
-      <p:ext uri="{BB962C8B-B14F-4D97-AF65-F5344CB8AC3E}">
-        <p14:creationId xmlns:p14="http://schemas.microsoft.com/office/powerpoint/2010/main" val="2985610628"/>
-      </p:ext>
-    </p:extLst>
-  </p:cSld>
-  <p:clrMapOvr>
-    <a:masterClrMapping/>
-  </p:clrMapOvr>
-  <p:timing>
-    <p:tnLst>
-      <p:par>
-        <p:cTn id="1" dur="indefinite" restart="never" nodeType="tmRoot"/>
-      </p:par>
-    </p:tnLst>
-  </p:timing>
-</p:sld>
-</file>
-
-<file path=ppt/slides/slide17.xml><?xml version="1.0" encoding="utf-8"?>
-<p:sld xmlns:a="http://schemas.openxmlformats.org/drawingml/2006/main" xmlns:r="http://schemas.openxmlformats.org/officeDocument/2006/relationships" xmlns:p="http://schemas.openxmlformats.org/presentationml/2006/main">
-  <p:cSld>
-    <p:spTree>
-      <p:nvGrpSpPr>
-        <p:cNvPr id="1" name=""/>
-        <p:cNvGrpSpPr/>
-        <p:nvPr/>
-      </p:nvGrpSpPr>
-      <p:grpSpPr>
-        <a:xfrm>
-          <a:off x="0" y="0"/>
-          <a:ext cx="0" cy="0"/>
-          <a:chOff x="0" y="0"/>
-          <a:chExt cx="0" cy="0"/>
-        </a:xfrm>
-      </p:grpSpPr>
-      <p:sp>
-        <p:nvSpPr>
-          <p:cNvPr id="51202" name="Rectangle 2"/>
-          <p:cNvSpPr>
-            <a:spLocks noGrp="1" noChangeArrowheads="1"/>
-          </p:cNvSpPr>
-          <p:nvPr>
-            <p:ph type="title"/>
-          </p:nvPr>
-        </p:nvSpPr>
-        <p:spPr/>
-        <p:txBody>
-          <a:bodyPr/>
-          <a:lstStyle/>
-          <a:p>
-            <a:pPr eaLnBrk="1" hangingPunct="1"/>
-            <a:r>
-              <a:rPr lang="en-US" altLang="zh-TW" smtClean="0"/>
-              <a:t>Mid-Term Project Proposal</a:t>
-            </a:r>
-          </a:p>
-        </p:txBody>
-      </p:sp>
-      <p:sp>
-        <p:nvSpPr>
-          <p:cNvPr id="51203" name="Rectangle 3"/>
-          <p:cNvSpPr>
-            <a:spLocks noGrp="1" noChangeArrowheads="1"/>
-          </p:cNvSpPr>
-          <p:nvPr>
-            <p:ph type="body" idx="1"/>
-          </p:nvPr>
-        </p:nvSpPr>
-        <p:spPr/>
-        <p:txBody>
-          <a:bodyPr/>
-          <a:lstStyle/>
-          <a:p>
-            <a:pPr eaLnBrk="1" hangingPunct="1">
-              <a:lnSpc>
-                <a:spcPct val="90000"/>
-              </a:lnSpc>
-            </a:pPr>
-            <a:r>
-              <a:rPr lang="en-US" altLang="zh-TW" sz="2800" dirty="0"/>
-              <a:t>The algorithm framework of your alarm/stop-watch</a:t>
-            </a:r>
-          </a:p>
-          <a:p>
-            <a:pPr eaLnBrk="1" hangingPunct="1">
-              <a:lnSpc>
-                <a:spcPct val="90000"/>
-              </a:lnSpc>
-            </a:pPr>
-            <a:endParaRPr lang="en-US" altLang="zh-TW" sz="2800" dirty="0"/>
-          </a:p>
-          <a:p>
-            <a:pPr eaLnBrk="1" hangingPunct="1">
-              <a:lnSpc>
-                <a:spcPct val="90000"/>
-              </a:lnSpc>
-            </a:pPr>
-            <a:r>
-              <a:rPr lang="en-US" altLang="zh-TW" sz="2800" dirty="0"/>
-              <a:t>Key Issue: your </a:t>
-            </a:r>
-            <a:r>
-              <a:rPr lang="en-US" altLang="zh-TW" sz="2800" dirty="0">
-                <a:solidFill>
-                  <a:srgbClr val="FF0000"/>
-                </a:solidFill>
-              </a:rPr>
-              <a:t>time-sharing scheme </a:t>
-            </a:r>
-            <a:r>
-              <a:rPr lang="en-US" altLang="zh-TW" sz="2800" dirty="0"/>
-              <a:t>for multiple events and hardware devices</a:t>
-            </a:r>
-          </a:p>
-          <a:p>
-            <a:pPr lvl="1" eaLnBrk="1" hangingPunct="1">
-              <a:lnSpc>
-                <a:spcPct val="90000"/>
-              </a:lnSpc>
-            </a:pPr>
-            <a:r>
-              <a:rPr lang="en-US" altLang="zh-TW" sz="2400" dirty="0"/>
-              <a:t>LCD display</a:t>
-            </a:r>
-          </a:p>
-          <a:p>
-            <a:pPr lvl="1" eaLnBrk="1" hangingPunct="1">
-              <a:lnSpc>
-                <a:spcPct val="90000"/>
-              </a:lnSpc>
-            </a:pPr>
-            <a:r>
-              <a:rPr lang="en-US" altLang="zh-TW" sz="2400" dirty="0"/>
-              <a:t>button input</a:t>
-            </a:r>
-          </a:p>
-          <a:p>
-            <a:pPr lvl="1" eaLnBrk="1" hangingPunct="1">
-              <a:lnSpc>
-                <a:spcPct val="90000"/>
-              </a:lnSpc>
-            </a:pPr>
-            <a:r>
-              <a:rPr lang="en-US" altLang="zh-TW" sz="2400" dirty="0"/>
-              <a:t>timer events</a:t>
-            </a:r>
-          </a:p>
-        </p:txBody>
-      </p:sp>
-    </p:spTree>
-    <p:extLst>
-      <p:ext uri="{BB962C8B-B14F-4D97-AF65-F5344CB8AC3E}">
-        <p14:creationId xmlns:p14="http://schemas.microsoft.com/office/powerpoint/2010/main" val="3231172820"/>
-      </p:ext>
-    </p:extLst>
-  </p:cSld>
-  <p:clrMapOvr>
-    <a:masterClrMapping/>
-  </p:clrMapOvr>
   <p:timing>
     <p:tnLst>
       <p:par>
@@ -11471,41 +8714,41 @@
           <a:lstStyle/>
           <a:p>
             <a:r>
-              <a:rPr lang="en-US" altLang="zh-TW" sz="2400" dirty="0" smtClean="0"/>
+              <a:rPr lang="en-US" altLang="zh-TW" sz="2000" dirty="0" smtClean="0"/>
               <a:t>Basic: (60%)</a:t>
             </a:r>
           </a:p>
           <a:p>
             <a:pPr lvl="1"/>
             <a:r>
+              <a:rPr lang="en-US" altLang="zh-TW" sz="1800" dirty="0" smtClean="0"/>
+              <a:t>Display the character pressed at the cursor position</a:t>
+            </a:r>
+          </a:p>
+          <a:p>
+            <a:r>
               <a:rPr lang="en-US" altLang="zh-TW" sz="2000" dirty="0" smtClean="0"/>
-              <a:t>Display the character pressed at the cursor position</a:t>
-            </a:r>
-          </a:p>
-          <a:p>
-            <a:r>
-              <a:rPr lang="en-US" altLang="zh-TW" sz="2400" dirty="0" smtClean="0"/>
               <a:t>Bonus 1: (+10%)</a:t>
             </a:r>
           </a:p>
           <a:p>
             <a:pPr lvl="1"/>
             <a:r>
-              <a:rPr lang="en-US" altLang="zh-TW" sz="2000" dirty="0" smtClean="0"/>
+              <a:rPr lang="en-US" altLang="zh-TW" sz="1800" dirty="0" smtClean="0"/>
               <a:t>Implement the `new-line’ key</a:t>
             </a:r>
           </a:p>
           <a:p>
             <a:pPr lvl="1"/>
             <a:r>
-              <a:rPr lang="en-US" altLang="zh-TW" sz="2000" dirty="0" smtClean="0"/>
+              <a:rPr lang="en-US" altLang="zh-TW" sz="1800" dirty="0" smtClean="0"/>
               <a:t>Change to the next line if new-line pressed at Line 1</a:t>
             </a:r>
           </a:p>
           <a:p>
             <a:pPr lvl="1"/>
             <a:r>
-              <a:rPr lang="en-US" altLang="zh-TW" sz="2000" dirty="0" smtClean="0">
+              <a:rPr lang="en-US" altLang="zh-TW" sz="1800" dirty="0" smtClean="0">
                 <a:solidFill>
                   <a:srgbClr val="FF0000"/>
                 </a:solidFill>
@@ -11513,34 +8756,34 @@
               <a:t>Scroll</a:t>
             </a:r>
             <a:r>
+              <a:rPr lang="en-US" altLang="zh-TW" sz="1800" dirty="0" smtClean="0"/>
+              <a:t> the screen if new-line pressed at Line 2</a:t>
+            </a:r>
+          </a:p>
+          <a:p>
+            <a:r>
               <a:rPr lang="en-US" altLang="zh-TW" sz="2000" dirty="0" smtClean="0"/>
-              <a:t> the screen if new-line pressed at Line 2</a:t>
-            </a:r>
-          </a:p>
-          <a:p>
-            <a:r>
-              <a:rPr lang="en-US" altLang="zh-TW" sz="2400" dirty="0" smtClean="0"/>
               <a:t>Bonus 2: (+20%)</a:t>
             </a:r>
           </a:p>
           <a:p>
             <a:pPr lvl="1"/>
             <a:r>
-              <a:rPr lang="en-US" altLang="zh-TW" sz="2000" dirty="0" smtClean="0"/>
+              <a:rPr lang="en-US" altLang="zh-TW" sz="1800" dirty="0" smtClean="0"/>
               <a:t>Implement the arrow keys (up, down, left, right)</a:t>
             </a:r>
           </a:p>
           <a:p>
             <a:pPr lvl="1"/>
             <a:r>
-              <a:rPr lang="en-US" altLang="zh-TW" sz="2000" dirty="0" smtClean="0"/>
+              <a:rPr lang="en-US" altLang="zh-TW" sz="1800" dirty="0" smtClean="0"/>
               <a:t>Move the cursor by the arrow key</a:t>
             </a:r>
           </a:p>
           <a:p>
             <a:pPr lvl="1"/>
             <a:r>
-              <a:rPr lang="en-US" altLang="zh-TW" sz="2000" dirty="0" smtClean="0">
+              <a:rPr lang="en-US" altLang="zh-TW" sz="1800" dirty="0" smtClean="0">
                 <a:solidFill>
                   <a:srgbClr val="FF0000"/>
                 </a:solidFill>
@@ -11548,9 +8791,27 @@
               <a:t>Insert</a:t>
             </a:r>
             <a:r>
-              <a:rPr lang="en-US" altLang="zh-TW" sz="2000" dirty="0" smtClean="0"/>
-              <a:t> character at the cursor position</a:t>
-            </a:r>
+              <a:rPr lang="en-US" altLang="zh-TW" sz="1800" dirty="0" smtClean="0"/>
+              <a:t> character at the cursor </a:t>
+            </a:r>
+            <a:r>
+              <a:rPr lang="en-US" altLang="zh-TW" sz="1800" dirty="0" smtClean="0"/>
+              <a:t>position</a:t>
+            </a:r>
+          </a:p>
+          <a:p>
+            <a:r>
+              <a:rPr lang="en-US" altLang="zh-TW" sz="2200" dirty="0" smtClean="0"/>
+              <a:t>Bonus 3: (+20%)</a:t>
+            </a:r>
+          </a:p>
+          <a:p>
+            <a:pPr lvl="1"/>
+            <a:r>
+              <a:rPr lang="en-US" altLang="zh-TW" sz="1800" dirty="0" smtClean="0"/>
+              <a:t>Catch the signal waveform of sending a command/data using LA</a:t>
+            </a:r>
+            <a:endParaRPr lang="en-US" altLang="zh-TW" sz="1800" dirty="0" smtClean="0"/>
           </a:p>
         </p:txBody>
       </p:sp>
@@ -11586,6 +8847,126 @@
       </p:grpSpPr>
       <p:sp>
         <p:nvSpPr>
+          <p:cNvPr id="2" name="標題 1"/>
+          <p:cNvSpPr>
+            <a:spLocks noGrp="1"/>
+          </p:cNvSpPr>
+          <p:nvPr>
+            <p:ph type="title"/>
+          </p:nvPr>
+        </p:nvSpPr>
+        <p:spPr/>
+        <p:txBody>
+          <a:bodyPr/>
+          <a:lstStyle/>
+          <a:p>
+            <a:r>
+              <a:rPr lang="en-US" altLang="zh-TW" dirty="0" smtClean="0"/>
+              <a:t>Schedule</a:t>
+            </a:r>
+            <a:endParaRPr lang="zh-TW" altLang="en-US" dirty="0"/>
+          </a:p>
+        </p:txBody>
+      </p:sp>
+      <p:sp>
+        <p:nvSpPr>
+          <p:cNvPr id="3" name="內容版面配置區 2"/>
+          <p:cNvSpPr>
+            <a:spLocks noGrp="1"/>
+          </p:cNvSpPr>
+          <p:nvPr>
+            <p:ph idx="1"/>
+          </p:nvPr>
+        </p:nvSpPr>
+        <p:spPr/>
+        <p:txBody>
+          <a:bodyPr/>
+          <a:lstStyle/>
+          <a:p>
+            <a:r>
+              <a:rPr lang="en-US" altLang="zh-TW" sz="2800" dirty="0" smtClean="0"/>
+              <a:t>2015/10/29: demo the basic part to TA</a:t>
+            </a:r>
+          </a:p>
+          <a:p>
+            <a:r>
+              <a:rPr lang="en-US" altLang="zh-TW" sz="2800" dirty="0" smtClean="0"/>
+              <a:t>2015/11/05: demo the bonus part to TA</a:t>
+            </a:r>
+          </a:p>
+          <a:p>
+            <a:endParaRPr lang="en-US" altLang="zh-TW" sz="2800" dirty="0"/>
+          </a:p>
+          <a:p>
+            <a:r>
+              <a:rPr lang="en-US" altLang="zh-TW" sz="2800" dirty="0" smtClean="0"/>
+              <a:t>Caution:</a:t>
+            </a:r>
+          </a:p>
+          <a:p>
+            <a:pPr lvl="1"/>
+            <a:r>
+              <a:rPr lang="en-US" altLang="zh-TW" sz="2400" dirty="0" smtClean="0"/>
+              <a:t>You have to do the basic part totally by yourself</a:t>
+            </a:r>
+          </a:p>
+          <a:p>
+            <a:pPr lvl="1"/>
+            <a:r>
+              <a:rPr lang="en-US" altLang="zh-TW" sz="2400" dirty="0" smtClean="0"/>
+              <a:t>Team-work is allowed for the bonus part</a:t>
+            </a:r>
+          </a:p>
+          <a:p>
+            <a:pPr lvl="2"/>
+            <a:r>
+              <a:rPr lang="en-US" altLang="zh-TW" sz="2000" dirty="0" smtClean="0">
+                <a:solidFill>
+                  <a:srgbClr val="FF0000"/>
+                </a:solidFill>
+              </a:rPr>
+              <a:t>All members share the FIXED bonus</a:t>
+            </a:r>
+            <a:endParaRPr lang="zh-TW" altLang="en-US" sz="2000" dirty="0">
+              <a:solidFill>
+                <a:srgbClr val="FF0000"/>
+              </a:solidFill>
+            </a:endParaRPr>
+          </a:p>
+        </p:txBody>
+      </p:sp>
+    </p:spTree>
+    <p:extLst>
+      <p:ext uri="{BB962C8B-B14F-4D97-AF65-F5344CB8AC3E}">
+        <p14:creationId xmlns:p14="http://schemas.microsoft.com/office/powerpoint/2010/main" val="3477356679"/>
+      </p:ext>
+    </p:extLst>
+  </p:cSld>
+  <p:clrMapOvr>
+    <a:masterClrMapping/>
+  </p:clrMapOvr>
+</p:sld>
+</file>
+
+<file path=ppt/slides/slide5.xml><?xml version="1.0" encoding="utf-8"?>
+<p:sld xmlns:a="http://schemas.openxmlformats.org/drawingml/2006/main" xmlns:r="http://schemas.openxmlformats.org/officeDocument/2006/relationships" xmlns:p="http://schemas.openxmlformats.org/presentationml/2006/main">
+  <p:cSld>
+    <p:spTree>
+      <p:nvGrpSpPr>
+        <p:cNvPr id="1" name=""/>
+        <p:cNvGrpSpPr/>
+        <p:nvPr/>
+      </p:nvGrpSpPr>
+      <p:grpSpPr>
+        <a:xfrm>
+          <a:off x="0" y="0"/>
+          <a:ext cx="0" cy="0"/>
+          <a:chOff x="0" y="0"/>
+          <a:chExt cx="0" cy="0"/>
+        </a:xfrm>
+      </p:grpSpPr>
+      <p:sp>
+        <p:nvSpPr>
           <p:cNvPr id="4" name="標題 3"/>
           <p:cNvSpPr>
             <a:spLocks noGrp="1"/>
@@ -11640,10 +9021,17 @@
   <p:clrMapOvr>
     <a:masterClrMapping/>
   </p:clrMapOvr>
+  <p:timing>
+    <p:tnLst>
+      <p:par>
+        <p:cTn id="1" dur="indefinite" restart="never" nodeType="tmRoot"/>
+      </p:par>
+    </p:tnLst>
+  </p:timing>
 </p:sld>
 </file>
 
-<file path=ppt/slides/slide5.xml><?xml version="1.0" encoding="utf-8"?>
+<file path=ppt/slides/slide6.xml><?xml version="1.0" encoding="utf-8"?>
 <p:sld xmlns:a="http://schemas.openxmlformats.org/drawingml/2006/main" xmlns:r="http://schemas.openxmlformats.org/officeDocument/2006/relationships" xmlns:p="http://schemas.openxmlformats.org/presentationml/2006/main">
   <p:cSld>
     <p:spTree>
@@ -11783,10 +9171,17 @@
   <p:clrMapOvr>
     <a:masterClrMapping/>
   </p:clrMapOvr>
+  <p:timing>
+    <p:tnLst>
+      <p:par>
+        <p:cTn id="1" dur="indefinite" restart="never" nodeType="tmRoot"/>
+      </p:par>
+    </p:tnLst>
+  </p:timing>
 </p:sld>
 </file>
 
-<file path=ppt/slides/slide6.xml><?xml version="1.0" encoding="utf-8"?>
+<file path=ppt/slides/slide7.xml><?xml version="1.0" encoding="utf-8"?>
 <p:sld xmlns:a="http://schemas.openxmlformats.org/drawingml/2006/main" xmlns:r="http://schemas.openxmlformats.org/officeDocument/2006/relationships" xmlns:p="http://schemas.openxmlformats.org/presentationml/2006/main">
   <p:cSld>
     <p:spTree>
@@ -11956,10 +9351,17 @@
   <p:clrMapOvr>
     <a:masterClrMapping/>
   </p:clrMapOvr>
+  <p:timing>
+    <p:tnLst>
+      <p:par>
+        <p:cTn id="1" dur="indefinite" restart="never" nodeType="tmRoot"/>
+      </p:par>
+    </p:tnLst>
+  </p:timing>
 </p:sld>
 </file>
 
-<file path=ppt/slides/slide7.xml><?xml version="1.0" encoding="utf-8"?>
+<file path=ppt/slides/slide8.xml><?xml version="1.0" encoding="utf-8"?>
 <p:sld xmlns:a="http://schemas.openxmlformats.org/drawingml/2006/main" xmlns:r="http://schemas.openxmlformats.org/officeDocument/2006/relationships" xmlns:p="http://schemas.openxmlformats.org/presentationml/2006/main">
   <p:cSld>
     <p:spTree>
@@ -12061,10 +9463,17 @@
   <p:clrMapOvr>
     <a:masterClrMapping/>
   </p:clrMapOvr>
+  <p:timing>
+    <p:tnLst>
+      <p:par>
+        <p:cTn id="1" dur="indefinite" restart="never" nodeType="tmRoot"/>
+      </p:par>
+    </p:tnLst>
+  </p:timing>
 </p:sld>
 </file>
 
-<file path=ppt/slides/slide8.xml><?xml version="1.0" encoding="utf-8"?>
+<file path=ppt/slides/slide9.xml><?xml version="1.0" encoding="utf-8"?>
 <p:sld xmlns:a="http://schemas.openxmlformats.org/drawingml/2006/main" xmlns:r="http://schemas.openxmlformats.org/officeDocument/2006/relationships" xmlns:p="http://schemas.openxmlformats.org/presentationml/2006/main">
   <p:cSld>
     <p:spTree>
@@ -13214,1158 +10623,13 @@
   <p:clrMapOvr>
     <a:masterClrMapping/>
   </p:clrMapOvr>
-</p:sld>
-</file>
-
-<file path=ppt/slides/slide9.xml><?xml version="1.0" encoding="utf-8"?>
-<p:sld xmlns:a="http://schemas.openxmlformats.org/drawingml/2006/main" xmlns:r="http://schemas.openxmlformats.org/officeDocument/2006/relationships" xmlns:p="http://schemas.openxmlformats.org/presentationml/2006/main">
-  <p:cSld>
-    <p:spTree>
-      <p:nvGrpSpPr>
-        <p:cNvPr id="1" name=""/>
-        <p:cNvGrpSpPr/>
-        <p:nvPr/>
-      </p:nvGrpSpPr>
-      <p:grpSpPr>
-        <a:xfrm>
-          <a:off x="0" y="0"/>
-          <a:ext cx="0" cy="0"/>
-          <a:chOff x="0" y="0"/>
-          <a:chExt cx="0" cy="0"/>
-        </a:xfrm>
-      </p:grpSpPr>
-      <p:sp>
-        <p:nvSpPr>
-          <p:cNvPr id="2" name="標題 1"/>
-          <p:cNvSpPr>
-            <a:spLocks noGrp="1"/>
-          </p:cNvSpPr>
-          <p:nvPr>
-            <p:ph type="title"/>
-          </p:nvPr>
-        </p:nvSpPr>
-        <p:spPr/>
-        <p:txBody>
-          <a:bodyPr/>
-          <a:lstStyle/>
-          <a:p>
-            <a:r>
-              <a:rPr lang="en-US" altLang="zh-TW" dirty="0" smtClean="0"/>
-              <a:t>Timing diagram to send command/data</a:t>
-            </a:r>
-            <a:endParaRPr lang="zh-TW" altLang="en-US" dirty="0"/>
-          </a:p>
-        </p:txBody>
-      </p:sp>
-      <p:sp>
-        <p:nvSpPr>
-          <p:cNvPr id="3" name="內容版面配置區 2"/>
-          <p:cNvSpPr>
-            <a:spLocks noGrp="1"/>
-          </p:cNvSpPr>
-          <p:nvPr>
-            <p:ph idx="1"/>
-          </p:nvPr>
-        </p:nvSpPr>
-        <p:spPr>
-          <a:xfrm>
-            <a:off x="1051055" y="1991105"/>
-            <a:ext cx="5724211" cy="1150317"/>
-          </a:xfrm>
-        </p:spPr>
-        <p:txBody>
-          <a:bodyPr/>
-          <a:lstStyle/>
-          <a:p>
-            <a:r>
-              <a:rPr lang="en-US" altLang="zh-TW" sz="2400" dirty="0" smtClean="0"/>
-              <a:t>Example: to send command 0x01 </a:t>
-            </a:r>
-          </a:p>
-          <a:p>
-            <a:r>
-              <a:rPr lang="en-US" altLang="zh-TW" sz="2400" dirty="0" smtClean="0"/>
-              <a:t>clear screen, cursor home</a:t>
-            </a:r>
-          </a:p>
-        </p:txBody>
-      </p:sp>
-      <p:grpSp>
-        <p:nvGrpSpPr>
-          <p:cNvPr id="23" name="群組 22"/>
-          <p:cNvGrpSpPr/>
-          <p:nvPr/>
-        </p:nvGrpSpPr>
-        <p:grpSpPr>
-          <a:xfrm>
-            <a:off x="994116" y="3218926"/>
-            <a:ext cx="5458262" cy="3066801"/>
-            <a:chOff x="2518116" y="3036045"/>
-            <a:chExt cx="5458262" cy="3066801"/>
-          </a:xfrm>
-        </p:grpSpPr>
-        <p:grpSp>
-          <p:nvGrpSpPr>
-            <p:cNvPr id="32" name="群組 31"/>
-            <p:cNvGrpSpPr/>
-            <p:nvPr/>
-          </p:nvGrpSpPr>
-          <p:grpSpPr>
-            <a:xfrm>
-              <a:off x="2518116" y="3163836"/>
-              <a:ext cx="4839285" cy="1958462"/>
-              <a:chOff x="815926" y="2868415"/>
-              <a:chExt cx="4839285" cy="1958462"/>
-            </a:xfrm>
-          </p:grpSpPr>
-          <p:sp>
-            <p:nvSpPr>
-              <p:cNvPr id="4" name="文字方塊 3"/>
-              <p:cNvSpPr txBox="1"/>
-              <p:nvPr/>
-            </p:nvSpPr>
-            <p:spPr>
-              <a:xfrm>
-                <a:off x="815926" y="3368283"/>
-                <a:ext cx="309700" cy="338554"/>
-              </a:xfrm>
-              <a:prstGeom prst="rect">
-                <a:avLst/>
-              </a:prstGeom>
-              <a:noFill/>
-            </p:spPr>
-            <p:txBody>
-              <a:bodyPr wrap="none" rtlCol="0">
-                <a:spAutoFit/>
-              </a:bodyPr>
-              <a:lstStyle/>
-              <a:p>
-                <a:r>
-                  <a:rPr lang="en-US" altLang="zh-TW" sz="1600" dirty="0">
-                    <a:latin typeface="Times New Roman" panose="02020603050405020304" pitchFamily="18" charset="0"/>
-                  </a:rPr>
-                  <a:t>E</a:t>
-                </a:r>
-                <a:endParaRPr lang="zh-TW" altLang="en-US" sz="1600" dirty="0">
-                  <a:latin typeface="Times New Roman" panose="02020603050405020304" pitchFamily="18" charset="0"/>
-                </a:endParaRPr>
-              </a:p>
-            </p:txBody>
-          </p:sp>
-          <p:sp>
-            <p:nvSpPr>
-              <p:cNvPr id="5" name="文字方塊 4"/>
-              <p:cNvSpPr txBox="1"/>
-              <p:nvPr/>
-            </p:nvSpPr>
-            <p:spPr>
-              <a:xfrm>
-                <a:off x="815926" y="3927009"/>
-                <a:ext cx="434734" cy="338554"/>
-              </a:xfrm>
-              <a:prstGeom prst="rect">
-                <a:avLst/>
-              </a:prstGeom>
-              <a:noFill/>
-            </p:spPr>
-            <p:txBody>
-              <a:bodyPr wrap="none" rtlCol="0">
-                <a:spAutoFit/>
-              </a:bodyPr>
-              <a:lstStyle/>
-              <a:p>
-                <a:r>
-                  <a:rPr lang="en-US" altLang="zh-TW" sz="1600" dirty="0">
-                    <a:latin typeface="Times New Roman" panose="02020603050405020304" pitchFamily="18" charset="0"/>
-                  </a:rPr>
-                  <a:t>RS</a:t>
-                </a:r>
-                <a:endParaRPr lang="zh-TW" altLang="en-US" sz="1600" dirty="0">
-                  <a:latin typeface="Times New Roman" panose="02020603050405020304" pitchFamily="18" charset="0"/>
-                </a:endParaRPr>
-              </a:p>
-            </p:txBody>
-          </p:sp>
-          <p:sp>
-            <p:nvSpPr>
-              <p:cNvPr id="6" name="文字方塊 5"/>
-              <p:cNvSpPr txBox="1"/>
-              <p:nvPr/>
-            </p:nvSpPr>
-            <p:spPr>
-              <a:xfrm>
-                <a:off x="815926" y="4485735"/>
-                <a:ext cx="732893" cy="338554"/>
-              </a:xfrm>
-              <a:prstGeom prst="rect">
-                <a:avLst/>
-              </a:prstGeom>
-              <a:noFill/>
-            </p:spPr>
-            <p:txBody>
-              <a:bodyPr wrap="none" rtlCol="0">
-                <a:spAutoFit/>
-              </a:bodyPr>
-              <a:lstStyle/>
-              <a:p>
-                <a:r>
-                  <a:rPr lang="en-US" altLang="zh-TW" sz="1600" dirty="0">
-                    <a:latin typeface="Times New Roman" panose="02020603050405020304" pitchFamily="18" charset="0"/>
-                  </a:rPr>
-                  <a:t>D[3:0]</a:t>
-                </a:r>
-                <a:endParaRPr lang="zh-TW" altLang="en-US" sz="1600" dirty="0">
-                  <a:latin typeface="Times New Roman" panose="02020603050405020304" pitchFamily="18" charset="0"/>
-                </a:endParaRPr>
-              </a:p>
-            </p:txBody>
-          </p:sp>
-          <p:sp>
-            <p:nvSpPr>
-              <p:cNvPr id="7" name="圓角矩形 6"/>
-              <p:cNvSpPr/>
-              <p:nvPr/>
-            </p:nvSpPr>
-            <p:spPr bwMode="auto">
-              <a:xfrm>
-                <a:off x="1744393" y="3927009"/>
-                <a:ext cx="1941341" cy="338554"/>
-              </a:xfrm>
-              <a:prstGeom prst="roundRect">
-                <a:avLst/>
-              </a:prstGeom>
-              <a:noFill/>
-              <a:ln w="9525" cap="flat" cmpd="sng" algn="ctr">
-                <a:solidFill>
-                  <a:schemeClr val="tx1"/>
-                </a:solidFill>
-                <a:prstDash val="solid"/>
-                <a:round/>
-                <a:headEnd type="none" w="med" len="med"/>
-                <a:tailEnd type="none" w="med" len="med"/>
-              </a:ln>
-              <a:effectLst/>
-            </p:spPr>
-            <p:txBody>
-              <a:bodyPr rot="0" spcFirstLastPara="0" vertOverflow="overflow" horzOverflow="overflow" vert="horz" wrap="square" lIns="91440" tIns="45720" rIns="91440" bIns="45720" numCol="1" spcCol="0" rtlCol="0" fromWordArt="0" anchor="ctr" anchorCtr="0" forceAA="0" compatLnSpc="1">
-                <a:prstTxWarp prst="textNoShape">
-                  <a:avLst/>
-                </a:prstTxWarp>
-                <a:noAutofit/>
-              </a:bodyPr>
-              <a:lstStyle/>
-              <a:p>
-                <a:pPr algn="ctr" eaLnBrk="0" fontAlgn="base" hangingPunct="0">
-                  <a:spcBef>
-                    <a:spcPct val="0"/>
-                  </a:spcBef>
-                  <a:spcAft>
-                    <a:spcPct val="0"/>
-                  </a:spcAft>
-                </a:pPr>
-                <a:r>
-                  <a:rPr lang="en-US" altLang="zh-TW" dirty="0">
-                    <a:latin typeface="Times New Roman" panose="02020603050405020304" pitchFamily="18" charset="0"/>
-                    <a:cs typeface="Times New Roman" panose="02020603050405020304" pitchFamily="18" charset="0"/>
-                  </a:rPr>
-                  <a:t>0</a:t>
-                </a:r>
-                <a:endParaRPr lang="zh-TW" altLang="en-US" dirty="0">
-                  <a:latin typeface="Times New Roman" panose="02020603050405020304" pitchFamily="18" charset="0"/>
-                  <a:cs typeface="Times New Roman" panose="02020603050405020304" pitchFamily="18" charset="0"/>
-                </a:endParaRPr>
-              </a:p>
-            </p:txBody>
-          </p:sp>
-          <p:sp>
-            <p:nvSpPr>
-              <p:cNvPr id="8" name="圓角矩形 7"/>
-              <p:cNvSpPr/>
-              <p:nvPr/>
-            </p:nvSpPr>
-            <p:spPr bwMode="auto">
-              <a:xfrm>
-                <a:off x="1744394" y="4488323"/>
-                <a:ext cx="1941340" cy="338554"/>
-              </a:xfrm>
-              <a:prstGeom prst="roundRect">
-                <a:avLst/>
-              </a:prstGeom>
-              <a:noFill/>
-              <a:ln w="9525" cap="flat" cmpd="sng" algn="ctr">
-                <a:solidFill>
-                  <a:schemeClr val="tx1"/>
-                </a:solidFill>
-                <a:prstDash val="solid"/>
-                <a:round/>
-                <a:headEnd type="none" w="med" len="med"/>
-                <a:tailEnd type="none" w="med" len="med"/>
-              </a:ln>
-              <a:effectLst/>
-            </p:spPr>
-            <p:txBody>
-              <a:bodyPr rot="0" spcFirstLastPara="0" vertOverflow="overflow" horzOverflow="overflow" vert="horz" wrap="square" lIns="91440" tIns="45720" rIns="91440" bIns="45720" numCol="1" spcCol="0" rtlCol="0" fromWordArt="0" anchor="ctr" anchorCtr="0" forceAA="0" compatLnSpc="1">
-                <a:prstTxWarp prst="textNoShape">
-                  <a:avLst/>
-                </a:prstTxWarp>
-                <a:noAutofit/>
-              </a:bodyPr>
-              <a:lstStyle/>
-              <a:p>
-                <a:pPr algn="ctr" eaLnBrk="0" fontAlgn="base" hangingPunct="0">
-                  <a:spcBef>
-                    <a:spcPct val="0"/>
-                  </a:spcBef>
-                  <a:spcAft>
-                    <a:spcPct val="0"/>
-                  </a:spcAft>
-                </a:pPr>
-                <a:r>
-                  <a:rPr lang="en-US" altLang="zh-TW" dirty="0">
-                    <a:latin typeface="Times New Roman" panose="02020603050405020304" pitchFamily="18" charset="0"/>
-                    <a:cs typeface="Times New Roman" panose="02020603050405020304" pitchFamily="18" charset="0"/>
-                  </a:rPr>
-                  <a:t>0</a:t>
-                </a:r>
-                <a:endParaRPr lang="zh-TW" altLang="en-US" dirty="0">
-                  <a:latin typeface="Times New Roman" panose="02020603050405020304" pitchFamily="18" charset="0"/>
-                  <a:cs typeface="Times New Roman" panose="02020603050405020304" pitchFamily="18" charset="0"/>
-                </a:endParaRPr>
-              </a:p>
-            </p:txBody>
-          </p:sp>
-          <p:cxnSp>
-            <p:nvCxnSpPr>
-              <p:cNvPr id="12" name="直線接點 11"/>
-              <p:cNvCxnSpPr/>
-              <p:nvPr/>
-            </p:nvCxnSpPr>
-            <p:spPr bwMode="auto">
-              <a:xfrm>
-                <a:off x="2461846" y="3368283"/>
-                <a:ext cx="56271" cy="338554"/>
-              </a:xfrm>
-              <a:prstGeom prst="line">
-                <a:avLst/>
-              </a:prstGeom>
-              <a:solidFill>
-                <a:schemeClr val="accent1"/>
-              </a:solidFill>
-              <a:ln w="9525" cap="flat" cmpd="sng" algn="ctr">
-                <a:solidFill>
-                  <a:schemeClr val="tx1"/>
-                </a:solidFill>
-                <a:prstDash val="solid"/>
-                <a:round/>
-                <a:headEnd type="none" w="med" len="med"/>
-                <a:tailEnd type="none" w="med" len="med"/>
-              </a:ln>
-              <a:effectLst/>
-            </p:spPr>
-          </p:cxnSp>
-          <p:cxnSp>
-            <p:nvCxnSpPr>
-              <p:cNvPr id="14" name="直線接點 13"/>
-              <p:cNvCxnSpPr/>
-              <p:nvPr/>
-            </p:nvCxnSpPr>
-            <p:spPr bwMode="auto">
-              <a:xfrm>
-                <a:off x="2518117" y="3706837"/>
-                <a:ext cx="1167617" cy="0"/>
-              </a:xfrm>
-              <a:prstGeom prst="line">
-                <a:avLst/>
-              </a:prstGeom>
-              <a:solidFill>
-                <a:schemeClr val="accent1"/>
-              </a:solidFill>
-              <a:ln w="9525" cap="flat" cmpd="sng" algn="ctr">
-                <a:solidFill>
-                  <a:schemeClr val="tx1"/>
-                </a:solidFill>
-                <a:prstDash val="solid"/>
-                <a:round/>
-                <a:headEnd type="none" w="med" len="med"/>
-                <a:tailEnd type="none" w="med" len="med"/>
-              </a:ln>
-              <a:effectLst/>
-            </p:spPr>
-          </p:cxnSp>
-          <p:sp>
-            <p:nvSpPr>
-              <p:cNvPr id="16" name="圓角矩形 15"/>
-              <p:cNvSpPr/>
-              <p:nvPr/>
-            </p:nvSpPr>
-            <p:spPr bwMode="auto">
-              <a:xfrm>
-                <a:off x="3685734" y="3927009"/>
-                <a:ext cx="1941341" cy="338554"/>
-              </a:xfrm>
-              <a:prstGeom prst="roundRect">
-                <a:avLst/>
-              </a:prstGeom>
-              <a:noFill/>
-              <a:ln w="9525" cap="flat" cmpd="sng" algn="ctr">
-                <a:solidFill>
-                  <a:schemeClr val="tx1"/>
-                </a:solidFill>
-                <a:prstDash val="solid"/>
-                <a:round/>
-                <a:headEnd type="none" w="med" len="med"/>
-                <a:tailEnd type="none" w="med" len="med"/>
-              </a:ln>
-              <a:effectLst/>
-            </p:spPr>
-            <p:txBody>
-              <a:bodyPr rot="0" spcFirstLastPara="0" vertOverflow="overflow" horzOverflow="overflow" vert="horz" wrap="square" lIns="91440" tIns="45720" rIns="91440" bIns="45720" numCol="1" spcCol="0" rtlCol="0" fromWordArt="0" anchor="ctr" anchorCtr="0" forceAA="0" compatLnSpc="1">
-                <a:prstTxWarp prst="textNoShape">
-                  <a:avLst/>
-                </a:prstTxWarp>
-                <a:noAutofit/>
-              </a:bodyPr>
-              <a:lstStyle/>
-              <a:p>
-                <a:pPr algn="ctr" eaLnBrk="0" fontAlgn="base" hangingPunct="0">
-                  <a:spcBef>
-                    <a:spcPct val="0"/>
-                  </a:spcBef>
-                  <a:spcAft>
-                    <a:spcPct val="0"/>
-                  </a:spcAft>
-                </a:pPr>
-                <a:r>
-                  <a:rPr lang="en-US" altLang="zh-TW" dirty="0">
-                    <a:latin typeface="Times New Roman" panose="02020603050405020304" pitchFamily="18" charset="0"/>
-                    <a:cs typeface="Times New Roman" panose="02020603050405020304" pitchFamily="18" charset="0"/>
-                  </a:rPr>
-                  <a:t>0</a:t>
-                </a:r>
-                <a:endParaRPr lang="zh-TW" altLang="en-US" dirty="0">
-                  <a:latin typeface="Times New Roman" panose="02020603050405020304" pitchFamily="18" charset="0"/>
-                  <a:cs typeface="Times New Roman" panose="02020603050405020304" pitchFamily="18" charset="0"/>
-                </a:endParaRPr>
-              </a:p>
-            </p:txBody>
-          </p:sp>
-          <p:sp>
-            <p:nvSpPr>
-              <p:cNvPr id="17" name="圓角矩形 16"/>
-              <p:cNvSpPr/>
-              <p:nvPr/>
-            </p:nvSpPr>
-            <p:spPr bwMode="auto">
-              <a:xfrm>
-                <a:off x="3685734" y="4485735"/>
-                <a:ext cx="1941341" cy="338554"/>
-              </a:xfrm>
-              <a:prstGeom prst="roundRect">
-                <a:avLst/>
-              </a:prstGeom>
-              <a:noFill/>
-              <a:ln w="9525" cap="flat" cmpd="sng" algn="ctr">
-                <a:solidFill>
-                  <a:schemeClr val="tx1"/>
-                </a:solidFill>
-                <a:prstDash val="solid"/>
-                <a:round/>
-                <a:headEnd type="none" w="med" len="med"/>
-                <a:tailEnd type="none" w="med" len="med"/>
-              </a:ln>
-              <a:effectLst/>
-            </p:spPr>
-            <p:txBody>
-              <a:bodyPr rot="0" spcFirstLastPara="0" vertOverflow="overflow" horzOverflow="overflow" vert="horz" wrap="square" lIns="91440" tIns="45720" rIns="91440" bIns="45720" numCol="1" spcCol="0" rtlCol="0" fromWordArt="0" anchor="ctr" anchorCtr="0" forceAA="0" compatLnSpc="1">
-                <a:prstTxWarp prst="textNoShape">
-                  <a:avLst/>
-                </a:prstTxWarp>
-                <a:noAutofit/>
-              </a:bodyPr>
-              <a:lstStyle/>
-              <a:p>
-                <a:pPr algn="ctr" eaLnBrk="0" fontAlgn="base" hangingPunct="0">
-                  <a:spcBef>
-                    <a:spcPct val="0"/>
-                  </a:spcBef>
-                  <a:spcAft>
-                    <a:spcPct val="0"/>
-                  </a:spcAft>
-                </a:pPr>
-                <a:r>
-                  <a:rPr lang="en-US" altLang="zh-TW" dirty="0">
-                    <a:latin typeface="Times New Roman" panose="02020603050405020304" pitchFamily="18" charset="0"/>
-                    <a:cs typeface="Times New Roman" panose="02020603050405020304" pitchFamily="18" charset="0"/>
-                  </a:rPr>
-                  <a:t>1</a:t>
-                </a:r>
-                <a:endParaRPr lang="zh-TW" altLang="en-US" dirty="0">
-                  <a:latin typeface="Times New Roman" panose="02020603050405020304" pitchFamily="18" charset="0"/>
-                  <a:cs typeface="Times New Roman" panose="02020603050405020304" pitchFamily="18" charset="0"/>
-                </a:endParaRPr>
-              </a:p>
-            </p:txBody>
-          </p:sp>
-          <p:cxnSp>
-            <p:nvCxnSpPr>
-              <p:cNvPr id="19" name="直線接點 18"/>
-              <p:cNvCxnSpPr/>
-              <p:nvPr/>
-            </p:nvCxnSpPr>
-            <p:spPr bwMode="auto">
-              <a:xfrm flipV="1">
-                <a:off x="3685734" y="3376246"/>
-                <a:ext cx="98475" cy="328003"/>
-              </a:xfrm>
-              <a:prstGeom prst="line">
-                <a:avLst/>
-              </a:prstGeom>
-              <a:solidFill>
-                <a:schemeClr val="accent1"/>
-              </a:solidFill>
-              <a:ln w="9525" cap="flat" cmpd="sng" algn="ctr">
-                <a:solidFill>
-                  <a:schemeClr val="tx1"/>
-                </a:solidFill>
-                <a:prstDash val="solid"/>
-                <a:round/>
-                <a:headEnd type="none" w="med" len="med"/>
-                <a:tailEnd type="none" w="med" len="med"/>
-              </a:ln>
-              <a:effectLst/>
-            </p:spPr>
-          </p:cxnSp>
-          <p:cxnSp>
-            <p:nvCxnSpPr>
-              <p:cNvPr id="25" name="直線接點 24"/>
-              <p:cNvCxnSpPr/>
-              <p:nvPr/>
-            </p:nvCxnSpPr>
-            <p:spPr bwMode="auto">
-              <a:xfrm>
-                <a:off x="4656404" y="3376246"/>
-                <a:ext cx="126611" cy="328003"/>
-              </a:xfrm>
-              <a:prstGeom prst="line">
-                <a:avLst/>
-              </a:prstGeom>
-              <a:solidFill>
-                <a:schemeClr val="accent1"/>
-              </a:solidFill>
-              <a:ln w="9525" cap="flat" cmpd="sng" algn="ctr">
-                <a:solidFill>
-                  <a:schemeClr val="tx1"/>
-                </a:solidFill>
-                <a:prstDash val="solid"/>
-                <a:round/>
-                <a:headEnd type="none" w="med" len="med"/>
-                <a:tailEnd type="none" w="med" len="med"/>
-              </a:ln>
-              <a:effectLst/>
-            </p:spPr>
-          </p:cxnSp>
-          <p:cxnSp>
-            <p:nvCxnSpPr>
-              <p:cNvPr id="27" name="直線接點 26"/>
-              <p:cNvCxnSpPr/>
-              <p:nvPr/>
-            </p:nvCxnSpPr>
-            <p:spPr bwMode="auto">
-              <a:xfrm>
-                <a:off x="4783015" y="3708695"/>
-                <a:ext cx="872196" cy="0"/>
-              </a:xfrm>
-              <a:prstGeom prst="line">
-                <a:avLst/>
-              </a:prstGeom>
-              <a:solidFill>
-                <a:schemeClr val="accent1"/>
-              </a:solidFill>
-              <a:ln w="9525" cap="flat" cmpd="sng" algn="ctr">
-                <a:solidFill>
-                  <a:schemeClr val="tx1"/>
-                </a:solidFill>
-                <a:prstDash val="solid"/>
-                <a:round/>
-                <a:headEnd type="none" w="med" len="med"/>
-                <a:tailEnd type="none" w="med" len="med"/>
-              </a:ln>
-              <a:effectLst/>
-            </p:spPr>
-          </p:cxnSp>
-          <p:grpSp>
-            <p:nvGrpSpPr>
-              <p:cNvPr id="31" name="群組 30"/>
-              <p:cNvGrpSpPr/>
-              <p:nvPr/>
-            </p:nvGrpSpPr>
-            <p:grpSpPr>
-              <a:xfrm>
-                <a:off x="1744393" y="2868415"/>
-                <a:ext cx="2912011" cy="507831"/>
-                <a:chOff x="1744393" y="2868415"/>
-                <a:chExt cx="2912011" cy="507831"/>
-              </a:xfrm>
-            </p:grpSpPr>
-            <p:cxnSp>
-              <p:nvCxnSpPr>
-                <p:cNvPr id="10" name="直線接點 9"/>
-                <p:cNvCxnSpPr/>
-                <p:nvPr/>
-              </p:nvCxnSpPr>
-              <p:spPr bwMode="auto">
-                <a:xfrm>
-                  <a:off x="1744393" y="3368283"/>
-                  <a:ext cx="717453" cy="0"/>
-                </a:xfrm>
-                <a:prstGeom prst="line">
-                  <a:avLst/>
-                </a:prstGeom>
-                <a:solidFill>
-                  <a:schemeClr val="accent1"/>
-                </a:solidFill>
-                <a:ln w="9525" cap="flat" cmpd="sng" algn="ctr">
-                  <a:solidFill>
-                    <a:schemeClr val="tx1"/>
-                  </a:solidFill>
-                  <a:prstDash val="solid"/>
-                  <a:round/>
-                  <a:headEnd type="none" w="med" len="med"/>
-                  <a:tailEnd type="none" w="med" len="med"/>
-                </a:ln>
-                <a:effectLst/>
-              </p:spPr>
-            </p:cxnSp>
-            <p:cxnSp>
-              <p:nvCxnSpPr>
-                <p:cNvPr id="21" name="直線接點 20"/>
-                <p:cNvCxnSpPr/>
-                <p:nvPr/>
-              </p:nvCxnSpPr>
-              <p:spPr bwMode="auto">
-                <a:xfrm>
-                  <a:off x="3784209" y="3376246"/>
-                  <a:ext cx="872195" cy="0"/>
-                </a:xfrm>
-                <a:prstGeom prst="line">
-                  <a:avLst/>
-                </a:prstGeom>
-                <a:solidFill>
-                  <a:schemeClr val="accent1"/>
-                </a:solidFill>
-                <a:ln w="9525" cap="flat" cmpd="sng" algn="ctr">
-                  <a:solidFill>
-                    <a:schemeClr val="tx1"/>
-                  </a:solidFill>
-                  <a:prstDash val="solid"/>
-                  <a:round/>
-                  <a:headEnd type="none" w="med" len="med"/>
-                  <a:tailEnd type="none" w="med" len="med"/>
-                </a:ln>
-                <a:effectLst/>
-              </p:spPr>
-            </p:cxnSp>
-            <p:cxnSp>
-              <p:nvCxnSpPr>
-                <p:cNvPr id="29" name="直線單箭頭接點 28"/>
-                <p:cNvCxnSpPr/>
-                <p:nvPr/>
-              </p:nvCxnSpPr>
-              <p:spPr bwMode="auto">
-                <a:xfrm>
-                  <a:off x="2912012" y="3010486"/>
-                  <a:ext cx="633046" cy="0"/>
-                </a:xfrm>
-                <a:prstGeom prst="straightConnector1">
-                  <a:avLst/>
-                </a:prstGeom>
-                <a:solidFill>
-                  <a:schemeClr val="accent1"/>
-                </a:solidFill>
-                <a:ln w="9525" cap="flat" cmpd="sng" algn="ctr">
-                  <a:solidFill>
-                    <a:schemeClr val="tx1"/>
-                  </a:solidFill>
-                  <a:prstDash val="solid"/>
-                  <a:round/>
-                  <a:headEnd type="none" w="med" len="med"/>
-                  <a:tailEnd type="triangle"/>
-                </a:ln>
-                <a:effectLst/>
-              </p:spPr>
-            </p:cxnSp>
-            <p:sp>
-              <p:nvSpPr>
-                <p:cNvPr id="30" name="文字方塊 29"/>
-                <p:cNvSpPr txBox="1"/>
-                <p:nvPr/>
-              </p:nvSpPr>
-              <p:spPr>
-                <a:xfrm>
-                  <a:off x="3545058" y="2868415"/>
-                  <a:ext cx="551754" cy="338554"/>
-                </a:xfrm>
-                <a:prstGeom prst="rect">
-                  <a:avLst/>
-                </a:prstGeom>
-                <a:noFill/>
-              </p:spPr>
-              <p:txBody>
-                <a:bodyPr wrap="none" rtlCol="0">
-                  <a:spAutoFit/>
-                </a:bodyPr>
-                <a:lstStyle/>
-                <a:p>
-                  <a:r>
-                    <a:rPr lang="en-US" altLang="zh-TW" sz="1600" dirty="0">
-                      <a:latin typeface="Times New Roman" panose="02020603050405020304" pitchFamily="18" charset="0"/>
-                    </a:rPr>
-                    <a:t>time</a:t>
-                  </a:r>
-                  <a:endParaRPr lang="zh-TW" altLang="en-US" sz="1600" dirty="0">
-                    <a:latin typeface="Times New Roman" panose="02020603050405020304" pitchFamily="18" charset="0"/>
-                  </a:endParaRPr>
-                </a:p>
-              </p:txBody>
-            </p:sp>
-          </p:grpSp>
-        </p:grpSp>
-        <p:sp>
-          <p:nvSpPr>
-            <p:cNvPr id="9" name="圓角矩形 8"/>
-            <p:cNvSpPr/>
-            <p:nvPr/>
-          </p:nvSpPr>
-          <p:spPr bwMode="auto">
-            <a:xfrm>
-              <a:off x="6260123" y="3436155"/>
-              <a:ext cx="323557" cy="720040"/>
-            </a:xfrm>
-            <a:prstGeom prst="roundRect">
-              <a:avLst/>
-            </a:prstGeom>
-            <a:noFill/>
-            <a:ln w="38100" cap="flat" cmpd="sng" algn="ctr">
-              <a:solidFill>
-                <a:srgbClr val="FF0000"/>
-              </a:solidFill>
-              <a:prstDash val="dash"/>
-              <a:round/>
-              <a:headEnd type="none" w="med" len="med"/>
-              <a:tailEnd type="none" w="med" len="med"/>
-            </a:ln>
-            <a:effectLst/>
-          </p:spPr>
-          <p:txBody>
-            <a:bodyPr rot="0" spcFirstLastPara="0" vertOverflow="overflow" horzOverflow="overflow" vert="horz" wrap="square" lIns="91440" tIns="45720" rIns="91440" bIns="45720" numCol="1" spcCol="0" rtlCol="0" fromWordArt="0" anchor="t" anchorCtr="0" forceAA="0" compatLnSpc="1">
-              <a:prstTxWarp prst="textNoShape">
-                <a:avLst/>
-              </a:prstTxWarp>
-              <a:noAutofit/>
-            </a:bodyPr>
-            <a:lstStyle/>
-            <a:p>
-              <a:pPr eaLnBrk="0" fontAlgn="base" hangingPunct="0">
-                <a:spcBef>
-                  <a:spcPct val="0"/>
-                </a:spcBef>
-                <a:spcAft>
-                  <a:spcPct val="0"/>
-                </a:spcAft>
-              </a:pPr>
-              <a:endParaRPr lang="zh-TW" altLang="en-US">
-                <a:latin typeface="Arial" charset="0"/>
-              </a:endParaRPr>
-            </a:p>
-          </p:txBody>
-        </p:sp>
-        <p:sp>
-          <p:nvSpPr>
-            <p:cNvPr id="11" name="文字方塊 10"/>
-            <p:cNvSpPr txBox="1"/>
-            <p:nvPr/>
-          </p:nvSpPr>
-          <p:spPr>
-            <a:xfrm>
-              <a:off x="3202936" y="3036045"/>
-              <a:ext cx="1755609" cy="400110"/>
-            </a:xfrm>
-            <a:prstGeom prst="rect">
-              <a:avLst/>
-            </a:prstGeom>
-            <a:noFill/>
-          </p:spPr>
-          <p:txBody>
-            <a:bodyPr wrap="none" rtlCol="0">
-              <a:spAutoFit/>
-            </a:bodyPr>
-            <a:lstStyle/>
-            <a:p>
-              <a:r>
-                <a:rPr lang="en-US" altLang="zh-TW" sz="2000" dirty="0">
-                  <a:solidFill>
-                    <a:srgbClr val="FF0000"/>
-                  </a:solidFill>
-                  <a:latin typeface="Times New Roman" panose="02020603050405020304" pitchFamily="18" charset="0"/>
-                </a:rPr>
-                <a:t>latch command</a:t>
-              </a:r>
-              <a:endParaRPr lang="zh-TW" altLang="en-US" sz="2000" dirty="0">
-                <a:solidFill>
-                  <a:srgbClr val="FF0000"/>
-                </a:solidFill>
-                <a:latin typeface="Times New Roman" panose="02020603050405020304" pitchFamily="18" charset="0"/>
-              </a:endParaRPr>
-            </a:p>
-          </p:txBody>
-        </p:sp>
-        <p:cxnSp>
-          <p:nvCxnSpPr>
-            <p:cNvPr id="15" name="直線接點 14"/>
-            <p:cNvCxnSpPr/>
-            <p:nvPr/>
-          </p:nvCxnSpPr>
-          <p:spPr bwMode="auto">
-            <a:xfrm>
-              <a:off x="3446583" y="5227320"/>
-              <a:ext cx="0" cy="335280"/>
-            </a:xfrm>
-            <a:prstGeom prst="line">
-              <a:avLst/>
-            </a:prstGeom>
-            <a:solidFill>
-              <a:schemeClr val="accent1"/>
-            </a:solidFill>
-            <a:ln w="9525" cap="flat" cmpd="sng" algn="ctr">
-              <a:solidFill>
-                <a:srgbClr val="FF0000"/>
-              </a:solidFill>
-              <a:prstDash val="solid"/>
-              <a:round/>
-              <a:headEnd type="none" w="med" len="med"/>
-              <a:tailEnd type="none" w="med" len="med"/>
-            </a:ln>
-            <a:effectLst/>
-          </p:spPr>
-        </p:cxnSp>
-        <p:cxnSp>
-          <p:nvCxnSpPr>
-            <p:cNvPr id="20" name="直線接點 19"/>
-            <p:cNvCxnSpPr/>
-            <p:nvPr/>
-          </p:nvCxnSpPr>
-          <p:spPr bwMode="auto">
-            <a:xfrm>
-              <a:off x="3446583" y="5379720"/>
-              <a:ext cx="1941341" cy="0"/>
-            </a:xfrm>
-            <a:prstGeom prst="line">
-              <a:avLst/>
-            </a:prstGeom>
-            <a:solidFill>
-              <a:schemeClr val="accent1"/>
-            </a:solidFill>
-            <a:ln w="9525" cap="flat" cmpd="sng" algn="ctr">
-              <a:solidFill>
-                <a:srgbClr val="FF0000"/>
-              </a:solidFill>
-              <a:prstDash val="solid"/>
-              <a:round/>
-              <a:headEnd type="triangle" w="med" len="med"/>
-              <a:tailEnd type="triangle" w="med" len="med"/>
-            </a:ln>
-            <a:effectLst/>
-          </p:spPr>
-        </p:cxnSp>
-        <p:cxnSp>
-          <p:nvCxnSpPr>
-            <p:cNvPr id="28" name="直線接點 27"/>
-            <p:cNvCxnSpPr/>
-            <p:nvPr/>
-          </p:nvCxnSpPr>
-          <p:spPr bwMode="auto">
-            <a:xfrm>
-              <a:off x="5387924" y="5227320"/>
-              <a:ext cx="0" cy="335280"/>
-            </a:xfrm>
-            <a:prstGeom prst="line">
-              <a:avLst/>
-            </a:prstGeom>
-            <a:solidFill>
-              <a:schemeClr val="accent1"/>
-            </a:solidFill>
-            <a:ln w="9525" cap="flat" cmpd="sng" algn="ctr">
-              <a:solidFill>
-                <a:srgbClr val="FF0000"/>
-              </a:solidFill>
-              <a:prstDash val="solid"/>
-              <a:round/>
-              <a:headEnd type="none" w="med" len="med"/>
-              <a:tailEnd type="none" w="med" len="med"/>
-            </a:ln>
-            <a:effectLst/>
-          </p:spPr>
-        </p:cxnSp>
-        <p:cxnSp>
-          <p:nvCxnSpPr>
-            <p:cNvPr id="33" name="直線接點 32"/>
-            <p:cNvCxnSpPr/>
-            <p:nvPr/>
-          </p:nvCxnSpPr>
-          <p:spPr bwMode="auto">
-            <a:xfrm>
-              <a:off x="7301128" y="5227320"/>
-              <a:ext cx="0" cy="335280"/>
-            </a:xfrm>
-            <a:prstGeom prst="line">
-              <a:avLst/>
-            </a:prstGeom>
-            <a:solidFill>
-              <a:schemeClr val="accent1"/>
-            </a:solidFill>
-            <a:ln w="9525" cap="flat" cmpd="sng" algn="ctr">
-              <a:solidFill>
-                <a:srgbClr val="FF0000"/>
-              </a:solidFill>
-              <a:prstDash val="solid"/>
-              <a:round/>
-              <a:headEnd type="none" w="med" len="med"/>
-              <a:tailEnd type="none" w="med" len="med"/>
-            </a:ln>
-            <a:effectLst/>
-          </p:spPr>
-        </p:cxnSp>
-        <p:cxnSp>
-          <p:nvCxnSpPr>
-            <p:cNvPr id="34" name="直線接點 33"/>
-            <p:cNvCxnSpPr/>
-            <p:nvPr/>
-          </p:nvCxnSpPr>
-          <p:spPr bwMode="auto">
-            <a:xfrm>
-              <a:off x="5359787" y="5379720"/>
-              <a:ext cx="1941341" cy="0"/>
-            </a:xfrm>
-            <a:prstGeom prst="line">
-              <a:avLst/>
-            </a:prstGeom>
-            <a:solidFill>
-              <a:schemeClr val="accent1"/>
-            </a:solidFill>
-            <a:ln w="9525" cap="flat" cmpd="sng" algn="ctr">
-              <a:solidFill>
-                <a:srgbClr val="FF0000"/>
-              </a:solidFill>
-              <a:prstDash val="solid"/>
-              <a:round/>
-              <a:headEnd type="triangle" w="med" len="med"/>
-              <a:tailEnd type="triangle" w="med" len="med"/>
-            </a:ln>
-            <a:effectLst/>
-          </p:spPr>
-        </p:cxnSp>
-        <p:sp>
-          <p:nvSpPr>
-            <p:cNvPr id="22" name="文字方塊 21"/>
-            <p:cNvSpPr txBox="1"/>
-            <p:nvPr/>
-          </p:nvSpPr>
-          <p:spPr>
-            <a:xfrm>
-              <a:off x="3549505" y="5394960"/>
-              <a:ext cx="1651093" cy="707886"/>
-            </a:xfrm>
-            <a:prstGeom prst="rect">
-              <a:avLst/>
-            </a:prstGeom>
-            <a:noFill/>
-          </p:spPr>
-          <p:txBody>
-            <a:bodyPr wrap="none" rtlCol="0">
-              <a:spAutoFit/>
-            </a:bodyPr>
-            <a:lstStyle/>
-            <a:p>
-              <a:r>
-                <a:rPr lang="en-US" altLang="zh-TW" sz="2000" dirty="0">
-                  <a:solidFill>
-                    <a:srgbClr val="FF0000"/>
-                  </a:solidFill>
-                  <a:latin typeface="Times New Roman" panose="02020603050405020304" pitchFamily="18" charset="0"/>
-                </a:rPr>
-                <a:t>Higher-half of</a:t>
-              </a:r>
-            </a:p>
-            <a:p>
-              <a:r>
-                <a:rPr lang="en-US" altLang="zh-TW" sz="2000" dirty="0">
-                  <a:solidFill>
-                    <a:srgbClr val="FF0000"/>
-                  </a:solidFill>
-                  <a:latin typeface="Times New Roman" panose="02020603050405020304" pitchFamily="18" charset="0"/>
-                </a:rPr>
-                <a:t>the command</a:t>
-              </a:r>
-              <a:endParaRPr lang="zh-TW" altLang="en-US" sz="2000" dirty="0">
-                <a:solidFill>
-                  <a:srgbClr val="FF0000"/>
-                </a:solidFill>
-                <a:latin typeface="Times New Roman" panose="02020603050405020304" pitchFamily="18" charset="0"/>
-              </a:endParaRPr>
-            </a:p>
-          </p:txBody>
-        </p:sp>
-        <p:sp>
-          <p:nvSpPr>
-            <p:cNvPr id="35" name="文字方塊 34"/>
-            <p:cNvSpPr txBox="1"/>
-            <p:nvPr/>
-          </p:nvSpPr>
-          <p:spPr>
-            <a:xfrm>
-              <a:off x="5416062" y="5394960"/>
-              <a:ext cx="1609415" cy="707886"/>
-            </a:xfrm>
-            <a:prstGeom prst="rect">
-              <a:avLst/>
-            </a:prstGeom>
-            <a:noFill/>
-          </p:spPr>
-          <p:txBody>
-            <a:bodyPr wrap="none" rtlCol="0">
-              <a:spAutoFit/>
-            </a:bodyPr>
-            <a:lstStyle/>
-            <a:p>
-              <a:r>
-                <a:rPr lang="en-US" altLang="zh-TW" sz="2000" dirty="0">
-                  <a:solidFill>
-                    <a:srgbClr val="FF0000"/>
-                  </a:solidFill>
-                  <a:latin typeface="Times New Roman" panose="02020603050405020304" pitchFamily="18" charset="0"/>
-                </a:rPr>
-                <a:t>Lower-half of</a:t>
-              </a:r>
-            </a:p>
-            <a:p>
-              <a:r>
-                <a:rPr lang="en-US" altLang="zh-TW" sz="2000" dirty="0">
-                  <a:solidFill>
-                    <a:srgbClr val="FF0000"/>
-                  </a:solidFill>
-                  <a:latin typeface="Times New Roman" panose="02020603050405020304" pitchFamily="18" charset="0"/>
-                </a:rPr>
-                <a:t>the command</a:t>
-              </a:r>
-              <a:endParaRPr lang="zh-TW" altLang="en-US" sz="2000" dirty="0">
-                <a:solidFill>
-                  <a:srgbClr val="FF0000"/>
-                </a:solidFill>
-                <a:latin typeface="Times New Roman" panose="02020603050405020304" pitchFamily="18" charset="0"/>
-              </a:endParaRPr>
-            </a:p>
-          </p:txBody>
-        </p:sp>
-        <p:sp>
-          <p:nvSpPr>
-            <p:cNvPr id="36" name="圓角矩形 35"/>
-            <p:cNvSpPr/>
-            <p:nvPr/>
-          </p:nvSpPr>
-          <p:spPr bwMode="auto">
-            <a:xfrm>
-              <a:off x="4009291" y="3502390"/>
-              <a:ext cx="323557" cy="720040"/>
-            </a:xfrm>
-            <a:prstGeom prst="roundRect">
-              <a:avLst/>
-            </a:prstGeom>
-            <a:noFill/>
-            <a:ln w="38100" cap="flat" cmpd="sng" algn="ctr">
-              <a:solidFill>
-                <a:srgbClr val="FF0000"/>
-              </a:solidFill>
-              <a:prstDash val="dash"/>
-              <a:round/>
-              <a:headEnd type="none" w="med" len="med"/>
-              <a:tailEnd type="none" w="med" len="med"/>
-            </a:ln>
-            <a:effectLst/>
-          </p:spPr>
-          <p:txBody>
-            <a:bodyPr rot="0" spcFirstLastPara="0" vertOverflow="overflow" horzOverflow="overflow" vert="horz" wrap="square" lIns="91440" tIns="45720" rIns="91440" bIns="45720" numCol="1" spcCol="0" rtlCol="0" fromWordArt="0" anchor="t" anchorCtr="0" forceAA="0" compatLnSpc="1">
-              <a:prstTxWarp prst="textNoShape">
-                <a:avLst/>
-              </a:prstTxWarp>
-              <a:noAutofit/>
-            </a:bodyPr>
-            <a:lstStyle/>
-            <a:p>
-              <a:pPr eaLnBrk="0" fontAlgn="base" hangingPunct="0">
-                <a:spcBef>
-                  <a:spcPct val="0"/>
-                </a:spcBef>
-                <a:spcAft>
-                  <a:spcPct val="0"/>
-                </a:spcAft>
-              </a:pPr>
-              <a:endParaRPr lang="zh-TW" altLang="en-US">
-                <a:latin typeface="Arial" charset="0"/>
-              </a:endParaRPr>
-            </a:p>
-          </p:txBody>
-        </p:sp>
-        <p:sp>
-          <p:nvSpPr>
-            <p:cNvPr id="37" name="文字方塊 36"/>
-            <p:cNvSpPr txBox="1"/>
-            <p:nvPr/>
-          </p:nvSpPr>
-          <p:spPr>
-            <a:xfrm>
-              <a:off x="6220769" y="3051385"/>
-              <a:ext cx="1755609" cy="400110"/>
-            </a:xfrm>
-            <a:prstGeom prst="rect">
-              <a:avLst/>
-            </a:prstGeom>
-            <a:noFill/>
-          </p:spPr>
-          <p:txBody>
-            <a:bodyPr wrap="none" rtlCol="0">
-              <a:spAutoFit/>
-            </a:bodyPr>
-            <a:lstStyle/>
-            <a:p>
-              <a:r>
-                <a:rPr lang="en-US" altLang="zh-TW" sz="2000" dirty="0">
-                  <a:solidFill>
-                    <a:srgbClr val="FF0000"/>
-                  </a:solidFill>
-                  <a:latin typeface="Times New Roman" panose="02020603050405020304" pitchFamily="18" charset="0"/>
-                </a:rPr>
-                <a:t>latch command</a:t>
-              </a:r>
-              <a:endParaRPr lang="zh-TW" altLang="en-US" sz="2000" dirty="0">
-                <a:solidFill>
-                  <a:srgbClr val="FF0000"/>
-                </a:solidFill>
-                <a:latin typeface="Times New Roman" panose="02020603050405020304" pitchFamily="18" charset="0"/>
-              </a:endParaRPr>
-            </a:p>
-          </p:txBody>
-        </p:sp>
-      </p:grpSp>
-    </p:spTree>
-    <p:extLst>
-      <p:ext uri="{BB962C8B-B14F-4D97-AF65-F5344CB8AC3E}">
-        <p14:creationId xmlns:p14="http://schemas.microsoft.com/office/powerpoint/2010/main" val="3426710873"/>
-      </p:ext>
-    </p:extLst>
-  </p:cSld>
-  <p:clrMapOvr>
-    <a:masterClrMapping/>
-  </p:clrMapOvr>
+  <p:timing>
+    <p:tnLst>
+      <p:par>
+        <p:cTn id="1" dur="indefinite" restart="never" nodeType="tmRoot"/>
+      </p:par>
+    </p:tnLst>
+  </p:timing>
 </p:sld>
 </file>
 

--- a/Labs/Lab05-LCD/Lab05-LCD.pptx
+++ b/Labs/Lab05-LCD/Lab05-LCD.pptx
@@ -18,7 +18,10 @@
     <p:sldId id="266" r:id="rId12"/>
     <p:sldId id="273" r:id="rId13"/>
     <p:sldId id="267" r:id="rId14"/>
-    <p:sldId id="268" r:id="rId15"/>
+    <p:sldId id="275" r:id="rId15"/>
+    <p:sldId id="276" r:id="rId16"/>
+    <p:sldId id="277" r:id="rId17"/>
+    <p:sldId id="278" r:id="rId18"/>
   </p:sldIdLst>
   <p:sldSz cx="9144000" cy="6858000" type="screen4x3"/>
   <p:notesSz cx="6858000" cy="9144000"/>
@@ -574,7 +577,7 @@
           <a:p>
             <a:fld id="{28320CCE-C547-4A70-B16F-104818F71F93}" type="datetimeFigureOut">
               <a:rPr lang="zh-TW" altLang="en-US" smtClean="0"/>
-              <a:t>2015/10/29</a:t>
+              <a:t>2016/11/3</a:t>
             </a:fld>
             <a:endParaRPr lang="zh-TW" altLang="en-US"/>
           </a:p>
@@ -778,7 +781,7 @@
           <a:p>
             <a:fld id="{28320CCE-C547-4A70-B16F-104818F71F93}" type="datetimeFigureOut">
               <a:rPr lang="zh-TW" altLang="en-US" smtClean="0"/>
-              <a:t>2015/10/29</a:t>
+              <a:t>2016/11/3</a:t>
             </a:fld>
             <a:endParaRPr lang="zh-TW" altLang="en-US"/>
           </a:p>
@@ -970,7 +973,7 @@
           <a:p>
             <a:fld id="{28320CCE-C547-4A70-B16F-104818F71F93}" type="datetimeFigureOut">
               <a:rPr lang="zh-TW" altLang="en-US" smtClean="0"/>
-              <a:t>2015/10/29</a:t>
+              <a:t>2016/11/3</a:t>
             </a:fld>
             <a:endParaRPr lang="zh-TW" altLang="en-US"/>
           </a:p>
@@ -1193,7 +1196,7 @@
           <a:p>
             <a:fld id="{28320CCE-C547-4A70-B16F-104818F71F93}" type="datetimeFigureOut">
               <a:rPr lang="zh-TW" altLang="en-US" smtClean="0"/>
-              <a:t>2015/10/29</a:t>
+              <a:t>2016/11/3</a:t>
             </a:fld>
             <a:endParaRPr lang="zh-TW" altLang="en-US"/>
           </a:p>
@@ -1403,7 +1406,7 @@
           <a:p>
             <a:fld id="{28320CCE-C547-4A70-B16F-104818F71F93}" type="datetimeFigureOut">
               <a:rPr lang="zh-TW" altLang="en-US" smtClean="0"/>
-              <a:t>2015/10/29</a:t>
+              <a:t>2016/11/3</a:t>
             </a:fld>
             <a:endParaRPr lang="zh-TW" altLang="en-US"/>
           </a:p>
@@ -1703,7 +1706,7 @@
           <a:p>
             <a:fld id="{28320CCE-C547-4A70-B16F-104818F71F93}" type="datetimeFigureOut">
               <a:rPr lang="zh-TW" altLang="en-US" smtClean="0"/>
-              <a:t>2015/10/29</a:t>
+              <a:t>2016/11/3</a:t>
             </a:fld>
             <a:endParaRPr lang="zh-TW" altLang="en-US"/>
           </a:p>
@@ -2142,7 +2145,7 @@
           <a:p>
             <a:fld id="{28320CCE-C547-4A70-B16F-104818F71F93}" type="datetimeFigureOut">
               <a:rPr lang="zh-TW" altLang="en-US" smtClean="0"/>
-              <a:t>2015/10/29</a:t>
+              <a:t>2016/11/3</a:t>
             </a:fld>
             <a:endParaRPr lang="zh-TW" altLang="en-US"/>
           </a:p>
@@ -2282,7 +2285,7 @@
           <a:p>
             <a:fld id="{28320CCE-C547-4A70-B16F-104818F71F93}" type="datetimeFigureOut">
               <a:rPr lang="zh-TW" altLang="en-US" smtClean="0"/>
-              <a:t>2015/10/29</a:t>
+              <a:t>2016/11/3</a:t>
             </a:fld>
             <a:endParaRPr lang="zh-TW" altLang="en-US"/>
           </a:p>
@@ -2395,7 +2398,7 @@
           <a:p>
             <a:fld id="{28320CCE-C547-4A70-B16F-104818F71F93}" type="datetimeFigureOut">
               <a:rPr lang="zh-TW" altLang="en-US" smtClean="0"/>
-              <a:t>2015/10/29</a:t>
+              <a:t>2016/11/3</a:t>
             </a:fld>
             <a:endParaRPr lang="zh-TW" altLang="en-US"/>
           </a:p>
@@ -2684,7 +2687,7 @@
           <a:p>
             <a:fld id="{28320CCE-C547-4A70-B16F-104818F71F93}" type="datetimeFigureOut">
               <a:rPr lang="zh-TW" altLang="en-US" smtClean="0"/>
-              <a:t>2015/10/29</a:t>
+              <a:t>2016/11/3</a:t>
             </a:fld>
             <a:endParaRPr lang="zh-TW" altLang="en-US"/>
           </a:p>
@@ -2953,7 +2956,7 @@
           <a:p>
             <a:fld id="{28320CCE-C547-4A70-B16F-104818F71F93}" type="datetimeFigureOut">
               <a:rPr lang="zh-TW" altLang="en-US" smtClean="0"/>
-              <a:t>2015/10/29</a:t>
+              <a:t>2016/11/3</a:t>
             </a:fld>
             <a:endParaRPr lang="zh-TW" altLang="en-US"/>
           </a:p>
@@ -3510,7 +3513,7 @@
           <a:p>
             <a:fld id="{28320CCE-C547-4A70-B16F-104818F71F93}" type="datetimeFigureOut">
               <a:rPr lang="zh-TW" altLang="en-US" smtClean="0"/>
-              <a:t>2015/10/29</a:t>
+              <a:t>2016/11/3</a:t>
             </a:fld>
             <a:endParaRPr lang="zh-TW" altLang="en-US"/>
           </a:p>
@@ -5566,9 +5569,9 @@
         <p:grpSpPr>
           <a:xfrm>
             <a:off x="4121553" y="3394587"/>
-            <a:ext cx="4874769" cy="3066801"/>
+            <a:ext cx="4839285" cy="3066801"/>
             <a:chOff x="2518116" y="3036045"/>
-            <a:chExt cx="4874769" cy="3066801"/>
+            <a:chExt cx="4839285" cy="3066801"/>
           </a:xfrm>
         </p:grpSpPr>
         <p:grpSp>
@@ -6199,55 +6202,6 @@
         </p:grpSp>
         <p:sp>
           <p:nvSpPr>
-            <p:cNvPr id="9" name="圓角矩形 8"/>
-            <p:cNvSpPr/>
-            <p:nvPr/>
-          </p:nvSpPr>
-          <p:spPr bwMode="auto">
-            <a:xfrm>
-              <a:off x="6260123" y="3436155"/>
-              <a:ext cx="323557" cy="720040"/>
-            </a:xfrm>
-            <a:prstGeom prst="roundRect">
-              <a:avLst/>
-            </a:prstGeom>
-            <a:noFill/>
-            <a:ln w="38100" cap="flat" cmpd="sng" algn="ctr">
-              <a:solidFill>
-                <a:srgbClr val="FF0000"/>
-              </a:solidFill>
-              <a:prstDash val="dash"/>
-              <a:round/>
-              <a:headEnd type="none" w="med" len="med"/>
-              <a:tailEnd type="none" w="med" len="med"/>
-            </a:ln>
-            <a:effectLst/>
-          </p:spPr>
-          <p:txBody>
-            <a:bodyPr rot="0" spcFirstLastPara="0" vertOverflow="overflow" horzOverflow="overflow" vert="horz" wrap="square" lIns="91440" tIns="45720" rIns="91440" bIns="45720" numCol="1" spcCol="0" rtlCol="0" fromWordArt="0" anchor="t" anchorCtr="0" forceAA="0" compatLnSpc="1">
-              <a:prstTxWarp prst="textNoShape">
-                <a:avLst/>
-              </a:prstTxWarp>
-              <a:noAutofit/>
-            </a:bodyPr>
-            <a:lstStyle/>
-            <a:p>
-              <a:pPr eaLnBrk="0" fontAlgn="base" hangingPunct="0">
-                <a:spcBef>
-                  <a:spcPct val="0"/>
-                </a:spcBef>
-                <a:spcAft>
-                  <a:spcPct val="0"/>
-                </a:spcAft>
-              </a:pPr>
-              <a:endParaRPr lang="zh-TW" altLang="en-US">
-                <a:latin typeface="Arial" charset="0"/>
-              </a:endParaRPr>
-            </a:p>
-          </p:txBody>
-        </p:sp>
-        <p:sp>
-          <p:nvSpPr>
             <p:cNvPr id="11" name="文字方塊 10"/>
             <p:cNvSpPr txBox="1"/>
             <p:nvPr/>
@@ -6255,7 +6209,7 @@
           <p:spPr>
             <a:xfrm>
               <a:off x="3202936" y="3036045"/>
-              <a:ext cx="1172116" cy="400110"/>
+              <a:ext cx="1834156" cy="400110"/>
             </a:xfrm>
             <a:prstGeom prst="rect">
               <a:avLst/>
@@ -6269,13 +6223,13 @@
             <a:lstStyle/>
             <a:p>
               <a:r>
-                <a:rPr lang="en-US" altLang="zh-TW" sz="2000" dirty="0">
+                <a:rPr lang="en-US" altLang="zh-TW" sz="2000" dirty="0" smtClean="0">
                   <a:solidFill>
                     <a:srgbClr val="FF0000"/>
                   </a:solidFill>
                   <a:latin typeface="Times New Roman" panose="02020603050405020304" pitchFamily="18" charset="0"/>
                 </a:rPr>
-                <a:t>latch data</a:t>
+                <a:t>Prepare the data</a:t>
               </a:r>
               <a:endParaRPr lang="zh-TW" altLang="en-US" sz="2000" dirty="0">
                 <a:solidFill>
@@ -6541,8 +6495,8 @@
           </p:nvSpPr>
           <p:spPr bwMode="auto">
             <a:xfrm>
-              <a:off x="4009291" y="3502390"/>
-              <a:ext cx="323557" cy="720040"/>
+              <a:off x="3418449" y="3529241"/>
+              <a:ext cx="675247" cy="1667599"/>
             </a:xfrm>
             <a:prstGeom prst="roundRect">
               <a:avLst/>
@@ -6578,46 +6532,6 @@
               </a:pPr>
               <a:endParaRPr lang="zh-TW" altLang="en-US">
                 <a:latin typeface="Arial" charset="0"/>
-              </a:endParaRPr>
-            </a:p>
-          </p:txBody>
-        </p:sp>
-        <p:sp>
-          <p:nvSpPr>
-            <p:cNvPr id="37" name="文字方塊 36"/>
-            <p:cNvSpPr txBox="1"/>
-            <p:nvPr/>
-          </p:nvSpPr>
-          <p:spPr>
-            <a:xfrm>
-              <a:off x="6220769" y="3051385"/>
-              <a:ext cx="1172116" cy="400110"/>
-            </a:xfrm>
-            <a:prstGeom prst="rect">
-              <a:avLst/>
-            </a:prstGeom>
-            <a:noFill/>
-          </p:spPr>
-          <p:txBody>
-            <a:bodyPr wrap="none" rtlCol="0">
-              <a:spAutoFit/>
-            </a:bodyPr>
-            <a:lstStyle/>
-            <a:p>
-              <a:r>
-                <a:rPr lang="en-US" altLang="zh-TW" sz="2000" dirty="0">
-                  <a:solidFill>
-                    <a:srgbClr val="FF0000"/>
-                  </a:solidFill>
-                  <a:latin typeface="Times New Roman" panose="02020603050405020304" pitchFamily="18" charset="0"/>
-                </a:rPr>
-                <a:t>latch data</a:t>
-              </a:r>
-              <a:endParaRPr lang="zh-TW" altLang="en-US" sz="2000" dirty="0">
-                <a:solidFill>
-                  <a:srgbClr val="FF0000"/>
-                </a:solidFill>
-                <a:latin typeface="Times New Roman" panose="02020603050405020304" pitchFamily="18" charset="0"/>
               </a:endParaRPr>
             </a:p>
           </p:txBody>
@@ -6808,8 +6722,8 @@
         </p:nvSpPr>
         <p:spPr>
           <a:xfrm>
-            <a:off x="1105606" y="1968719"/>
-            <a:ext cx="5805272" cy="1150317"/>
+            <a:off x="979084" y="1986493"/>
+            <a:ext cx="6719672" cy="1150317"/>
           </a:xfrm>
         </p:spPr>
         <p:txBody>
@@ -6838,10 +6752,10 @@
         </p:nvGrpSpPr>
         <p:grpSpPr>
           <a:xfrm>
-            <a:off x="4069207" y="3375288"/>
-            <a:ext cx="4874769" cy="3066801"/>
+            <a:off x="4121553" y="3394587"/>
+            <a:ext cx="4839285" cy="3066801"/>
             <a:chOff x="2518116" y="3036045"/>
-            <a:chExt cx="4874769" cy="3066801"/>
+            <a:chExt cx="4839285" cy="3066801"/>
           </a:xfrm>
         </p:grpSpPr>
         <p:grpSp>
@@ -7472,55 +7386,6 @@
         </p:grpSp>
         <p:sp>
           <p:nvSpPr>
-            <p:cNvPr id="9" name="圓角矩形 8"/>
-            <p:cNvSpPr/>
-            <p:nvPr/>
-          </p:nvSpPr>
-          <p:spPr bwMode="auto">
-            <a:xfrm>
-              <a:off x="6260123" y="3436155"/>
-              <a:ext cx="323557" cy="720040"/>
-            </a:xfrm>
-            <a:prstGeom prst="roundRect">
-              <a:avLst/>
-            </a:prstGeom>
-            <a:noFill/>
-            <a:ln w="38100" cap="flat" cmpd="sng" algn="ctr">
-              <a:solidFill>
-                <a:srgbClr val="FF0000"/>
-              </a:solidFill>
-              <a:prstDash val="dash"/>
-              <a:round/>
-              <a:headEnd type="none" w="med" len="med"/>
-              <a:tailEnd type="none" w="med" len="med"/>
-            </a:ln>
-            <a:effectLst/>
-          </p:spPr>
-          <p:txBody>
-            <a:bodyPr rot="0" spcFirstLastPara="0" vertOverflow="overflow" horzOverflow="overflow" vert="horz" wrap="square" lIns="91440" tIns="45720" rIns="91440" bIns="45720" numCol="1" spcCol="0" rtlCol="0" fromWordArt="0" anchor="t" anchorCtr="0" forceAA="0" compatLnSpc="1">
-              <a:prstTxWarp prst="textNoShape">
-                <a:avLst/>
-              </a:prstTxWarp>
-              <a:noAutofit/>
-            </a:bodyPr>
-            <a:lstStyle/>
-            <a:p>
-              <a:pPr eaLnBrk="0" fontAlgn="base" hangingPunct="0">
-                <a:spcBef>
-                  <a:spcPct val="0"/>
-                </a:spcBef>
-                <a:spcAft>
-                  <a:spcPct val="0"/>
-                </a:spcAft>
-              </a:pPr>
-              <a:endParaRPr lang="zh-TW" altLang="en-US">
-                <a:latin typeface="Arial" charset="0"/>
-              </a:endParaRPr>
-            </a:p>
-          </p:txBody>
-        </p:sp>
-        <p:sp>
-          <p:nvSpPr>
             <p:cNvPr id="11" name="文字方塊 10"/>
             <p:cNvSpPr txBox="1"/>
             <p:nvPr/>
@@ -7528,7 +7393,7 @@
           <p:spPr>
             <a:xfrm>
               <a:off x="3202936" y="3036045"/>
-              <a:ext cx="1172116" cy="400110"/>
+              <a:ext cx="1955985" cy="400110"/>
             </a:xfrm>
             <a:prstGeom prst="rect">
               <a:avLst/>
@@ -7542,13 +7407,13 @@
             <a:lstStyle/>
             <a:p>
               <a:r>
-                <a:rPr lang="en-US" altLang="zh-TW" sz="2000" dirty="0">
+                <a:rPr lang="en-US" altLang="zh-TW" sz="2000" dirty="0" smtClean="0">
                   <a:solidFill>
                     <a:srgbClr val="FF0000"/>
                   </a:solidFill>
                   <a:latin typeface="Times New Roman" panose="02020603050405020304" pitchFamily="18" charset="0"/>
                 </a:rPr>
-                <a:t>latch data</a:t>
+                <a:t>Send out the data</a:t>
               </a:r>
               <a:endParaRPr lang="zh-TW" altLang="en-US" sz="2000" dirty="0">
                 <a:solidFill>
@@ -7814,8 +7679,8 @@
           </p:nvSpPr>
           <p:spPr bwMode="auto">
             <a:xfrm>
-              <a:off x="4009291" y="3502390"/>
-              <a:ext cx="323557" cy="720040"/>
+              <a:off x="3418449" y="3529241"/>
+              <a:ext cx="675247" cy="1667599"/>
             </a:xfrm>
             <a:prstGeom prst="roundRect">
               <a:avLst/>
@@ -7855,46 +7720,6 @@
             </a:p>
           </p:txBody>
         </p:sp>
-        <p:sp>
-          <p:nvSpPr>
-            <p:cNvPr id="37" name="文字方塊 36"/>
-            <p:cNvSpPr txBox="1"/>
-            <p:nvPr/>
-          </p:nvSpPr>
-          <p:spPr>
-            <a:xfrm>
-              <a:off x="6220769" y="3051385"/>
-              <a:ext cx="1172116" cy="400110"/>
-            </a:xfrm>
-            <a:prstGeom prst="rect">
-              <a:avLst/>
-            </a:prstGeom>
-            <a:noFill/>
-          </p:spPr>
-          <p:txBody>
-            <a:bodyPr wrap="none" rtlCol="0">
-              <a:spAutoFit/>
-            </a:bodyPr>
-            <a:lstStyle/>
-            <a:p>
-              <a:r>
-                <a:rPr lang="en-US" altLang="zh-TW" sz="2000" dirty="0">
-                  <a:solidFill>
-                    <a:srgbClr val="FF0000"/>
-                  </a:solidFill>
-                  <a:latin typeface="Times New Roman" panose="02020603050405020304" pitchFamily="18" charset="0"/>
-                </a:rPr>
-                <a:t>latch data</a:t>
-              </a:r>
-              <a:endParaRPr lang="zh-TW" altLang="en-US" sz="2000" dirty="0">
-                <a:solidFill>
-                  <a:srgbClr val="FF0000"/>
-                </a:solidFill>
-                <a:latin typeface="Times New Roman" panose="02020603050405020304" pitchFamily="18" charset="0"/>
-              </a:endParaRPr>
-            </a:p>
-          </p:txBody>
-        </p:sp>
       </p:grpSp>
       <p:pic>
         <p:nvPicPr>
@@ -7912,7 +7737,7 @@
         </p:blipFill>
         <p:spPr>
           <a:xfrm>
-            <a:off x="123325" y="3375288"/>
+            <a:off x="280435" y="3388457"/>
             <a:ext cx="3350486" cy="3072931"/>
           </a:xfrm>
           <a:prstGeom prst="rect">
@@ -7928,8 +7753,8 @@
         </p:nvSpPr>
         <p:spPr bwMode="auto">
           <a:xfrm>
-            <a:off x="369303" y="4350439"/>
-            <a:ext cx="1730875" cy="222761"/>
+            <a:off x="581186" y="4358212"/>
+            <a:ext cx="2804160" cy="254391"/>
           </a:xfrm>
           <a:prstGeom prst="roundRect">
             <a:avLst/>
@@ -7977,8 +7802,8 @@
         </p:nvSpPr>
         <p:spPr>
           <a:xfrm>
-            <a:off x="2238006" y="4292541"/>
-            <a:ext cx="2012089" cy="338554"/>
+            <a:off x="1856655" y="4797972"/>
+            <a:ext cx="2206053" cy="338554"/>
           </a:xfrm>
           <a:prstGeom prst="rect">
             <a:avLst/>
@@ -7992,13 +7817,22 @@
           <a:lstStyle/>
           <a:p>
             <a:r>
+              <a:rPr lang="en-US" altLang="zh-TW" sz="1600" dirty="0" smtClean="0">
+                <a:solidFill>
+                  <a:srgbClr val="FF0000"/>
+                </a:solidFill>
+                <a:latin typeface="Times New Roman" panose="02020603050405020304" pitchFamily="18" charset="0"/>
+              </a:rPr>
+              <a:t>Send out </a:t>
+            </a:r>
+            <a:r>
               <a:rPr lang="en-US" altLang="zh-TW" sz="1600" dirty="0">
                 <a:solidFill>
                   <a:srgbClr val="FF0000"/>
                 </a:solidFill>
                 <a:latin typeface="Times New Roman" panose="02020603050405020304" pitchFamily="18" charset="0"/>
               </a:rPr>
-              <a:t>Send out from port P3</a:t>
+              <a:t>the status word</a:t>
             </a:r>
             <a:endParaRPr lang="zh-TW" altLang="en-US" sz="1600" dirty="0">
               <a:solidFill>
@@ -8012,7 +7846,3568 @@
     </p:spTree>
     <p:extLst>
       <p:ext uri="{BB962C8B-B14F-4D97-AF65-F5344CB8AC3E}">
-        <p14:creationId xmlns:p14="http://schemas.microsoft.com/office/powerpoint/2010/main" val="2075077622"/>
+        <p14:creationId xmlns:p14="http://schemas.microsoft.com/office/powerpoint/2010/main" val="2465061846"/>
+      </p:ext>
+    </p:extLst>
+  </p:cSld>
+  <p:clrMapOvr>
+    <a:masterClrMapping/>
+  </p:clrMapOvr>
+  <p:timing>
+    <p:tnLst>
+      <p:par>
+        <p:cTn id="1" dur="indefinite" restart="never" nodeType="tmRoot"/>
+      </p:par>
+    </p:tnLst>
+  </p:timing>
+</p:sld>
+</file>
+
+<file path=ppt/slides/slide15.xml><?xml version="1.0" encoding="utf-8"?>
+<p:sld xmlns:a="http://schemas.openxmlformats.org/drawingml/2006/main" xmlns:r="http://schemas.openxmlformats.org/officeDocument/2006/relationships" xmlns:p="http://schemas.openxmlformats.org/presentationml/2006/main">
+  <p:cSld>
+    <p:spTree>
+      <p:nvGrpSpPr>
+        <p:cNvPr id="1" name=""/>
+        <p:cNvGrpSpPr/>
+        <p:nvPr/>
+      </p:nvGrpSpPr>
+      <p:grpSpPr>
+        <a:xfrm>
+          <a:off x="0" y="0"/>
+          <a:ext cx="0" cy="0"/>
+          <a:chOff x="0" y="0"/>
+          <a:chExt cx="0" cy="0"/>
+        </a:xfrm>
+      </p:grpSpPr>
+      <p:sp>
+        <p:nvSpPr>
+          <p:cNvPr id="2" name="標題 1"/>
+          <p:cNvSpPr>
+            <a:spLocks noGrp="1"/>
+          </p:cNvSpPr>
+          <p:nvPr>
+            <p:ph type="title"/>
+          </p:nvPr>
+        </p:nvSpPr>
+        <p:spPr/>
+        <p:txBody>
+          <a:bodyPr/>
+          <a:lstStyle/>
+          <a:p>
+            <a:r>
+              <a:rPr lang="en-US" altLang="zh-TW" dirty="0" smtClean="0"/>
+              <a:t>Program to send command/data</a:t>
+            </a:r>
+            <a:endParaRPr lang="zh-TW" altLang="en-US" dirty="0"/>
+          </a:p>
+        </p:txBody>
+      </p:sp>
+      <p:sp>
+        <p:nvSpPr>
+          <p:cNvPr id="3" name="內容版面配置區 2"/>
+          <p:cNvSpPr>
+            <a:spLocks noGrp="1"/>
+          </p:cNvSpPr>
+          <p:nvPr>
+            <p:ph idx="1"/>
+          </p:nvPr>
+        </p:nvSpPr>
+        <p:spPr>
+          <a:xfrm>
+            <a:off x="979084" y="1986493"/>
+            <a:ext cx="6719672" cy="1150317"/>
+          </a:xfrm>
+        </p:spPr>
+        <p:txBody>
+          <a:bodyPr/>
+          <a:lstStyle/>
+          <a:p>
+            <a:r>
+              <a:rPr lang="en-US" altLang="zh-TW" sz="2400" dirty="0" smtClean="0"/>
+              <a:t>Example: to send data ‘A’=0x41</a:t>
+            </a:r>
+          </a:p>
+          <a:p>
+            <a:r>
+              <a:rPr lang="en-US" altLang="zh-TW" sz="2400" dirty="0" smtClean="0"/>
+              <a:t>The LCD prints ‘A’ at the cursor position</a:t>
+            </a:r>
+            <a:endParaRPr lang="zh-TW" altLang="en-US" sz="2400" dirty="0"/>
+          </a:p>
+        </p:txBody>
+      </p:sp>
+      <p:grpSp>
+        <p:nvGrpSpPr>
+          <p:cNvPr id="23" name="群組 22"/>
+          <p:cNvGrpSpPr/>
+          <p:nvPr/>
+        </p:nvGrpSpPr>
+        <p:grpSpPr>
+          <a:xfrm>
+            <a:off x="4121553" y="3463521"/>
+            <a:ext cx="4839285" cy="2997867"/>
+            <a:chOff x="2518116" y="3104979"/>
+            <a:chExt cx="4839285" cy="2997867"/>
+          </a:xfrm>
+        </p:grpSpPr>
+        <p:grpSp>
+          <p:nvGrpSpPr>
+            <p:cNvPr id="32" name="群組 31"/>
+            <p:cNvGrpSpPr/>
+            <p:nvPr/>
+          </p:nvGrpSpPr>
+          <p:grpSpPr>
+            <a:xfrm>
+              <a:off x="2518116" y="3163836"/>
+              <a:ext cx="4839285" cy="1958462"/>
+              <a:chOff x="815926" y="2868415"/>
+              <a:chExt cx="4839285" cy="1958462"/>
+            </a:xfrm>
+          </p:grpSpPr>
+          <p:sp>
+            <p:nvSpPr>
+              <p:cNvPr id="4" name="文字方塊 3"/>
+              <p:cNvSpPr txBox="1"/>
+              <p:nvPr/>
+            </p:nvSpPr>
+            <p:spPr>
+              <a:xfrm>
+                <a:off x="815926" y="3368283"/>
+                <a:ext cx="309700" cy="338554"/>
+              </a:xfrm>
+              <a:prstGeom prst="rect">
+                <a:avLst/>
+              </a:prstGeom>
+              <a:noFill/>
+            </p:spPr>
+            <p:txBody>
+              <a:bodyPr wrap="none" rtlCol="0">
+                <a:spAutoFit/>
+              </a:bodyPr>
+              <a:lstStyle/>
+              <a:p>
+                <a:r>
+                  <a:rPr lang="en-US" altLang="zh-TW" sz="1600" dirty="0">
+                    <a:latin typeface="Times New Roman" panose="02020603050405020304" pitchFamily="18" charset="0"/>
+                  </a:rPr>
+                  <a:t>E</a:t>
+                </a:r>
+                <a:endParaRPr lang="zh-TW" altLang="en-US" sz="1600" dirty="0">
+                  <a:latin typeface="Times New Roman" panose="02020603050405020304" pitchFamily="18" charset="0"/>
+                </a:endParaRPr>
+              </a:p>
+            </p:txBody>
+          </p:sp>
+          <p:sp>
+            <p:nvSpPr>
+              <p:cNvPr id="5" name="文字方塊 4"/>
+              <p:cNvSpPr txBox="1"/>
+              <p:nvPr/>
+            </p:nvSpPr>
+            <p:spPr>
+              <a:xfrm>
+                <a:off x="815926" y="3927009"/>
+                <a:ext cx="434734" cy="338554"/>
+              </a:xfrm>
+              <a:prstGeom prst="rect">
+                <a:avLst/>
+              </a:prstGeom>
+              <a:noFill/>
+            </p:spPr>
+            <p:txBody>
+              <a:bodyPr wrap="none" rtlCol="0">
+                <a:spAutoFit/>
+              </a:bodyPr>
+              <a:lstStyle/>
+              <a:p>
+                <a:r>
+                  <a:rPr lang="en-US" altLang="zh-TW" sz="1600" dirty="0">
+                    <a:latin typeface="Times New Roman" panose="02020603050405020304" pitchFamily="18" charset="0"/>
+                  </a:rPr>
+                  <a:t>RS</a:t>
+                </a:r>
+                <a:endParaRPr lang="zh-TW" altLang="en-US" sz="1600" dirty="0">
+                  <a:latin typeface="Times New Roman" panose="02020603050405020304" pitchFamily="18" charset="0"/>
+                </a:endParaRPr>
+              </a:p>
+            </p:txBody>
+          </p:sp>
+          <p:sp>
+            <p:nvSpPr>
+              <p:cNvPr id="6" name="文字方塊 5"/>
+              <p:cNvSpPr txBox="1"/>
+              <p:nvPr/>
+            </p:nvSpPr>
+            <p:spPr>
+              <a:xfrm>
+                <a:off x="815926" y="4485735"/>
+                <a:ext cx="732893" cy="338554"/>
+              </a:xfrm>
+              <a:prstGeom prst="rect">
+                <a:avLst/>
+              </a:prstGeom>
+              <a:noFill/>
+            </p:spPr>
+            <p:txBody>
+              <a:bodyPr wrap="none" rtlCol="0">
+                <a:spAutoFit/>
+              </a:bodyPr>
+              <a:lstStyle/>
+              <a:p>
+                <a:r>
+                  <a:rPr lang="en-US" altLang="zh-TW" sz="1600" dirty="0">
+                    <a:latin typeface="Times New Roman" panose="02020603050405020304" pitchFamily="18" charset="0"/>
+                  </a:rPr>
+                  <a:t>D[3:0]</a:t>
+                </a:r>
+                <a:endParaRPr lang="zh-TW" altLang="en-US" sz="1600" dirty="0">
+                  <a:latin typeface="Times New Roman" panose="02020603050405020304" pitchFamily="18" charset="0"/>
+                </a:endParaRPr>
+              </a:p>
+            </p:txBody>
+          </p:sp>
+          <p:sp>
+            <p:nvSpPr>
+              <p:cNvPr id="7" name="圓角矩形 6"/>
+              <p:cNvSpPr/>
+              <p:nvPr/>
+            </p:nvSpPr>
+            <p:spPr bwMode="auto">
+              <a:xfrm>
+                <a:off x="1744393" y="3927009"/>
+                <a:ext cx="1941341" cy="338554"/>
+              </a:xfrm>
+              <a:prstGeom prst="roundRect">
+                <a:avLst/>
+              </a:prstGeom>
+              <a:noFill/>
+              <a:ln w="9525" cap="flat" cmpd="sng" algn="ctr">
+                <a:solidFill>
+                  <a:schemeClr val="tx1"/>
+                </a:solidFill>
+                <a:prstDash val="solid"/>
+                <a:round/>
+                <a:headEnd type="none" w="med" len="med"/>
+                <a:tailEnd type="none" w="med" len="med"/>
+              </a:ln>
+              <a:effectLst/>
+            </p:spPr>
+            <p:txBody>
+              <a:bodyPr rot="0" spcFirstLastPara="0" vertOverflow="overflow" horzOverflow="overflow" vert="horz" wrap="square" lIns="91440" tIns="45720" rIns="91440" bIns="45720" numCol="1" spcCol="0" rtlCol="0" fromWordArt="0" anchor="ctr" anchorCtr="0" forceAA="0" compatLnSpc="1">
+                <a:prstTxWarp prst="textNoShape">
+                  <a:avLst/>
+                </a:prstTxWarp>
+                <a:noAutofit/>
+              </a:bodyPr>
+              <a:lstStyle/>
+              <a:p>
+                <a:pPr algn="ctr" eaLnBrk="0" fontAlgn="base" hangingPunct="0">
+                  <a:spcBef>
+                    <a:spcPct val="0"/>
+                  </a:spcBef>
+                  <a:spcAft>
+                    <a:spcPct val="0"/>
+                  </a:spcAft>
+                </a:pPr>
+                <a:r>
+                  <a:rPr lang="en-US" altLang="zh-TW" dirty="0">
+                    <a:latin typeface="Times New Roman" panose="02020603050405020304" pitchFamily="18" charset="0"/>
+                    <a:cs typeface="Times New Roman" panose="02020603050405020304" pitchFamily="18" charset="0"/>
+                  </a:rPr>
+                  <a:t>1</a:t>
+                </a:r>
+                <a:endParaRPr lang="zh-TW" altLang="en-US" dirty="0">
+                  <a:latin typeface="Times New Roman" panose="02020603050405020304" pitchFamily="18" charset="0"/>
+                  <a:cs typeface="Times New Roman" panose="02020603050405020304" pitchFamily="18" charset="0"/>
+                </a:endParaRPr>
+              </a:p>
+            </p:txBody>
+          </p:sp>
+          <p:sp>
+            <p:nvSpPr>
+              <p:cNvPr id="8" name="圓角矩形 7"/>
+              <p:cNvSpPr/>
+              <p:nvPr/>
+            </p:nvSpPr>
+            <p:spPr bwMode="auto">
+              <a:xfrm>
+                <a:off x="1744394" y="4488323"/>
+                <a:ext cx="1941340" cy="338554"/>
+              </a:xfrm>
+              <a:prstGeom prst="roundRect">
+                <a:avLst/>
+              </a:prstGeom>
+              <a:noFill/>
+              <a:ln w="9525" cap="flat" cmpd="sng" algn="ctr">
+                <a:solidFill>
+                  <a:schemeClr val="tx1"/>
+                </a:solidFill>
+                <a:prstDash val="solid"/>
+                <a:round/>
+                <a:headEnd type="none" w="med" len="med"/>
+                <a:tailEnd type="none" w="med" len="med"/>
+              </a:ln>
+              <a:effectLst/>
+            </p:spPr>
+            <p:txBody>
+              <a:bodyPr rot="0" spcFirstLastPara="0" vertOverflow="overflow" horzOverflow="overflow" vert="horz" wrap="square" lIns="91440" tIns="45720" rIns="91440" bIns="45720" numCol="1" spcCol="0" rtlCol="0" fromWordArt="0" anchor="ctr" anchorCtr="0" forceAA="0" compatLnSpc="1">
+                <a:prstTxWarp prst="textNoShape">
+                  <a:avLst/>
+                </a:prstTxWarp>
+                <a:noAutofit/>
+              </a:bodyPr>
+              <a:lstStyle/>
+              <a:p>
+                <a:pPr algn="ctr" eaLnBrk="0" fontAlgn="base" hangingPunct="0">
+                  <a:spcBef>
+                    <a:spcPct val="0"/>
+                  </a:spcBef>
+                  <a:spcAft>
+                    <a:spcPct val="0"/>
+                  </a:spcAft>
+                </a:pPr>
+                <a:r>
+                  <a:rPr lang="en-US" altLang="zh-TW" dirty="0">
+                    <a:latin typeface="Times New Roman" panose="02020603050405020304" pitchFamily="18" charset="0"/>
+                    <a:cs typeface="Times New Roman" panose="02020603050405020304" pitchFamily="18" charset="0"/>
+                  </a:rPr>
+                  <a:t>4</a:t>
+                </a:r>
+                <a:endParaRPr lang="zh-TW" altLang="en-US" dirty="0">
+                  <a:latin typeface="Times New Roman" panose="02020603050405020304" pitchFamily="18" charset="0"/>
+                  <a:cs typeface="Times New Roman" panose="02020603050405020304" pitchFamily="18" charset="0"/>
+                </a:endParaRPr>
+              </a:p>
+            </p:txBody>
+          </p:sp>
+          <p:cxnSp>
+            <p:nvCxnSpPr>
+              <p:cNvPr id="12" name="直線接點 11"/>
+              <p:cNvCxnSpPr/>
+              <p:nvPr/>
+            </p:nvCxnSpPr>
+            <p:spPr bwMode="auto">
+              <a:xfrm>
+                <a:off x="2461846" y="3368283"/>
+                <a:ext cx="56271" cy="338554"/>
+              </a:xfrm>
+              <a:prstGeom prst="line">
+                <a:avLst/>
+              </a:prstGeom>
+              <a:solidFill>
+                <a:schemeClr val="accent1"/>
+              </a:solidFill>
+              <a:ln w="9525" cap="flat" cmpd="sng" algn="ctr">
+                <a:solidFill>
+                  <a:schemeClr val="tx1"/>
+                </a:solidFill>
+                <a:prstDash val="solid"/>
+                <a:round/>
+                <a:headEnd type="none" w="med" len="med"/>
+                <a:tailEnd type="none" w="med" len="med"/>
+              </a:ln>
+              <a:effectLst/>
+            </p:spPr>
+          </p:cxnSp>
+          <p:cxnSp>
+            <p:nvCxnSpPr>
+              <p:cNvPr id="14" name="直線接點 13"/>
+              <p:cNvCxnSpPr/>
+              <p:nvPr/>
+            </p:nvCxnSpPr>
+            <p:spPr bwMode="auto">
+              <a:xfrm>
+                <a:off x="2518117" y="3706837"/>
+                <a:ext cx="1167617" cy="0"/>
+              </a:xfrm>
+              <a:prstGeom prst="line">
+                <a:avLst/>
+              </a:prstGeom>
+              <a:solidFill>
+                <a:schemeClr val="accent1"/>
+              </a:solidFill>
+              <a:ln w="9525" cap="flat" cmpd="sng" algn="ctr">
+                <a:solidFill>
+                  <a:schemeClr val="tx1"/>
+                </a:solidFill>
+                <a:prstDash val="solid"/>
+                <a:round/>
+                <a:headEnd type="none" w="med" len="med"/>
+                <a:tailEnd type="none" w="med" len="med"/>
+              </a:ln>
+              <a:effectLst/>
+            </p:spPr>
+          </p:cxnSp>
+          <p:sp>
+            <p:nvSpPr>
+              <p:cNvPr id="16" name="圓角矩形 15"/>
+              <p:cNvSpPr/>
+              <p:nvPr/>
+            </p:nvSpPr>
+            <p:spPr bwMode="auto">
+              <a:xfrm>
+                <a:off x="3685734" y="3927009"/>
+                <a:ext cx="1941341" cy="338554"/>
+              </a:xfrm>
+              <a:prstGeom prst="roundRect">
+                <a:avLst/>
+              </a:prstGeom>
+              <a:noFill/>
+              <a:ln w="9525" cap="flat" cmpd="sng" algn="ctr">
+                <a:solidFill>
+                  <a:schemeClr val="tx1"/>
+                </a:solidFill>
+                <a:prstDash val="solid"/>
+                <a:round/>
+                <a:headEnd type="none" w="med" len="med"/>
+                <a:tailEnd type="none" w="med" len="med"/>
+              </a:ln>
+              <a:effectLst/>
+            </p:spPr>
+            <p:txBody>
+              <a:bodyPr rot="0" spcFirstLastPara="0" vertOverflow="overflow" horzOverflow="overflow" vert="horz" wrap="square" lIns="91440" tIns="45720" rIns="91440" bIns="45720" numCol="1" spcCol="0" rtlCol="0" fromWordArt="0" anchor="ctr" anchorCtr="0" forceAA="0" compatLnSpc="1">
+                <a:prstTxWarp prst="textNoShape">
+                  <a:avLst/>
+                </a:prstTxWarp>
+                <a:noAutofit/>
+              </a:bodyPr>
+              <a:lstStyle/>
+              <a:p>
+                <a:pPr algn="ctr" eaLnBrk="0" fontAlgn="base" hangingPunct="0">
+                  <a:spcBef>
+                    <a:spcPct val="0"/>
+                  </a:spcBef>
+                  <a:spcAft>
+                    <a:spcPct val="0"/>
+                  </a:spcAft>
+                </a:pPr>
+                <a:r>
+                  <a:rPr lang="en-US" altLang="zh-TW" dirty="0">
+                    <a:latin typeface="Times New Roman" panose="02020603050405020304" pitchFamily="18" charset="0"/>
+                    <a:cs typeface="Times New Roman" panose="02020603050405020304" pitchFamily="18" charset="0"/>
+                  </a:rPr>
+                  <a:t>1</a:t>
+                </a:r>
+                <a:endParaRPr lang="zh-TW" altLang="en-US" dirty="0">
+                  <a:latin typeface="Times New Roman" panose="02020603050405020304" pitchFamily="18" charset="0"/>
+                  <a:cs typeface="Times New Roman" panose="02020603050405020304" pitchFamily="18" charset="0"/>
+                </a:endParaRPr>
+              </a:p>
+            </p:txBody>
+          </p:sp>
+          <p:sp>
+            <p:nvSpPr>
+              <p:cNvPr id="17" name="圓角矩形 16"/>
+              <p:cNvSpPr/>
+              <p:nvPr/>
+            </p:nvSpPr>
+            <p:spPr bwMode="auto">
+              <a:xfrm>
+                <a:off x="3685734" y="4485735"/>
+                <a:ext cx="1941341" cy="338554"/>
+              </a:xfrm>
+              <a:prstGeom prst="roundRect">
+                <a:avLst/>
+              </a:prstGeom>
+              <a:noFill/>
+              <a:ln w="9525" cap="flat" cmpd="sng" algn="ctr">
+                <a:solidFill>
+                  <a:schemeClr val="tx1"/>
+                </a:solidFill>
+                <a:prstDash val="solid"/>
+                <a:round/>
+                <a:headEnd type="none" w="med" len="med"/>
+                <a:tailEnd type="none" w="med" len="med"/>
+              </a:ln>
+              <a:effectLst/>
+            </p:spPr>
+            <p:txBody>
+              <a:bodyPr rot="0" spcFirstLastPara="0" vertOverflow="overflow" horzOverflow="overflow" vert="horz" wrap="square" lIns="91440" tIns="45720" rIns="91440" bIns="45720" numCol="1" spcCol="0" rtlCol="0" fromWordArt="0" anchor="ctr" anchorCtr="0" forceAA="0" compatLnSpc="1">
+                <a:prstTxWarp prst="textNoShape">
+                  <a:avLst/>
+                </a:prstTxWarp>
+                <a:noAutofit/>
+              </a:bodyPr>
+              <a:lstStyle/>
+              <a:p>
+                <a:pPr algn="ctr" eaLnBrk="0" fontAlgn="base" hangingPunct="0">
+                  <a:spcBef>
+                    <a:spcPct val="0"/>
+                  </a:spcBef>
+                  <a:spcAft>
+                    <a:spcPct val="0"/>
+                  </a:spcAft>
+                </a:pPr>
+                <a:r>
+                  <a:rPr lang="en-US" altLang="zh-TW" dirty="0">
+                    <a:latin typeface="Times New Roman" panose="02020603050405020304" pitchFamily="18" charset="0"/>
+                    <a:cs typeface="Times New Roman" panose="02020603050405020304" pitchFamily="18" charset="0"/>
+                  </a:rPr>
+                  <a:t>1</a:t>
+                </a:r>
+                <a:endParaRPr lang="zh-TW" altLang="en-US" dirty="0">
+                  <a:latin typeface="Times New Roman" panose="02020603050405020304" pitchFamily="18" charset="0"/>
+                  <a:cs typeface="Times New Roman" panose="02020603050405020304" pitchFamily="18" charset="0"/>
+                </a:endParaRPr>
+              </a:p>
+            </p:txBody>
+          </p:sp>
+          <p:cxnSp>
+            <p:nvCxnSpPr>
+              <p:cNvPr id="19" name="直線接點 18"/>
+              <p:cNvCxnSpPr/>
+              <p:nvPr/>
+            </p:nvCxnSpPr>
+            <p:spPr bwMode="auto">
+              <a:xfrm flipV="1">
+                <a:off x="3685734" y="3376246"/>
+                <a:ext cx="98475" cy="328003"/>
+              </a:xfrm>
+              <a:prstGeom prst="line">
+                <a:avLst/>
+              </a:prstGeom>
+              <a:solidFill>
+                <a:schemeClr val="accent1"/>
+              </a:solidFill>
+              <a:ln w="9525" cap="flat" cmpd="sng" algn="ctr">
+                <a:solidFill>
+                  <a:schemeClr val="tx1"/>
+                </a:solidFill>
+                <a:prstDash val="solid"/>
+                <a:round/>
+                <a:headEnd type="none" w="med" len="med"/>
+                <a:tailEnd type="none" w="med" len="med"/>
+              </a:ln>
+              <a:effectLst/>
+            </p:spPr>
+          </p:cxnSp>
+          <p:cxnSp>
+            <p:nvCxnSpPr>
+              <p:cNvPr id="25" name="直線接點 24"/>
+              <p:cNvCxnSpPr/>
+              <p:nvPr/>
+            </p:nvCxnSpPr>
+            <p:spPr bwMode="auto">
+              <a:xfrm>
+                <a:off x="4656404" y="3376246"/>
+                <a:ext cx="126611" cy="328003"/>
+              </a:xfrm>
+              <a:prstGeom prst="line">
+                <a:avLst/>
+              </a:prstGeom>
+              <a:solidFill>
+                <a:schemeClr val="accent1"/>
+              </a:solidFill>
+              <a:ln w="9525" cap="flat" cmpd="sng" algn="ctr">
+                <a:solidFill>
+                  <a:schemeClr val="tx1"/>
+                </a:solidFill>
+                <a:prstDash val="solid"/>
+                <a:round/>
+                <a:headEnd type="none" w="med" len="med"/>
+                <a:tailEnd type="none" w="med" len="med"/>
+              </a:ln>
+              <a:effectLst/>
+            </p:spPr>
+          </p:cxnSp>
+          <p:cxnSp>
+            <p:nvCxnSpPr>
+              <p:cNvPr id="27" name="直線接點 26"/>
+              <p:cNvCxnSpPr/>
+              <p:nvPr/>
+            </p:nvCxnSpPr>
+            <p:spPr bwMode="auto">
+              <a:xfrm>
+                <a:off x="4783015" y="3708695"/>
+                <a:ext cx="872196" cy="0"/>
+              </a:xfrm>
+              <a:prstGeom prst="line">
+                <a:avLst/>
+              </a:prstGeom>
+              <a:solidFill>
+                <a:schemeClr val="accent1"/>
+              </a:solidFill>
+              <a:ln w="9525" cap="flat" cmpd="sng" algn="ctr">
+                <a:solidFill>
+                  <a:schemeClr val="tx1"/>
+                </a:solidFill>
+                <a:prstDash val="solid"/>
+                <a:round/>
+                <a:headEnd type="none" w="med" len="med"/>
+                <a:tailEnd type="none" w="med" len="med"/>
+              </a:ln>
+              <a:effectLst/>
+            </p:spPr>
+          </p:cxnSp>
+          <p:grpSp>
+            <p:nvGrpSpPr>
+              <p:cNvPr id="31" name="群組 30"/>
+              <p:cNvGrpSpPr/>
+              <p:nvPr/>
+            </p:nvGrpSpPr>
+            <p:grpSpPr>
+              <a:xfrm>
+                <a:off x="1744393" y="2868415"/>
+                <a:ext cx="2912011" cy="507831"/>
+                <a:chOff x="1744393" y="2868415"/>
+                <a:chExt cx="2912011" cy="507831"/>
+              </a:xfrm>
+            </p:grpSpPr>
+            <p:cxnSp>
+              <p:nvCxnSpPr>
+                <p:cNvPr id="10" name="直線接點 9"/>
+                <p:cNvCxnSpPr/>
+                <p:nvPr/>
+              </p:nvCxnSpPr>
+              <p:spPr bwMode="auto">
+                <a:xfrm>
+                  <a:off x="1744393" y="3368283"/>
+                  <a:ext cx="717453" cy="0"/>
+                </a:xfrm>
+                <a:prstGeom prst="line">
+                  <a:avLst/>
+                </a:prstGeom>
+                <a:solidFill>
+                  <a:schemeClr val="accent1"/>
+                </a:solidFill>
+                <a:ln w="9525" cap="flat" cmpd="sng" algn="ctr">
+                  <a:solidFill>
+                    <a:schemeClr val="tx1"/>
+                  </a:solidFill>
+                  <a:prstDash val="solid"/>
+                  <a:round/>
+                  <a:headEnd type="none" w="med" len="med"/>
+                  <a:tailEnd type="none" w="med" len="med"/>
+                </a:ln>
+                <a:effectLst/>
+              </p:spPr>
+            </p:cxnSp>
+            <p:cxnSp>
+              <p:nvCxnSpPr>
+                <p:cNvPr id="21" name="直線接點 20"/>
+                <p:cNvCxnSpPr/>
+                <p:nvPr/>
+              </p:nvCxnSpPr>
+              <p:spPr bwMode="auto">
+                <a:xfrm>
+                  <a:off x="3784209" y="3376246"/>
+                  <a:ext cx="872195" cy="0"/>
+                </a:xfrm>
+                <a:prstGeom prst="line">
+                  <a:avLst/>
+                </a:prstGeom>
+                <a:solidFill>
+                  <a:schemeClr val="accent1"/>
+                </a:solidFill>
+                <a:ln w="9525" cap="flat" cmpd="sng" algn="ctr">
+                  <a:solidFill>
+                    <a:schemeClr val="tx1"/>
+                  </a:solidFill>
+                  <a:prstDash val="solid"/>
+                  <a:round/>
+                  <a:headEnd type="none" w="med" len="med"/>
+                  <a:tailEnd type="none" w="med" len="med"/>
+                </a:ln>
+                <a:effectLst/>
+              </p:spPr>
+            </p:cxnSp>
+            <p:cxnSp>
+              <p:nvCxnSpPr>
+                <p:cNvPr id="29" name="直線單箭頭接點 28"/>
+                <p:cNvCxnSpPr/>
+                <p:nvPr/>
+              </p:nvCxnSpPr>
+              <p:spPr bwMode="auto">
+                <a:xfrm>
+                  <a:off x="2912012" y="3010486"/>
+                  <a:ext cx="633046" cy="0"/>
+                </a:xfrm>
+                <a:prstGeom prst="straightConnector1">
+                  <a:avLst/>
+                </a:prstGeom>
+                <a:solidFill>
+                  <a:schemeClr val="accent1"/>
+                </a:solidFill>
+                <a:ln w="9525" cap="flat" cmpd="sng" algn="ctr">
+                  <a:solidFill>
+                    <a:schemeClr val="tx1"/>
+                  </a:solidFill>
+                  <a:prstDash val="solid"/>
+                  <a:round/>
+                  <a:headEnd type="none" w="med" len="med"/>
+                  <a:tailEnd type="triangle"/>
+                </a:ln>
+                <a:effectLst/>
+              </p:spPr>
+            </p:cxnSp>
+            <p:sp>
+              <p:nvSpPr>
+                <p:cNvPr id="30" name="文字方塊 29"/>
+                <p:cNvSpPr txBox="1"/>
+                <p:nvPr/>
+              </p:nvSpPr>
+              <p:spPr>
+                <a:xfrm>
+                  <a:off x="3545058" y="2868415"/>
+                  <a:ext cx="551754" cy="338554"/>
+                </a:xfrm>
+                <a:prstGeom prst="rect">
+                  <a:avLst/>
+                </a:prstGeom>
+                <a:noFill/>
+              </p:spPr>
+              <p:txBody>
+                <a:bodyPr wrap="none" rtlCol="0">
+                  <a:spAutoFit/>
+                </a:bodyPr>
+                <a:lstStyle/>
+                <a:p>
+                  <a:r>
+                    <a:rPr lang="en-US" altLang="zh-TW" sz="1600" dirty="0">
+                      <a:latin typeface="Times New Roman" panose="02020603050405020304" pitchFamily="18" charset="0"/>
+                    </a:rPr>
+                    <a:t>time</a:t>
+                  </a:r>
+                  <a:endParaRPr lang="zh-TW" altLang="en-US" sz="1600" dirty="0">
+                    <a:latin typeface="Times New Roman" panose="02020603050405020304" pitchFamily="18" charset="0"/>
+                  </a:endParaRPr>
+                </a:p>
+              </p:txBody>
+            </p:sp>
+          </p:grpSp>
+        </p:grpSp>
+        <p:sp>
+          <p:nvSpPr>
+            <p:cNvPr id="11" name="文字方塊 10"/>
+            <p:cNvSpPr txBox="1"/>
+            <p:nvPr/>
+          </p:nvSpPr>
+          <p:spPr>
+            <a:xfrm>
+              <a:off x="3455293" y="3104979"/>
+              <a:ext cx="1834156" cy="400110"/>
+            </a:xfrm>
+            <a:prstGeom prst="rect">
+              <a:avLst/>
+            </a:prstGeom>
+            <a:noFill/>
+          </p:spPr>
+          <p:txBody>
+            <a:bodyPr wrap="none" rtlCol="0">
+              <a:spAutoFit/>
+            </a:bodyPr>
+            <a:lstStyle/>
+            <a:p>
+              <a:r>
+                <a:rPr lang="en-US" altLang="zh-TW" sz="2000" dirty="0" smtClean="0">
+                  <a:solidFill>
+                    <a:srgbClr val="FF0000"/>
+                  </a:solidFill>
+                  <a:latin typeface="Times New Roman" panose="02020603050405020304" pitchFamily="18" charset="0"/>
+                </a:rPr>
+                <a:t>Prepare the data</a:t>
+              </a:r>
+              <a:endParaRPr lang="zh-TW" altLang="en-US" sz="2000" dirty="0">
+                <a:solidFill>
+                  <a:srgbClr val="FF0000"/>
+                </a:solidFill>
+                <a:latin typeface="Times New Roman" panose="02020603050405020304" pitchFamily="18" charset="0"/>
+              </a:endParaRPr>
+            </a:p>
+          </p:txBody>
+        </p:sp>
+        <p:cxnSp>
+          <p:nvCxnSpPr>
+            <p:cNvPr id="15" name="直線接點 14"/>
+            <p:cNvCxnSpPr/>
+            <p:nvPr/>
+          </p:nvCxnSpPr>
+          <p:spPr bwMode="auto">
+            <a:xfrm>
+              <a:off x="3446583" y="5227320"/>
+              <a:ext cx="0" cy="335280"/>
+            </a:xfrm>
+            <a:prstGeom prst="line">
+              <a:avLst/>
+            </a:prstGeom>
+            <a:solidFill>
+              <a:schemeClr val="accent1"/>
+            </a:solidFill>
+            <a:ln w="9525" cap="flat" cmpd="sng" algn="ctr">
+              <a:solidFill>
+                <a:srgbClr val="FF0000"/>
+              </a:solidFill>
+              <a:prstDash val="solid"/>
+              <a:round/>
+              <a:headEnd type="none" w="med" len="med"/>
+              <a:tailEnd type="none" w="med" len="med"/>
+            </a:ln>
+            <a:effectLst/>
+          </p:spPr>
+        </p:cxnSp>
+        <p:cxnSp>
+          <p:nvCxnSpPr>
+            <p:cNvPr id="20" name="直線接點 19"/>
+            <p:cNvCxnSpPr/>
+            <p:nvPr/>
+          </p:nvCxnSpPr>
+          <p:spPr bwMode="auto">
+            <a:xfrm>
+              <a:off x="3446583" y="5379720"/>
+              <a:ext cx="1941341" cy="0"/>
+            </a:xfrm>
+            <a:prstGeom prst="line">
+              <a:avLst/>
+            </a:prstGeom>
+            <a:solidFill>
+              <a:schemeClr val="accent1"/>
+            </a:solidFill>
+            <a:ln w="9525" cap="flat" cmpd="sng" algn="ctr">
+              <a:solidFill>
+                <a:srgbClr val="FF0000"/>
+              </a:solidFill>
+              <a:prstDash val="solid"/>
+              <a:round/>
+              <a:headEnd type="triangle" w="med" len="med"/>
+              <a:tailEnd type="triangle" w="med" len="med"/>
+            </a:ln>
+            <a:effectLst/>
+          </p:spPr>
+        </p:cxnSp>
+        <p:cxnSp>
+          <p:nvCxnSpPr>
+            <p:cNvPr id="28" name="直線接點 27"/>
+            <p:cNvCxnSpPr/>
+            <p:nvPr/>
+          </p:nvCxnSpPr>
+          <p:spPr bwMode="auto">
+            <a:xfrm>
+              <a:off x="5387924" y="5227320"/>
+              <a:ext cx="0" cy="335280"/>
+            </a:xfrm>
+            <a:prstGeom prst="line">
+              <a:avLst/>
+            </a:prstGeom>
+            <a:solidFill>
+              <a:schemeClr val="accent1"/>
+            </a:solidFill>
+            <a:ln w="9525" cap="flat" cmpd="sng" algn="ctr">
+              <a:solidFill>
+                <a:srgbClr val="FF0000"/>
+              </a:solidFill>
+              <a:prstDash val="solid"/>
+              <a:round/>
+              <a:headEnd type="none" w="med" len="med"/>
+              <a:tailEnd type="none" w="med" len="med"/>
+            </a:ln>
+            <a:effectLst/>
+          </p:spPr>
+        </p:cxnSp>
+        <p:cxnSp>
+          <p:nvCxnSpPr>
+            <p:cNvPr id="33" name="直線接點 32"/>
+            <p:cNvCxnSpPr/>
+            <p:nvPr/>
+          </p:nvCxnSpPr>
+          <p:spPr bwMode="auto">
+            <a:xfrm>
+              <a:off x="7301128" y="5227320"/>
+              <a:ext cx="0" cy="335280"/>
+            </a:xfrm>
+            <a:prstGeom prst="line">
+              <a:avLst/>
+            </a:prstGeom>
+            <a:solidFill>
+              <a:schemeClr val="accent1"/>
+            </a:solidFill>
+            <a:ln w="9525" cap="flat" cmpd="sng" algn="ctr">
+              <a:solidFill>
+                <a:srgbClr val="FF0000"/>
+              </a:solidFill>
+              <a:prstDash val="solid"/>
+              <a:round/>
+              <a:headEnd type="none" w="med" len="med"/>
+              <a:tailEnd type="none" w="med" len="med"/>
+            </a:ln>
+            <a:effectLst/>
+          </p:spPr>
+        </p:cxnSp>
+        <p:cxnSp>
+          <p:nvCxnSpPr>
+            <p:cNvPr id="34" name="直線接點 33"/>
+            <p:cNvCxnSpPr/>
+            <p:nvPr/>
+          </p:nvCxnSpPr>
+          <p:spPr bwMode="auto">
+            <a:xfrm>
+              <a:off x="5359787" y="5379720"/>
+              <a:ext cx="1941341" cy="0"/>
+            </a:xfrm>
+            <a:prstGeom prst="line">
+              <a:avLst/>
+            </a:prstGeom>
+            <a:solidFill>
+              <a:schemeClr val="accent1"/>
+            </a:solidFill>
+            <a:ln w="9525" cap="flat" cmpd="sng" algn="ctr">
+              <a:solidFill>
+                <a:srgbClr val="FF0000"/>
+              </a:solidFill>
+              <a:prstDash val="solid"/>
+              <a:round/>
+              <a:headEnd type="triangle" w="med" len="med"/>
+              <a:tailEnd type="triangle" w="med" len="med"/>
+            </a:ln>
+            <a:effectLst/>
+          </p:spPr>
+        </p:cxnSp>
+        <p:sp>
+          <p:nvSpPr>
+            <p:cNvPr id="22" name="文字方塊 21"/>
+            <p:cNvSpPr txBox="1"/>
+            <p:nvPr/>
+          </p:nvSpPr>
+          <p:spPr>
+            <a:xfrm>
+              <a:off x="3549505" y="5394960"/>
+              <a:ext cx="1651093" cy="707886"/>
+            </a:xfrm>
+            <a:prstGeom prst="rect">
+              <a:avLst/>
+            </a:prstGeom>
+            <a:noFill/>
+          </p:spPr>
+          <p:txBody>
+            <a:bodyPr wrap="none" rtlCol="0">
+              <a:spAutoFit/>
+            </a:bodyPr>
+            <a:lstStyle/>
+            <a:p>
+              <a:r>
+                <a:rPr lang="en-US" altLang="zh-TW" sz="2000" dirty="0">
+                  <a:solidFill>
+                    <a:srgbClr val="FF0000"/>
+                  </a:solidFill>
+                  <a:latin typeface="Times New Roman" panose="02020603050405020304" pitchFamily="18" charset="0"/>
+                </a:rPr>
+                <a:t>Higher-half of</a:t>
+              </a:r>
+            </a:p>
+            <a:p>
+              <a:r>
+                <a:rPr lang="en-US" altLang="zh-TW" sz="2000" dirty="0">
+                  <a:solidFill>
+                    <a:srgbClr val="FF0000"/>
+                  </a:solidFill>
+                  <a:latin typeface="Times New Roman" panose="02020603050405020304" pitchFamily="18" charset="0"/>
+                </a:rPr>
+                <a:t>the data</a:t>
+              </a:r>
+              <a:endParaRPr lang="zh-TW" altLang="en-US" sz="2000" dirty="0">
+                <a:solidFill>
+                  <a:srgbClr val="FF0000"/>
+                </a:solidFill>
+                <a:latin typeface="Times New Roman" panose="02020603050405020304" pitchFamily="18" charset="0"/>
+              </a:endParaRPr>
+            </a:p>
+          </p:txBody>
+        </p:sp>
+        <p:sp>
+          <p:nvSpPr>
+            <p:cNvPr id="35" name="文字方塊 34"/>
+            <p:cNvSpPr txBox="1"/>
+            <p:nvPr/>
+          </p:nvSpPr>
+          <p:spPr>
+            <a:xfrm>
+              <a:off x="5416062" y="5394960"/>
+              <a:ext cx="1609415" cy="707886"/>
+            </a:xfrm>
+            <a:prstGeom prst="rect">
+              <a:avLst/>
+            </a:prstGeom>
+            <a:noFill/>
+          </p:spPr>
+          <p:txBody>
+            <a:bodyPr wrap="none" rtlCol="0">
+              <a:spAutoFit/>
+            </a:bodyPr>
+            <a:lstStyle/>
+            <a:p>
+              <a:r>
+                <a:rPr lang="en-US" altLang="zh-TW" sz="2000" dirty="0">
+                  <a:solidFill>
+                    <a:srgbClr val="FF0000"/>
+                  </a:solidFill>
+                  <a:latin typeface="Times New Roman" panose="02020603050405020304" pitchFamily="18" charset="0"/>
+                </a:rPr>
+                <a:t>Lower-half of</a:t>
+              </a:r>
+            </a:p>
+            <a:p>
+              <a:r>
+                <a:rPr lang="en-US" altLang="zh-TW" sz="2000" dirty="0">
+                  <a:solidFill>
+                    <a:srgbClr val="FF0000"/>
+                  </a:solidFill>
+                  <a:latin typeface="Times New Roman" panose="02020603050405020304" pitchFamily="18" charset="0"/>
+                </a:rPr>
+                <a:t>the data</a:t>
+              </a:r>
+              <a:endParaRPr lang="zh-TW" altLang="en-US" sz="2000" dirty="0">
+                <a:solidFill>
+                  <a:srgbClr val="FF0000"/>
+                </a:solidFill>
+                <a:latin typeface="Times New Roman" panose="02020603050405020304" pitchFamily="18" charset="0"/>
+              </a:endParaRPr>
+            </a:p>
+          </p:txBody>
+        </p:sp>
+        <p:sp>
+          <p:nvSpPr>
+            <p:cNvPr id="36" name="圓角矩形 35"/>
+            <p:cNvSpPr/>
+            <p:nvPr/>
+          </p:nvSpPr>
+          <p:spPr bwMode="auto">
+            <a:xfrm>
+              <a:off x="4262511" y="3557907"/>
+              <a:ext cx="1026938" cy="1667599"/>
+            </a:xfrm>
+            <a:prstGeom prst="roundRect">
+              <a:avLst/>
+            </a:prstGeom>
+            <a:noFill/>
+            <a:ln w="38100" cap="flat" cmpd="sng" algn="ctr">
+              <a:solidFill>
+                <a:srgbClr val="FF0000"/>
+              </a:solidFill>
+              <a:prstDash val="dash"/>
+              <a:round/>
+              <a:headEnd type="none" w="med" len="med"/>
+              <a:tailEnd type="none" w="med" len="med"/>
+            </a:ln>
+            <a:effectLst/>
+          </p:spPr>
+          <p:txBody>
+            <a:bodyPr rot="0" spcFirstLastPara="0" vertOverflow="overflow" horzOverflow="overflow" vert="horz" wrap="square" lIns="91440" tIns="45720" rIns="91440" bIns="45720" numCol="1" spcCol="0" rtlCol="0" fromWordArt="0" anchor="t" anchorCtr="0" forceAA="0" compatLnSpc="1">
+              <a:prstTxWarp prst="textNoShape">
+                <a:avLst/>
+              </a:prstTxWarp>
+              <a:noAutofit/>
+            </a:bodyPr>
+            <a:lstStyle/>
+            <a:p>
+              <a:pPr eaLnBrk="0" fontAlgn="base" hangingPunct="0">
+                <a:spcBef>
+                  <a:spcPct val="0"/>
+                </a:spcBef>
+                <a:spcAft>
+                  <a:spcPct val="0"/>
+                </a:spcAft>
+              </a:pPr>
+              <a:endParaRPr lang="zh-TW" altLang="en-US">
+                <a:latin typeface="Arial" charset="0"/>
+              </a:endParaRPr>
+            </a:p>
+          </p:txBody>
+        </p:sp>
+      </p:grpSp>
+      <p:pic>
+        <p:nvPicPr>
+          <p:cNvPr id="13" name="圖片 12"/>
+          <p:cNvPicPr>
+            <a:picLocks noChangeAspect="1"/>
+          </p:cNvPicPr>
+          <p:nvPr/>
+        </p:nvPicPr>
+        <p:blipFill>
+          <a:blip r:embed="rId2"/>
+          <a:stretch>
+            <a:fillRect/>
+          </a:stretch>
+        </p:blipFill>
+        <p:spPr>
+          <a:xfrm>
+            <a:off x="280435" y="3388457"/>
+            <a:ext cx="3350486" cy="3072931"/>
+          </a:xfrm>
+          <a:prstGeom prst="rect">
+            <a:avLst/>
+          </a:prstGeom>
+        </p:spPr>
+      </p:pic>
+      <p:sp>
+        <p:nvSpPr>
+          <p:cNvPr id="18" name="圓角矩形 17"/>
+          <p:cNvSpPr/>
+          <p:nvPr/>
+        </p:nvSpPr>
+        <p:spPr bwMode="auto">
+          <a:xfrm>
+            <a:off x="482989" y="4667613"/>
+            <a:ext cx="2804160" cy="169277"/>
+          </a:xfrm>
+          <a:prstGeom prst="roundRect">
+            <a:avLst/>
+          </a:prstGeom>
+          <a:noFill/>
+          <a:ln w="38100" cap="flat" cmpd="sng" algn="ctr">
+            <a:solidFill>
+              <a:srgbClr val="FF0000"/>
+            </a:solidFill>
+            <a:prstDash val="dash"/>
+            <a:round/>
+            <a:headEnd type="none" w="med" len="med"/>
+            <a:tailEnd type="none" w="med" len="med"/>
+          </a:ln>
+          <a:effectLst/>
+        </p:spPr>
+        <p:txBody>
+          <a:bodyPr rot="0" spcFirstLastPara="0" vertOverflow="overflow" horzOverflow="overflow" vert="horz" wrap="square" lIns="91440" tIns="45720" rIns="91440" bIns="45720" numCol="1" spcCol="0" rtlCol="0" fromWordArt="0" anchor="t" anchorCtr="0" forceAA="0" compatLnSpc="1">
+            <a:prstTxWarp prst="textNoShape">
+              <a:avLst/>
+            </a:prstTxWarp>
+            <a:noAutofit/>
+          </a:bodyPr>
+          <a:lstStyle/>
+          <a:p>
+            <a:pPr eaLnBrk="0" fontAlgn="base" hangingPunct="0">
+              <a:spcBef>
+                <a:spcPct val="0"/>
+              </a:spcBef>
+              <a:spcAft>
+                <a:spcPct val="0"/>
+              </a:spcAft>
+            </a:pPr>
+            <a:endParaRPr lang="zh-TW" altLang="en-US">
+              <a:latin typeface="Arial" charset="0"/>
+            </a:endParaRPr>
+          </a:p>
+        </p:txBody>
+      </p:sp>
+      <p:sp>
+        <p:nvSpPr>
+          <p:cNvPr id="24" name="文字方塊 23"/>
+          <p:cNvSpPr txBox="1"/>
+          <p:nvPr/>
+        </p:nvSpPr>
+        <p:spPr>
+          <a:xfrm>
+            <a:off x="1814732" y="4338361"/>
+            <a:ext cx="2109873" cy="338554"/>
+          </a:xfrm>
+          <a:prstGeom prst="rect">
+            <a:avLst/>
+          </a:prstGeom>
+          <a:noFill/>
+        </p:spPr>
+        <p:txBody>
+          <a:bodyPr wrap="none" rtlCol="0">
+            <a:spAutoFit/>
+          </a:bodyPr>
+          <a:lstStyle/>
+          <a:p>
+            <a:r>
+              <a:rPr lang="en-US" altLang="zh-TW" sz="1600" dirty="0">
+                <a:solidFill>
+                  <a:srgbClr val="FF0000"/>
+                </a:solidFill>
+                <a:latin typeface="Times New Roman" panose="02020603050405020304" pitchFamily="18" charset="0"/>
+              </a:rPr>
+              <a:t>Prepare the status word</a:t>
+            </a:r>
+            <a:endParaRPr lang="zh-TW" altLang="en-US" sz="1600" dirty="0">
+              <a:solidFill>
+                <a:srgbClr val="FF0000"/>
+              </a:solidFill>
+              <a:latin typeface="Times New Roman" panose="02020603050405020304" pitchFamily="18" charset="0"/>
+            </a:endParaRPr>
+          </a:p>
+        </p:txBody>
+      </p:sp>
+    </p:spTree>
+    <p:extLst>
+      <p:ext uri="{BB962C8B-B14F-4D97-AF65-F5344CB8AC3E}">
+        <p14:creationId xmlns:p14="http://schemas.microsoft.com/office/powerpoint/2010/main" val="3869607245"/>
+      </p:ext>
+    </p:extLst>
+  </p:cSld>
+  <p:clrMapOvr>
+    <a:masterClrMapping/>
+  </p:clrMapOvr>
+  <p:timing>
+    <p:tnLst>
+      <p:par>
+        <p:cTn id="1" dur="indefinite" restart="never" nodeType="tmRoot"/>
+      </p:par>
+    </p:tnLst>
+  </p:timing>
+</p:sld>
+</file>
+
+<file path=ppt/slides/slide16.xml><?xml version="1.0" encoding="utf-8"?>
+<p:sld xmlns:a="http://schemas.openxmlformats.org/drawingml/2006/main" xmlns:r="http://schemas.openxmlformats.org/officeDocument/2006/relationships" xmlns:p="http://schemas.openxmlformats.org/presentationml/2006/main">
+  <p:cSld>
+    <p:spTree>
+      <p:nvGrpSpPr>
+        <p:cNvPr id="1" name=""/>
+        <p:cNvGrpSpPr/>
+        <p:nvPr/>
+      </p:nvGrpSpPr>
+      <p:grpSpPr>
+        <a:xfrm>
+          <a:off x="0" y="0"/>
+          <a:ext cx="0" cy="0"/>
+          <a:chOff x="0" y="0"/>
+          <a:chExt cx="0" cy="0"/>
+        </a:xfrm>
+      </p:grpSpPr>
+      <p:sp>
+        <p:nvSpPr>
+          <p:cNvPr id="2" name="標題 1"/>
+          <p:cNvSpPr>
+            <a:spLocks noGrp="1"/>
+          </p:cNvSpPr>
+          <p:nvPr>
+            <p:ph type="title"/>
+          </p:nvPr>
+        </p:nvSpPr>
+        <p:spPr/>
+        <p:txBody>
+          <a:bodyPr/>
+          <a:lstStyle/>
+          <a:p>
+            <a:r>
+              <a:rPr lang="en-US" altLang="zh-TW" dirty="0" smtClean="0"/>
+              <a:t>Program to send command/data</a:t>
+            </a:r>
+            <a:endParaRPr lang="zh-TW" altLang="en-US" dirty="0"/>
+          </a:p>
+        </p:txBody>
+      </p:sp>
+      <p:sp>
+        <p:nvSpPr>
+          <p:cNvPr id="3" name="內容版面配置區 2"/>
+          <p:cNvSpPr>
+            <a:spLocks noGrp="1"/>
+          </p:cNvSpPr>
+          <p:nvPr>
+            <p:ph idx="1"/>
+          </p:nvPr>
+        </p:nvSpPr>
+        <p:spPr>
+          <a:xfrm>
+            <a:off x="979084" y="1986493"/>
+            <a:ext cx="6719672" cy="1150317"/>
+          </a:xfrm>
+        </p:spPr>
+        <p:txBody>
+          <a:bodyPr/>
+          <a:lstStyle/>
+          <a:p>
+            <a:r>
+              <a:rPr lang="en-US" altLang="zh-TW" sz="2400" dirty="0" smtClean="0"/>
+              <a:t>Example: to send data ‘A’=0x41</a:t>
+            </a:r>
+          </a:p>
+          <a:p>
+            <a:r>
+              <a:rPr lang="en-US" altLang="zh-TW" sz="2400" dirty="0" smtClean="0"/>
+              <a:t>The LCD prints ‘A’ at the cursor position</a:t>
+            </a:r>
+            <a:endParaRPr lang="zh-TW" altLang="en-US" sz="2400" dirty="0"/>
+          </a:p>
+        </p:txBody>
+      </p:sp>
+      <p:grpSp>
+        <p:nvGrpSpPr>
+          <p:cNvPr id="23" name="群組 22"/>
+          <p:cNvGrpSpPr/>
+          <p:nvPr/>
+        </p:nvGrpSpPr>
+        <p:grpSpPr>
+          <a:xfrm>
+            <a:off x="4121553" y="3463521"/>
+            <a:ext cx="4839285" cy="2997867"/>
+            <a:chOff x="2518116" y="3104979"/>
+            <a:chExt cx="4839285" cy="2997867"/>
+          </a:xfrm>
+        </p:grpSpPr>
+        <p:grpSp>
+          <p:nvGrpSpPr>
+            <p:cNvPr id="32" name="群組 31"/>
+            <p:cNvGrpSpPr/>
+            <p:nvPr/>
+          </p:nvGrpSpPr>
+          <p:grpSpPr>
+            <a:xfrm>
+              <a:off x="2518116" y="3163836"/>
+              <a:ext cx="4839285" cy="1958462"/>
+              <a:chOff x="815926" y="2868415"/>
+              <a:chExt cx="4839285" cy="1958462"/>
+            </a:xfrm>
+          </p:grpSpPr>
+          <p:sp>
+            <p:nvSpPr>
+              <p:cNvPr id="4" name="文字方塊 3"/>
+              <p:cNvSpPr txBox="1"/>
+              <p:nvPr/>
+            </p:nvSpPr>
+            <p:spPr>
+              <a:xfrm>
+                <a:off x="815926" y="3368283"/>
+                <a:ext cx="309700" cy="338554"/>
+              </a:xfrm>
+              <a:prstGeom prst="rect">
+                <a:avLst/>
+              </a:prstGeom>
+              <a:noFill/>
+            </p:spPr>
+            <p:txBody>
+              <a:bodyPr wrap="none" rtlCol="0">
+                <a:spAutoFit/>
+              </a:bodyPr>
+              <a:lstStyle/>
+              <a:p>
+                <a:r>
+                  <a:rPr lang="en-US" altLang="zh-TW" sz="1600" dirty="0">
+                    <a:latin typeface="Times New Roman" panose="02020603050405020304" pitchFamily="18" charset="0"/>
+                  </a:rPr>
+                  <a:t>E</a:t>
+                </a:r>
+                <a:endParaRPr lang="zh-TW" altLang="en-US" sz="1600" dirty="0">
+                  <a:latin typeface="Times New Roman" panose="02020603050405020304" pitchFamily="18" charset="0"/>
+                </a:endParaRPr>
+              </a:p>
+            </p:txBody>
+          </p:sp>
+          <p:sp>
+            <p:nvSpPr>
+              <p:cNvPr id="5" name="文字方塊 4"/>
+              <p:cNvSpPr txBox="1"/>
+              <p:nvPr/>
+            </p:nvSpPr>
+            <p:spPr>
+              <a:xfrm>
+                <a:off x="815926" y="3927009"/>
+                <a:ext cx="434734" cy="338554"/>
+              </a:xfrm>
+              <a:prstGeom prst="rect">
+                <a:avLst/>
+              </a:prstGeom>
+              <a:noFill/>
+            </p:spPr>
+            <p:txBody>
+              <a:bodyPr wrap="none" rtlCol="0">
+                <a:spAutoFit/>
+              </a:bodyPr>
+              <a:lstStyle/>
+              <a:p>
+                <a:r>
+                  <a:rPr lang="en-US" altLang="zh-TW" sz="1600" dirty="0">
+                    <a:latin typeface="Times New Roman" panose="02020603050405020304" pitchFamily="18" charset="0"/>
+                  </a:rPr>
+                  <a:t>RS</a:t>
+                </a:r>
+                <a:endParaRPr lang="zh-TW" altLang="en-US" sz="1600" dirty="0">
+                  <a:latin typeface="Times New Roman" panose="02020603050405020304" pitchFamily="18" charset="0"/>
+                </a:endParaRPr>
+              </a:p>
+            </p:txBody>
+          </p:sp>
+          <p:sp>
+            <p:nvSpPr>
+              <p:cNvPr id="6" name="文字方塊 5"/>
+              <p:cNvSpPr txBox="1"/>
+              <p:nvPr/>
+            </p:nvSpPr>
+            <p:spPr>
+              <a:xfrm>
+                <a:off x="815926" y="4485735"/>
+                <a:ext cx="732893" cy="338554"/>
+              </a:xfrm>
+              <a:prstGeom prst="rect">
+                <a:avLst/>
+              </a:prstGeom>
+              <a:noFill/>
+            </p:spPr>
+            <p:txBody>
+              <a:bodyPr wrap="none" rtlCol="0">
+                <a:spAutoFit/>
+              </a:bodyPr>
+              <a:lstStyle/>
+              <a:p>
+                <a:r>
+                  <a:rPr lang="en-US" altLang="zh-TW" sz="1600" dirty="0">
+                    <a:latin typeface="Times New Roman" panose="02020603050405020304" pitchFamily="18" charset="0"/>
+                  </a:rPr>
+                  <a:t>D[3:0]</a:t>
+                </a:r>
+                <a:endParaRPr lang="zh-TW" altLang="en-US" sz="1600" dirty="0">
+                  <a:latin typeface="Times New Roman" panose="02020603050405020304" pitchFamily="18" charset="0"/>
+                </a:endParaRPr>
+              </a:p>
+            </p:txBody>
+          </p:sp>
+          <p:sp>
+            <p:nvSpPr>
+              <p:cNvPr id="7" name="圓角矩形 6"/>
+              <p:cNvSpPr/>
+              <p:nvPr/>
+            </p:nvSpPr>
+            <p:spPr bwMode="auto">
+              <a:xfrm>
+                <a:off x="1744393" y="3927009"/>
+                <a:ext cx="1941341" cy="338554"/>
+              </a:xfrm>
+              <a:prstGeom prst="roundRect">
+                <a:avLst/>
+              </a:prstGeom>
+              <a:noFill/>
+              <a:ln w="9525" cap="flat" cmpd="sng" algn="ctr">
+                <a:solidFill>
+                  <a:schemeClr val="tx1"/>
+                </a:solidFill>
+                <a:prstDash val="solid"/>
+                <a:round/>
+                <a:headEnd type="none" w="med" len="med"/>
+                <a:tailEnd type="none" w="med" len="med"/>
+              </a:ln>
+              <a:effectLst/>
+            </p:spPr>
+            <p:txBody>
+              <a:bodyPr rot="0" spcFirstLastPara="0" vertOverflow="overflow" horzOverflow="overflow" vert="horz" wrap="square" lIns="91440" tIns="45720" rIns="91440" bIns="45720" numCol="1" spcCol="0" rtlCol="0" fromWordArt="0" anchor="ctr" anchorCtr="0" forceAA="0" compatLnSpc="1">
+                <a:prstTxWarp prst="textNoShape">
+                  <a:avLst/>
+                </a:prstTxWarp>
+                <a:noAutofit/>
+              </a:bodyPr>
+              <a:lstStyle/>
+              <a:p>
+                <a:pPr algn="ctr" eaLnBrk="0" fontAlgn="base" hangingPunct="0">
+                  <a:spcBef>
+                    <a:spcPct val="0"/>
+                  </a:spcBef>
+                  <a:spcAft>
+                    <a:spcPct val="0"/>
+                  </a:spcAft>
+                </a:pPr>
+                <a:r>
+                  <a:rPr lang="en-US" altLang="zh-TW" dirty="0">
+                    <a:latin typeface="Times New Roman" panose="02020603050405020304" pitchFamily="18" charset="0"/>
+                    <a:cs typeface="Times New Roman" panose="02020603050405020304" pitchFamily="18" charset="0"/>
+                  </a:rPr>
+                  <a:t>1</a:t>
+                </a:r>
+                <a:endParaRPr lang="zh-TW" altLang="en-US" dirty="0">
+                  <a:latin typeface="Times New Roman" panose="02020603050405020304" pitchFamily="18" charset="0"/>
+                  <a:cs typeface="Times New Roman" panose="02020603050405020304" pitchFamily="18" charset="0"/>
+                </a:endParaRPr>
+              </a:p>
+            </p:txBody>
+          </p:sp>
+          <p:sp>
+            <p:nvSpPr>
+              <p:cNvPr id="8" name="圓角矩形 7"/>
+              <p:cNvSpPr/>
+              <p:nvPr/>
+            </p:nvSpPr>
+            <p:spPr bwMode="auto">
+              <a:xfrm>
+                <a:off x="1744394" y="4488323"/>
+                <a:ext cx="1941340" cy="338554"/>
+              </a:xfrm>
+              <a:prstGeom prst="roundRect">
+                <a:avLst/>
+              </a:prstGeom>
+              <a:noFill/>
+              <a:ln w="9525" cap="flat" cmpd="sng" algn="ctr">
+                <a:solidFill>
+                  <a:schemeClr val="tx1"/>
+                </a:solidFill>
+                <a:prstDash val="solid"/>
+                <a:round/>
+                <a:headEnd type="none" w="med" len="med"/>
+                <a:tailEnd type="none" w="med" len="med"/>
+              </a:ln>
+              <a:effectLst/>
+            </p:spPr>
+            <p:txBody>
+              <a:bodyPr rot="0" spcFirstLastPara="0" vertOverflow="overflow" horzOverflow="overflow" vert="horz" wrap="square" lIns="91440" tIns="45720" rIns="91440" bIns="45720" numCol="1" spcCol="0" rtlCol="0" fromWordArt="0" anchor="ctr" anchorCtr="0" forceAA="0" compatLnSpc="1">
+                <a:prstTxWarp prst="textNoShape">
+                  <a:avLst/>
+                </a:prstTxWarp>
+                <a:noAutofit/>
+              </a:bodyPr>
+              <a:lstStyle/>
+              <a:p>
+                <a:pPr algn="ctr" eaLnBrk="0" fontAlgn="base" hangingPunct="0">
+                  <a:spcBef>
+                    <a:spcPct val="0"/>
+                  </a:spcBef>
+                  <a:spcAft>
+                    <a:spcPct val="0"/>
+                  </a:spcAft>
+                </a:pPr>
+                <a:r>
+                  <a:rPr lang="en-US" altLang="zh-TW" dirty="0">
+                    <a:latin typeface="Times New Roman" panose="02020603050405020304" pitchFamily="18" charset="0"/>
+                    <a:cs typeface="Times New Roman" panose="02020603050405020304" pitchFamily="18" charset="0"/>
+                  </a:rPr>
+                  <a:t>4</a:t>
+                </a:r>
+                <a:endParaRPr lang="zh-TW" altLang="en-US" dirty="0">
+                  <a:latin typeface="Times New Roman" panose="02020603050405020304" pitchFamily="18" charset="0"/>
+                  <a:cs typeface="Times New Roman" panose="02020603050405020304" pitchFamily="18" charset="0"/>
+                </a:endParaRPr>
+              </a:p>
+            </p:txBody>
+          </p:sp>
+          <p:cxnSp>
+            <p:nvCxnSpPr>
+              <p:cNvPr id="12" name="直線接點 11"/>
+              <p:cNvCxnSpPr/>
+              <p:nvPr/>
+            </p:nvCxnSpPr>
+            <p:spPr bwMode="auto">
+              <a:xfrm>
+                <a:off x="2461846" y="3368283"/>
+                <a:ext cx="56271" cy="338554"/>
+              </a:xfrm>
+              <a:prstGeom prst="line">
+                <a:avLst/>
+              </a:prstGeom>
+              <a:solidFill>
+                <a:schemeClr val="accent1"/>
+              </a:solidFill>
+              <a:ln w="9525" cap="flat" cmpd="sng" algn="ctr">
+                <a:solidFill>
+                  <a:schemeClr val="tx1"/>
+                </a:solidFill>
+                <a:prstDash val="solid"/>
+                <a:round/>
+                <a:headEnd type="none" w="med" len="med"/>
+                <a:tailEnd type="none" w="med" len="med"/>
+              </a:ln>
+              <a:effectLst/>
+            </p:spPr>
+          </p:cxnSp>
+          <p:cxnSp>
+            <p:nvCxnSpPr>
+              <p:cNvPr id="14" name="直線接點 13"/>
+              <p:cNvCxnSpPr/>
+              <p:nvPr/>
+            </p:nvCxnSpPr>
+            <p:spPr bwMode="auto">
+              <a:xfrm>
+                <a:off x="2518117" y="3706837"/>
+                <a:ext cx="1167617" cy="0"/>
+              </a:xfrm>
+              <a:prstGeom prst="line">
+                <a:avLst/>
+              </a:prstGeom>
+              <a:solidFill>
+                <a:schemeClr val="accent1"/>
+              </a:solidFill>
+              <a:ln w="9525" cap="flat" cmpd="sng" algn="ctr">
+                <a:solidFill>
+                  <a:schemeClr val="tx1"/>
+                </a:solidFill>
+                <a:prstDash val="solid"/>
+                <a:round/>
+                <a:headEnd type="none" w="med" len="med"/>
+                <a:tailEnd type="none" w="med" len="med"/>
+              </a:ln>
+              <a:effectLst/>
+            </p:spPr>
+          </p:cxnSp>
+          <p:sp>
+            <p:nvSpPr>
+              <p:cNvPr id="16" name="圓角矩形 15"/>
+              <p:cNvSpPr/>
+              <p:nvPr/>
+            </p:nvSpPr>
+            <p:spPr bwMode="auto">
+              <a:xfrm>
+                <a:off x="3685734" y="3927009"/>
+                <a:ext cx="1941341" cy="338554"/>
+              </a:xfrm>
+              <a:prstGeom prst="roundRect">
+                <a:avLst/>
+              </a:prstGeom>
+              <a:noFill/>
+              <a:ln w="9525" cap="flat" cmpd="sng" algn="ctr">
+                <a:solidFill>
+                  <a:schemeClr val="tx1"/>
+                </a:solidFill>
+                <a:prstDash val="solid"/>
+                <a:round/>
+                <a:headEnd type="none" w="med" len="med"/>
+                <a:tailEnd type="none" w="med" len="med"/>
+              </a:ln>
+              <a:effectLst/>
+            </p:spPr>
+            <p:txBody>
+              <a:bodyPr rot="0" spcFirstLastPara="0" vertOverflow="overflow" horzOverflow="overflow" vert="horz" wrap="square" lIns="91440" tIns="45720" rIns="91440" bIns="45720" numCol="1" spcCol="0" rtlCol="0" fromWordArt="0" anchor="ctr" anchorCtr="0" forceAA="0" compatLnSpc="1">
+                <a:prstTxWarp prst="textNoShape">
+                  <a:avLst/>
+                </a:prstTxWarp>
+                <a:noAutofit/>
+              </a:bodyPr>
+              <a:lstStyle/>
+              <a:p>
+                <a:pPr algn="ctr" eaLnBrk="0" fontAlgn="base" hangingPunct="0">
+                  <a:spcBef>
+                    <a:spcPct val="0"/>
+                  </a:spcBef>
+                  <a:spcAft>
+                    <a:spcPct val="0"/>
+                  </a:spcAft>
+                </a:pPr>
+                <a:r>
+                  <a:rPr lang="en-US" altLang="zh-TW" dirty="0">
+                    <a:latin typeface="Times New Roman" panose="02020603050405020304" pitchFamily="18" charset="0"/>
+                    <a:cs typeface="Times New Roman" panose="02020603050405020304" pitchFamily="18" charset="0"/>
+                  </a:rPr>
+                  <a:t>1</a:t>
+                </a:r>
+                <a:endParaRPr lang="zh-TW" altLang="en-US" dirty="0">
+                  <a:latin typeface="Times New Roman" panose="02020603050405020304" pitchFamily="18" charset="0"/>
+                  <a:cs typeface="Times New Roman" panose="02020603050405020304" pitchFamily="18" charset="0"/>
+                </a:endParaRPr>
+              </a:p>
+            </p:txBody>
+          </p:sp>
+          <p:sp>
+            <p:nvSpPr>
+              <p:cNvPr id="17" name="圓角矩形 16"/>
+              <p:cNvSpPr/>
+              <p:nvPr/>
+            </p:nvSpPr>
+            <p:spPr bwMode="auto">
+              <a:xfrm>
+                <a:off x="3685734" y="4485735"/>
+                <a:ext cx="1941341" cy="338554"/>
+              </a:xfrm>
+              <a:prstGeom prst="roundRect">
+                <a:avLst/>
+              </a:prstGeom>
+              <a:noFill/>
+              <a:ln w="9525" cap="flat" cmpd="sng" algn="ctr">
+                <a:solidFill>
+                  <a:schemeClr val="tx1"/>
+                </a:solidFill>
+                <a:prstDash val="solid"/>
+                <a:round/>
+                <a:headEnd type="none" w="med" len="med"/>
+                <a:tailEnd type="none" w="med" len="med"/>
+              </a:ln>
+              <a:effectLst/>
+            </p:spPr>
+            <p:txBody>
+              <a:bodyPr rot="0" spcFirstLastPara="0" vertOverflow="overflow" horzOverflow="overflow" vert="horz" wrap="square" lIns="91440" tIns="45720" rIns="91440" bIns="45720" numCol="1" spcCol="0" rtlCol="0" fromWordArt="0" anchor="ctr" anchorCtr="0" forceAA="0" compatLnSpc="1">
+                <a:prstTxWarp prst="textNoShape">
+                  <a:avLst/>
+                </a:prstTxWarp>
+                <a:noAutofit/>
+              </a:bodyPr>
+              <a:lstStyle/>
+              <a:p>
+                <a:pPr algn="ctr" eaLnBrk="0" fontAlgn="base" hangingPunct="0">
+                  <a:spcBef>
+                    <a:spcPct val="0"/>
+                  </a:spcBef>
+                  <a:spcAft>
+                    <a:spcPct val="0"/>
+                  </a:spcAft>
+                </a:pPr>
+                <a:r>
+                  <a:rPr lang="en-US" altLang="zh-TW" dirty="0">
+                    <a:latin typeface="Times New Roman" panose="02020603050405020304" pitchFamily="18" charset="0"/>
+                    <a:cs typeface="Times New Roman" panose="02020603050405020304" pitchFamily="18" charset="0"/>
+                  </a:rPr>
+                  <a:t>1</a:t>
+                </a:r>
+                <a:endParaRPr lang="zh-TW" altLang="en-US" dirty="0">
+                  <a:latin typeface="Times New Roman" panose="02020603050405020304" pitchFamily="18" charset="0"/>
+                  <a:cs typeface="Times New Roman" panose="02020603050405020304" pitchFamily="18" charset="0"/>
+                </a:endParaRPr>
+              </a:p>
+            </p:txBody>
+          </p:sp>
+          <p:cxnSp>
+            <p:nvCxnSpPr>
+              <p:cNvPr id="19" name="直線接點 18"/>
+              <p:cNvCxnSpPr/>
+              <p:nvPr/>
+            </p:nvCxnSpPr>
+            <p:spPr bwMode="auto">
+              <a:xfrm flipV="1">
+                <a:off x="3685734" y="3376246"/>
+                <a:ext cx="98475" cy="328003"/>
+              </a:xfrm>
+              <a:prstGeom prst="line">
+                <a:avLst/>
+              </a:prstGeom>
+              <a:solidFill>
+                <a:schemeClr val="accent1"/>
+              </a:solidFill>
+              <a:ln w="9525" cap="flat" cmpd="sng" algn="ctr">
+                <a:solidFill>
+                  <a:schemeClr val="tx1"/>
+                </a:solidFill>
+                <a:prstDash val="solid"/>
+                <a:round/>
+                <a:headEnd type="none" w="med" len="med"/>
+                <a:tailEnd type="none" w="med" len="med"/>
+              </a:ln>
+              <a:effectLst/>
+            </p:spPr>
+          </p:cxnSp>
+          <p:cxnSp>
+            <p:nvCxnSpPr>
+              <p:cNvPr id="25" name="直線接點 24"/>
+              <p:cNvCxnSpPr/>
+              <p:nvPr/>
+            </p:nvCxnSpPr>
+            <p:spPr bwMode="auto">
+              <a:xfrm>
+                <a:off x="4656404" y="3376246"/>
+                <a:ext cx="126611" cy="328003"/>
+              </a:xfrm>
+              <a:prstGeom prst="line">
+                <a:avLst/>
+              </a:prstGeom>
+              <a:solidFill>
+                <a:schemeClr val="accent1"/>
+              </a:solidFill>
+              <a:ln w="9525" cap="flat" cmpd="sng" algn="ctr">
+                <a:solidFill>
+                  <a:schemeClr val="tx1"/>
+                </a:solidFill>
+                <a:prstDash val="solid"/>
+                <a:round/>
+                <a:headEnd type="none" w="med" len="med"/>
+                <a:tailEnd type="none" w="med" len="med"/>
+              </a:ln>
+              <a:effectLst/>
+            </p:spPr>
+          </p:cxnSp>
+          <p:cxnSp>
+            <p:nvCxnSpPr>
+              <p:cNvPr id="27" name="直線接點 26"/>
+              <p:cNvCxnSpPr/>
+              <p:nvPr/>
+            </p:nvCxnSpPr>
+            <p:spPr bwMode="auto">
+              <a:xfrm>
+                <a:off x="4783015" y="3708695"/>
+                <a:ext cx="872196" cy="0"/>
+              </a:xfrm>
+              <a:prstGeom prst="line">
+                <a:avLst/>
+              </a:prstGeom>
+              <a:solidFill>
+                <a:schemeClr val="accent1"/>
+              </a:solidFill>
+              <a:ln w="9525" cap="flat" cmpd="sng" algn="ctr">
+                <a:solidFill>
+                  <a:schemeClr val="tx1"/>
+                </a:solidFill>
+                <a:prstDash val="solid"/>
+                <a:round/>
+                <a:headEnd type="none" w="med" len="med"/>
+                <a:tailEnd type="none" w="med" len="med"/>
+              </a:ln>
+              <a:effectLst/>
+            </p:spPr>
+          </p:cxnSp>
+          <p:grpSp>
+            <p:nvGrpSpPr>
+              <p:cNvPr id="31" name="群組 30"/>
+              <p:cNvGrpSpPr/>
+              <p:nvPr/>
+            </p:nvGrpSpPr>
+            <p:grpSpPr>
+              <a:xfrm>
+                <a:off x="1744393" y="2868415"/>
+                <a:ext cx="2912011" cy="507831"/>
+                <a:chOff x="1744393" y="2868415"/>
+                <a:chExt cx="2912011" cy="507831"/>
+              </a:xfrm>
+            </p:grpSpPr>
+            <p:cxnSp>
+              <p:nvCxnSpPr>
+                <p:cNvPr id="10" name="直線接點 9"/>
+                <p:cNvCxnSpPr/>
+                <p:nvPr/>
+              </p:nvCxnSpPr>
+              <p:spPr bwMode="auto">
+                <a:xfrm>
+                  <a:off x="1744393" y="3368283"/>
+                  <a:ext cx="717453" cy="0"/>
+                </a:xfrm>
+                <a:prstGeom prst="line">
+                  <a:avLst/>
+                </a:prstGeom>
+                <a:solidFill>
+                  <a:schemeClr val="accent1"/>
+                </a:solidFill>
+                <a:ln w="9525" cap="flat" cmpd="sng" algn="ctr">
+                  <a:solidFill>
+                    <a:schemeClr val="tx1"/>
+                  </a:solidFill>
+                  <a:prstDash val="solid"/>
+                  <a:round/>
+                  <a:headEnd type="none" w="med" len="med"/>
+                  <a:tailEnd type="none" w="med" len="med"/>
+                </a:ln>
+                <a:effectLst/>
+              </p:spPr>
+            </p:cxnSp>
+            <p:cxnSp>
+              <p:nvCxnSpPr>
+                <p:cNvPr id="21" name="直線接點 20"/>
+                <p:cNvCxnSpPr/>
+                <p:nvPr/>
+              </p:nvCxnSpPr>
+              <p:spPr bwMode="auto">
+                <a:xfrm>
+                  <a:off x="3784209" y="3376246"/>
+                  <a:ext cx="872195" cy="0"/>
+                </a:xfrm>
+                <a:prstGeom prst="line">
+                  <a:avLst/>
+                </a:prstGeom>
+                <a:solidFill>
+                  <a:schemeClr val="accent1"/>
+                </a:solidFill>
+                <a:ln w="9525" cap="flat" cmpd="sng" algn="ctr">
+                  <a:solidFill>
+                    <a:schemeClr val="tx1"/>
+                  </a:solidFill>
+                  <a:prstDash val="solid"/>
+                  <a:round/>
+                  <a:headEnd type="none" w="med" len="med"/>
+                  <a:tailEnd type="none" w="med" len="med"/>
+                </a:ln>
+                <a:effectLst/>
+              </p:spPr>
+            </p:cxnSp>
+            <p:cxnSp>
+              <p:nvCxnSpPr>
+                <p:cNvPr id="29" name="直線單箭頭接點 28"/>
+                <p:cNvCxnSpPr/>
+                <p:nvPr/>
+              </p:nvCxnSpPr>
+              <p:spPr bwMode="auto">
+                <a:xfrm>
+                  <a:off x="2912012" y="3010486"/>
+                  <a:ext cx="633046" cy="0"/>
+                </a:xfrm>
+                <a:prstGeom prst="straightConnector1">
+                  <a:avLst/>
+                </a:prstGeom>
+                <a:solidFill>
+                  <a:schemeClr val="accent1"/>
+                </a:solidFill>
+                <a:ln w="9525" cap="flat" cmpd="sng" algn="ctr">
+                  <a:solidFill>
+                    <a:schemeClr val="tx1"/>
+                  </a:solidFill>
+                  <a:prstDash val="solid"/>
+                  <a:round/>
+                  <a:headEnd type="none" w="med" len="med"/>
+                  <a:tailEnd type="triangle"/>
+                </a:ln>
+                <a:effectLst/>
+              </p:spPr>
+            </p:cxnSp>
+            <p:sp>
+              <p:nvSpPr>
+                <p:cNvPr id="30" name="文字方塊 29"/>
+                <p:cNvSpPr txBox="1"/>
+                <p:nvPr/>
+              </p:nvSpPr>
+              <p:spPr>
+                <a:xfrm>
+                  <a:off x="3545058" y="2868415"/>
+                  <a:ext cx="551754" cy="338554"/>
+                </a:xfrm>
+                <a:prstGeom prst="rect">
+                  <a:avLst/>
+                </a:prstGeom>
+                <a:noFill/>
+              </p:spPr>
+              <p:txBody>
+                <a:bodyPr wrap="none" rtlCol="0">
+                  <a:spAutoFit/>
+                </a:bodyPr>
+                <a:lstStyle/>
+                <a:p>
+                  <a:r>
+                    <a:rPr lang="en-US" altLang="zh-TW" sz="1600" dirty="0">
+                      <a:latin typeface="Times New Roman" panose="02020603050405020304" pitchFamily="18" charset="0"/>
+                    </a:rPr>
+                    <a:t>time</a:t>
+                  </a:r>
+                  <a:endParaRPr lang="zh-TW" altLang="en-US" sz="1600" dirty="0">
+                    <a:latin typeface="Times New Roman" panose="02020603050405020304" pitchFamily="18" charset="0"/>
+                  </a:endParaRPr>
+                </a:p>
+              </p:txBody>
+            </p:sp>
+          </p:grpSp>
+        </p:grpSp>
+        <p:sp>
+          <p:nvSpPr>
+            <p:cNvPr id="11" name="文字方塊 10"/>
+            <p:cNvSpPr txBox="1"/>
+            <p:nvPr/>
+          </p:nvSpPr>
+          <p:spPr>
+            <a:xfrm>
+              <a:off x="3455293" y="3104979"/>
+              <a:ext cx="1955985" cy="400110"/>
+            </a:xfrm>
+            <a:prstGeom prst="rect">
+              <a:avLst/>
+            </a:prstGeom>
+            <a:noFill/>
+          </p:spPr>
+          <p:txBody>
+            <a:bodyPr wrap="none" rtlCol="0">
+              <a:spAutoFit/>
+            </a:bodyPr>
+            <a:lstStyle/>
+            <a:p>
+              <a:r>
+                <a:rPr lang="en-US" altLang="zh-TW" sz="2000" dirty="0" smtClean="0">
+                  <a:solidFill>
+                    <a:srgbClr val="FF0000"/>
+                  </a:solidFill>
+                  <a:latin typeface="Times New Roman" panose="02020603050405020304" pitchFamily="18" charset="0"/>
+                </a:rPr>
+                <a:t>Send out the data</a:t>
+              </a:r>
+              <a:endParaRPr lang="zh-TW" altLang="en-US" sz="2000" dirty="0">
+                <a:solidFill>
+                  <a:srgbClr val="FF0000"/>
+                </a:solidFill>
+                <a:latin typeface="Times New Roman" panose="02020603050405020304" pitchFamily="18" charset="0"/>
+              </a:endParaRPr>
+            </a:p>
+          </p:txBody>
+        </p:sp>
+        <p:cxnSp>
+          <p:nvCxnSpPr>
+            <p:cNvPr id="15" name="直線接點 14"/>
+            <p:cNvCxnSpPr/>
+            <p:nvPr/>
+          </p:nvCxnSpPr>
+          <p:spPr bwMode="auto">
+            <a:xfrm>
+              <a:off x="3446583" y="5227320"/>
+              <a:ext cx="0" cy="335280"/>
+            </a:xfrm>
+            <a:prstGeom prst="line">
+              <a:avLst/>
+            </a:prstGeom>
+            <a:solidFill>
+              <a:schemeClr val="accent1"/>
+            </a:solidFill>
+            <a:ln w="9525" cap="flat" cmpd="sng" algn="ctr">
+              <a:solidFill>
+                <a:srgbClr val="FF0000"/>
+              </a:solidFill>
+              <a:prstDash val="solid"/>
+              <a:round/>
+              <a:headEnd type="none" w="med" len="med"/>
+              <a:tailEnd type="none" w="med" len="med"/>
+            </a:ln>
+            <a:effectLst/>
+          </p:spPr>
+        </p:cxnSp>
+        <p:cxnSp>
+          <p:nvCxnSpPr>
+            <p:cNvPr id="20" name="直線接點 19"/>
+            <p:cNvCxnSpPr/>
+            <p:nvPr/>
+          </p:nvCxnSpPr>
+          <p:spPr bwMode="auto">
+            <a:xfrm>
+              <a:off x="3446583" y="5379720"/>
+              <a:ext cx="1941341" cy="0"/>
+            </a:xfrm>
+            <a:prstGeom prst="line">
+              <a:avLst/>
+            </a:prstGeom>
+            <a:solidFill>
+              <a:schemeClr val="accent1"/>
+            </a:solidFill>
+            <a:ln w="9525" cap="flat" cmpd="sng" algn="ctr">
+              <a:solidFill>
+                <a:srgbClr val="FF0000"/>
+              </a:solidFill>
+              <a:prstDash val="solid"/>
+              <a:round/>
+              <a:headEnd type="triangle" w="med" len="med"/>
+              <a:tailEnd type="triangle" w="med" len="med"/>
+            </a:ln>
+            <a:effectLst/>
+          </p:spPr>
+        </p:cxnSp>
+        <p:cxnSp>
+          <p:nvCxnSpPr>
+            <p:cNvPr id="28" name="直線接點 27"/>
+            <p:cNvCxnSpPr/>
+            <p:nvPr/>
+          </p:nvCxnSpPr>
+          <p:spPr bwMode="auto">
+            <a:xfrm>
+              <a:off x="5387924" y="5227320"/>
+              <a:ext cx="0" cy="335280"/>
+            </a:xfrm>
+            <a:prstGeom prst="line">
+              <a:avLst/>
+            </a:prstGeom>
+            <a:solidFill>
+              <a:schemeClr val="accent1"/>
+            </a:solidFill>
+            <a:ln w="9525" cap="flat" cmpd="sng" algn="ctr">
+              <a:solidFill>
+                <a:srgbClr val="FF0000"/>
+              </a:solidFill>
+              <a:prstDash val="solid"/>
+              <a:round/>
+              <a:headEnd type="none" w="med" len="med"/>
+              <a:tailEnd type="none" w="med" len="med"/>
+            </a:ln>
+            <a:effectLst/>
+          </p:spPr>
+        </p:cxnSp>
+        <p:cxnSp>
+          <p:nvCxnSpPr>
+            <p:cNvPr id="33" name="直線接點 32"/>
+            <p:cNvCxnSpPr/>
+            <p:nvPr/>
+          </p:nvCxnSpPr>
+          <p:spPr bwMode="auto">
+            <a:xfrm>
+              <a:off x="7301128" y="5227320"/>
+              <a:ext cx="0" cy="335280"/>
+            </a:xfrm>
+            <a:prstGeom prst="line">
+              <a:avLst/>
+            </a:prstGeom>
+            <a:solidFill>
+              <a:schemeClr val="accent1"/>
+            </a:solidFill>
+            <a:ln w="9525" cap="flat" cmpd="sng" algn="ctr">
+              <a:solidFill>
+                <a:srgbClr val="FF0000"/>
+              </a:solidFill>
+              <a:prstDash val="solid"/>
+              <a:round/>
+              <a:headEnd type="none" w="med" len="med"/>
+              <a:tailEnd type="none" w="med" len="med"/>
+            </a:ln>
+            <a:effectLst/>
+          </p:spPr>
+        </p:cxnSp>
+        <p:cxnSp>
+          <p:nvCxnSpPr>
+            <p:cNvPr id="34" name="直線接點 33"/>
+            <p:cNvCxnSpPr/>
+            <p:nvPr/>
+          </p:nvCxnSpPr>
+          <p:spPr bwMode="auto">
+            <a:xfrm>
+              <a:off x="5359787" y="5379720"/>
+              <a:ext cx="1941341" cy="0"/>
+            </a:xfrm>
+            <a:prstGeom prst="line">
+              <a:avLst/>
+            </a:prstGeom>
+            <a:solidFill>
+              <a:schemeClr val="accent1"/>
+            </a:solidFill>
+            <a:ln w="9525" cap="flat" cmpd="sng" algn="ctr">
+              <a:solidFill>
+                <a:srgbClr val="FF0000"/>
+              </a:solidFill>
+              <a:prstDash val="solid"/>
+              <a:round/>
+              <a:headEnd type="triangle" w="med" len="med"/>
+              <a:tailEnd type="triangle" w="med" len="med"/>
+            </a:ln>
+            <a:effectLst/>
+          </p:spPr>
+        </p:cxnSp>
+        <p:sp>
+          <p:nvSpPr>
+            <p:cNvPr id="22" name="文字方塊 21"/>
+            <p:cNvSpPr txBox="1"/>
+            <p:nvPr/>
+          </p:nvSpPr>
+          <p:spPr>
+            <a:xfrm>
+              <a:off x="3549505" y="5394960"/>
+              <a:ext cx="1651093" cy="707886"/>
+            </a:xfrm>
+            <a:prstGeom prst="rect">
+              <a:avLst/>
+            </a:prstGeom>
+            <a:noFill/>
+          </p:spPr>
+          <p:txBody>
+            <a:bodyPr wrap="none" rtlCol="0">
+              <a:spAutoFit/>
+            </a:bodyPr>
+            <a:lstStyle/>
+            <a:p>
+              <a:r>
+                <a:rPr lang="en-US" altLang="zh-TW" sz="2000" dirty="0">
+                  <a:solidFill>
+                    <a:srgbClr val="FF0000"/>
+                  </a:solidFill>
+                  <a:latin typeface="Times New Roman" panose="02020603050405020304" pitchFamily="18" charset="0"/>
+                </a:rPr>
+                <a:t>Higher-half of</a:t>
+              </a:r>
+            </a:p>
+            <a:p>
+              <a:r>
+                <a:rPr lang="en-US" altLang="zh-TW" sz="2000" dirty="0">
+                  <a:solidFill>
+                    <a:srgbClr val="FF0000"/>
+                  </a:solidFill>
+                  <a:latin typeface="Times New Roman" panose="02020603050405020304" pitchFamily="18" charset="0"/>
+                </a:rPr>
+                <a:t>the data</a:t>
+              </a:r>
+              <a:endParaRPr lang="zh-TW" altLang="en-US" sz="2000" dirty="0">
+                <a:solidFill>
+                  <a:srgbClr val="FF0000"/>
+                </a:solidFill>
+                <a:latin typeface="Times New Roman" panose="02020603050405020304" pitchFamily="18" charset="0"/>
+              </a:endParaRPr>
+            </a:p>
+          </p:txBody>
+        </p:sp>
+        <p:sp>
+          <p:nvSpPr>
+            <p:cNvPr id="35" name="文字方塊 34"/>
+            <p:cNvSpPr txBox="1"/>
+            <p:nvPr/>
+          </p:nvSpPr>
+          <p:spPr>
+            <a:xfrm>
+              <a:off x="5416062" y="5394960"/>
+              <a:ext cx="1609415" cy="707886"/>
+            </a:xfrm>
+            <a:prstGeom prst="rect">
+              <a:avLst/>
+            </a:prstGeom>
+            <a:noFill/>
+          </p:spPr>
+          <p:txBody>
+            <a:bodyPr wrap="none" rtlCol="0">
+              <a:spAutoFit/>
+            </a:bodyPr>
+            <a:lstStyle/>
+            <a:p>
+              <a:r>
+                <a:rPr lang="en-US" altLang="zh-TW" sz="2000" dirty="0">
+                  <a:solidFill>
+                    <a:srgbClr val="FF0000"/>
+                  </a:solidFill>
+                  <a:latin typeface="Times New Roman" panose="02020603050405020304" pitchFamily="18" charset="0"/>
+                </a:rPr>
+                <a:t>Lower-half of</a:t>
+              </a:r>
+            </a:p>
+            <a:p>
+              <a:r>
+                <a:rPr lang="en-US" altLang="zh-TW" sz="2000" dirty="0">
+                  <a:solidFill>
+                    <a:srgbClr val="FF0000"/>
+                  </a:solidFill>
+                  <a:latin typeface="Times New Roman" panose="02020603050405020304" pitchFamily="18" charset="0"/>
+                </a:rPr>
+                <a:t>the data</a:t>
+              </a:r>
+              <a:endParaRPr lang="zh-TW" altLang="en-US" sz="2000" dirty="0">
+                <a:solidFill>
+                  <a:srgbClr val="FF0000"/>
+                </a:solidFill>
+                <a:latin typeface="Times New Roman" panose="02020603050405020304" pitchFamily="18" charset="0"/>
+              </a:endParaRPr>
+            </a:p>
+          </p:txBody>
+        </p:sp>
+        <p:sp>
+          <p:nvSpPr>
+            <p:cNvPr id="36" name="圓角矩形 35"/>
+            <p:cNvSpPr/>
+            <p:nvPr/>
+          </p:nvSpPr>
+          <p:spPr bwMode="auto">
+            <a:xfrm>
+              <a:off x="4262511" y="3557907"/>
+              <a:ext cx="1026938" cy="1667599"/>
+            </a:xfrm>
+            <a:prstGeom prst="roundRect">
+              <a:avLst/>
+            </a:prstGeom>
+            <a:noFill/>
+            <a:ln w="38100" cap="flat" cmpd="sng" algn="ctr">
+              <a:solidFill>
+                <a:srgbClr val="FF0000"/>
+              </a:solidFill>
+              <a:prstDash val="dash"/>
+              <a:round/>
+              <a:headEnd type="none" w="med" len="med"/>
+              <a:tailEnd type="none" w="med" len="med"/>
+            </a:ln>
+            <a:effectLst/>
+          </p:spPr>
+          <p:txBody>
+            <a:bodyPr rot="0" spcFirstLastPara="0" vertOverflow="overflow" horzOverflow="overflow" vert="horz" wrap="square" lIns="91440" tIns="45720" rIns="91440" bIns="45720" numCol="1" spcCol="0" rtlCol="0" fromWordArt="0" anchor="t" anchorCtr="0" forceAA="0" compatLnSpc="1">
+              <a:prstTxWarp prst="textNoShape">
+                <a:avLst/>
+              </a:prstTxWarp>
+              <a:noAutofit/>
+            </a:bodyPr>
+            <a:lstStyle/>
+            <a:p>
+              <a:pPr eaLnBrk="0" fontAlgn="base" hangingPunct="0">
+                <a:spcBef>
+                  <a:spcPct val="0"/>
+                </a:spcBef>
+                <a:spcAft>
+                  <a:spcPct val="0"/>
+                </a:spcAft>
+              </a:pPr>
+              <a:endParaRPr lang="zh-TW" altLang="en-US">
+                <a:latin typeface="Arial" charset="0"/>
+              </a:endParaRPr>
+            </a:p>
+          </p:txBody>
+        </p:sp>
+      </p:grpSp>
+      <p:pic>
+        <p:nvPicPr>
+          <p:cNvPr id="13" name="圖片 12"/>
+          <p:cNvPicPr>
+            <a:picLocks noChangeAspect="1"/>
+          </p:cNvPicPr>
+          <p:nvPr/>
+        </p:nvPicPr>
+        <p:blipFill>
+          <a:blip r:embed="rId2"/>
+          <a:stretch>
+            <a:fillRect/>
+          </a:stretch>
+        </p:blipFill>
+        <p:spPr>
+          <a:xfrm>
+            <a:off x="280435" y="3388457"/>
+            <a:ext cx="3350486" cy="3072931"/>
+          </a:xfrm>
+          <a:prstGeom prst="rect">
+            <a:avLst/>
+          </a:prstGeom>
+        </p:spPr>
+      </p:pic>
+      <p:sp>
+        <p:nvSpPr>
+          <p:cNvPr id="18" name="圓角矩形 17"/>
+          <p:cNvSpPr/>
+          <p:nvPr/>
+        </p:nvSpPr>
+        <p:spPr bwMode="auto">
+          <a:xfrm>
+            <a:off x="430521" y="4759285"/>
+            <a:ext cx="2804160" cy="169277"/>
+          </a:xfrm>
+          <a:prstGeom prst="roundRect">
+            <a:avLst/>
+          </a:prstGeom>
+          <a:noFill/>
+          <a:ln w="38100" cap="flat" cmpd="sng" algn="ctr">
+            <a:solidFill>
+              <a:srgbClr val="FF0000"/>
+            </a:solidFill>
+            <a:prstDash val="dash"/>
+            <a:round/>
+            <a:headEnd type="none" w="med" len="med"/>
+            <a:tailEnd type="none" w="med" len="med"/>
+          </a:ln>
+          <a:effectLst/>
+        </p:spPr>
+        <p:txBody>
+          <a:bodyPr rot="0" spcFirstLastPara="0" vertOverflow="overflow" horzOverflow="overflow" vert="horz" wrap="square" lIns="91440" tIns="45720" rIns="91440" bIns="45720" numCol="1" spcCol="0" rtlCol="0" fromWordArt="0" anchor="t" anchorCtr="0" forceAA="0" compatLnSpc="1">
+            <a:prstTxWarp prst="textNoShape">
+              <a:avLst/>
+            </a:prstTxWarp>
+            <a:noAutofit/>
+          </a:bodyPr>
+          <a:lstStyle/>
+          <a:p>
+            <a:pPr eaLnBrk="0" fontAlgn="base" hangingPunct="0">
+              <a:spcBef>
+                <a:spcPct val="0"/>
+              </a:spcBef>
+              <a:spcAft>
+                <a:spcPct val="0"/>
+              </a:spcAft>
+            </a:pPr>
+            <a:endParaRPr lang="zh-TW" altLang="en-US">
+              <a:latin typeface="Arial" charset="0"/>
+            </a:endParaRPr>
+          </a:p>
+        </p:txBody>
+      </p:sp>
+      <p:sp>
+        <p:nvSpPr>
+          <p:cNvPr id="24" name="文字方塊 23"/>
+          <p:cNvSpPr txBox="1"/>
+          <p:nvPr/>
+        </p:nvSpPr>
+        <p:spPr>
+          <a:xfrm>
+            <a:off x="1814732" y="4338361"/>
+            <a:ext cx="2206053" cy="338554"/>
+          </a:xfrm>
+          <a:prstGeom prst="rect">
+            <a:avLst/>
+          </a:prstGeom>
+          <a:noFill/>
+        </p:spPr>
+        <p:txBody>
+          <a:bodyPr wrap="none" rtlCol="0">
+            <a:spAutoFit/>
+          </a:bodyPr>
+          <a:lstStyle/>
+          <a:p>
+            <a:r>
+              <a:rPr lang="en-US" altLang="zh-TW" sz="1600" dirty="0" smtClean="0">
+                <a:solidFill>
+                  <a:srgbClr val="FF0000"/>
+                </a:solidFill>
+                <a:latin typeface="Times New Roman" panose="02020603050405020304" pitchFamily="18" charset="0"/>
+              </a:rPr>
+              <a:t>Send out the </a:t>
+            </a:r>
+            <a:r>
+              <a:rPr lang="en-US" altLang="zh-TW" sz="1600" dirty="0">
+                <a:solidFill>
+                  <a:srgbClr val="FF0000"/>
+                </a:solidFill>
+                <a:latin typeface="Times New Roman" panose="02020603050405020304" pitchFamily="18" charset="0"/>
+              </a:rPr>
+              <a:t>status word</a:t>
+            </a:r>
+            <a:endParaRPr lang="zh-TW" altLang="en-US" sz="1600" dirty="0">
+              <a:solidFill>
+                <a:srgbClr val="FF0000"/>
+              </a:solidFill>
+              <a:latin typeface="Times New Roman" panose="02020603050405020304" pitchFamily="18" charset="0"/>
+            </a:endParaRPr>
+          </a:p>
+        </p:txBody>
+      </p:sp>
+    </p:spTree>
+    <p:extLst>
+      <p:ext uri="{BB962C8B-B14F-4D97-AF65-F5344CB8AC3E}">
+        <p14:creationId xmlns:p14="http://schemas.microsoft.com/office/powerpoint/2010/main" val="2825469268"/>
+      </p:ext>
+    </p:extLst>
+  </p:cSld>
+  <p:clrMapOvr>
+    <a:masterClrMapping/>
+  </p:clrMapOvr>
+  <p:timing>
+    <p:tnLst>
+      <p:par>
+        <p:cTn id="1" dur="indefinite" restart="never" nodeType="tmRoot"/>
+      </p:par>
+    </p:tnLst>
+  </p:timing>
+</p:sld>
+</file>
+
+<file path=ppt/slides/slide17.xml><?xml version="1.0" encoding="utf-8"?>
+<p:sld xmlns:a="http://schemas.openxmlformats.org/drawingml/2006/main" xmlns:r="http://schemas.openxmlformats.org/officeDocument/2006/relationships" xmlns:p="http://schemas.openxmlformats.org/presentationml/2006/main">
+  <p:cSld>
+    <p:spTree>
+      <p:nvGrpSpPr>
+        <p:cNvPr id="1" name=""/>
+        <p:cNvGrpSpPr/>
+        <p:nvPr/>
+      </p:nvGrpSpPr>
+      <p:grpSpPr>
+        <a:xfrm>
+          <a:off x="0" y="0"/>
+          <a:ext cx="0" cy="0"/>
+          <a:chOff x="0" y="0"/>
+          <a:chExt cx="0" cy="0"/>
+        </a:xfrm>
+      </p:grpSpPr>
+      <p:sp>
+        <p:nvSpPr>
+          <p:cNvPr id="2" name="標題 1"/>
+          <p:cNvSpPr>
+            <a:spLocks noGrp="1"/>
+          </p:cNvSpPr>
+          <p:nvPr>
+            <p:ph type="title"/>
+          </p:nvPr>
+        </p:nvSpPr>
+        <p:spPr/>
+        <p:txBody>
+          <a:bodyPr/>
+          <a:lstStyle/>
+          <a:p>
+            <a:r>
+              <a:rPr lang="en-US" altLang="zh-TW" dirty="0" smtClean="0"/>
+              <a:t>Program to send command/data</a:t>
+            </a:r>
+            <a:endParaRPr lang="zh-TW" altLang="en-US" dirty="0"/>
+          </a:p>
+        </p:txBody>
+      </p:sp>
+      <p:sp>
+        <p:nvSpPr>
+          <p:cNvPr id="3" name="內容版面配置區 2"/>
+          <p:cNvSpPr>
+            <a:spLocks noGrp="1"/>
+          </p:cNvSpPr>
+          <p:nvPr>
+            <p:ph idx="1"/>
+          </p:nvPr>
+        </p:nvSpPr>
+        <p:spPr>
+          <a:xfrm>
+            <a:off x="979084" y="1986493"/>
+            <a:ext cx="6719672" cy="1150317"/>
+          </a:xfrm>
+        </p:spPr>
+        <p:txBody>
+          <a:bodyPr/>
+          <a:lstStyle/>
+          <a:p>
+            <a:r>
+              <a:rPr lang="en-US" altLang="zh-TW" sz="2400" dirty="0" smtClean="0"/>
+              <a:t>Example: to send data ‘A’=0x41</a:t>
+            </a:r>
+          </a:p>
+          <a:p>
+            <a:r>
+              <a:rPr lang="en-US" altLang="zh-TW" sz="2400" dirty="0" smtClean="0"/>
+              <a:t>The LCD prints ‘A’ at the cursor position</a:t>
+            </a:r>
+            <a:endParaRPr lang="zh-TW" altLang="en-US" sz="2400" dirty="0"/>
+          </a:p>
+        </p:txBody>
+      </p:sp>
+      <p:grpSp>
+        <p:nvGrpSpPr>
+          <p:cNvPr id="23" name="群組 22"/>
+          <p:cNvGrpSpPr/>
+          <p:nvPr/>
+        </p:nvGrpSpPr>
+        <p:grpSpPr>
+          <a:xfrm>
+            <a:off x="4121553" y="3492011"/>
+            <a:ext cx="4960994" cy="2969377"/>
+            <a:chOff x="2518116" y="3133469"/>
+            <a:chExt cx="4960994" cy="2969377"/>
+          </a:xfrm>
+        </p:grpSpPr>
+        <p:grpSp>
+          <p:nvGrpSpPr>
+            <p:cNvPr id="32" name="群組 31"/>
+            <p:cNvGrpSpPr/>
+            <p:nvPr/>
+          </p:nvGrpSpPr>
+          <p:grpSpPr>
+            <a:xfrm>
+              <a:off x="2518116" y="3163836"/>
+              <a:ext cx="4839285" cy="1958462"/>
+              <a:chOff x="815926" y="2868415"/>
+              <a:chExt cx="4839285" cy="1958462"/>
+            </a:xfrm>
+          </p:grpSpPr>
+          <p:sp>
+            <p:nvSpPr>
+              <p:cNvPr id="4" name="文字方塊 3"/>
+              <p:cNvSpPr txBox="1"/>
+              <p:nvPr/>
+            </p:nvSpPr>
+            <p:spPr>
+              <a:xfrm>
+                <a:off x="815926" y="3368283"/>
+                <a:ext cx="309700" cy="338554"/>
+              </a:xfrm>
+              <a:prstGeom prst="rect">
+                <a:avLst/>
+              </a:prstGeom>
+              <a:noFill/>
+            </p:spPr>
+            <p:txBody>
+              <a:bodyPr wrap="none" rtlCol="0">
+                <a:spAutoFit/>
+              </a:bodyPr>
+              <a:lstStyle/>
+              <a:p>
+                <a:r>
+                  <a:rPr lang="en-US" altLang="zh-TW" sz="1600" dirty="0">
+                    <a:latin typeface="Times New Roman" panose="02020603050405020304" pitchFamily="18" charset="0"/>
+                  </a:rPr>
+                  <a:t>E</a:t>
+                </a:r>
+                <a:endParaRPr lang="zh-TW" altLang="en-US" sz="1600" dirty="0">
+                  <a:latin typeface="Times New Roman" panose="02020603050405020304" pitchFamily="18" charset="0"/>
+                </a:endParaRPr>
+              </a:p>
+            </p:txBody>
+          </p:sp>
+          <p:sp>
+            <p:nvSpPr>
+              <p:cNvPr id="5" name="文字方塊 4"/>
+              <p:cNvSpPr txBox="1"/>
+              <p:nvPr/>
+            </p:nvSpPr>
+            <p:spPr>
+              <a:xfrm>
+                <a:off x="815926" y="3927009"/>
+                <a:ext cx="434734" cy="338554"/>
+              </a:xfrm>
+              <a:prstGeom prst="rect">
+                <a:avLst/>
+              </a:prstGeom>
+              <a:noFill/>
+            </p:spPr>
+            <p:txBody>
+              <a:bodyPr wrap="none" rtlCol="0">
+                <a:spAutoFit/>
+              </a:bodyPr>
+              <a:lstStyle/>
+              <a:p>
+                <a:r>
+                  <a:rPr lang="en-US" altLang="zh-TW" sz="1600" dirty="0">
+                    <a:latin typeface="Times New Roman" panose="02020603050405020304" pitchFamily="18" charset="0"/>
+                  </a:rPr>
+                  <a:t>RS</a:t>
+                </a:r>
+                <a:endParaRPr lang="zh-TW" altLang="en-US" sz="1600" dirty="0">
+                  <a:latin typeface="Times New Roman" panose="02020603050405020304" pitchFamily="18" charset="0"/>
+                </a:endParaRPr>
+              </a:p>
+            </p:txBody>
+          </p:sp>
+          <p:sp>
+            <p:nvSpPr>
+              <p:cNvPr id="6" name="文字方塊 5"/>
+              <p:cNvSpPr txBox="1"/>
+              <p:nvPr/>
+            </p:nvSpPr>
+            <p:spPr>
+              <a:xfrm>
+                <a:off x="815926" y="4485735"/>
+                <a:ext cx="732893" cy="338554"/>
+              </a:xfrm>
+              <a:prstGeom prst="rect">
+                <a:avLst/>
+              </a:prstGeom>
+              <a:noFill/>
+            </p:spPr>
+            <p:txBody>
+              <a:bodyPr wrap="none" rtlCol="0">
+                <a:spAutoFit/>
+              </a:bodyPr>
+              <a:lstStyle/>
+              <a:p>
+                <a:r>
+                  <a:rPr lang="en-US" altLang="zh-TW" sz="1600" dirty="0">
+                    <a:latin typeface="Times New Roman" panose="02020603050405020304" pitchFamily="18" charset="0"/>
+                  </a:rPr>
+                  <a:t>D[3:0]</a:t>
+                </a:r>
+                <a:endParaRPr lang="zh-TW" altLang="en-US" sz="1600" dirty="0">
+                  <a:latin typeface="Times New Roman" panose="02020603050405020304" pitchFamily="18" charset="0"/>
+                </a:endParaRPr>
+              </a:p>
+            </p:txBody>
+          </p:sp>
+          <p:sp>
+            <p:nvSpPr>
+              <p:cNvPr id="7" name="圓角矩形 6"/>
+              <p:cNvSpPr/>
+              <p:nvPr/>
+            </p:nvSpPr>
+            <p:spPr bwMode="auto">
+              <a:xfrm>
+                <a:off x="1744393" y="3927009"/>
+                <a:ext cx="1941341" cy="338554"/>
+              </a:xfrm>
+              <a:prstGeom prst="roundRect">
+                <a:avLst/>
+              </a:prstGeom>
+              <a:noFill/>
+              <a:ln w="9525" cap="flat" cmpd="sng" algn="ctr">
+                <a:solidFill>
+                  <a:schemeClr val="tx1"/>
+                </a:solidFill>
+                <a:prstDash val="solid"/>
+                <a:round/>
+                <a:headEnd type="none" w="med" len="med"/>
+                <a:tailEnd type="none" w="med" len="med"/>
+              </a:ln>
+              <a:effectLst/>
+            </p:spPr>
+            <p:txBody>
+              <a:bodyPr rot="0" spcFirstLastPara="0" vertOverflow="overflow" horzOverflow="overflow" vert="horz" wrap="square" lIns="91440" tIns="45720" rIns="91440" bIns="45720" numCol="1" spcCol="0" rtlCol="0" fromWordArt="0" anchor="ctr" anchorCtr="0" forceAA="0" compatLnSpc="1">
+                <a:prstTxWarp prst="textNoShape">
+                  <a:avLst/>
+                </a:prstTxWarp>
+                <a:noAutofit/>
+              </a:bodyPr>
+              <a:lstStyle/>
+              <a:p>
+                <a:pPr algn="ctr" eaLnBrk="0" fontAlgn="base" hangingPunct="0">
+                  <a:spcBef>
+                    <a:spcPct val="0"/>
+                  </a:spcBef>
+                  <a:spcAft>
+                    <a:spcPct val="0"/>
+                  </a:spcAft>
+                </a:pPr>
+                <a:r>
+                  <a:rPr lang="en-US" altLang="zh-TW" dirty="0">
+                    <a:latin typeface="Times New Roman" panose="02020603050405020304" pitchFamily="18" charset="0"/>
+                    <a:cs typeface="Times New Roman" panose="02020603050405020304" pitchFamily="18" charset="0"/>
+                  </a:rPr>
+                  <a:t>1</a:t>
+                </a:r>
+                <a:endParaRPr lang="zh-TW" altLang="en-US" dirty="0">
+                  <a:latin typeface="Times New Roman" panose="02020603050405020304" pitchFamily="18" charset="0"/>
+                  <a:cs typeface="Times New Roman" panose="02020603050405020304" pitchFamily="18" charset="0"/>
+                </a:endParaRPr>
+              </a:p>
+            </p:txBody>
+          </p:sp>
+          <p:sp>
+            <p:nvSpPr>
+              <p:cNvPr id="8" name="圓角矩形 7"/>
+              <p:cNvSpPr/>
+              <p:nvPr/>
+            </p:nvSpPr>
+            <p:spPr bwMode="auto">
+              <a:xfrm>
+                <a:off x="1744394" y="4488323"/>
+                <a:ext cx="1941340" cy="338554"/>
+              </a:xfrm>
+              <a:prstGeom prst="roundRect">
+                <a:avLst/>
+              </a:prstGeom>
+              <a:noFill/>
+              <a:ln w="9525" cap="flat" cmpd="sng" algn="ctr">
+                <a:solidFill>
+                  <a:schemeClr val="tx1"/>
+                </a:solidFill>
+                <a:prstDash val="solid"/>
+                <a:round/>
+                <a:headEnd type="none" w="med" len="med"/>
+                <a:tailEnd type="none" w="med" len="med"/>
+              </a:ln>
+              <a:effectLst/>
+            </p:spPr>
+            <p:txBody>
+              <a:bodyPr rot="0" spcFirstLastPara="0" vertOverflow="overflow" horzOverflow="overflow" vert="horz" wrap="square" lIns="91440" tIns="45720" rIns="91440" bIns="45720" numCol="1" spcCol="0" rtlCol="0" fromWordArt="0" anchor="ctr" anchorCtr="0" forceAA="0" compatLnSpc="1">
+                <a:prstTxWarp prst="textNoShape">
+                  <a:avLst/>
+                </a:prstTxWarp>
+                <a:noAutofit/>
+              </a:bodyPr>
+              <a:lstStyle/>
+              <a:p>
+                <a:pPr algn="ctr" eaLnBrk="0" fontAlgn="base" hangingPunct="0">
+                  <a:spcBef>
+                    <a:spcPct val="0"/>
+                  </a:spcBef>
+                  <a:spcAft>
+                    <a:spcPct val="0"/>
+                  </a:spcAft>
+                </a:pPr>
+                <a:r>
+                  <a:rPr lang="en-US" altLang="zh-TW" dirty="0">
+                    <a:latin typeface="Times New Roman" panose="02020603050405020304" pitchFamily="18" charset="0"/>
+                    <a:cs typeface="Times New Roman" panose="02020603050405020304" pitchFamily="18" charset="0"/>
+                  </a:rPr>
+                  <a:t>4</a:t>
+                </a:r>
+                <a:endParaRPr lang="zh-TW" altLang="en-US" dirty="0">
+                  <a:latin typeface="Times New Roman" panose="02020603050405020304" pitchFamily="18" charset="0"/>
+                  <a:cs typeface="Times New Roman" panose="02020603050405020304" pitchFamily="18" charset="0"/>
+                </a:endParaRPr>
+              </a:p>
+            </p:txBody>
+          </p:sp>
+          <p:cxnSp>
+            <p:nvCxnSpPr>
+              <p:cNvPr id="12" name="直線接點 11"/>
+              <p:cNvCxnSpPr/>
+              <p:nvPr/>
+            </p:nvCxnSpPr>
+            <p:spPr bwMode="auto">
+              <a:xfrm>
+                <a:off x="2461846" y="3368283"/>
+                <a:ext cx="56271" cy="338554"/>
+              </a:xfrm>
+              <a:prstGeom prst="line">
+                <a:avLst/>
+              </a:prstGeom>
+              <a:solidFill>
+                <a:schemeClr val="accent1"/>
+              </a:solidFill>
+              <a:ln w="9525" cap="flat" cmpd="sng" algn="ctr">
+                <a:solidFill>
+                  <a:schemeClr val="tx1"/>
+                </a:solidFill>
+                <a:prstDash val="solid"/>
+                <a:round/>
+                <a:headEnd type="none" w="med" len="med"/>
+                <a:tailEnd type="none" w="med" len="med"/>
+              </a:ln>
+              <a:effectLst/>
+            </p:spPr>
+          </p:cxnSp>
+          <p:cxnSp>
+            <p:nvCxnSpPr>
+              <p:cNvPr id="14" name="直線接點 13"/>
+              <p:cNvCxnSpPr/>
+              <p:nvPr/>
+            </p:nvCxnSpPr>
+            <p:spPr bwMode="auto">
+              <a:xfrm>
+                <a:off x="2518117" y="3706837"/>
+                <a:ext cx="1167617" cy="0"/>
+              </a:xfrm>
+              <a:prstGeom prst="line">
+                <a:avLst/>
+              </a:prstGeom>
+              <a:solidFill>
+                <a:schemeClr val="accent1"/>
+              </a:solidFill>
+              <a:ln w="9525" cap="flat" cmpd="sng" algn="ctr">
+                <a:solidFill>
+                  <a:schemeClr val="tx1"/>
+                </a:solidFill>
+                <a:prstDash val="solid"/>
+                <a:round/>
+                <a:headEnd type="none" w="med" len="med"/>
+                <a:tailEnd type="none" w="med" len="med"/>
+              </a:ln>
+              <a:effectLst/>
+            </p:spPr>
+          </p:cxnSp>
+          <p:sp>
+            <p:nvSpPr>
+              <p:cNvPr id="16" name="圓角矩形 15"/>
+              <p:cNvSpPr/>
+              <p:nvPr/>
+            </p:nvSpPr>
+            <p:spPr bwMode="auto">
+              <a:xfrm>
+                <a:off x="3685734" y="3927009"/>
+                <a:ext cx="1941341" cy="338554"/>
+              </a:xfrm>
+              <a:prstGeom prst="roundRect">
+                <a:avLst/>
+              </a:prstGeom>
+              <a:noFill/>
+              <a:ln w="9525" cap="flat" cmpd="sng" algn="ctr">
+                <a:solidFill>
+                  <a:schemeClr val="tx1"/>
+                </a:solidFill>
+                <a:prstDash val="solid"/>
+                <a:round/>
+                <a:headEnd type="none" w="med" len="med"/>
+                <a:tailEnd type="none" w="med" len="med"/>
+              </a:ln>
+              <a:effectLst/>
+            </p:spPr>
+            <p:txBody>
+              <a:bodyPr rot="0" spcFirstLastPara="0" vertOverflow="overflow" horzOverflow="overflow" vert="horz" wrap="square" lIns="91440" tIns="45720" rIns="91440" bIns="45720" numCol="1" spcCol="0" rtlCol="0" fromWordArt="0" anchor="ctr" anchorCtr="0" forceAA="0" compatLnSpc="1">
+                <a:prstTxWarp prst="textNoShape">
+                  <a:avLst/>
+                </a:prstTxWarp>
+                <a:noAutofit/>
+              </a:bodyPr>
+              <a:lstStyle/>
+              <a:p>
+                <a:pPr algn="ctr" eaLnBrk="0" fontAlgn="base" hangingPunct="0">
+                  <a:spcBef>
+                    <a:spcPct val="0"/>
+                  </a:spcBef>
+                  <a:spcAft>
+                    <a:spcPct val="0"/>
+                  </a:spcAft>
+                </a:pPr>
+                <a:r>
+                  <a:rPr lang="en-US" altLang="zh-TW" dirty="0">
+                    <a:latin typeface="Times New Roman" panose="02020603050405020304" pitchFamily="18" charset="0"/>
+                    <a:cs typeface="Times New Roman" panose="02020603050405020304" pitchFamily="18" charset="0"/>
+                  </a:rPr>
+                  <a:t>1</a:t>
+                </a:r>
+                <a:endParaRPr lang="zh-TW" altLang="en-US" dirty="0">
+                  <a:latin typeface="Times New Roman" panose="02020603050405020304" pitchFamily="18" charset="0"/>
+                  <a:cs typeface="Times New Roman" panose="02020603050405020304" pitchFamily="18" charset="0"/>
+                </a:endParaRPr>
+              </a:p>
+            </p:txBody>
+          </p:sp>
+          <p:sp>
+            <p:nvSpPr>
+              <p:cNvPr id="17" name="圓角矩形 16"/>
+              <p:cNvSpPr/>
+              <p:nvPr/>
+            </p:nvSpPr>
+            <p:spPr bwMode="auto">
+              <a:xfrm>
+                <a:off x="3685734" y="4485735"/>
+                <a:ext cx="1941341" cy="338554"/>
+              </a:xfrm>
+              <a:prstGeom prst="roundRect">
+                <a:avLst/>
+              </a:prstGeom>
+              <a:noFill/>
+              <a:ln w="9525" cap="flat" cmpd="sng" algn="ctr">
+                <a:solidFill>
+                  <a:schemeClr val="tx1"/>
+                </a:solidFill>
+                <a:prstDash val="solid"/>
+                <a:round/>
+                <a:headEnd type="none" w="med" len="med"/>
+                <a:tailEnd type="none" w="med" len="med"/>
+              </a:ln>
+              <a:effectLst/>
+            </p:spPr>
+            <p:txBody>
+              <a:bodyPr rot="0" spcFirstLastPara="0" vertOverflow="overflow" horzOverflow="overflow" vert="horz" wrap="square" lIns="91440" tIns="45720" rIns="91440" bIns="45720" numCol="1" spcCol="0" rtlCol="0" fromWordArt="0" anchor="ctr" anchorCtr="0" forceAA="0" compatLnSpc="1">
+                <a:prstTxWarp prst="textNoShape">
+                  <a:avLst/>
+                </a:prstTxWarp>
+                <a:noAutofit/>
+              </a:bodyPr>
+              <a:lstStyle/>
+              <a:p>
+                <a:pPr algn="ctr" eaLnBrk="0" fontAlgn="base" hangingPunct="0">
+                  <a:spcBef>
+                    <a:spcPct val="0"/>
+                  </a:spcBef>
+                  <a:spcAft>
+                    <a:spcPct val="0"/>
+                  </a:spcAft>
+                </a:pPr>
+                <a:r>
+                  <a:rPr lang="en-US" altLang="zh-TW" dirty="0">
+                    <a:latin typeface="Times New Roman" panose="02020603050405020304" pitchFamily="18" charset="0"/>
+                    <a:cs typeface="Times New Roman" panose="02020603050405020304" pitchFamily="18" charset="0"/>
+                  </a:rPr>
+                  <a:t>1</a:t>
+                </a:r>
+                <a:endParaRPr lang="zh-TW" altLang="en-US" dirty="0">
+                  <a:latin typeface="Times New Roman" panose="02020603050405020304" pitchFamily="18" charset="0"/>
+                  <a:cs typeface="Times New Roman" panose="02020603050405020304" pitchFamily="18" charset="0"/>
+                </a:endParaRPr>
+              </a:p>
+            </p:txBody>
+          </p:sp>
+          <p:cxnSp>
+            <p:nvCxnSpPr>
+              <p:cNvPr id="19" name="直線接點 18"/>
+              <p:cNvCxnSpPr/>
+              <p:nvPr/>
+            </p:nvCxnSpPr>
+            <p:spPr bwMode="auto">
+              <a:xfrm flipV="1">
+                <a:off x="3685734" y="3376246"/>
+                <a:ext cx="98475" cy="328003"/>
+              </a:xfrm>
+              <a:prstGeom prst="line">
+                <a:avLst/>
+              </a:prstGeom>
+              <a:solidFill>
+                <a:schemeClr val="accent1"/>
+              </a:solidFill>
+              <a:ln w="9525" cap="flat" cmpd="sng" algn="ctr">
+                <a:solidFill>
+                  <a:schemeClr val="tx1"/>
+                </a:solidFill>
+                <a:prstDash val="solid"/>
+                <a:round/>
+                <a:headEnd type="none" w="med" len="med"/>
+                <a:tailEnd type="none" w="med" len="med"/>
+              </a:ln>
+              <a:effectLst/>
+            </p:spPr>
+          </p:cxnSp>
+          <p:cxnSp>
+            <p:nvCxnSpPr>
+              <p:cNvPr id="25" name="直線接點 24"/>
+              <p:cNvCxnSpPr/>
+              <p:nvPr/>
+            </p:nvCxnSpPr>
+            <p:spPr bwMode="auto">
+              <a:xfrm>
+                <a:off x="4656404" y="3376246"/>
+                <a:ext cx="126611" cy="328003"/>
+              </a:xfrm>
+              <a:prstGeom prst="line">
+                <a:avLst/>
+              </a:prstGeom>
+              <a:solidFill>
+                <a:schemeClr val="accent1"/>
+              </a:solidFill>
+              <a:ln w="9525" cap="flat" cmpd="sng" algn="ctr">
+                <a:solidFill>
+                  <a:schemeClr val="tx1"/>
+                </a:solidFill>
+                <a:prstDash val="solid"/>
+                <a:round/>
+                <a:headEnd type="none" w="med" len="med"/>
+                <a:tailEnd type="none" w="med" len="med"/>
+              </a:ln>
+              <a:effectLst/>
+            </p:spPr>
+          </p:cxnSp>
+          <p:cxnSp>
+            <p:nvCxnSpPr>
+              <p:cNvPr id="27" name="直線接點 26"/>
+              <p:cNvCxnSpPr/>
+              <p:nvPr/>
+            </p:nvCxnSpPr>
+            <p:spPr bwMode="auto">
+              <a:xfrm>
+                <a:off x="4783015" y="3708695"/>
+                <a:ext cx="872196" cy="0"/>
+              </a:xfrm>
+              <a:prstGeom prst="line">
+                <a:avLst/>
+              </a:prstGeom>
+              <a:solidFill>
+                <a:schemeClr val="accent1"/>
+              </a:solidFill>
+              <a:ln w="9525" cap="flat" cmpd="sng" algn="ctr">
+                <a:solidFill>
+                  <a:schemeClr val="tx1"/>
+                </a:solidFill>
+                <a:prstDash val="solid"/>
+                <a:round/>
+                <a:headEnd type="none" w="med" len="med"/>
+                <a:tailEnd type="none" w="med" len="med"/>
+              </a:ln>
+              <a:effectLst/>
+            </p:spPr>
+          </p:cxnSp>
+          <p:grpSp>
+            <p:nvGrpSpPr>
+              <p:cNvPr id="31" name="群組 30"/>
+              <p:cNvGrpSpPr/>
+              <p:nvPr/>
+            </p:nvGrpSpPr>
+            <p:grpSpPr>
+              <a:xfrm>
+                <a:off x="1744393" y="2868415"/>
+                <a:ext cx="2912011" cy="507831"/>
+                <a:chOff x="1744393" y="2868415"/>
+                <a:chExt cx="2912011" cy="507831"/>
+              </a:xfrm>
+            </p:grpSpPr>
+            <p:cxnSp>
+              <p:nvCxnSpPr>
+                <p:cNvPr id="10" name="直線接點 9"/>
+                <p:cNvCxnSpPr/>
+                <p:nvPr/>
+              </p:nvCxnSpPr>
+              <p:spPr bwMode="auto">
+                <a:xfrm>
+                  <a:off x="1744393" y="3368283"/>
+                  <a:ext cx="717453" cy="0"/>
+                </a:xfrm>
+                <a:prstGeom prst="line">
+                  <a:avLst/>
+                </a:prstGeom>
+                <a:solidFill>
+                  <a:schemeClr val="accent1"/>
+                </a:solidFill>
+                <a:ln w="9525" cap="flat" cmpd="sng" algn="ctr">
+                  <a:solidFill>
+                    <a:schemeClr val="tx1"/>
+                  </a:solidFill>
+                  <a:prstDash val="solid"/>
+                  <a:round/>
+                  <a:headEnd type="none" w="med" len="med"/>
+                  <a:tailEnd type="none" w="med" len="med"/>
+                </a:ln>
+                <a:effectLst/>
+              </p:spPr>
+            </p:cxnSp>
+            <p:cxnSp>
+              <p:nvCxnSpPr>
+                <p:cNvPr id="21" name="直線接點 20"/>
+                <p:cNvCxnSpPr/>
+                <p:nvPr/>
+              </p:nvCxnSpPr>
+              <p:spPr bwMode="auto">
+                <a:xfrm>
+                  <a:off x="3784209" y="3376246"/>
+                  <a:ext cx="872195" cy="0"/>
+                </a:xfrm>
+                <a:prstGeom prst="line">
+                  <a:avLst/>
+                </a:prstGeom>
+                <a:solidFill>
+                  <a:schemeClr val="accent1"/>
+                </a:solidFill>
+                <a:ln w="9525" cap="flat" cmpd="sng" algn="ctr">
+                  <a:solidFill>
+                    <a:schemeClr val="tx1"/>
+                  </a:solidFill>
+                  <a:prstDash val="solid"/>
+                  <a:round/>
+                  <a:headEnd type="none" w="med" len="med"/>
+                  <a:tailEnd type="none" w="med" len="med"/>
+                </a:ln>
+                <a:effectLst/>
+              </p:spPr>
+            </p:cxnSp>
+            <p:cxnSp>
+              <p:nvCxnSpPr>
+                <p:cNvPr id="29" name="直線單箭頭接點 28"/>
+                <p:cNvCxnSpPr/>
+                <p:nvPr/>
+              </p:nvCxnSpPr>
+              <p:spPr bwMode="auto">
+                <a:xfrm>
+                  <a:off x="2912012" y="3010486"/>
+                  <a:ext cx="633046" cy="0"/>
+                </a:xfrm>
+                <a:prstGeom prst="straightConnector1">
+                  <a:avLst/>
+                </a:prstGeom>
+                <a:solidFill>
+                  <a:schemeClr val="accent1"/>
+                </a:solidFill>
+                <a:ln w="9525" cap="flat" cmpd="sng" algn="ctr">
+                  <a:solidFill>
+                    <a:schemeClr val="tx1"/>
+                  </a:solidFill>
+                  <a:prstDash val="solid"/>
+                  <a:round/>
+                  <a:headEnd type="none" w="med" len="med"/>
+                  <a:tailEnd type="triangle"/>
+                </a:ln>
+                <a:effectLst/>
+              </p:spPr>
+            </p:cxnSp>
+            <p:sp>
+              <p:nvSpPr>
+                <p:cNvPr id="30" name="文字方塊 29"/>
+                <p:cNvSpPr txBox="1"/>
+                <p:nvPr/>
+              </p:nvSpPr>
+              <p:spPr>
+                <a:xfrm>
+                  <a:off x="3545058" y="2868415"/>
+                  <a:ext cx="551754" cy="338554"/>
+                </a:xfrm>
+                <a:prstGeom prst="rect">
+                  <a:avLst/>
+                </a:prstGeom>
+                <a:noFill/>
+              </p:spPr>
+              <p:txBody>
+                <a:bodyPr wrap="none" rtlCol="0">
+                  <a:spAutoFit/>
+                </a:bodyPr>
+                <a:lstStyle/>
+                <a:p>
+                  <a:r>
+                    <a:rPr lang="en-US" altLang="zh-TW" sz="1600" dirty="0">
+                      <a:latin typeface="Times New Roman" panose="02020603050405020304" pitchFamily="18" charset="0"/>
+                    </a:rPr>
+                    <a:t>time</a:t>
+                  </a:r>
+                  <a:endParaRPr lang="zh-TW" altLang="en-US" sz="1600" dirty="0">
+                    <a:latin typeface="Times New Roman" panose="02020603050405020304" pitchFamily="18" charset="0"/>
+                  </a:endParaRPr>
+                </a:p>
+              </p:txBody>
+            </p:sp>
+          </p:grpSp>
+        </p:grpSp>
+        <p:sp>
+          <p:nvSpPr>
+            <p:cNvPr id="11" name="文字方塊 10"/>
+            <p:cNvSpPr txBox="1"/>
+            <p:nvPr/>
+          </p:nvSpPr>
+          <p:spPr>
+            <a:xfrm>
+              <a:off x="5523125" y="3133469"/>
+              <a:ext cx="1955985" cy="400110"/>
+            </a:xfrm>
+            <a:prstGeom prst="rect">
+              <a:avLst/>
+            </a:prstGeom>
+            <a:noFill/>
+          </p:spPr>
+          <p:txBody>
+            <a:bodyPr wrap="none" rtlCol="0">
+              <a:spAutoFit/>
+            </a:bodyPr>
+            <a:lstStyle/>
+            <a:p>
+              <a:r>
+                <a:rPr lang="en-US" altLang="zh-TW" sz="2000" dirty="0" smtClean="0">
+                  <a:solidFill>
+                    <a:srgbClr val="FF0000"/>
+                  </a:solidFill>
+                  <a:latin typeface="Times New Roman" panose="02020603050405020304" pitchFamily="18" charset="0"/>
+                </a:rPr>
+                <a:t>Send out the data</a:t>
+              </a:r>
+              <a:endParaRPr lang="zh-TW" altLang="en-US" sz="2000" dirty="0">
+                <a:solidFill>
+                  <a:srgbClr val="FF0000"/>
+                </a:solidFill>
+                <a:latin typeface="Times New Roman" panose="02020603050405020304" pitchFamily="18" charset="0"/>
+              </a:endParaRPr>
+            </a:p>
+          </p:txBody>
+        </p:sp>
+        <p:cxnSp>
+          <p:nvCxnSpPr>
+            <p:cNvPr id="15" name="直線接點 14"/>
+            <p:cNvCxnSpPr/>
+            <p:nvPr/>
+          </p:nvCxnSpPr>
+          <p:spPr bwMode="auto">
+            <a:xfrm>
+              <a:off x="3446583" y="5227320"/>
+              <a:ext cx="0" cy="335280"/>
+            </a:xfrm>
+            <a:prstGeom prst="line">
+              <a:avLst/>
+            </a:prstGeom>
+            <a:solidFill>
+              <a:schemeClr val="accent1"/>
+            </a:solidFill>
+            <a:ln w="9525" cap="flat" cmpd="sng" algn="ctr">
+              <a:solidFill>
+                <a:srgbClr val="FF0000"/>
+              </a:solidFill>
+              <a:prstDash val="solid"/>
+              <a:round/>
+              <a:headEnd type="none" w="med" len="med"/>
+              <a:tailEnd type="none" w="med" len="med"/>
+            </a:ln>
+            <a:effectLst/>
+          </p:spPr>
+        </p:cxnSp>
+        <p:cxnSp>
+          <p:nvCxnSpPr>
+            <p:cNvPr id="20" name="直線接點 19"/>
+            <p:cNvCxnSpPr/>
+            <p:nvPr/>
+          </p:nvCxnSpPr>
+          <p:spPr bwMode="auto">
+            <a:xfrm>
+              <a:off x="3446583" y="5379720"/>
+              <a:ext cx="1941341" cy="0"/>
+            </a:xfrm>
+            <a:prstGeom prst="line">
+              <a:avLst/>
+            </a:prstGeom>
+            <a:solidFill>
+              <a:schemeClr val="accent1"/>
+            </a:solidFill>
+            <a:ln w="9525" cap="flat" cmpd="sng" algn="ctr">
+              <a:solidFill>
+                <a:srgbClr val="FF0000"/>
+              </a:solidFill>
+              <a:prstDash val="solid"/>
+              <a:round/>
+              <a:headEnd type="triangle" w="med" len="med"/>
+              <a:tailEnd type="triangle" w="med" len="med"/>
+            </a:ln>
+            <a:effectLst/>
+          </p:spPr>
+        </p:cxnSp>
+        <p:cxnSp>
+          <p:nvCxnSpPr>
+            <p:cNvPr id="28" name="直線接點 27"/>
+            <p:cNvCxnSpPr/>
+            <p:nvPr/>
+          </p:nvCxnSpPr>
+          <p:spPr bwMode="auto">
+            <a:xfrm>
+              <a:off x="5387924" y="5227320"/>
+              <a:ext cx="0" cy="335280"/>
+            </a:xfrm>
+            <a:prstGeom prst="line">
+              <a:avLst/>
+            </a:prstGeom>
+            <a:solidFill>
+              <a:schemeClr val="accent1"/>
+            </a:solidFill>
+            <a:ln w="9525" cap="flat" cmpd="sng" algn="ctr">
+              <a:solidFill>
+                <a:srgbClr val="FF0000"/>
+              </a:solidFill>
+              <a:prstDash val="solid"/>
+              <a:round/>
+              <a:headEnd type="none" w="med" len="med"/>
+              <a:tailEnd type="none" w="med" len="med"/>
+            </a:ln>
+            <a:effectLst/>
+          </p:spPr>
+        </p:cxnSp>
+        <p:cxnSp>
+          <p:nvCxnSpPr>
+            <p:cNvPr id="33" name="直線接點 32"/>
+            <p:cNvCxnSpPr/>
+            <p:nvPr/>
+          </p:nvCxnSpPr>
+          <p:spPr bwMode="auto">
+            <a:xfrm>
+              <a:off x="7301128" y="5227320"/>
+              <a:ext cx="0" cy="335280"/>
+            </a:xfrm>
+            <a:prstGeom prst="line">
+              <a:avLst/>
+            </a:prstGeom>
+            <a:solidFill>
+              <a:schemeClr val="accent1"/>
+            </a:solidFill>
+            <a:ln w="9525" cap="flat" cmpd="sng" algn="ctr">
+              <a:solidFill>
+                <a:srgbClr val="FF0000"/>
+              </a:solidFill>
+              <a:prstDash val="solid"/>
+              <a:round/>
+              <a:headEnd type="none" w="med" len="med"/>
+              <a:tailEnd type="none" w="med" len="med"/>
+            </a:ln>
+            <a:effectLst/>
+          </p:spPr>
+        </p:cxnSp>
+        <p:cxnSp>
+          <p:nvCxnSpPr>
+            <p:cNvPr id="34" name="直線接點 33"/>
+            <p:cNvCxnSpPr/>
+            <p:nvPr/>
+          </p:nvCxnSpPr>
+          <p:spPr bwMode="auto">
+            <a:xfrm>
+              <a:off x="5359787" y="5379720"/>
+              <a:ext cx="1941341" cy="0"/>
+            </a:xfrm>
+            <a:prstGeom prst="line">
+              <a:avLst/>
+            </a:prstGeom>
+            <a:solidFill>
+              <a:schemeClr val="accent1"/>
+            </a:solidFill>
+            <a:ln w="9525" cap="flat" cmpd="sng" algn="ctr">
+              <a:solidFill>
+                <a:srgbClr val="FF0000"/>
+              </a:solidFill>
+              <a:prstDash val="solid"/>
+              <a:round/>
+              <a:headEnd type="triangle" w="med" len="med"/>
+              <a:tailEnd type="triangle" w="med" len="med"/>
+            </a:ln>
+            <a:effectLst/>
+          </p:spPr>
+        </p:cxnSp>
+        <p:sp>
+          <p:nvSpPr>
+            <p:cNvPr id="22" name="文字方塊 21"/>
+            <p:cNvSpPr txBox="1"/>
+            <p:nvPr/>
+          </p:nvSpPr>
+          <p:spPr>
+            <a:xfrm>
+              <a:off x="3549505" y="5394960"/>
+              <a:ext cx="1651093" cy="707886"/>
+            </a:xfrm>
+            <a:prstGeom prst="rect">
+              <a:avLst/>
+            </a:prstGeom>
+            <a:noFill/>
+          </p:spPr>
+          <p:txBody>
+            <a:bodyPr wrap="none" rtlCol="0">
+              <a:spAutoFit/>
+            </a:bodyPr>
+            <a:lstStyle/>
+            <a:p>
+              <a:r>
+                <a:rPr lang="en-US" altLang="zh-TW" sz="2000" dirty="0">
+                  <a:solidFill>
+                    <a:srgbClr val="FF0000"/>
+                  </a:solidFill>
+                  <a:latin typeface="Times New Roman" panose="02020603050405020304" pitchFamily="18" charset="0"/>
+                </a:rPr>
+                <a:t>Higher-half of</a:t>
+              </a:r>
+            </a:p>
+            <a:p>
+              <a:r>
+                <a:rPr lang="en-US" altLang="zh-TW" sz="2000" dirty="0">
+                  <a:solidFill>
+                    <a:srgbClr val="FF0000"/>
+                  </a:solidFill>
+                  <a:latin typeface="Times New Roman" panose="02020603050405020304" pitchFamily="18" charset="0"/>
+                </a:rPr>
+                <a:t>the data</a:t>
+              </a:r>
+              <a:endParaRPr lang="zh-TW" altLang="en-US" sz="2000" dirty="0">
+                <a:solidFill>
+                  <a:srgbClr val="FF0000"/>
+                </a:solidFill>
+                <a:latin typeface="Times New Roman" panose="02020603050405020304" pitchFamily="18" charset="0"/>
+              </a:endParaRPr>
+            </a:p>
+          </p:txBody>
+        </p:sp>
+        <p:sp>
+          <p:nvSpPr>
+            <p:cNvPr id="35" name="文字方塊 34"/>
+            <p:cNvSpPr txBox="1"/>
+            <p:nvPr/>
+          </p:nvSpPr>
+          <p:spPr>
+            <a:xfrm>
+              <a:off x="5416062" y="5394960"/>
+              <a:ext cx="1609415" cy="707886"/>
+            </a:xfrm>
+            <a:prstGeom prst="rect">
+              <a:avLst/>
+            </a:prstGeom>
+            <a:noFill/>
+          </p:spPr>
+          <p:txBody>
+            <a:bodyPr wrap="none" rtlCol="0">
+              <a:spAutoFit/>
+            </a:bodyPr>
+            <a:lstStyle/>
+            <a:p>
+              <a:r>
+                <a:rPr lang="en-US" altLang="zh-TW" sz="2000" dirty="0">
+                  <a:solidFill>
+                    <a:srgbClr val="FF0000"/>
+                  </a:solidFill>
+                  <a:latin typeface="Times New Roman" panose="02020603050405020304" pitchFamily="18" charset="0"/>
+                </a:rPr>
+                <a:t>Lower-half of</a:t>
+              </a:r>
+            </a:p>
+            <a:p>
+              <a:r>
+                <a:rPr lang="en-US" altLang="zh-TW" sz="2000" dirty="0">
+                  <a:solidFill>
+                    <a:srgbClr val="FF0000"/>
+                  </a:solidFill>
+                  <a:latin typeface="Times New Roman" panose="02020603050405020304" pitchFamily="18" charset="0"/>
+                </a:rPr>
+                <a:t>the data</a:t>
+              </a:r>
+              <a:endParaRPr lang="zh-TW" altLang="en-US" sz="2000" dirty="0">
+                <a:solidFill>
+                  <a:srgbClr val="FF0000"/>
+                </a:solidFill>
+                <a:latin typeface="Times New Roman" panose="02020603050405020304" pitchFamily="18" charset="0"/>
+              </a:endParaRPr>
+            </a:p>
+          </p:txBody>
+        </p:sp>
+        <p:sp>
+          <p:nvSpPr>
+            <p:cNvPr id="36" name="圓角矩形 35"/>
+            <p:cNvSpPr/>
+            <p:nvPr/>
+          </p:nvSpPr>
+          <p:spPr bwMode="auto">
+            <a:xfrm>
+              <a:off x="5274013" y="3561247"/>
+              <a:ext cx="2083388" cy="1635594"/>
+            </a:xfrm>
+            <a:prstGeom prst="roundRect">
+              <a:avLst/>
+            </a:prstGeom>
+            <a:noFill/>
+            <a:ln w="38100" cap="flat" cmpd="sng" algn="ctr">
+              <a:solidFill>
+                <a:srgbClr val="FF0000"/>
+              </a:solidFill>
+              <a:prstDash val="dash"/>
+              <a:round/>
+              <a:headEnd type="none" w="med" len="med"/>
+              <a:tailEnd type="none" w="med" len="med"/>
+            </a:ln>
+            <a:effectLst/>
+          </p:spPr>
+          <p:txBody>
+            <a:bodyPr rot="0" spcFirstLastPara="0" vertOverflow="overflow" horzOverflow="overflow" vert="horz" wrap="square" lIns="91440" tIns="45720" rIns="91440" bIns="45720" numCol="1" spcCol="0" rtlCol="0" fromWordArt="0" anchor="t" anchorCtr="0" forceAA="0" compatLnSpc="1">
+              <a:prstTxWarp prst="textNoShape">
+                <a:avLst/>
+              </a:prstTxWarp>
+              <a:noAutofit/>
+            </a:bodyPr>
+            <a:lstStyle/>
+            <a:p>
+              <a:pPr eaLnBrk="0" fontAlgn="base" hangingPunct="0">
+                <a:spcBef>
+                  <a:spcPct val="0"/>
+                </a:spcBef>
+                <a:spcAft>
+                  <a:spcPct val="0"/>
+                </a:spcAft>
+              </a:pPr>
+              <a:endParaRPr lang="zh-TW" altLang="en-US">
+                <a:latin typeface="Arial" charset="0"/>
+              </a:endParaRPr>
+            </a:p>
+          </p:txBody>
+        </p:sp>
+      </p:grpSp>
+      <p:pic>
+        <p:nvPicPr>
+          <p:cNvPr id="13" name="圖片 12"/>
+          <p:cNvPicPr>
+            <a:picLocks noChangeAspect="1"/>
+          </p:cNvPicPr>
+          <p:nvPr/>
+        </p:nvPicPr>
+        <p:blipFill>
+          <a:blip r:embed="rId2"/>
+          <a:stretch>
+            <a:fillRect/>
+          </a:stretch>
+        </p:blipFill>
+        <p:spPr>
+          <a:xfrm>
+            <a:off x="280435" y="3388457"/>
+            <a:ext cx="3350486" cy="3072931"/>
+          </a:xfrm>
+          <a:prstGeom prst="rect">
+            <a:avLst/>
+          </a:prstGeom>
+        </p:spPr>
+      </p:pic>
+      <p:sp>
+        <p:nvSpPr>
+          <p:cNvPr id="18" name="圓角矩形 17"/>
+          <p:cNvSpPr/>
+          <p:nvPr/>
+        </p:nvSpPr>
+        <p:spPr bwMode="auto">
+          <a:xfrm>
+            <a:off x="600046" y="5139698"/>
+            <a:ext cx="2804160" cy="1190764"/>
+          </a:xfrm>
+          <a:prstGeom prst="roundRect">
+            <a:avLst/>
+          </a:prstGeom>
+          <a:noFill/>
+          <a:ln w="38100" cap="flat" cmpd="sng" algn="ctr">
+            <a:solidFill>
+              <a:srgbClr val="FF0000"/>
+            </a:solidFill>
+            <a:prstDash val="dash"/>
+            <a:round/>
+            <a:headEnd type="none" w="med" len="med"/>
+            <a:tailEnd type="none" w="med" len="med"/>
+          </a:ln>
+          <a:effectLst/>
+        </p:spPr>
+        <p:txBody>
+          <a:bodyPr rot="0" spcFirstLastPara="0" vertOverflow="overflow" horzOverflow="overflow" vert="horz" wrap="square" lIns="91440" tIns="45720" rIns="91440" bIns="45720" numCol="1" spcCol="0" rtlCol="0" fromWordArt="0" anchor="t" anchorCtr="0" forceAA="0" compatLnSpc="1">
+            <a:prstTxWarp prst="textNoShape">
+              <a:avLst/>
+            </a:prstTxWarp>
+            <a:noAutofit/>
+          </a:bodyPr>
+          <a:lstStyle/>
+          <a:p>
+            <a:pPr eaLnBrk="0" fontAlgn="base" hangingPunct="0">
+              <a:spcBef>
+                <a:spcPct val="0"/>
+              </a:spcBef>
+              <a:spcAft>
+                <a:spcPct val="0"/>
+              </a:spcAft>
+            </a:pPr>
+            <a:endParaRPr lang="zh-TW" altLang="en-US">
+              <a:latin typeface="Arial" charset="0"/>
+            </a:endParaRPr>
+          </a:p>
+        </p:txBody>
+      </p:sp>
+      <p:sp>
+        <p:nvSpPr>
+          <p:cNvPr id="24" name="文字方塊 23"/>
+          <p:cNvSpPr txBox="1"/>
+          <p:nvPr/>
+        </p:nvSpPr>
+        <p:spPr>
+          <a:xfrm>
+            <a:off x="1688080" y="4750248"/>
+            <a:ext cx="2334998" cy="338554"/>
+          </a:xfrm>
+          <a:prstGeom prst="rect">
+            <a:avLst/>
+          </a:prstGeom>
+          <a:noFill/>
+        </p:spPr>
+        <p:txBody>
+          <a:bodyPr wrap="none" rtlCol="0">
+            <a:spAutoFit/>
+          </a:bodyPr>
+          <a:lstStyle/>
+          <a:p>
+            <a:r>
+              <a:rPr lang="en-US" altLang="zh-TW" sz="1600" dirty="0" smtClean="0">
+                <a:solidFill>
+                  <a:srgbClr val="FF0000"/>
+                </a:solidFill>
+                <a:latin typeface="Times New Roman" panose="02020603050405020304" pitchFamily="18" charset="0"/>
+              </a:rPr>
+              <a:t>Send signal for lower-half</a:t>
+            </a:r>
+            <a:endParaRPr lang="zh-TW" altLang="en-US" sz="1600" dirty="0">
+              <a:solidFill>
+                <a:srgbClr val="FF0000"/>
+              </a:solidFill>
+              <a:latin typeface="Times New Roman" panose="02020603050405020304" pitchFamily="18" charset="0"/>
+            </a:endParaRPr>
+          </a:p>
+        </p:txBody>
+      </p:sp>
+    </p:spTree>
+    <p:extLst>
+      <p:ext uri="{BB962C8B-B14F-4D97-AF65-F5344CB8AC3E}">
+        <p14:creationId xmlns:p14="http://schemas.microsoft.com/office/powerpoint/2010/main" val="2877355240"/>
       </p:ext>
     </p:extLst>
   </p:cSld>
@@ -8792,11 +12187,7 @@
             </a:r>
             <a:r>
               <a:rPr lang="en-US" altLang="zh-TW" sz="1800" dirty="0" smtClean="0"/>
-              <a:t> character at the cursor </a:t>
-            </a:r>
-            <a:r>
-              <a:rPr lang="en-US" altLang="zh-TW" sz="1800" dirty="0" smtClean="0"/>
-              <a:t>position</a:t>
+              <a:t> character at the cursor position</a:t>
             </a:r>
           </a:p>
           <a:p>
@@ -8811,7 +12202,6 @@
               <a:rPr lang="en-US" altLang="zh-TW" sz="1800" dirty="0" smtClean="0"/>
               <a:t>Catch the signal waveform of sending a command/data using LA</a:t>
             </a:r>
-            <a:endParaRPr lang="en-US" altLang="zh-TW" sz="1800" dirty="0" smtClean="0"/>
           </a:p>
         </p:txBody>
       </p:sp>
@@ -8885,53 +12275,25 @@
           <a:p>
             <a:r>
               <a:rPr lang="en-US" altLang="zh-TW" sz="2800" dirty="0" smtClean="0"/>
-              <a:t>2015/10/29: demo the basic part to TA</a:t>
+              <a:t>2015/11/03: </a:t>
             </a:r>
-          </a:p>
-          <a:p>
             <a:r>
               <a:rPr lang="en-US" altLang="zh-TW" sz="2800" dirty="0" smtClean="0"/>
-              <a:t>2015/11/05: demo the bonus part to TA</a:t>
+              <a:t>demo the basic part to TA</a:t>
             </a:r>
-          </a:p>
-          <a:p>
-            <a:endParaRPr lang="en-US" altLang="zh-TW" sz="2800" dirty="0"/>
           </a:p>
           <a:p>
             <a:r>
               <a:rPr lang="en-US" altLang="zh-TW" sz="2800" dirty="0" smtClean="0"/>
-              <a:t>Caution:</a:t>
+              <a:t>2015/11/10: </a:t>
             </a:r>
-          </a:p>
-          <a:p>
-            <a:pPr lvl="1"/>
             <a:r>
-              <a:rPr lang="en-US" altLang="zh-TW" sz="2400" dirty="0" smtClean="0"/>
-              <a:t>You have to do the basic part totally by yourself</a:t>
+              <a:rPr lang="en-US" altLang="zh-TW" sz="2800" dirty="0" smtClean="0"/>
+              <a:t>demo the bonus part to TA</a:t>
             </a:r>
           </a:p>
           <a:p>
-            <a:pPr lvl="1"/>
-            <a:r>
-              <a:rPr lang="en-US" altLang="zh-TW" sz="2400" dirty="0" smtClean="0"/>
-              <a:t>Team-work is allowed for the bonus part</a:t>
-            </a:r>
-          </a:p>
-          <a:p>
-            <a:pPr lvl="2"/>
-            <a:r>
-              <a:rPr lang="en-US" altLang="zh-TW" sz="2000" dirty="0" smtClean="0">
-                <a:solidFill>
-                  <a:srgbClr val="FF0000"/>
-                </a:solidFill>
-              </a:rPr>
-              <a:t>All members share the FIXED bonus</a:t>
-            </a:r>
-            <a:endParaRPr lang="zh-TW" altLang="en-US" sz="2000" dirty="0">
-              <a:solidFill>
-                <a:srgbClr val="FF0000"/>
-              </a:solidFill>
-            </a:endParaRPr>
+            <a:endParaRPr lang="en-US" altLang="zh-TW" sz="2800" dirty="0"/>
           </a:p>
         </p:txBody>
       </p:sp>
@@ -9333,8 +12695,8 @@
         </p:blipFill>
         <p:spPr>
           <a:xfrm>
-            <a:off x="4909624" y="3397882"/>
-            <a:ext cx="4234375" cy="2637327"/>
+            <a:off x="3967090" y="2810836"/>
+            <a:ext cx="5176910" cy="3224373"/>
           </a:xfrm>
           <a:prstGeom prst="rect">
             <a:avLst/>
